--- a/Lecture_01.pptx
+++ b/Lecture_01.pptx
@@ -16,14 +16,18 @@
     <p:sldId id="264" r:id="rId10"/>
     <p:sldId id="265" r:id="rId11"/>
     <p:sldId id="266" r:id="rId12"/>
-    <p:sldId id="269" r:id="rId13"/>
-    <p:sldId id="267" r:id="rId14"/>
-    <p:sldId id="268" r:id="rId15"/>
-    <p:sldId id="270" r:id="rId16"/>
+    <p:sldId id="270" r:id="rId13"/>
+    <p:sldId id="269" r:id="rId14"/>
+    <p:sldId id="267" r:id="rId15"/>
+    <p:sldId id="268" r:id="rId16"/>
     <p:sldId id="271" r:id="rId17"/>
     <p:sldId id="272" r:id="rId18"/>
     <p:sldId id="273" r:id="rId19"/>
-    <p:sldId id="274" r:id="rId20"/>
+    <p:sldId id="275" r:id="rId20"/>
+    <p:sldId id="276" r:id="rId21"/>
+    <p:sldId id="277" r:id="rId22"/>
+    <p:sldId id="278" r:id="rId23"/>
+    <p:sldId id="279" r:id="rId24"/>
   </p:sldIdLst>
   <p:sldSz cx="12192000" cy="6858000"/>
   <p:notesSz cx="6858000" cy="9144000"/>
@@ -261,7 +265,7 @@
           <a:p>
             <a:fld id="{3F7C7DEE-455D-41AE-9F23-41A2122B4C29}" type="datetimeFigureOut">
               <a:rPr lang="en-CA" smtClean="0"/>
-              <a:t>2019-09-02</a:t>
+              <a:t>2019-09-03</a:t>
             </a:fld>
             <a:endParaRPr lang="en-CA"/>
           </a:p>
@@ -431,7 +435,7 @@
           <a:p>
             <a:fld id="{3F7C7DEE-455D-41AE-9F23-41A2122B4C29}" type="datetimeFigureOut">
               <a:rPr lang="en-CA" smtClean="0"/>
-              <a:t>2019-09-02</a:t>
+              <a:t>2019-09-03</a:t>
             </a:fld>
             <a:endParaRPr lang="en-CA"/>
           </a:p>
@@ -611,7 +615,7 @@
           <a:p>
             <a:fld id="{3F7C7DEE-455D-41AE-9F23-41A2122B4C29}" type="datetimeFigureOut">
               <a:rPr lang="en-CA" smtClean="0"/>
-              <a:t>2019-09-02</a:t>
+              <a:t>2019-09-03</a:t>
             </a:fld>
             <a:endParaRPr lang="en-CA"/>
           </a:p>
@@ -781,7 +785,7 @@
           <a:p>
             <a:fld id="{3F7C7DEE-455D-41AE-9F23-41A2122B4C29}" type="datetimeFigureOut">
               <a:rPr lang="en-CA" smtClean="0"/>
-              <a:t>2019-09-02</a:t>
+              <a:t>2019-09-03</a:t>
             </a:fld>
             <a:endParaRPr lang="en-CA"/>
           </a:p>
@@ -1027,7 +1031,7 @@
           <a:p>
             <a:fld id="{3F7C7DEE-455D-41AE-9F23-41A2122B4C29}" type="datetimeFigureOut">
               <a:rPr lang="en-CA" smtClean="0"/>
-              <a:t>2019-09-02</a:t>
+              <a:t>2019-09-03</a:t>
             </a:fld>
             <a:endParaRPr lang="en-CA"/>
           </a:p>
@@ -1259,7 +1263,7 @@
           <a:p>
             <a:fld id="{3F7C7DEE-455D-41AE-9F23-41A2122B4C29}" type="datetimeFigureOut">
               <a:rPr lang="en-CA" smtClean="0"/>
-              <a:t>2019-09-02</a:t>
+              <a:t>2019-09-03</a:t>
             </a:fld>
             <a:endParaRPr lang="en-CA"/>
           </a:p>
@@ -1626,7 +1630,7 @@
           <a:p>
             <a:fld id="{3F7C7DEE-455D-41AE-9F23-41A2122B4C29}" type="datetimeFigureOut">
               <a:rPr lang="en-CA" smtClean="0"/>
-              <a:t>2019-09-02</a:t>
+              <a:t>2019-09-03</a:t>
             </a:fld>
             <a:endParaRPr lang="en-CA"/>
           </a:p>
@@ -1744,7 +1748,7 @@
           <a:p>
             <a:fld id="{3F7C7DEE-455D-41AE-9F23-41A2122B4C29}" type="datetimeFigureOut">
               <a:rPr lang="en-CA" smtClean="0"/>
-              <a:t>2019-09-02</a:t>
+              <a:t>2019-09-03</a:t>
             </a:fld>
             <a:endParaRPr lang="en-CA"/>
           </a:p>
@@ -1839,7 +1843,7 @@
           <a:p>
             <a:fld id="{3F7C7DEE-455D-41AE-9F23-41A2122B4C29}" type="datetimeFigureOut">
               <a:rPr lang="en-CA" smtClean="0"/>
-              <a:t>2019-09-02</a:t>
+              <a:t>2019-09-03</a:t>
             </a:fld>
             <a:endParaRPr lang="en-CA"/>
           </a:p>
@@ -2116,7 +2120,7 @@
           <a:p>
             <a:fld id="{3F7C7DEE-455D-41AE-9F23-41A2122B4C29}" type="datetimeFigureOut">
               <a:rPr lang="en-CA" smtClean="0"/>
-              <a:t>2019-09-02</a:t>
+              <a:t>2019-09-03</a:t>
             </a:fld>
             <a:endParaRPr lang="en-CA"/>
           </a:p>
@@ -2369,7 +2373,7 @@
           <a:p>
             <a:fld id="{3F7C7DEE-455D-41AE-9F23-41A2122B4C29}" type="datetimeFigureOut">
               <a:rPr lang="en-CA" smtClean="0"/>
-              <a:t>2019-09-02</a:t>
+              <a:t>2019-09-03</a:t>
             </a:fld>
             <a:endParaRPr lang="en-CA"/>
           </a:p>
@@ -2582,7 +2586,7 @@
           <a:p>
             <a:fld id="{3F7C7DEE-455D-41AE-9F23-41A2122B4C29}" type="datetimeFigureOut">
               <a:rPr lang="en-CA" smtClean="0"/>
-              <a:t>2019-09-02</a:t>
+              <a:t>2019-09-03</a:t>
             </a:fld>
             <a:endParaRPr lang="en-CA"/>
           </a:p>
@@ -3159,9 +3163,182 @@
   <p:timing>
     <p:tnLst>
       <p:par>
-        <p:cTn id="1" dur="indefinite" restart="never" nodeType="tmRoot"/>
+        <p:cTn id="1" dur="indefinite" restart="never" nodeType="tmRoot">
+          <p:childTnLst>
+            <p:seq concurrent="1" nextAc="seek">
+              <p:cTn id="2" dur="indefinite" nodeType="mainSeq">
+                <p:childTnLst>
+                  <p:par>
+                    <p:cTn id="3" fill="hold">
+                      <p:stCondLst>
+                        <p:cond delay="indefinite"/>
+                      </p:stCondLst>
+                      <p:childTnLst>
+                        <p:par>
+                          <p:cTn id="4" fill="hold">
+                            <p:stCondLst>
+                              <p:cond delay="0"/>
+                            </p:stCondLst>
+                            <p:childTnLst>
+                              <p:par>
+                                <p:cTn id="5" presetID="1" presetClass="entr" presetSubtype="0" fill="hold" grpId="0" nodeType="clickEffect">
+                                  <p:stCondLst>
+                                    <p:cond delay="0"/>
+                                  </p:stCondLst>
+                                  <p:childTnLst>
+                                    <p:set>
+                                      <p:cBhvr>
+                                        <p:cTn id="6" dur="1" fill="hold">
+                                          <p:stCondLst>
+                                            <p:cond delay="0"/>
+                                          </p:stCondLst>
+                                        </p:cTn>
+                                        <p:tgtEl>
+                                          <p:spTgt spid="3">
+                                            <p:txEl>
+                                              <p:pRg st="1" end="1"/>
+                                            </p:txEl>
+                                          </p:spTgt>
+                                        </p:tgtEl>
+                                        <p:attrNameLst>
+                                          <p:attrName>style.visibility</p:attrName>
+                                        </p:attrNameLst>
+                                      </p:cBhvr>
+                                      <p:to>
+                                        <p:strVal val="visible"/>
+                                      </p:to>
+                                    </p:set>
+                                  </p:childTnLst>
+                                </p:cTn>
+                              </p:par>
+                            </p:childTnLst>
+                          </p:cTn>
+                        </p:par>
+                      </p:childTnLst>
+                    </p:cTn>
+                  </p:par>
+                  <p:par>
+                    <p:cTn id="7" fill="hold">
+                      <p:stCondLst>
+                        <p:cond delay="indefinite"/>
+                      </p:stCondLst>
+                      <p:childTnLst>
+                        <p:par>
+                          <p:cTn id="8" fill="hold">
+                            <p:stCondLst>
+                              <p:cond delay="0"/>
+                            </p:stCondLst>
+                            <p:childTnLst>
+                              <p:par>
+                                <p:cTn id="9" presetID="1" presetClass="entr" presetSubtype="0" fill="hold" grpId="0" nodeType="clickEffect">
+                                  <p:stCondLst>
+                                    <p:cond delay="0"/>
+                                  </p:stCondLst>
+                                  <p:childTnLst>
+                                    <p:set>
+                                      <p:cBhvr>
+                                        <p:cTn id="10" dur="1" fill="hold">
+                                          <p:stCondLst>
+                                            <p:cond delay="0"/>
+                                          </p:stCondLst>
+                                        </p:cTn>
+                                        <p:tgtEl>
+                                          <p:spTgt spid="3">
+                                            <p:txEl>
+                                              <p:pRg st="2" end="2"/>
+                                            </p:txEl>
+                                          </p:spTgt>
+                                        </p:tgtEl>
+                                        <p:attrNameLst>
+                                          <p:attrName>style.visibility</p:attrName>
+                                        </p:attrNameLst>
+                                      </p:cBhvr>
+                                      <p:to>
+                                        <p:strVal val="visible"/>
+                                      </p:to>
+                                    </p:set>
+                                  </p:childTnLst>
+                                </p:cTn>
+                              </p:par>
+                            </p:childTnLst>
+                          </p:cTn>
+                        </p:par>
+                      </p:childTnLst>
+                    </p:cTn>
+                  </p:par>
+                  <p:par>
+                    <p:cTn id="11" fill="hold">
+                      <p:stCondLst>
+                        <p:cond delay="indefinite"/>
+                      </p:stCondLst>
+                      <p:childTnLst>
+                        <p:par>
+                          <p:cTn id="12" fill="hold">
+                            <p:stCondLst>
+                              <p:cond delay="0"/>
+                            </p:stCondLst>
+                            <p:childTnLst>
+                              <p:par>
+                                <p:cTn id="13" presetID="1" presetClass="entr" presetSubtype="0" fill="hold" grpId="0" nodeType="clickEffect">
+                                  <p:stCondLst>
+                                    <p:cond delay="0"/>
+                                  </p:stCondLst>
+                                  <p:childTnLst>
+                                    <p:set>
+                                      <p:cBhvr>
+                                        <p:cTn id="14" dur="1" fill="hold">
+                                          <p:stCondLst>
+                                            <p:cond delay="0"/>
+                                          </p:stCondLst>
+                                        </p:cTn>
+                                        <p:tgtEl>
+                                          <p:spTgt spid="3">
+                                            <p:txEl>
+                                              <p:pRg st="3" end="3"/>
+                                            </p:txEl>
+                                          </p:spTgt>
+                                        </p:tgtEl>
+                                        <p:attrNameLst>
+                                          <p:attrName>style.visibility</p:attrName>
+                                        </p:attrNameLst>
+                                      </p:cBhvr>
+                                      <p:to>
+                                        <p:strVal val="visible"/>
+                                      </p:to>
+                                    </p:set>
+                                  </p:childTnLst>
+                                </p:cTn>
+                              </p:par>
+                            </p:childTnLst>
+                          </p:cTn>
+                        </p:par>
+                      </p:childTnLst>
+                    </p:cTn>
+                  </p:par>
+                </p:childTnLst>
+              </p:cTn>
+              <p:prevCondLst>
+                <p:cond evt="onPrev" delay="0">
+                  <p:tgtEl>
+                    <p:sldTgt/>
+                  </p:tgtEl>
+                </p:cond>
+              </p:prevCondLst>
+              <p:nextCondLst>
+                <p:cond evt="onNext" delay="0">
+                  <p:tgtEl>
+                    <p:sldTgt/>
+                  </p:tgtEl>
+                </p:cond>
+              </p:nextCondLst>
+            </p:seq>
+          </p:childTnLst>
+        </p:cTn>
       </p:par>
     </p:tnLst>
+    <p:bldLst>
+      <p:bldP spid="3" grpId="0" uiExpand="1" build="p"/>
+    </p:bldLst>
   </p:timing>
 </p:sld>
 </file>
@@ -8414,7 +8591,7 @@
                 <a:latin typeface="Courier New" panose="02070309020205020404" pitchFamily="49" charset="0"/>
                 <a:cs typeface="Courier New" panose="02070309020205020404" pitchFamily="49" charset="0"/>
               </a:rPr>
-              <a:t>If Tear Production Rate = Reduced, then Recommendation = None. </a:t>
+              <a:t>If Tear Production Rate = Reduced, then Recommendation = None</a:t>
             </a:r>
           </a:p>
           <a:p>
@@ -8474,6 +8651,530 @@
   <p:timing>
     <p:tnLst>
       <p:par>
+        <p:cTn id="1" dur="indefinite" restart="never" nodeType="tmRoot">
+          <p:childTnLst>
+            <p:seq concurrent="1" nextAc="seek">
+              <p:cTn id="2" dur="indefinite" nodeType="mainSeq">
+                <p:childTnLst>
+                  <p:par>
+                    <p:cTn id="3" fill="hold">
+                      <p:stCondLst>
+                        <p:cond delay="indefinite"/>
+                      </p:stCondLst>
+                      <p:childTnLst>
+                        <p:par>
+                          <p:cTn id="4" fill="hold">
+                            <p:stCondLst>
+                              <p:cond delay="0"/>
+                            </p:stCondLst>
+                            <p:childTnLst>
+                              <p:par>
+                                <p:cTn id="5" presetID="1" presetClass="entr" presetSubtype="0" fill="hold" nodeType="clickEffect">
+                                  <p:stCondLst>
+                                    <p:cond delay="0"/>
+                                  </p:stCondLst>
+                                  <p:childTnLst>
+                                    <p:set>
+                                      <p:cBhvr>
+                                        <p:cTn id="6" dur="1" fill="hold">
+                                          <p:stCondLst>
+                                            <p:cond delay="0"/>
+                                          </p:stCondLst>
+                                        </p:cTn>
+                                        <p:tgtEl>
+                                          <p:spTgt spid="12">
+                                            <p:txEl>
+                                              <p:pRg st="0" end="0"/>
+                                            </p:txEl>
+                                          </p:spTgt>
+                                        </p:tgtEl>
+                                        <p:attrNameLst>
+                                          <p:attrName>style.visibility</p:attrName>
+                                        </p:attrNameLst>
+                                      </p:cBhvr>
+                                      <p:to>
+                                        <p:strVal val="visible"/>
+                                      </p:to>
+                                    </p:set>
+                                  </p:childTnLst>
+                                </p:cTn>
+                              </p:par>
+                              <p:par>
+                                <p:cTn id="7" presetID="1" presetClass="entr" presetSubtype="0" fill="hold" nodeType="withEffect">
+                                  <p:stCondLst>
+                                    <p:cond delay="0"/>
+                                  </p:stCondLst>
+                                  <p:childTnLst>
+                                    <p:set>
+                                      <p:cBhvr>
+                                        <p:cTn id="8" dur="1" fill="hold">
+                                          <p:stCondLst>
+                                            <p:cond delay="0"/>
+                                          </p:stCondLst>
+                                        </p:cTn>
+                                        <p:tgtEl>
+                                          <p:spTgt spid="12">
+                                            <p:txEl>
+                                              <p:pRg st="1" end="1"/>
+                                            </p:txEl>
+                                          </p:spTgt>
+                                        </p:tgtEl>
+                                        <p:attrNameLst>
+                                          <p:attrName>style.visibility</p:attrName>
+                                        </p:attrNameLst>
+                                      </p:cBhvr>
+                                      <p:to>
+                                        <p:strVal val="visible"/>
+                                      </p:to>
+                                    </p:set>
+                                  </p:childTnLst>
+                                </p:cTn>
+                              </p:par>
+                              <p:par>
+                                <p:cTn id="9" presetID="1" presetClass="entr" presetSubtype="0" fill="hold" nodeType="withEffect">
+                                  <p:stCondLst>
+                                    <p:cond delay="0"/>
+                                  </p:stCondLst>
+                                  <p:childTnLst>
+                                    <p:set>
+                                      <p:cBhvr>
+                                        <p:cTn id="10" dur="1" fill="hold">
+                                          <p:stCondLst>
+                                            <p:cond delay="0"/>
+                                          </p:stCondLst>
+                                        </p:cTn>
+                                        <p:tgtEl>
+                                          <p:spTgt spid="12">
+                                            <p:txEl>
+                                              <p:pRg st="2" end="2"/>
+                                            </p:txEl>
+                                          </p:spTgt>
+                                        </p:tgtEl>
+                                        <p:attrNameLst>
+                                          <p:attrName>style.visibility</p:attrName>
+                                        </p:attrNameLst>
+                                      </p:cBhvr>
+                                      <p:to>
+                                        <p:strVal val="visible"/>
+                                      </p:to>
+                                    </p:set>
+                                  </p:childTnLst>
+                                </p:cTn>
+                              </p:par>
+                              <p:par>
+                                <p:cTn id="11" presetID="1" presetClass="entr" presetSubtype="0" fill="hold" nodeType="withEffect">
+                                  <p:stCondLst>
+                                    <p:cond delay="0"/>
+                                  </p:stCondLst>
+                                  <p:childTnLst>
+                                    <p:set>
+                                      <p:cBhvr>
+                                        <p:cTn id="12" dur="1" fill="hold">
+                                          <p:stCondLst>
+                                            <p:cond delay="0"/>
+                                          </p:stCondLst>
+                                        </p:cTn>
+                                        <p:tgtEl>
+                                          <p:spTgt spid="12">
+                                            <p:txEl>
+                                              <p:pRg st="3" end="3"/>
+                                            </p:txEl>
+                                          </p:spTgt>
+                                        </p:tgtEl>
+                                        <p:attrNameLst>
+                                          <p:attrName>style.visibility</p:attrName>
+                                        </p:attrNameLst>
+                                      </p:cBhvr>
+                                      <p:to>
+                                        <p:strVal val="visible"/>
+                                      </p:to>
+                                    </p:set>
+                                  </p:childTnLst>
+                                </p:cTn>
+                              </p:par>
+                            </p:childTnLst>
+                          </p:cTn>
+                        </p:par>
+                      </p:childTnLst>
+                    </p:cTn>
+                  </p:par>
+                  <p:par>
+                    <p:cTn id="13" fill="hold">
+                      <p:stCondLst>
+                        <p:cond delay="indefinite"/>
+                      </p:stCondLst>
+                      <p:childTnLst>
+                        <p:par>
+                          <p:cTn id="14" fill="hold">
+                            <p:stCondLst>
+                              <p:cond delay="0"/>
+                            </p:stCondLst>
+                            <p:childTnLst>
+                              <p:par>
+                                <p:cTn id="15" presetID="1" presetClass="entr" presetSubtype="0" fill="hold" nodeType="clickEffect">
+                                  <p:stCondLst>
+                                    <p:cond delay="0"/>
+                                  </p:stCondLst>
+                                  <p:childTnLst>
+                                    <p:set>
+                                      <p:cBhvr>
+                                        <p:cTn id="16" dur="1" fill="hold">
+                                          <p:stCondLst>
+                                            <p:cond delay="0"/>
+                                          </p:stCondLst>
+                                        </p:cTn>
+                                        <p:tgtEl>
+                                          <p:spTgt spid="12">
+                                            <p:txEl>
+                                              <p:pRg st="5" end="5"/>
+                                            </p:txEl>
+                                          </p:spTgt>
+                                        </p:tgtEl>
+                                        <p:attrNameLst>
+                                          <p:attrName>style.visibility</p:attrName>
+                                        </p:attrNameLst>
+                                      </p:cBhvr>
+                                      <p:to>
+                                        <p:strVal val="visible"/>
+                                      </p:to>
+                                    </p:set>
+                                  </p:childTnLst>
+                                </p:cTn>
+                              </p:par>
+                              <p:par>
+                                <p:cTn id="17" presetID="1" presetClass="entr" presetSubtype="0" fill="hold" nodeType="withEffect">
+                                  <p:stCondLst>
+                                    <p:cond delay="0"/>
+                                  </p:stCondLst>
+                                  <p:childTnLst>
+                                    <p:set>
+                                      <p:cBhvr>
+                                        <p:cTn id="18" dur="1" fill="hold">
+                                          <p:stCondLst>
+                                            <p:cond delay="0"/>
+                                          </p:stCondLst>
+                                        </p:cTn>
+                                        <p:tgtEl>
+                                          <p:spTgt spid="12">
+                                            <p:txEl>
+                                              <p:pRg st="6" end="6"/>
+                                            </p:txEl>
+                                          </p:spTgt>
+                                        </p:tgtEl>
+                                        <p:attrNameLst>
+                                          <p:attrName>style.visibility</p:attrName>
+                                        </p:attrNameLst>
+                                      </p:cBhvr>
+                                      <p:to>
+                                        <p:strVal val="visible"/>
+                                      </p:to>
+                                    </p:set>
+                                  </p:childTnLst>
+                                </p:cTn>
+                              </p:par>
+                              <p:par>
+                                <p:cTn id="19" presetID="1" presetClass="entr" presetSubtype="0" fill="hold" nodeType="withEffect">
+                                  <p:stCondLst>
+                                    <p:cond delay="0"/>
+                                  </p:stCondLst>
+                                  <p:childTnLst>
+                                    <p:set>
+                                      <p:cBhvr>
+                                        <p:cTn id="20" dur="1" fill="hold">
+                                          <p:stCondLst>
+                                            <p:cond delay="0"/>
+                                          </p:stCondLst>
+                                        </p:cTn>
+                                        <p:tgtEl>
+                                          <p:spTgt spid="12">
+                                            <p:txEl>
+                                              <p:pRg st="7" end="7"/>
+                                            </p:txEl>
+                                          </p:spTgt>
+                                        </p:tgtEl>
+                                        <p:attrNameLst>
+                                          <p:attrName>style.visibility</p:attrName>
+                                        </p:attrNameLst>
+                                      </p:cBhvr>
+                                      <p:to>
+                                        <p:strVal val="visible"/>
+                                      </p:to>
+                                    </p:set>
+                                  </p:childTnLst>
+                                </p:cTn>
+                              </p:par>
+                            </p:childTnLst>
+                          </p:cTn>
+                        </p:par>
+                      </p:childTnLst>
+                    </p:cTn>
+                  </p:par>
+                  <p:par>
+                    <p:cTn id="21" fill="hold">
+                      <p:stCondLst>
+                        <p:cond delay="indefinite"/>
+                      </p:stCondLst>
+                      <p:childTnLst>
+                        <p:par>
+                          <p:cTn id="22" fill="hold">
+                            <p:stCondLst>
+                              <p:cond delay="0"/>
+                            </p:stCondLst>
+                            <p:childTnLst>
+                              <p:par>
+                                <p:cTn id="23" presetID="1" presetClass="entr" presetSubtype="0" fill="hold" nodeType="clickEffect">
+                                  <p:stCondLst>
+                                    <p:cond delay="0"/>
+                                  </p:stCondLst>
+                                  <p:childTnLst>
+                                    <p:set>
+                                      <p:cBhvr>
+                                        <p:cTn id="24" dur="1" fill="hold">
+                                          <p:stCondLst>
+                                            <p:cond delay="0"/>
+                                          </p:stCondLst>
+                                        </p:cTn>
+                                        <p:tgtEl>
+                                          <p:spTgt spid="12">
+                                            <p:txEl>
+                                              <p:pRg st="8" end="8"/>
+                                            </p:txEl>
+                                          </p:spTgt>
+                                        </p:tgtEl>
+                                        <p:attrNameLst>
+                                          <p:attrName>style.visibility</p:attrName>
+                                        </p:attrNameLst>
+                                      </p:cBhvr>
+                                      <p:to>
+                                        <p:strVal val="visible"/>
+                                      </p:to>
+                                    </p:set>
+                                  </p:childTnLst>
+                                </p:cTn>
+                              </p:par>
+                              <p:par>
+                                <p:cTn id="25" presetID="1" presetClass="entr" presetSubtype="0" fill="hold" nodeType="withEffect">
+                                  <p:stCondLst>
+                                    <p:cond delay="0"/>
+                                  </p:stCondLst>
+                                  <p:childTnLst>
+                                    <p:set>
+                                      <p:cBhvr>
+                                        <p:cTn id="26" dur="1" fill="hold">
+                                          <p:stCondLst>
+                                            <p:cond delay="0"/>
+                                          </p:stCondLst>
+                                        </p:cTn>
+                                        <p:tgtEl>
+                                          <p:spTgt spid="12">
+                                            <p:txEl>
+                                              <p:pRg st="9" end="9"/>
+                                            </p:txEl>
+                                          </p:spTgt>
+                                        </p:tgtEl>
+                                        <p:attrNameLst>
+                                          <p:attrName>style.visibility</p:attrName>
+                                        </p:attrNameLst>
+                                      </p:cBhvr>
+                                      <p:to>
+                                        <p:strVal val="visible"/>
+                                      </p:to>
+                                    </p:set>
+                                  </p:childTnLst>
+                                </p:cTn>
+                              </p:par>
+                            </p:childTnLst>
+                          </p:cTn>
+                        </p:par>
+                      </p:childTnLst>
+                    </p:cTn>
+                  </p:par>
+                </p:childTnLst>
+              </p:cTn>
+              <p:prevCondLst>
+                <p:cond evt="onPrev" delay="0">
+                  <p:tgtEl>
+                    <p:sldTgt/>
+                  </p:tgtEl>
+                </p:cond>
+              </p:prevCondLst>
+              <p:nextCondLst>
+                <p:cond evt="onNext" delay="0">
+                  <p:tgtEl>
+                    <p:sldTgt/>
+                  </p:tgtEl>
+                </p:cond>
+              </p:nextCondLst>
+            </p:seq>
+          </p:childTnLst>
+        </p:cTn>
+      </p:par>
+    </p:tnLst>
+  </p:timing>
+</p:sld>
+</file>
+
+<file path=ppt/slides/slide12.xml><?xml version="1.0" encoding="utf-8"?>
+<p:sld xmlns:a="http://schemas.openxmlformats.org/drawingml/2006/main" xmlns:r="http://schemas.openxmlformats.org/officeDocument/2006/relationships" xmlns:p="http://schemas.openxmlformats.org/presentationml/2006/main">
+  <p:cSld>
+    <p:spTree>
+      <p:nvGrpSpPr>
+        <p:cNvPr id="1" name=""/>
+        <p:cNvGrpSpPr/>
+        <p:nvPr/>
+      </p:nvGrpSpPr>
+      <p:grpSpPr>
+        <a:xfrm>
+          <a:off x="0" y="0"/>
+          <a:ext cx="0" cy="0"/>
+          <a:chOff x="0" y="0"/>
+          <a:chExt cx="0" cy="0"/>
+        </a:xfrm>
+      </p:grpSpPr>
+      <p:sp>
+        <p:nvSpPr>
+          <p:cNvPr id="2" name="Title 1"/>
+          <p:cNvSpPr>
+            <a:spLocks noGrp="1"/>
+          </p:cNvSpPr>
+          <p:nvPr>
+            <p:ph type="title"/>
+          </p:nvPr>
+        </p:nvSpPr>
+        <p:spPr>
+          <a:xfrm>
+            <a:off x="838200" y="365125"/>
+            <a:ext cx="4440382" cy="1325563"/>
+          </a:xfrm>
+        </p:spPr>
+        <p:txBody>
+          <a:bodyPr/>
+          <a:lstStyle/>
+          <a:p>
+            <a:r>
+              <a:rPr lang="en-CA" dirty="0" smtClean="0"/>
+              <a:t>Decision tree for contact lens data</a:t>
+            </a:r>
+            <a:endParaRPr lang="en-CA" dirty="0"/>
+          </a:p>
+        </p:txBody>
+      </p:sp>
+      <p:sp>
+        <p:nvSpPr>
+          <p:cNvPr id="3" name="Content Placeholder 2"/>
+          <p:cNvSpPr>
+            <a:spLocks noGrp="1"/>
+          </p:cNvSpPr>
+          <p:nvPr>
+            <p:ph idx="1"/>
+          </p:nvPr>
+        </p:nvSpPr>
+        <p:spPr>
+          <a:xfrm>
+            <a:off x="838200" y="1825625"/>
+            <a:ext cx="4343400" cy="4351338"/>
+          </a:xfrm>
+        </p:spPr>
+        <p:txBody>
+          <a:bodyPr/>
+          <a:lstStyle/>
+          <a:p>
+            <a:r>
+              <a:rPr lang="en-CA" dirty="0" smtClean="0"/>
+              <a:t>Another type of structural description</a:t>
+            </a:r>
+          </a:p>
+          <a:p>
+            <a:r>
+              <a:rPr lang="en-CA" dirty="0" smtClean="0"/>
+              <a:t>Successive testing of attributes</a:t>
+            </a:r>
+          </a:p>
+          <a:p>
+            <a:r>
+              <a:rPr lang="en-CA" dirty="0" smtClean="0"/>
+              <a:t>Eventually a leaf is reached</a:t>
+            </a:r>
+            <a:endParaRPr lang="en-CA" dirty="0"/>
+          </a:p>
+        </p:txBody>
+      </p:sp>
+      <p:sp>
+        <p:nvSpPr>
+          <p:cNvPr id="4" name="AutoShape 2" descr="ms-local-stream://EpubReader_F1813F23CC434009A3C5B2097991CC6E/Content/OEBPS/images/F000015f01-02-9780128042915.jpg"/>
+          <p:cNvSpPr>
+            <a:spLocks noChangeAspect="1" noChangeArrowheads="1"/>
+          </p:cNvSpPr>
+          <p:nvPr/>
+        </p:nvSpPr>
+        <p:spPr bwMode="auto">
+          <a:xfrm>
+            <a:off x="63500" y="-136525"/>
+            <a:ext cx="304800" cy="304800"/>
+          </a:xfrm>
+          <a:prstGeom prst="rect">
+            <a:avLst/>
+          </a:prstGeom>
+          <a:noFill/>
+          <a:extLst>
+            <a:ext uri="{909E8E84-426E-40DD-AFC4-6F175D3DCCD1}">
+              <a14:hiddenFill xmlns:a14="http://schemas.microsoft.com/office/drawing/2010/main">
+                <a:solidFill>
+                  <a:srgbClr val="FFFFFF"/>
+                </a:solidFill>
+              </a14:hiddenFill>
+            </a:ext>
+          </a:extLst>
+        </p:spPr>
+        <p:txBody>
+          <a:bodyPr vert="horz" wrap="square" lIns="91440" tIns="45720" rIns="91440" bIns="45720" numCol="1" anchor="t" anchorCtr="0" compatLnSpc="1">
+            <a:prstTxWarp prst="textNoShape">
+              <a:avLst/>
+            </a:prstTxWarp>
+          </a:bodyPr>
+          <a:lstStyle/>
+          <a:p>
+            <a:endParaRPr lang="en-CA"/>
+          </a:p>
+        </p:txBody>
+      </p:sp>
+      <p:pic>
+        <p:nvPicPr>
+          <p:cNvPr id="6" name="Picture 5"/>
+          <p:cNvPicPr>
+            <a:picLocks noChangeAspect="1"/>
+          </p:cNvPicPr>
+          <p:nvPr/>
+        </p:nvPicPr>
+        <p:blipFill>
+          <a:blip r:embed="rId2"/>
+          <a:stretch>
+            <a:fillRect/>
+          </a:stretch>
+        </p:blipFill>
+        <p:spPr>
+          <a:xfrm>
+            <a:off x="5635099" y="168275"/>
+            <a:ext cx="6577755" cy="6008688"/>
+          </a:xfrm>
+          <a:prstGeom prst="rect">
+            <a:avLst/>
+          </a:prstGeom>
+        </p:spPr>
+      </p:pic>
+    </p:spTree>
+    <p:extLst>
+      <p:ext uri="{BB962C8B-B14F-4D97-AF65-F5344CB8AC3E}">
+        <p14:creationId xmlns:p14="http://schemas.microsoft.com/office/powerpoint/2010/main" val="732220390"/>
+      </p:ext>
+    </p:extLst>
+  </p:cSld>
+  <p:clrMapOvr>
+    <a:masterClrMapping/>
+  </p:clrMapOvr>
+  <p:timing>
+    <p:tnLst>
+      <p:par>
         <p:cTn id="1" dur="indefinite" restart="never" nodeType="tmRoot"/>
       </p:par>
     </p:tnLst>
@@ -8481,7 +9182,7 @@
 </p:sld>
 </file>
 
-<file path=ppt/slides/slide12.xml><?xml version="1.0" encoding="utf-8"?>
+<file path=ppt/slides/slide13.xml><?xml version="1.0" encoding="utf-8"?>
 <p:sld xmlns:a="http://schemas.openxmlformats.org/drawingml/2006/main" xmlns:r="http://schemas.openxmlformats.org/officeDocument/2006/relationships" xmlns:p="http://schemas.openxmlformats.org/presentationml/2006/main">
   <p:cSld>
     <p:spTree>
@@ -8547,7 +9248,15 @@
             <a:pPr lvl="1"/>
             <a:r>
               <a:rPr lang="en-CA" dirty="0" smtClean="0"/>
-              <a:t>Things learn when they change their behavior in a way that makes them perform better in the future</a:t>
+              <a:t>Things </a:t>
+            </a:r>
+            <a:r>
+              <a:rPr lang="en-CA" b="1" dirty="0" smtClean="0"/>
+              <a:t>learn</a:t>
+            </a:r>
+            <a:r>
+              <a:rPr lang="en-CA" dirty="0" smtClean="0"/>
+              <a:t> when they change their behavior in a way that makes them perform better in the future</a:t>
             </a:r>
           </a:p>
           <a:p>
@@ -8601,14 +9310,337 @@
   <p:timing>
     <p:tnLst>
       <p:par>
-        <p:cTn id="1" dur="indefinite" restart="never" nodeType="tmRoot"/>
+        <p:cTn id="1" dur="indefinite" restart="never" nodeType="tmRoot">
+          <p:childTnLst>
+            <p:seq concurrent="1" nextAc="seek">
+              <p:cTn id="2" dur="indefinite" nodeType="mainSeq">
+                <p:childTnLst>
+                  <p:par>
+                    <p:cTn id="3" fill="hold">
+                      <p:stCondLst>
+                        <p:cond delay="indefinite"/>
+                        <p:cond evt="onBegin" delay="0">
+                          <p:tn val="2"/>
+                        </p:cond>
+                      </p:stCondLst>
+                      <p:childTnLst>
+                        <p:par>
+                          <p:cTn id="4" fill="hold">
+                            <p:stCondLst>
+                              <p:cond delay="0"/>
+                            </p:stCondLst>
+                            <p:childTnLst>
+                              <p:par>
+                                <p:cTn id="5" presetID="1" presetClass="entr" presetSubtype="0" fill="hold" grpId="0" nodeType="withEffect">
+                                  <p:stCondLst>
+                                    <p:cond delay="0"/>
+                                  </p:stCondLst>
+                                  <p:childTnLst>
+                                    <p:set>
+                                      <p:cBhvr>
+                                        <p:cTn id="6" dur="1" fill="hold">
+                                          <p:stCondLst>
+                                            <p:cond delay="0"/>
+                                          </p:stCondLst>
+                                        </p:cTn>
+                                        <p:tgtEl>
+                                          <p:spTgt spid="3">
+                                            <p:txEl>
+                                              <p:pRg st="1" end="1"/>
+                                            </p:txEl>
+                                          </p:spTgt>
+                                        </p:tgtEl>
+                                        <p:attrNameLst>
+                                          <p:attrName>style.visibility</p:attrName>
+                                        </p:attrNameLst>
+                                      </p:cBhvr>
+                                      <p:to>
+                                        <p:strVal val="visible"/>
+                                      </p:to>
+                                    </p:set>
+                                  </p:childTnLst>
+                                </p:cTn>
+                              </p:par>
+                            </p:childTnLst>
+                          </p:cTn>
+                        </p:par>
+                      </p:childTnLst>
+                    </p:cTn>
+                  </p:par>
+                  <p:par>
+                    <p:cTn id="7" fill="hold">
+                      <p:stCondLst>
+                        <p:cond delay="indefinite"/>
+                      </p:stCondLst>
+                      <p:childTnLst>
+                        <p:par>
+                          <p:cTn id="8" fill="hold">
+                            <p:stCondLst>
+                              <p:cond delay="0"/>
+                            </p:stCondLst>
+                            <p:childTnLst>
+                              <p:par>
+                                <p:cTn id="9" presetID="1" presetClass="entr" presetSubtype="0" fill="hold" grpId="0" nodeType="clickEffect">
+                                  <p:stCondLst>
+                                    <p:cond delay="0"/>
+                                  </p:stCondLst>
+                                  <p:childTnLst>
+                                    <p:set>
+                                      <p:cBhvr>
+                                        <p:cTn id="10" dur="1" fill="hold">
+                                          <p:stCondLst>
+                                            <p:cond delay="0"/>
+                                          </p:stCondLst>
+                                        </p:cTn>
+                                        <p:tgtEl>
+                                          <p:spTgt spid="3">
+                                            <p:txEl>
+                                              <p:pRg st="2" end="2"/>
+                                            </p:txEl>
+                                          </p:spTgt>
+                                        </p:tgtEl>
+                                        <p:attrNameLst>
+                                          <p:attrName>style.visibility</p:attrName>
+                                        </p:attrNameLst>
+                                      </p:cBhvr>
+                                      <p:to>
+                                        <p:strVal val="visible"/>
+                                      </p:to>
+                                    </p:set>
+                                  </p:childTnLst>
+                                </p:cTn>
+                              </p:par>
+                            </p:childTnLst>
+                          </p:cTn>
+                        </p:par>
+                      </p:childTnLst>
+                    </p:cTn>
+                  </p:par>
+                  <p:par>
+                    <p:cTn id="11" fill="hold">
+                      <p:stCondLst>
+                        <p:cond delay="indefinite"/>
+                      </p:stCondLst>
+                      <p:childTnLst>
+                        <p:par>
+                          <p:cTn id="12" fill="hold">
+                            <p:stCondLst>
+                              <p:cond delay="0"/>
+                            </p:stCondLst>
+                            <p:childTnLst>
+                              <p:par>
+                                <p:cTn id="13" presetID="1" presetClass="entr" presetSubtype="0" fill="hold" grpId="0" nodeType="clickEffect">
+                                  <p:stCondLst>
+                                    <p:cond delay="0"/>
+                                  </p:stCondLst>
+                                  <p:childTnLst>
+                                    <p:set>
+                                      <p:cBhvr>
+                                        <p:cTn id="14" dur="1" fill="hold">
+                                          <p:stCondLst>
+                                            <p:cond delay="0"/>
+                                          </p:stCondLst>
+                                        </p:cTn>
+                                        <p:tgtEl>
+                                          <p:spTgt spid="3">
+                                            <p:txEl>
+                                              <p:pRg st="3" end="3"/>
+                                            </p:txEl>
+                                          </p:spTgt>
+                                        </p:tgtEl>
+                                        <p:attrNameLst>
+                                          <p:attrName>style.visibility</p:attrName>
+                                        </p:attrNameLst>
+                                      </p:cBhvr>
+                                      <p:to>
+                                        <p:strVal val="visible"/>
+                                      </p:to>
+                                    </p:set>
+                                  </p:childTnLst>
+                                </p:cTn>
+                              </p:par>
+                            </p:childTnLst>
+                          </p:cTn>
+                        </p:par>
+                      </p:childTnLst>
+                    </p:cTn>
+                  </p:par>
+                  <p:par>
+                    <p:cTn id="15" fill="hold">
+                      <p:stCondLst>
+                        <p:cond delay="indefinite"/>
+                      </p:stCondLst>
+                      <p:childTnLst>
+                        <p:par>
+                          <p:cTn id="16" fill="hold">
+                            <p:stCondLst>
+                              <p:cond delay="0"/>
+                            </p:stCondLst>
+                            <p:childTnLst>
+                              <p:par>
+                                <p:cTn id="17" presetID="1" presetClass="entr" presetSubtype="0" fill="hold" grpId="0" nodeType="clickEffect">
+                                  <p:stCondLst>
+                                    <p:cond delay="0"/>
+                                  </p:stCondLst>
+                                  <p:childTnLst>
+                                    <p:set>
+                                      <p:cBhvr>
+                                        <p:cTn id="18" dur="1" fill="hold">
+                                          <p:stCondLst>
+                                            <p:cond delay="0"/>
+                                          </p:stCondLst>
+                                        </p:cTn>
+                                        <p:tgtEl>
+                                          <p:spTgt spid="3">
+                                            <p:txEl>
+                                              <p:pRg st="4" end="4"/>
+                                            </p:txEl>
+                                          </p:spTgt>
+                                        </p:tgtEl>
+                                        <p:attrNameLst>
+                                          <p:attrName>style.visibility</p:attrName>
+                                        </p:attrNameLst>
+                                      </p:cBhvr>
+                                      <p:to>
+                                        <p:strVal val="visible"/>
+                                      </p:to>
+                                    </p:set>
+                                  </p:childTnLst>
+                                </p:cTn>
+                              </p:par>
+                            </p:childTnLst>
+                          </p:cTn>
+                        </p:par>
+                      </p:childTnLst>
+                    </p:cTn>
+                  </p:par>
+                  <p:par>
+                    <p:cTn id="19" fill="hold">
+                      <p:stCondLst>
+                        <p:cond delay="indefinite"/>
+                      </p:stCondLst>
+                      <p:childTnLst>
+                        <p:par>
+                          <p:cTn id="20" fill="hold">
+                            <p:stCondLst>
+                              <p:cond delay="0"/>
+                            </p:stCondLst>
+                            <p:childTnLst>
+                              <p:par>
+                                <p:cTn id="21" presetID="1" presetClass="entr" presetSubtype="0" fill="hold" grpId="0" nodeType="clickEffect">
+                                  <p:stCondLst>
+                                    <p:cond delay="0"/>
+                                  </p:stCondLst>
+                                  <p:childTnLst>
+                                    <p:set>
+                                      <p:cBhvr>
+                                        <p:cTn id="22" dur="1" fill="hold">
+                                          <p:stCondLst>
+                                            <p:cond delay="0"/>
+                                          </p:stCondLst>
+                                        </p:cTn>
+                                        <p:tgtEl>
+                                          <p:spTgt spid="3">
+                                            <p:txEl>
+                                              <p:pRg st="5" end="5"/>
+                                            </p:txEl>
+                                          </p:spTgt>
+                                        </p:tgtEl>
+                                        <p:attrNameLst>
+                                          <p:attrName>style.visibility</p:attrName>
+                                        </p:attrNameLst>
+                                      </p:cBhvr>
+                                      <p:to>
+                                        <p:strVal val="visible"/>
+                                      </p:to>
+                                    </p:set>
+                                  </p:childTnLst>
+                                </p:cTn>
+                              </p:par>
+                            </p:childTnLst>
+                          </p:cTn>
+                        </p:par>
+                      </p:childTnLst>
+                    </p:cTn>
+                  </p:par>
+                  <p:par>
+                    <p:cTn id="23" fill="hold">
+                      <p:stCondLst>
+                        <p:cond delay="indefinite"/>
+                      </p:stCondLst>
+                      <p:childTnLst>
+                        <p:par>
+                          <p:cTn id="24" fill="hold">
+                            <p:stCondLst>
+                              <p:cond delay="0"/>
+                            </p:stCondLst>
+                            <p:childTnLst>
+                              <p:par>
+                                <p:cTn id="25" presetID="1" presetClass="entr" presetSubtype="0" fill="hold" grpId="0" nodeType="clickEffect">
+                                  <p:stCondLst>
+                                    <p:cond delay="0"/>
+                                  </p:stCondLst>
+                                  <p:childTnLst>
+                                    <p:set>
+                                      <p:cBhvr>
+                                        <p:cTn id="26" dur="1" fill="hold">
+                                          <p:stCondLst>
+                                            <p:cond delay="0"/>
+                                          </p:stCondLst>
+                                        </p:cTn>
+                                        <p:tgtEl>
+                                          <p:spTgt spid="3">
+                                            <p:txEl>
+                                              <p:pRg st="6" end="6"/>
+                                            </p:txEl>
+                                          </p:spTgt>
+                                        </p:tgtEl>
+                                        <p:attrNameLst>
+                                          <p:attrName>style.visibility</p:attrName>
+                                        </p:attrNameLst>
+                                      </p:cBhvr>
+                                      <p:to>
+                                        <p:strVal val="visible"/>
+                                      </p:to>
+                                    </p:set>
+                                  </p:childTnLst>
+                                </p:cTn>
+                              </p:par>
+                            </p:childTnLst>
+                          </p:cTn>
+                        </p:par>
+                      </p:childTnLst>
+                    </p:cTn>
+                  </p:par>
+                </p:childTnLst>
+              </p:cTn>
+              <p:prevCondLst>
+                <p:cond evt="onPrev" delay="0">
+                  <p:tgtEl>
+                    <p:sldTgt/>
+                  </p:tgtEl>
+                </p:cond>
+              </p:prevCondLst>
+              <p:nextCondLst>
+                <p:cond evt="onNext" delay="0">
+                  <p:tgtEl>
+                    <p:sldTgt/>
+                  </p:tgtEl>
+                </p:cond>
+              </p:nextCondLst>
+            </p:seq>
+          </p:childTnLst>
+        </p:cTn>
       </p:par>
     </p:tnLst>
+    <p:bldLst>
+      <p:bldP spid="3" grpId="0" uiExpand="1" build="p"/>
+    </p:bldLst>
   </p:timing>
 </p:sld>
 </file>
 
-<file path=ppt/slides/slide13.xml><?xml version="1.0" encoding="utf-8"?>
+<file path=ppt/slides/slide14.xml><?xml version="1.0" encoding="utf-8"?>
 <p:sld xmlns:a="http://schemas.openxmlformats.org/drawingml/2006/main" xmlns:r="http://schemas.openxmlformats.org/officeDocument/2006/relationships" xmlns:p="http://schemas.openxmlformats.org/presentationml/2006/main">
   <p:cSld>
     <p:spTree>
@@ -12096,14 +13128,383 @@
   <p:timing>
     <p:tnLst>
       <p:par>
-        <p:cTn id="1" dur="indefinite" restart="never" nodeType="tmRoot"/>
+        <p:cTn id="1" dur="indefinite" restart="never" nodeType="tmRoot">
+          <p:childTnLst>
+            <p:seq concurrent="1" nextAc="seek">
+              <p:cTn id="2" dur="indefinite" nodeType="mainSeq">
+                <p:childTnLst>
+                  <p:par>
+                    <p:cTn id="3" fill="hold">
+                      <p:stCondLst>
+                        <p:cond delay="indefinite"/>
+                      </p:stCondLst>
+                      <p:childTnLst>
+                        <p:par>
+                          <p:cTn id="4" fill="hold">
+                            <p:stCondLst>
+                              <p:cond delay="0"/>
+                            </p:stCondLst>
+                            <p:childTnLst>
+                              <p:par>
+                                <p:cTn id="5" presetID="1" presetClass="entr" presetSubtype="0" fill="hold" grpId="0" nodeType="clickEffect">
+                                  <p:stCondLst>
+                                    <p:cond delay="0"/>
+                                  </p:stCondLst>
+                                  <p:childTnLst>
+                                    <p:set>
+                                      <p:cBhvr>
+                                        <p:cTn id="6" dur="1" fill="hold">
+                                          <p:stCondLst>
+                                            <p:cond delay="0"/>
+                                          </p:stCondLst>
+                                        </p:cTn>
+                                        <p:tgtEl>
+                                          <p:spTgt spid="11">
+                                            <p:txEl>
+                                              <p:pRg st="0" end="0"/>
+                                            </p:txEl>
+                                          </p:spTgt>
+                                        </p:tgtEl>
+                                        <p:attrNameLst>
+                                          <p:attrName>style.visibility</p:attrName>
+                                        </p:attrNameLst>
+                                      </p:cBhvr>
+                                      <p:to>
+                                        <p:strVal val="visible"/>
+                                      </p:to>
+                                    </p:set>
+                                  </p:childTnLst>
+                                </p:cTn>
+                              </p:par>
+                            </p:childTnLst>
+                          </p:cTn>
+                        </p:par>
+                      </p:childTnLst>
+                    </p:cTn>
+                  </p:par>
+                  <p:par>
+                    <p:cTn id="7" fill="hold">
+                      <p:stCondLst>
+                        <p:cond delay="indefinite"/>
+                      </p:stCondLst>
+                      <p:childTnLst>
+                        <p:par>
+                          <p:cTn id="8" fill="hold">
+                            <p:stCondLst>
+                              <p:cond delay="0"/>
+                            </p:stCondLst>
+                            <p:childTnLst>
+                              <p:par>
+                                <p:cTn id="9" presetID="1" presetClass="entr" presetSubtype="0" fill="hold" grpId="0" nodeType="clickEffect">
+                                  <p:stCondLst>
+                                    <p:cond delay="0"/>
+                                  </p:stCondLst>
+                                  <p:childTnLst>
+                                    <p:set>
+                                      <p:cBhvr>
+                                        <p:cTn id="10" dur="1" fill="hold">
+                                          <p:stCondLst>
+                                            <p:cond delay="0"/>
+                                          </p:stCondLst>
+                                        </p:cTn>
+                                        <p:tgtEl>
+                                          <p:spTgt spid="11">
+                                            <p:txEl>
+                                              <p:pRg st="1" end="1"/>
+                                            </p:txEl>
+                                          </p:spTgt>
+                                        </p:tgtEl>
+                                        <p:attrNameLst>
+                                          <p:attrName>style.visibility</p:attrName>
+                                        </p:attrNameLst>
+                                      </p:cBhvr>
+                                      <p:to>
+                                        <p:strVal val="visible"/>
+                                      </p:to>
+                                    </p:set>
+                                  </p:childTnLst>
+                                </p:cTn>
+                              </p:par>
+                            </p:childTnLst>
+                          </p:cTn>
+                        </p:par>
+                      </p:childTnLst>
+                    </p:cTn>
+                  </p:par>
+                  <p:par>
+                    <p:cTn id="11" fill="hold">
+                      <p:stCondLst>
+                        <p:cond delay="indefinite"/>
+                      </p:stCondLst>
+                      <p:childTnLst>
+                        <p:par>
+                          <p:cTn id="12" fill="hold">
+                            <p:stCondLst>
+                              <p:cond delay="0"/>
+                            </p:stCondLst>
+                            <p:childTnLst>
+                              <p:par>
+                                <p:cTn id="13" presetID="1" presetClass="entr" presetSubtype="0" fill="hold" grpId="0" nodeType="clickEffect">
+                                  <p:stCondLst>
+                                    <p:cond delay="0"/>
+                                  </p:stCondLst>
+                                  <p:childTnLst>
+                                    <p:set>
+                                      <p:cBhvr>
+                                        <p:cTn id="14" dur="1" fill="hold">
+                                          <p:stCondLst>
+                                            <p:cond delay="0"/>
+                                          </p:stCondLst>
+                                        </p:cTn>
+                                        <p:tgtEl>
+                                          <p:spTgt spid="11">
+                                            <p:txEl>
+                                              <p:pRg st="3" end="3"/>
+                                            </p:txEl>
+                                          </p:spTgt>
+                                        </p:tgtEl>
+                                        <p:attrNameLst>
+                                          <p:attrName>style.visibility</p:attrName>
+                                        </p:attrNameLst>
+                                      </p:cBhvr>
+                                      <p:to>
+                                        <p:strVal val="visible"/>
+                                      </p:to>
+                                    </p:set>
+                                  </p:childTnLst>
+                                </p:cTn>
+                              </p:par>
+                            </p:childTnLst>
+                          </p:cTn>
+                        </p:par>
+                      </p:childTnLst>
+                    </p:cTn>
+                  </p:par>
+                  <p:par>
+                    <p:cTn id="15" fill="hold">
+                      <p:stCondLst>
+                        <p:cond delay="indefinite"/>
+                      </p:stCondLst>
+                      <p:childTnLst>
+                        <p:par>
+                          <p:cTn id="16" fill="hold">
+                            <p:stCondLst>
+                              <p:cond delay="0"/>
+                            </p:stCondLst>
+                            <p:childTnLst>
+                              <p:par>
+                                <p:cTn id="17" presetID="1" presetClass="entr" presetSubtype="0" fill="hold" grpId="0" nodeType="clickEffect">
+                                  <p:stCondLst>
+                                    <p:cond delay="0"/>
+                                  </p:stCondLst>
+                                  <p:childTnLst>
+                                    <p:set>
+                                      <p:cBhvr>
+                                        <p:cTn id="18" dur="1" fill="hold">
+                                          <p:stCondLst>
+                                            <p:cond delay="0"/>
+                                          </p:stCondLst>
+                                        </p:cTn>
+                                        <p:tgtEl>
+                                          <p:spTgt spid="11">
+                                            <p:txEl>
+                                              <p:pRg st="4" end="4"/>
+                                            </p:txEl>
+                                          </p:spTgt>
+                                        </p:tgtEl>
+                                        <p:attrNameLst>
+                                          <p:attrName>style.visibility</p:attrName>
+                                        </p:attrNameLst>
+                                      </p:cBhvr>
+                                      <p:to>
+                                        <p:strVal val="visible"/>
+                                      </p:to>
+                                    </p:set>
+                                  </p:childTnLst>
+                                </p:cTn>
+                              </p:par>
+                            </p:childTnLst>
+                          </p:cTn>
+                        </p:par>
+                      </p:childTnLst>
+                    </p:cTn>
+                  </p:par>
+                  <p:par>
+                    <p:cTn id="19" fill="hold">
+                      <p:stCondLst>
+                        <p:cond delay="indefinite"/>
+                      </p:stCondLst>
+                      <p:childTnLst>
+                        <p:par>
+                          <p:cTn id="20" fill="hold">
+                            <p:stCondLst>
+                              <p:cond delay="0"/>
+                            </p:stCondLst>
+                            <p:childTnLst>
+                              <p:par>
+                                <p:cTn id="21" presetID="1" presetClass="entr" presetSubtype="0" fill="hold" grpId="0" nodeType="clickEffect">
+                                  <p:stCondLst>
+                                    <p:cond delay="0"/>
+                                  </p:stCondLst>
+                                  <p:childTnLst>
+                                    <p:set>
+                                      <p:cBhvr>
+                                        <p:cTn id="22" dur="1" fill="hold">
+                                          <p:stCondLst>
+                                            <p:cond delay="0"/>
+                                          </p:stCondLst>
+                                        </p:cTn>
+                                        <p:tgtEl>
+                                          <p:spTgt spid="11">
+                                            <p:txEl>
+                                              <p:pRg st="5" end="5"/>
+                                            </p:txEl>
+                                          </p:spTgt>
+                                        </p:tgtEl>
+                                        <p:attrNameLst>
+                                          <p:attrName>style.visibility</p:attrName>
+                                        </p:attrNameLst>
+                                      </p:cBhvr>
+                                      <p:to>
+                                        <p:strVal val="visible"/>
+                                      </p:to>
+                                    </p:set>
+                                  </p:childTnLst>
+                                </p:cTn>
+                              </p:par>
+                            </p:childTnLst>
+                          </p:cTn>
+                        </p:par>
+                      </p:childTnLst>
+                    </p:cTn>
+                  </p:par>
+                  <p:par>
+                    <p:cTn id="23" fill="hold">
+                      <p:stCondLst>
+                        <p:cond delay="indefinite"/>
+                      </p:stCondLst>
+                      <p:childTnLst>
+                        <p:par>
+                          <p:cTn id="24" fill="hold">
+                            <p:stCondLst>
+                              <p:cond delay="0"/>
+                            </p:stCondLst>
+                            <p:childTnLst>
+                              <p:par>
+                                <p:cTn id="25" presetID="1" presetClass="entr" presetSubtype="0" fill="hold" grpId="0" nodeType="clickEffect">
+                                  <p:stCondLst>
+                                    <p:cond delay="0"/>
+                                  </p:stCondLst>
+                                  <p:childTnLst>
+                                    <p:set>
+                                      <p:cBhvr>
+                                        <p:cTn id="26" dur="1" fill="hold">
+                                          <p:stCondLst>
+                                            <p:cond delay="0"/>
+                                          </p:stCondLst>
+                                        </p:cTn>
+                                        <p:tgtEl>
+                                          <p:spTgt spid="11">
+                                            <p:txEl>
+                                              <p:pRg st="6" end="6"/>
+                                            </p:txEl>
+                                          </p:spTgt>
+                                        </p:tgtEl>
+                                        <p:attrNameLst>
+                                          <p:attrName>style.visibility</p:attrName>
+                                        </p:attrNameLst>
+                                      </p:cBhvr>
+                                      <p:to>
+                                        <p:strVal val="visible"/>
+                                      </p:to>
+                                    </p:set>
+                                  </p:childTnLst>
+                                </p:cTn>
+                              </p:par>
+                            </p:childTnLst>
+                          </p:cTn>
+                        </p:par>
+                      </p:childTnLst>
+                    </p:cTn>
+                  </p:par>
+                  <p:par>
+                    <p:cTn id="27" fill="hold">
+                      <p:stCondLst>
+                        <p:cond delay="indefinite"/>
+                      </p:stCondLst>
+                      <p:childTnLst>
+                        <p:par>
+                          <p:cTn id="28" fill="hold">
+                            <p:stCondLst>
+                              <p:cond delay="0"/>
+                            </p:stCondLst>
+                            <p:childTnLst>
+                              <p:par>
+                                <p:cTn id="29" presetID="1" presetClass="entr" presetSubtype="0" fill="hold" grpId="0" nodeType="clickEffect">
+                                  <p:stCondLst>
+                                    <p:cond delay="0"/>
+                                  </p:stCondLst>
+                                  <p:childTnLst>
+                                    <p:set>
+                                      <p:cBhvr>
+                                        <p:cTn id="30" dur="1" fill="hold">
+                                          <p:stCondLst>
+                                            <p:cond delay="0"/>
+                                          </p:stCondLst>
+                                        </p:cTn>
+                                        <p:tgtEl>
+                                          <p:spTgt spid="11">
+                                            <p:txEl>
+                                              <p:pRg st="7" end="7"/>
+                                            </p:txEl>
+                                          </p:spTgt>
+                                        </p:tgtEl>
+                                        <p:attrNameLst>
+                                          <p:attrName>style.visibility</p:attrName>
+                                        </p:attrNameLst>
+                                      </p:cBhvr>
+                                      <p:to>
+                                        <p:strVal val="visible"/>
+                                      </p:to>
+                                    </p:set>
+                                  </p:childTnLst>
+                                </p:cTn>
+                              </p:par>
+                            </p:childTnLst>
+                          </p:cTn>
+                        </p:par>
+                      </p:childTnLst>
+                    </p:cTn>
+                  </p:par>
+                </p:childTnLst>
+              </p:cTn>
+              <p:prevCondLst>
+                <p:cond evt="onPrev" delay="0">
+                  <p:tgtEl>
+                    <p:sldTgt/>
+                  </p:tgtEl>
+                </p:cond>
+              </p:prevCondLst>
+              <p:nextCondLst>
+                <p:cond evt="onNext" delay="0">
+                  <p:tgtEl>
+                    <p:sldTgt/>
+                  </p:tgtEl>
+                </p:cond>
+              </p:nextCondLst>
+            </p:seq>
+          </p:childTnLst>
+        </p:cTn>
       </p:par>
     </p:tnLst>
+    <p:bldLst>
+      <p:bldP spid="11" grpId="0" build="p"/>
+    </p:bldLst>
   </p:timing>
 </p:sld>
 </file>
 
-<file path=ppt/slides/slide14.xml><?xml version="1.0" encoding="utf-8"?>
+<file path=ppt/slides/slide15.xml><?xml version="1.0" encoding="utf-8"?>
 <p:sld xmlns:a="http://schemas.openxmlformats.org/drawingml/2006/main" xmlns:r="http://schemas.openxmlformats.org/officeDocument/2006/relationships" xmlns:p="http://schemas.openxmlformats.org/presentationml/2006/main">
   <p:cSld>
     <p:spTree>
@@ -15461,7 +16862,7 @@
           <a:p>
             <a:r>
               <a:rPr lang="en-CA" dirty="0" smtClean="0"/>
-              <a:t>Now, the first rule might take the form:</a:t>
+              <a:t>Here, the first rule might take the form:</a:t>
             </a:r>
           </a:p>
           <a:p>
@@ -15528,157 +16929,329 @@
   <p:timing>
     <p:tnLst>
       <p:par>
-        <p:cTn id="1" dur="indefinite" restart="never" nodeType="tmRoot"/>
+        <p:cTn id="1" dur="indefinite" restart="never" nodeType="tmRoot">
+          <p:childTnLst>
+            <p:seq concurrent="1" nextAc="seek">
+              <p:cTn id="2" dur="indefinite" nodeType="mainSeq">
+                <p:childTnLst>
+                  <p:par>
+                    <p:cTn id="3" fill="hold">
+                      <p:stCondLst>
+                        <p:cond delay="indefinite"/>
+                      </p:stCondLst>
+                      <p:childTnLst>
+                        <p:par>
+                          <p:cTn id="4" fill="hold">
+                            <p:stCondLst>
+                              <p:cond delay="0"/>
+                            </p:stCondLst>
+                            <p:childTnLst>
+                              <p:par>
+                                <p:cTn id="5" presetID="1" presetClass="entr" presetSubtype="0" fill="hold" grpId="0" nodeType="clickEffect">
+                                  <p:stCondLst>
+                                    <p:cond delay="0"/>
+                                  </p:stCondLst>
+                                  <p:childTnLst>
+                                    <p:set>
+                                      <p:cBhvr>
+                                        <p:cTn id="6" dur="1" fill="hold">
+                                          <p:stCondLst>
+                                            <p:cond delay="0"/>
+                                          </p:stCondLst>
+                                        </p:cTn>
+                                        <p:tgtEl>
+                                          <p:spTgt spid="7">
+                                            <p:txEl>
+                                              <p:pRg st="0" end="0"/>
+                                            </p:txEl>
+                                          </p:spTgt>
+                                        </p:tgtEl>
+                                        <p:attrNameLst>
+                                          <p:attrName>style.visibility</p:attrName>
+                                        </p:attrNameLst>
+                                      </p:cBhvr>
+                                      <p:to>
+                                        <p:strVal val="visible"/>
+                                      </p:to>
+                                    </p:set>
+                                  </p:childTnLst>
+                                </p:cTn>
+                              </p:par>
+                            </p:childTnLst>
+                          </p:cTn>
+                        </p:par>
+                      </p:childTnLst>
+                    </p:cTn>
+                  </p:par>
+                  <p:par>
+                    <p:cTn id="7" fill="hold">
+                      <p:stCondLst>
+                        <p:cond delay="indefinite"/>
+                      </p:stCondLst>
+                      <p:childTnLst>
+                        <p:par>
+                          <p:cTn id="8" fill="hold">
+                            <p:stCondLst>
+                              <p:cond delay="0"/>
+                            </p:stCondLst>
+                            <p:childTnLst>
+                              <p:par>
+                                <p:cTn id="9" presetID="1" presetClass="entr" presetSubtype="0" fill="hold" grpId="0" nodeType="clickEffect">
+                                  <p:stCondLst>
+                                    <p:cond delay="0"/>
+                                  </p:stCondLst>
+                                  <p:childTnLst>
+                                    <p:set>
+                                      <p:cBhvr>
+                                        <p:cTn id="10" dur="1" fill="hold">
+                                          <p:stCondLst>
+                                            <p:cond delay="0"/>
+                                          </p:stCondLst>
+                                        </p:cTn>
+                                        <p:tgtEl>
+                                          <p:spTgt spid="7">
+                                            <p:txEl>
+                                              <p:pRg st="2" end="2"/>
+                                            </p:txEl>
+                                          </p:spTgt>
+                                        </p:tgtEl>
+                                        <p:attrNameLst>
+                                          <p:attrName>style.visibility</p:attrName>
+                                        </p:attrNameLst>
+                                      </p:cBhvr>
+                                      <p:to>
+                                        <p:strVal val="visible"/>
+                                      </p:to>
+                                    </p:set>
+                                  </p:childTnLst>
+                                </p:cTn>
+                              </p:par>
+                            </p:childTnLst>
+                          </p:cTn>
+                        </p:par>
+                      </p:childTnLst>
+                    </p:cTn>
+                  </p:par>
+                  <p:par>
+                    <p:cTn id="11" fill="hold">
+                      <p:stCondLst>
+                        <p:cond delay="indefinite"/>
+                      </p:stCondLst>
+                      <p:childTnLst>
+                        <p:par>
+                          <p:cTn id="12" fill="hold">
+                            <p:stCondLst>
+                              <p:cond delay="0"/>
+                            </p:stCondLst>
+                            <p:childTnLst>
+                              <p:par>
+                                <p:cTn id="13" presetID="1" presetClass="entr" presetSubtype="0" fill="hold" grpId="0" nodeType="clickEffect">
+                                  <p:stCondLst>
+                                    <p:cond delay="0"/>
+                                  </p:stCondLst>
+                                  <p:childTnLst>
+                                    <p:set>
+                                      <p:cBhvr>
+                                        <p:cTn id="14" dur="1" fill="hold">
+                                          <p:stCondLst>
+                                            <p:cond delay="0"/>
+                                          </p:stCondLst>
+                                        </p:cTn>
+                                        <p:tgtEl>
+                                          <p:spTgt spid="7">
+                                            <p:txEl>
+                                              <p:pRg st="3" end="3"/>
+                                            </p:txEl>
+                                          </p:spTgt>
+                                        </p:tgtEl>
+                                        <p:attrNameLst>
+                                          <p:attrName>style.visibility</p:attrName>
+                                        </p:attrNameLst>
+                                      </p:cBhvr>
+                                      <p:to>
+                                        <p:strVal val="visible"/>
+                                      </p:to>
+                                    </p:set>
+                                  </p:childTnLst>
+                                </p:cTn>
+                              </p:par>
+                            </p:childTnLst>
+                          </p:cTn>
+                        </p:par>
+                      </p:childTnLst>
+                    </p:cTn>
+                  </p:par>
+                  <p:par>
+                    <p:cTn id="15" fill="hold">
+                      <p:stCondLst>
+                        <p:cond delay="indefinite"/>
+                      </p:stCondLst>
+                      <p:childTnLst>
+                        <p:par>
+                          <p:cTn id="16" fill="hold">
+                            <p:stCondLst>
+                              <p:cond delay="0"/>
+                            </p:stCondLst>
+                            <p:childTnLst>
+                              <p:par>
+                                <p:cTn id="17" presetID="1" presetClass="entr" presetSubtype="0" fill="hold" grpId="0" nodeType="clickEffect">
+                                  <p:stCondLst>
+                                    <p:cond delay="0"/>
+                                  </p:stCondLst>
+                                  <p:childTnLst>
+                                    <p:set>
+                                      <p:cBhvr>
+                                        <p:cTn id="18" dur="1" fill="hold">
+                                          <p:stCondLst>
+                                            <p:cond delay="0"/>
+                                          </p:stCondLst>
+                                        </p:cTn>
+                                        <p:tgtEl>
+                                          <p:spTgt spid="7">
+                                            <p:txEl>
+                                              <p:pRg st="4" end="4"/>
+                                            </p:txEl>
+                                          </p:spTgt>
+                                        </p:tgtEl>
+                                        <p:attrNameLst>
+                                          <p:attrName>style.visibility</p:attrName>
+                                        </p:attrNameLst>
+                                      </p:cBhvr>
+                                      <p:to>
+                                        <p:strVal val="visible"/>
+                                      </p:to>
+                                    </p:set>
+                                  </p:childTnLst>
+                                </p:cTn>
+                              </p:par>
+                            </p:childTnLst>
+                          </p:cTn>
+                        </p:par>
+                      </p:childTnLst>
+                    </p:cTn>
+                  </p:par>
+                  <p:par>
+                    <p:cTn id="19" fill="hold">
+                      <p:stCondLst>
+                        <p:cond delay="indefinite"/>
+                      </p:stCondLst>
+                      <p:childTnLst>
+                        <p:par>
+                          <p:cTn id="20" fill="hold">
+                            <p:stCondLst>
+                              <p:cond delay="0"/>
+                            </p:stCondLst>
+                            <p:childTnLst>
+                              <p:par>
+                                <p:cTn id="21" presetID="1" presetClass="entr" presetSubtype="0" fill="hold" grpId="0" nodeType="clickEffect">
+                                  <p:stCondLst>
+                                    <p:cond delay="0"/>
+                                  </p:stCondLst>
+                                  <p:childTnLst>
+                                    <p:set>
+                                      <p:cBhvr>
+                                        <p:cTn id="22" dur="1" fill="hold">
+                                          <p:stCondLst>
+                                            <p:cond delay="0"/>
+                                          </p:stCondLst>
+                                        </p:cTn>
+                                        <p:tgtEl>
+                                          <p:spTgt spid="7">
+                                            <p:txEl>
+                                              <p:pRg st="5" end="5"/>
+                                            </p:txEl>
+                                          </p:spTgt>
+                                        </p:tgtEl>
+                                        <p:attrNameLst>
+                                          <p:attrName>style.visibility</p:attrName>
+                                        </p:attrNameLst>
+                                      </p:cBhvr>
+                                      <p:to>
+                                        <p:strVal val="visible"/>
+                                      </p:to>
+                                    </p:set>
+                                  </p:childTnLst>
+                                </p:cTn>
+                              </p:par>
+                            </p:childTnLst>
+                          </p:cTn>
+                        </p:par>
+                      </p:childTnLst>
+                    </p:cTn>
+                  </p:par>
+                  <p:par>
+                    <p:cTn id="23" fill="hold">
+                      <p:stCondLst>
+                        <p:cond delay="indefinite"/>
+                      </p:stCondLst>
+                      <p:childTnLst>
+                        <p:par>
+                          <p:cTn id="24" fill="hold">
+                            <p:stCondLst>
+                              <p:cond delay="0"/>
+                            </p:stCondLst>
+                            <p:childTnLst>
+                              <p:par>
+                                <p:cTn id="25" presetID="1" presetClass="entr" presetSubtype="0" fill="hold" grpId="0" nodeType="clickEffect">
+                                  <p:stCondLst>
+                                    <p:cond delay="0"/>
+                                  </p:stCondLst>
+                                  <p:childTnLst>
+                                    <p:set>
+                                      <p:cBhvr>
+                                        <p:cTn id="26" dur="1" fill="hold">
+                                          <p:stCondLst>
+                                            <p:cond delay="0"/>
+                                          </p:stCondLst>
+                                        </p:cTn>
+                                        <p:tgtEl>
+                                          <p:spTgt spid="7">
+                                            <p:txEl>
+                                              <p:pRg st="6" end="6"/>
+                                            </p:txEl>
+                                          </p:spTgt>
+                                        </p:tgtEl>
+                                        <p:attrNameLst>
+                                          <p:attrName>style.visibility</p:attrName>
+                                        </p:attrNameLst>
+                                      </p:cBhvr>
+                                      <p:to>
+                                        <p:strVal val="visible"/>
+                                      </p:to>
+                                    </p:set>
+                                  </p:childTnLst>
+                                </p:cTn>
+                              </p:par>
+                            </p:childTnLst>
+                          </p:cTn>
+                        </p:par>
+                      </p:childTnLst>
+                    </p:cTn>
+                  </p:par>
+                </p:childTnLst>
+              </p:cTn>
+              <p:prevCondLst>
+                <p:cond evt="onPrev" delay="0">
+                  <p:tgtEl>
+                    <p:sldTgt/>
+                  </p:tgtEl>
+                </p:cond>
+              </p:prevCondLst>
+              <p:nextCondLst>
+                <p:cond evt="onNext" delay="0">
+                  <p:tgtEl>
+                    <p:sldTgt/>
+                  </p:tgtEl>
+                </p:cond>
+              </p:nextCondLst>
+            </p:seq>
+          </p:childTnLst>
+        </p:cTn>
       </p:par>
     </p:tnLst>
-  </p:timing>
-</p:sld>
-</file>
-
-<file path=ppt/slides/slide15.xml><?xml version="1.0" encoding="utf-8"?>
-<p:sld xmlns:a="http://schemas.openxmlformats.org/drawingml/2006/main" xmlns:r="http://schemas.openxmlformats.org/officeDocument/2006/relationships" xmlns:p="http://schemas.openxmlformats.org/presentationml/2006/main">
-  <p:cSld>
-    <p:spTree>
-      <p:nvGrpSpPr>
-        <p:cNvPr id="1" name=""/>
-        <p:cNvGrpSpPr/>
-        <p:nvPr/>
-      </p:nvGrpSpPr>
-      <p:grpSpPr>
-        <a:xfrm>
-          <a:off x="0" y="0"/>
-          <a:ext cx="0" cy="0"/>
-          <a:chOff x="0" y="0"/>
-          <a:chExt cx="0" cy="0"/>
-        </a:xfrm>
-      </p:grpSpPr>
-      <p:sp>
-        <p:nvSpPr>
-          <p:cNvPr id="2" name="Title 1"/>
-          <p:cNvSpPr>
-            <a:spLocks noGrp="1"/>
-          </p:cNvSpPr>
-          <p:nvPr>
-            <p:ph type="title"/>
-          </p:nvPr>
-        </p:nvSpPr>
-        <p:spPr>
-          <a:xfrm>
-            <a:off x="838200" y="365125"/>
-            <a:ext cx="4440382" cy="1325563"/>
-          </a:xfrm>
-        </p:spPr>
-        <p:txBody>
-          <a:bodyPr/>
-          <a:lstStyle/>
-          <a:p>
-            <a:endParaRPr lang="en-CA" dirty="0"/>
-          </a:p>
-        </p:txBody>
-      </p:sp>
-      <p:sp>
-        <p:nvSpPr>
-          <p:cNvPr id="3" name="Content Placeholder 2"/>
-          <p:cNvSpPr>
-            <a:spLocks noGrp="1"/>
-          </p:cNvSpPr>
-          <p:nvPr>
-            <p:ph idx="1"/>
-          </p:nvPr>
-        </p:nvSpPr>
-        <p:spPr>
-          <a:xfrm>
-            <a:off x="838200" y="1825625"/>
-            <a:ext cx="4343400" cy="4351338"/>
-          </a:xfrm>
-        </p:spPr>
-        <p:txBody>
-          <a:bodyPr/>
-          <a:lstStyle/>
-          <a:p>
-            <a:endParaRPr lang="en-CA" dirty="0"/>
-          </a:p>
-        </p:txBody>
-      </p:sp>
-      <p:sp>
-        <p:nvSpPr>
-          <p:cNvPr id="4" name="AutoShape 2" descr="ms-local-stream://EpubReader_F1813F23CC434009A3C5B2097991CC6E/Content/OEBPS/images/F000015f01-02-9780128042915.jpg"/>
-          <p:cNvSpPr>
-            <a:spLocks noChangeAspect="1" noChangeArrowheads="1"/>
-          </p:cNvSpPr>
-          <p:nvPr/>
-        </p:nvSpPr>
-        <p:spPr bwMode="auto">
-          <a:xfrm>
-            <a:off x="63500" y="-136525"/>
-            <a:ext cx="304800" cy="304800"/>
-          </a:xfrm>
-          <a:prstGeom prst="rect">
-            <a:avLst/>
-          </a:prstGeom>
-          <a:noFill/>
-          <a:extLst>
-            <a:ext uri="{909E8E84-426E-40DD-AFC4-6F175D3DCCD1}">
-              <a14:hiddenFill xmlns:a14="http://schemas.microsoft.com/office/drawing/2010/main">
-                <a:solidFill>
-                  <a:srgbClr val="FFFFFF"/>
-                </a:solidFill>
-              </a14:hiddenFill>
-            </a:ext>
-          </a:extLst>
-        </p:spPr>
-        <p:txBody>
-          <a:bodyPr vert="horz" wrap="square" lIns="91440" tIns="45720" rIns="91440" bIns="45720" numCol="1" anchor="t" anchorCtr="0" compatLnSpc="1">
-            <a:prstTxWarp prst="textNoShape">
-              <a:avLst/>
-            </a:prstTxWarp>
-          </a:bodyPr>
-          <a:lstStyle/>
-          <a:p>
-            <a:endParaRPr lang="en-CA"/>
-          </a:p>
-        </p:txBody>
-      </p:sp>
-      <p:pic>
-        <p:nvPicPr>
-          <p:cNvPr id="6" name="Picture 5"/>
-          <p:cNvPicPr>
-            <a:picLocks noChangeAspect="1"/>
-          </p:cNvPicPr>
-          <p:nvPr/>
-        </p:nvPicPr>
-        <p:blipFill>
-          <a:blip r:embed="rId2"/>
-          <a:stretch>
-            <a:fillRect/>
-          </a:stretch>
-        </p:blipFill>
-        <p:spPr>
-          <a:xfrm>
-            <a:off x="5635099" y="168275"/>
-            <a:ext cx="6577755" cy="6008688"/>
-          </a:xfrm>
-          <a:prstGeom prst="rect">
-            <a:avLst/>
-          </a:prstGeom>
-        </p:spPr>
-      </p:pic>
-    </p:spTree>
-    <p:extLst>
-      <p:ext uri="{BB962C8B-B14F-4D97-AF65-F5344CB8AC3E}">
-        <p14:creationId xmlns:p14="http://schemas.microsoft.com/office/powerpoint/2010/main" val="732220390"/>
-      </p:ext>
-    </p:extLst>
-  </p:cSld>
-  <p:clrMapOvr>
-    <a:masterClrMapping/>
-  </p:clrMapOvr>
-  <p:timing>
-    <p:tnLst>
-      <p:par>
-        <p:cTn id="1" dur="indefinite" restart="never" nodeType="tmRoot"/>
-      </p:par>
-    </p:tnLst>
+    <p:bldLst>
+      <p:bldP spid="7" grpId="0" build="p"/>
+    </p:bldLst>
   </p:timing>
 </p:sld>
 </file>
@@ -20894,6 +22467,47 @@
           </a:p>
         </p:txBody>
       </p:sp>
+      <p:pic>
+        <p:nvPicPr>
+          <p:cNvPr id="1026" name="Picture 2" descr="Image result for iris setosa sepal petal"/>
+          <p:cNvPicPr>
+            <a:picLocks noChangeAspect="1" noChangeArrowheads="1"/>
+          </p:cNvPicPr>
+          <p:nvPr/>
+        </p:nvPicPr>
+        <p:blipFill>
+          <a:blip r:embed="rId2">
+            <a:extLst>
+              <a:ext uri="{28A0092B-C50C-407E-A947-70E740481C1C}">
+                <a14:useLocalDpi xmlns:a14="http://schemas.microsoft.com/office/drawing/2010/main" val="0"/>
+              </a:ext>
+            </a:extLst>
+          </a:blip>
+          <a:srcRect/>
+          <a:stretch>
+            <a:fillRect/>
+          </a:stretch>
+        </p:blipFill>
+        <p:spPr bwMode="auto">
+          <a:xfrm>
+            <a:off x="2701636" y="5094324"/>
+            <a:ext cx="1864008" cy="1722111"/>
+          </a:xfrm>
+          <a:prstGeom prst="rect">
+            <a:avLst/>
+          </a:prstGeom>
+          <a:noFill/>
+          <a:extLst>
+            <a:ext uri="{909E8E84-426E-40DD-AFC4-6F175D3DCCD1}">
+              <a14:hiddenFill xmlns:a14="http://schemas.microsoft.com/office/drawing/2010/main">
+                <a:solidFill>
+                  <a:srgbClr val="FFFFFF"/>
+                </a:solidFill>
+              </a14:hiddenFill>
+            </a:ext>
+          </a:extLst>
+        </p:spPr>
+      </p:pic>
     </p:spTree>
     <p:extLst>
       <p:ext uri="{BB962C8B-B14F-4D97-AF65-F5344CB8AC3E}">
@@ -20907,7 +22521,355 @@
   <p:timing>
     <p:tnLst>
       <p:par>
-        <p:cTn id="1" dur="indefinite" restart="never" nodeType="tmRoot"/>
+        <p:cTn id="1" dur="indefinite" restart="never" nodeType="tmRoot">
+          <p:childTnLst>
+            <p:seq concurrent="1" nextAc="seek">
+              <p:cTn id="2" dur="indefinite" nodeType="mainSeq">
+                <p:childTnLst>
+                  <p:par>
+                    <p:cTn id="3" fill="hold">
+                      <p:stCondLst>
+                        <p:cond delay="indefinite"/>
+                      </p:stCondLst>
+                      <p:childTnLst>
+                        <p:par>
+                          <p:cTn id="4" fill="hold">
+                            <p:stCondLst>
+                              <p:cond delay="0"/>
+                            </p:stCondLst>
+                            <p:childTnLst>
+                              <p:par>
+                                <p:cTn id="5" presetID="1" presetClass="entr" presetSubtype="0" fill="hold" nodeType="clickEffect">
+                                  <p:stCondLst>
+                                    <p:cond delay="0"/>
+                                  </p:stCondLst>
+                                  <p:childTnLst>
+                                    <p:set>
+                                      <p:cBhvr>
+                                        <p:cTn id="6" dur="1" fill="hold">
+                                          <p:stCondLst>
+                                            <p:cond delay="0"/>
+                                          </p:stCondLst>
+                                        </p:cTn>
+                                        <p:tgtEl>
+                                          <p:spTgt spid="6">
+                                            <p:txEl>
+                                              <p:pRg st="0" end="0"/>
+                                            </p:txEl>
+                                          </p:spTgt>
+                                        </p:tgtEl>
+                                        <p:attrNameLst>
+                                          <p:attrName>style.visibility</p:attrName>
+                                        </p:attrNameLst>
+                                      </p:cBhvr>
+                                      <p:to>
+                                        <p:strVal val="visible"/>
+                                      </p:to>
+                                    </p:set>
+                                  </p:childTnLst>
+                                </p:cTn>
+                              </p:par>
+                            </p:childTnLst>
+                          </p:cTn>
+                        </p:par>
+                      </p:childTnLst>
+                    </p:cTn>
+                  </p:par>
+                  <p:par>
+                    <p:cTn id="7" fill="hold">
+                      <p:stCondLst>
+                        <p:cond delay="indefinite"/>
+                      </p:stCondLst>
+                      <p:childTnLst>
+                        <p:par>
+                          <p:cTn id="8" fill="hold">
+                            <p:stCondLst>
+                              <p:cond delay="0"/>
+                            </p:stCondLst>
+                            <p:childTnLst>
+                              <p:par>
+                                <p:cTn id="9" presetID="1" presetClass="entr" presetSubtype="0" fill="hold" nodeType="clickEffect">
+                                  <p:stCondLst>
+                                    <p:cond delay="0"/>
+                                  </p:stCondLst>
+                                  <p:childTnLst>
+                                    <p:set>
+                                      <p:cBhvr>
+                                        <p:cTn id="10" dur="1" fill="hold">
+                                          <p:stCondLst>
+                                            <p:cond delay="0"/>
+                                          </p:stCondLst>
+                                        </p:cTn>
+                                        <p:tgtEl>
+                                          <p:spTgt spid="6">
+                                            <p:txEl>
+                                              <p:pRg st="1" end="1"/>
+                                            </p:txEl>
+                                          </p:spTgt>
+                                        </p:tgtEl>
+                                        <p:attrNameLst>
+                                          <p:attrName>style.visibility</p:attrName>
+                                        </p:attrNameLst>
+                                      </p:cBhvr>
+                                      <p:to>
+                                        <p:strVal val="visible"/>
+                                      </p:to>
+                                    </p:set>
+                                  </p:childTnLst>
+                                </p:cTn>
+                              </p:par>
+                            </p:childTnLst>
+                          </p:cTn>
+                        </p:par>
+                      </p:childTnLst>
+                    </p:cTn>
+                  </p:par>
+                  <p:par>
+                    <p:cTn id="11" fill="hold">
+                      <p:stCondLst>
+                        <p:cond delay="indefinite"/>
+                      </p:stCondLst>
+                      <p:childTnLst>
+                        <p:par>
+                          <p:cTn id="12" fill="hold">
+                            <p:stCondLst>
+                              <p:cond delay="0"/>
+                            </p:stCondLst>
+                            <p:childTnLst>
+                              <p:par>
+                                <p:cTn id="13" presetID="1" presetClass="entr" presetSubtype="0" fill="hold" nodeType="clickEffect">
+                                  <p:stCondLst>
+                                    <p:cond delay="0"/>
+                                  </p:stCondLst>
+                                  <p:childTnLst>
+                                    <p:set>
+                                      <p:cBhvr>
+                                        <p:cTn id="14" dur="1" fill="hold">
+                                          <p:stCondLst>
+                                            <p:cond delay="0"/>
+                                          </p:stCondLst>
+                                        </p:cTn>
+                                        <p:tgtEl>
+                                          <p:spTgt spid="6">
+                                            <p:txEl>
+                                              <p:pRg st="2" end="2"/>
+                                            </p:txEl>
+                                          </p:spTgt>
+                                        </p:tgtEl>
+                                        <p:attrNameLst>
+                                          <p:attrName>style.visibility</p:attrName>
+                                        </p:attrNameLst>
+                                      </p:cBhvr>
+                                      <p:to>
+                                        <p:strVal val="visible"/>
+                                      </p:to>
+                                    </p:set>
+                                  </p:childTnLst>
+                                </p:cTn>
+                              </p:par>
+                            </p:childTnLst>
+                          </p:cTn>
+                        </p:par>
+                      </p:childTnLst>
+                    </p:cTn>
+                  </p:par>
+                  <p:par>
+                    <p:cTn id="15" fill="hold">
+                      <p:stCondLst>
+                        <p:cond delay="indefinite"/>
+                      </p:stCondLst>
+                      <p:childTnLst>
+                        <p:par>
+                          <p:cTn id="16" fill="hold">
+                            <p:stCondLst>
+                              <p:cond delay="0"/>
+                            </p:stCondLst>
+                            <p:childTnLst>
+                              <p:par>
+                                <p:cTn id="17" presetID="1" presetClass="entr" presetSubtype="0" fill="hold" nodeType="clickEffect">
+                                  <p:stCondLst>
+                                    <p:cond delay="0"/>
+                                  </p:stCondLst>
+                                  <p:childTnLst>
+                                    <p:set>
+                                      <p:cBhvr>
+                                        <p:cTn id="18" dur="1" fill="hold">
+                                          <p:stCondLst>
+                                            <p:cond delay="0"/>
+                                          </p:stCondLst>
+                                        </p:cTn>
+                                        <p:tgtEl>
+                                          <p:spTgt spid="6">
+                                            <p:txEl>
+                                              <p:pRg st="3" end="3"/>
+                                            </p:txEl>
+                                          </p:spTgt>
+                                        </p:tgtEl>
+                                        <p:attrNameLst>
+                                          <p:attrName>style.visibility</p:attrName>
+                                        </p:attrNameLst>
+                                      </p:cBhvr>
+                                      <p:to>
+                                        <p:strVal val="visible"/>
+                                      </p:to>
+                                    </p:set>
+                                  </p:childTnLst>
+                                </p:cTn>
+                              </p:par>
+                            </p:childTnLst>
+                          </p:cTn>
+                        </p:par>
+                      </p:childTnLst>
+                    </p:cTn>
+                  </p:par>
+                  <p:par>
+                    <p:cTn id="19" fill="hold">
+                      <p:stCondLst>
+                        <p:cond delay="indefinite"/>
+                      </p:stCondLst>
+                      <p:childTnLst>
+                        <p:par>
+                          <p:cTn id="20" fill="hold">
+                            <p:stCondLst>
+                              <p:cond delay="0"/>
+                            </p:stCondLst>
+                            <p:childTnLst>
+                              <p:par>
+                                <p:cTn id="21" presetID="1" presetClass="entr" presetSubtype="0" fill="hold" nodeType="clickEffect">
+                                  <p:stCondLst>
+                                    <p:cond delay="0"/>
+                                  </p:stCondLst>
+                                  <p:childTnLst>
+                                    <p:set>
+                                      <p:cBhvr>
+                                        <p:cTn id="22" dur="1" fill="hold">
+                                          <p:stCondLst>
+                                            <p:cond delay="0"/>
+                                          </p:stCondLst>
+                                        </p:cTn>
+                                        <p:tgtEl>
+                                          <p:spTgt spid="6">
+                                            <p:txEl>
+                                              <p:pRg st="4" end="4"/>
+                                            </p:txEl>
+                                          </p:spTgt>
+                                        </p:tgtEl>
+                                        <p:attrNameLst>
+                                          <p:attrName>style.visibility</p:attrName>
+                                        </p:attrNameLst>
+                                      </p:cBhvr>
+                                      <p:to>
+                                        <p:strVal val="visible"/>
+                                      </p:to>
+                                    </p:set>
+                                  </p:childTnLst>
+                                </p:cTn>
+                              </p:par>
+                            </p:childTnLst>
+                          </p:cTn>
+                        </p:par>
+                      </p:childTnLst>
+                    </p:cTn>
+                  </p:par>
+                  <p:par>
+                    <p:cTn id="23" fill="hold">
+                      <p:stCondLst>
+                        <p:cond delay="indefinite"/>
+                      </p:stCondLst>
+                      <p:childTnLst>
+                        <p:par>
+                          <p:cTn id="24" fill="hold">
+                            <p:stCondLst>
+                              <p:cond delay="0"/>
+                            </p:stCondLst>
+                            <p:childTnLst>
+                              <p:par>
+                                <p:cTn id="25" presetID="1" presetClass="entr" presetSubtype="0" fill="hold" nodeType="clickEffect">
+                                  <p:stCondLst>
+                                    <p:cond delay="0"/>
+                                  </p:stCondLst>
+                                  <p:childTnLst>
+                                    <p:set>
+                                      <p:cBhvr>
+                                        <p:cTn id="26" dur="1" fill="hold">
+                                          <p:stCondLst>
+                                            <p:cond delay="0"/>
+                                          </p:stCondLst>
+                                        </p:cTn>
+                                        <p:tgtEl>
+                                          <p:spTgt spid="6">
+                                            <p:txEl>
+                                              <p:pRg st="5" end="5"/>
+                                            </p:txEl>
+                                          </p:spTgt>
+                                        </p:tgtEl>
+                                        <p:attrNameLst>
+                                          <p:attrName>style.visibility</p:attrName>
+                                        </p:attrNameLst>
+                                      </p:cBhvr>
+                                      <p:to>
+                                        <p:strVal val="visible"/>
+                                      </p:to>
+                                    </p:set>
+                                  </p:childTnLst>
+                                </p:cTn>
+                              </p:par>
+                              <p:par>
+                                <p:cTn id="27" presetID="1" presetClass="entr" presetSubtype="0" fill="hold" nodeType="withEffect">
+                                  <p:stCondLst>
+                                    <p:cond delay="0"/>
+                                  </p:stCondLst>
+                                  <p:childTnLst>
+                                    <p:set>
+                                      <p:cBhvr>
+                                        <p:cTn id="28" dur="1" fill="hold">
+                                          <p:stCondLst>
+                                            <p:cond delay="0"/>
+                                          </p:stCondLst>
+                                        </p:cTn>
+                                        <p:tgtEl>
+                                          <p:spTgt spid="6">
+                                            <p:txEl>
+                                              <p:pRg st="6" end="6"/>
+                                            </p:txEl>
+                                          </p:spTgt>
+                                        </p:tgtEl>
+                                        <p:attrNameLst>
+                                          <p:attrName>style.visibility</p:attrName>
+                                        </p:attrNameLst>
+                                      </p:cBhvr>
+                                      <p:to>
+                                        <p:strVal val="visible"/>
+                                      </p:to>
+                                    </p:set>
+                                  </p:childTnLst>
+                                </p:cTn>
+                              </p:par>
+                            </p:childTnLst>
+                          </p:cTn>
+                        </p:par>
+                      </p:childTnLst>
+                    </p:cTn>
+                  </p:par>
+                </p:childTnLst>
+              </p:cTn>
+              <p:prevCondLst>
+                <p:cond evt="onPrev" delay="0">
+                  <p:tgtEl>
+                    <p:sldTgt/>
+                  </p:tgtEl>
+                </p:cond>
+              </p:prevCondLst>
+              <p:nextCondLst>
+                <p:cond evt="onNext" delay="0">
+                  <p:tgtEl>
+                    <p:sldTgt/>
+                  </p:tgtEl>
+                </p:cond>
+              </p:nextCondLst>
+            </p:seq>
+          </p:childTnLst>
+        </p:cTn>
       </p:par>
     </p:tnLst>
   </p:timing>
@@ -20943,8 +22905,8 @@
         </p:nvSpPr>
         <p:spPr>
           <a:xfrm>
-            <a:off x="838200" y="365125"/>
-            <a:ext cx="5028028" cy="1325563"/>
+            <a:off x="838199" y="365125"/>
+            <a:ext cx="8846127" cy="1325563"/>
           </a:xfrm>
         </p:spPr>
         <p:txBody>
@@ -24849,6 +26811,236 @@
           </a:graphicData>
         </a:graphic>
       </p:graphicFrame>
+      <p:sp>
+        <p:nvSpPr>
+          <p:cNvPr id="5" name="Content Placeholder 2"/>
+          <p:cNvSpPr txBox="1">
+            <a:spLocks/>
+          </p:cNvSpPr>
+          <p:nvPr/>
+        </p:nvSpPr>
+        <p:spPr>
+          <a:xfrm>
+            <a:off x="944272" y="1500033"/>
+            <a:ext cx="9668308" cy="1528043"/>
+          </a:xfrm>
+          <a:prstGeom prst="rect">
+            <a:avLst/>
+          </a:prstGeom>
+        </p:spPr>
+        <p:txBody>
+          <a:bodyPr vert="horz" lIns="91440" tIns="45720" rIns="91440" bIns="45720" rtlCol="0">
+            <a:normAutofit/>
+          </a:bodyPr>
+          <a:lstStyle>
+            <a:lvl1pPr marL="228600" indent="-228600" algn="l" defTabSz="914400" rtl="0" eaLnBrk="1" latinLnBrk="0" hangingPunct="1">
+              <a:lnSpc>
+                <a:spcPct val="90000"/>
+              </a:lnSpc>
+              <a:spcBef>
+                <a:spcPts val="1000"/>
+              </a:spcBef>
+              <a:buFont typeface="Arial" panose="020B0604020202020204" pitchFamily="34" charset="0"/>
+              <a:buChar char="•"/>
+              <a:defRPr sz="2800" kern="1200">
+                <a:solidFill>
+                  <a:schemeClr val="tx1"/>
+                </a:solidFill>
+                <a:latin typeface="+mn-lt"/>
+                <a:ea typeface="+mn-ea"/>
+                <a:cs typeface="+mn-cs"/>
+              </a:defRPr>
+            </a:lvl1pPr>
+            <a:lvl2pPr marL="685800" indent="-228600" algn="l" defTabSz="914400" rtl="0" eaLnBrk="1" latinLnBrk="0" hangingPunct="1">
+              <a:lnSpc>
+                <a:spcPct val="90000"/>
+              </a:lnSpc>
+              <a:spcBef>
+                <a:spcPts val="500"/>
+              </a:spcBef>
+              <a:buFont typeface="Arial" panose="020B0604020202020204" pitchFamily="34" charset="0"/>
+              <a:buChar char="•"/>
+              <a:defRPr sz="2400" kern="1200">
+                <a:solidFill>
+                  <a:schemeClr val="tx1"/>
+                </a:solidFill>
+                <a:latin typeface="+mn-lt"/>
+                <a:ea typeface="+mn-ea"/>
+                <a:cs typeface="+mn-cs"/>
+              </a:defRPr>
+            </a:lvl2pPr>
+            <a:lvl3pPr marL="1143000" indent="-228600" algn="l" defTabSz="914400" rtl="0" eaLnBrk="1" latinLnBrk="0" hangingPunct="1">
+              <a:lnSpc>
+                <a:spcPct val="90000"/>
+              </a:lnSpc>
+              <a:spcBef>
+                <a:spcPts val="500"/>
+              </a:spcBef>
+              <a:buFont typeface="Arial" panose="020B0604020202020204" pitchFamily="34" charset="0"/>
+              <a:buChar char="•"/>
+              <a:defRPr sz="2000" kern="1200">
+                <a:solidFill>
+                  <a:schemeClr val="tx1"/>
+                </a:solidFill>
+                <a:latin typeface="+mn-lt"/>
+                <a:ea typeface="+mn-ea"/>
+                <a:cs typeface="+mn-cs"/>
+              </a:defRPr>
+            </a:lvl3pPr>
+            <a:lvl4pPr marL="1600200" indent="-228600" algn="l" defTabSz="914400" rtl="0" eaLnBrk="1" latinLnBrk="0" hangingPunct="1">
+              <a:lnSpc>
+                <a:spcPct val="90000"/>
+              </a:lnSpc>
+              <a:spcBef>
+                <a:spcPts val="500"/>
+              </a:spcBef>
+              <a:buFont typeface="Arial" panose="020B0604020202020204" pitchFamily="34" charset="0"/>
+              <a:buChar char="•"/>
+              <a:defRPr sz="1800" kern="1200">
+                <a:solidFill>
+                  <a:schemeClr val="tx1"/>
+                </a:solidFill>
+                <a:latin typeface="+mn-lt"/>
+                <a:ea typeface="+mn-ea"/>
+                <a:cs typeface="+mn-cs"/>
+              </a:defRPr>
+            </a:lvl4pPr>
+            <a:lvl5pPr marL="2057400" indent="-228600" algn="l" defTabSz="914400" rtl="0" eaLnBrk="1" latinLnBrk="0" hangingPunct="1">
+              <a:lnSpc>
+                <a:spcPct val="90000"/>
+              </a:lnSpc>
+              <a:spcBef>
+                <a:spcPts val="500"/>
+              </a:spcBef>
+              <a:buFont typeface="Arial" panose="020B0604020202020204" pitchFamily="34" charset="0"/>
+              <a:buChar char="•"/>
+              <a:defRPr sz="1800" kern="1200">
+                <a:solidFill>
+                  <a:schemeClr val="tx1"/>
+                </a:solidFill>
+                <a:latin typeface="+mn-lt"/>
+                <a:ea typeface="+mn-ea"/>
+                <a:cs typeface="+mn-cs"/>
+              </a:defRPr>
+            </a:lvl5pPr>
+            <a:lvl6pPr marL="2514600" indent="-228600" algn="l" defTabSz="914400" rtl="0" eaLnBrk="1" latinLnBrk="0" hangingPunct="1">
+              <a:lnSpc>
+                <a:spcPct val="90000"/>
+              </a:lnSpc>
+              <a:spcBef>
+                <a:spcPts val="500"/>
+              </a:spcBef>
+              <a:buFont typeface="Arial" panose="020B0604020202020204" pitchFamily="34" charset="0"/>
+              <a:buChar char="•"/>
+              <a:defRPr sz="1800" kern="1200">
+                <a:solidFill>
+                  <a:schemeClr val="tx1"/>
+                </a:solidFill>
+                <a:latin typeface="+mn-lt"/>
+                <a:ea typeface="+mn-ea"/>
+                <a:cs typeface="+mn-cs"/>
+              </a:defRPr>
+            </a:lvl6pPr>
+            <a:lvl7pPr marL="2971800" indent="-228600" algn="l" defTabSz="914400" rtl="0" eaLnBrk="1" latinLnBrk="0" hangingPunct="1">
+              <a:lnSpc>
+                <a:spcPct val="90000"/>
+              </a:lnSpc>
+              <a:spcBef>
+                <a:spcPts val="500"/>
+              </a:spcBef>
+              <a:buFont typeface="Arial" panose="020B0604020202020204" pitchFamily="34" charset="0"/>
+              <a:buChar char="•"/>
+              <a:defRPr sz="1800" kern="1200">
+                <a:solidFill>
+                  <a:schemeClr val="tx1"/>
+                </a:solidFill>
+                <a:latin typeface="+mn-lt"/>
+                <a:ea typeface="+mn-ea"/>
+                <a:cs typeface="+mn-cs"/>
+              </a:defRPr>
+            </a:lvl7pPr>
+            <a:lvl8pPr marL="3429000" indent="-228600" algn="l" defTabSz="914400" rtl="0" eaLnBrk="1" latinLnBrk="0" hangingPunct="1">
+              <a:lnSpc>
+                <a:spcPct val="90000"/>
+              </a:lnSpc>
+              <a:spcBef>
+                <a:spcPts val="500"/>
+              </a:spcBef>
+              <a:buFont typeface="Arial" panose="020B0604020202020204" pitchFamily="34" charset="0"/>
+              <a:buChar char="•"/>
+              <a:defRPr sz="1800" kern="1200">
+                <a:solidFill>
+                  <a:schemeClr val="tx1"/>
+                </a:solidFill>
+                <a:latin typeface="+mn-lt"/>
+                <a:ea typeface="+mn-ea"/>
+                <a:cs typeface="+mn-cs"/>
+              </a:defRPr>
+            </a:lvl8pPr>
+            <a:lvl9pPr marL="3886200" indent="-228600" algn="l" defTabSz="914400" rtl="0" eaLnBrk="1" latinLnBrk="0" hangingPunct="1">
+              <a:lnSpc>
+                <a:spcPct val="90000"/>
+              </a:lnSpc>
+              <a:spcBef>
+                <a:spcPts val="500"/>
+              </a:spcBef>
+              <a:buFont typeface="Arial" panose="020B0604020202020204" pitchFamily="34" charset="0"/>
+              <a:buChar char="•"/>
+              <a:defRPr sz="1800" kern="1200">
+                <a:solidFill>
+                  <a:schemeClr val="tx1"/>
+                </a:solidFill>
+                <a:latin typeface="+mn-lt"/>
+                <a:ea typeface="+mn-ea"/>
+                <a:cs typeface="+mn-cs"/>
+              </a:defRPr>
+            </a:lvl9pPr>
+          </a:lstStyle>
+          <a:p>
+            <a:r>
+              <a:rPr lang="en-CA" sz="2500" dirty="0" smtClean="0">
+                <a:cs typeface="Courier New" panose="02070309020205020404" pitchFamily="49" charset="0"/>
+              </a:rPr>
+              <a:t>Numeric prediction (both outcome and attributes are numeric)</a:t>
+            </a:r>
+          </a:p>
+          <a:p>
+            <a:r>
+              <a:rPr lang="en-CA" sz="2500" dirty="0" smtClean="0">
+                <a:cs typeface="Courier New" panose="02070309020205020404" pitchFamily="49" charset="0"/>
+              </a:rPr>
+              <a:t>Write the outcome as a linear sum of weighted attribute values</a:t>
+            </a:r>
+            <a:endParaRPr lang="en-CA" sz="2000" dirty="0">
+              <a:cs typeface="Courier New" panose="02070309020205020404" pitchFamily="49" charset="0"/>
+            </a:endParaRPr>
+          </a:p>
+        </p:txBody>
+      </p:sp>
+      <p:pic>
+        <p:nvPicPr>
+          <p:cNvPr id="3" name="Picture 2"/>
+          <p:cNvPicPr>
+            <a:picLocks noChangeAspect="1"/>
+          </p:cNvPicPr>
+          <p:nvPr/>
+        </p:nvPicPr>
+        <p:blipFill>
+          <a:blip r:embed="rId2"/>
+          <a:stretch>
+            <a:fillRect/>
+          </a:stretch>
+        </p:blipFill>
+        <p:spPr>
+          <a:xfrm>
+            <a:off x="1660381" y="2475198"/>
+            <a:ext cx="7438630" cy="615225"/>
+          </a:xfrm>
+          <a:prstGeom prst="rect">
+            <a:avLst/>
+          </a:prstGeom>
+        </p:spPr>
+      </p:pic>
     </p:spTree>
     <p:extLst>
       <p:ext uri="{BB962C8B-B14F-4D97-AF65-F5344CB8AC3E}">
@@ -24862,9 +27054,174 @@
   <p:timing>
     <p:tnLst>
       <p:par>
-        <p:cTn id="1" dur="indefinite" restart="never" nodeType="tmRoot"/>
+        <p:cTn id="1" dur="indefinite" restart="never" nodeType="tmRoot">
+          <p:childTnLst>
+            <p:seq concurrent="1" nextAc="seek">
+              <p:cTn id="2" dur="indefinite" nodeType="mainSeq">
+                <p:childTnLst>
+                  <p:par>
+                    <p:cTn id="3" fill="hold">
+                      <p:stCondLst>
+                        <p:cond delay="indefinite"/>
+                      </p:stCondLst>
+                      <p:childTnLst>
+                        <p:par>
+                          <p:cTn id="4" fill="hold">
+                            <p:stCondLst>
+                              <p:cond delay="0"/>
+                            </p:stCondLst>
+                            <p:childTnLst>
+                              <p:par>
+                                <p:cTn id="5" presetID="1" presetClass="entr" presetSubtype="0" fill="hold" grpId="0" nodeType="clickEffect">
+                                  <p:stCondLst>
+                                    <p:cond delay="0"/>
+                                  </p:stCondLst>
+                                  <p:childTnLst>
+                                    <p:set>
+                                      <p:cBhvr>
+                                        <p:cTn id="6" dur="1" fill="hold">
+                                          <p:stCondLst>
+                                            <p:cond delay="0"/>
+                                          </p:stCondLst>
+                                        </p:cTn>
+                                        <p:tgtEl>
+                                          <p:spTgt spid="5"/>
+                                        </p:tgtEl>
+                                        <p:attrNameLst>
+                                          <p:attrName>style.visibility</p:attrName>
+                                        </p:attrNameLst>
+                                      </p:cBhvr>
+                                      <p:to>
+                                        <p:strVal val="visible"/>
+                                      </p:to>
+                                    </p:set>
+                                  </p:childTnLst>
+                                </p:cTn>
+                              </p:par>
+                            </p:childTnLst>
+                          </p:cTn>
+                        </p:par>
+                      </p:childTnLst>
+                    </p:cTn>
+                  </p:par>
+                  <p:par>
+                    <p:cTn id="7" fill="hold">
+                      <p:stCondLst>
+                        <p:cond delay="indefinite"/>
+                      </p:stCondLst>
+                      <p:childTnLst>
+                        <p:par>
+                          <p:cTn id="8" fill="hold">
+                            <p:stCondLst>
+                              <p:cond delay="0"/>
+                            </p:stCondLst>
+                            <p:childTnLst>
+                              <p:par>
+                                <p:cTn id="9" presetID="1" presetClass="entr" presetSubtype="0" fill="hold" nodeType="clickEffect">
+                                  <p:stCondLst>
+                                    <p:cond delay="0"/>
+                                  </p:stCondLst>
+                                  <p:childTnLst>
+                                    <p:set>
+                                      <p:cBhvr>
+                                        <p:cTn id="10" dur="1" fill="hold">
+                                          <p:stCondLst>
+                                            <p:cond delay="0"/>
+                                          </p:stCondLst>
+                                        </p:cTn>
+                                        <p:tgtEl>
+                                          <p:spTgt spid="5">
+                                            <p:txEl>
+                                              <p:pRg st="1" end="1"/>
+                                            </p:txEl>
+                                          </p:spTgt>
+                                        </p:tgtEl>
+                                        <p:attrNameLst>
+                                          <p:attrName>style.visibility</p:attrName>
+                                        </p:attrNameLst>
+                                      </p:cBhvr>
+                                      <p:to>
+                                        <p:strVal val="visible"/>
+                                      </p:to>
+                                    </p:set>
+                                  </p:childTnLst>
+                                </p:cTn>
+                              </p:par>
+                            </p:childTnLst>
+                          </p:cTn>
+                        </p:par>
+                      </p:childTnLst>
+                    </p:cTn>
+                  </p:par>
+                  <p:par>
+                    <p:cTn id="11" fill="hold">
+                      <p:stCondLst>
+                        <p:cond delay="indefinite"/>
+                      </p:stCondLst>
+                      <p:childTnLst>
+                        <p:par>
+                          <p:cTn id="12" fill="hold">
+                            <p:stCondLst>
+                              <p:cond delay="0"/>
+                            </p:stCondLst>
+                            <p:childTnLst>
+                              <p:par>
+                                <p:cTn id="13" presetID="1" presetClass="entr" presetSubtype="0" fill="hold" nodeType="clickEffect">
+                                  <p:stCondLst>
+                                    <p:cond delay="0"/>
+                                  </p:stCondLst>
+                                  <p:childTnLst>
+                                    <p:set>
+                                      <p:cBhvr>
+                                        <p:cTn id="14" dur="1" fill="hold">
+                                          <p:stCondLst>
+                                            <p:cond delay="0"/>
+                                          </p:stCondLst>
+                                        </p:cTn>
+                                        <p:tgtEl>
+                                          <p:spTgt spid="3"/>
+                                        </p:tgtEl>
+                                        <p:attrNameLst>
+                                          <p:attrName>style.visibility</p:attrName>
+                                        </p:attrNameLst>
+                                      </p:cBhvr>
+                                      <p:to>
+                                        <p:strVal val="visible"/>
+                                      </p:to>
+                                    </p:set>
+                                  </p:childTnLst>
+                                </p:cTn>
+                              </p:par>
+                            </p:childTnLst>
+                          </p:cTn>
+                        </p:par>
+                      </p:childTnLst>
+                    </p:cTn>
+                  </p:par>
+                </p:childTnLst>
+              </p:cTn>
+              <p:prevCondLst>
+                <p:cond evt="onPrev" delay="0">
+                  <p:tgtEl>
+                    <p:sldTgt/>
+                  </p:tgtEl>
+                </p:cond>
+              </p:prevCondLst>
+              <p:nextCondLst>
+                <p:cond evt="onNext" delay="0">
+                  <p:tgtEl>
+                    <p:sldTgt/>
+                  </p:tgtEl>
+                </p:cond>
+              </p:nextCondLst>
+            </p:seq>
+          </p:childTnLst>
+        </p:cTn>
       </p:par>
     </p:tnLst>
+    <p:bldLst>
+      <p:bldP spid="5" grpId="0"/>
+    </p:bldLst>
   </p:timing>
 </p:sld>
 </file>
@@ -24903,7 +27260,7 @@
           <a:p>
             <a:r>
               <a:rPr lang="en-CA" dirty="0" smtClean="0"/>
-              <a:t>Fielded applications</a:t>
+              <a:t>Fielded applications </a:t>
             </a:r>
             <a:endParaRPr lang="en-CA" dirty="0"/>
           </a:p>
@@ -24919,22 +27276,59 @@
             <p:ph idx="1"/>
           </p:nvPr>
         </p:nvSpPr>
-        <p:spPr/>
+        <p:spPr>
+          <a:xfrm>
+            <a:off x="838199" y="1825625"/>
+            <a:ext cx="7917873" cy="4351338"/>
+          </a:xfrm>
+        </p:spPr>
         <p:txBody>
-          <a:bodyPr/>
+          <a:bodyPr>
+            <a:normAutofit/>
+          </a:bodyPr>
           <a:lstStyle/>
           <a:p>
             <a:r>
-              <a:rPr lang="en-CA" dirty="0" err="1" smtClean="0"/>
-              <a:t>Flinks</a:t>
+              <a:rPr lang="en-CA" dirty="0" smtClean="0"/>
+              <a:t>So far we have only seen toy problems, deliberately chosen to be small</a:t>
             </a:r>
-            <a:endParaRPr lang="en-CA" dirty="0" smtClean="0"/>
           </a:p>
           <a:p>
             <a:r>
               <a:rPr lang="en-CA" dirty="0" smtClean="0"/>
-              <a:t>ICA</a:t>
+              <a:t>What about machine learning applications that have actually been put to use?</a:t>
             </a:r>
+          </a:p>
+          <a:p>
+            <a:r>
+              <a:rPr lang="en-CA" dirty="0" smtClean="0"/>
+              <a:t>Loan qualification</a:t>
+            </a:r>
+          </a:p>
+          <a:p>
+            <a:r>
+              <a:rPr lang="en-CA" dirty="0" smtClean="0"/>
+              <a:t>Machine fault diagnosis</a:t>
+            </a:r>
+          </a:p>
+          <a:p>
+            <a:r>
+              <a:rPr lang="en-CA" dirty="0"/>
+              <a:t>Market basket </a:t>
+            </a:r>
+            <a:r>
+              <a:rPr lang="en-CA" dirty="0" smtClean="0"/>
+              <a:t>analysis</a:t>
+            </a:r>
+          </a:p>
+          <a:p>
+            <a:r>
+              <a:rPr lang="en-CA" dirty="0" smtClean="0"/>
+              <a:t>Brain activity denoising</a:t>
+            </a:r>
+          </a:p>
+          <a:p>
+            <a:endParaRPr lang="en-CA" dirty="0" smtClean="0"/>
           </a:p>
           <a:p>
             <a:endParaRPr lang="en-CA" dirty="0"/>
@@ -24951,6 +27345,284 @@
   <p:clrMapOvr>
     <a:masterClrMapping/>
   </p:clrMapOvr>
+  <p:timing>
+    <p:tnLst>
+      <p:par>
+        <p:cTn id="1" dur="indefinite" restart="never" nodeType="tmRoot">
+          <p:childTnLst>
+            <p:seq concurrent="1" nextAc="seek">
+              <p:cTn id="2" dur="indefinite" nodeType="mainSeq">
+                <p:childTnLst>
+                  <p:par>
+                    <p:cTn id="3" fill="hold">
+                      <p:stCondLst>
+                        <p:cond delay="indefinite"/>
+                      </p:stCondLst>
+                      <p:childTnLst>
+                        <p:par>
+                          <p:cTn id="4" fill="hold">
+                            <p:stCondLst>
+                              <p:cond delay="0"/>
+                            </p:stCondLst>
+                            <p:childTnLst>
+                              <p:par>
+                                <p:cTn id="5" presetID="1" presetClass="entr" presetSubtype="0" fill="hold" grpId="0" nodeType="clickEffect">
+                                  <p:stCondLst>
+                                    <p:cond delay="0"/>
+                                  </p:stCondLst>
+                                  <p:childTnLst>
+                                    <p:set>
+                                      <p:cBhvr>
+                                        <p:cTn id="6" dur="1" fill="hold">
+                                          <p:stCondLst>
+                                            <p:cond delay="0"/>
+                                          </p:stCondLst>
+                                        </p:cTn>
+                                        <p:tgtEl>
+                                          <p:spTgt spid="3">
+                                            <p:txEl>
+                                              <p:pRg st="1" end="1"/>
+                                            </p:txEl>
+                                          </p:spTgt>
+                                        </p:tgtEl>
+                                        <p:attrNameLst>
+                                          <p:attrName>style.visibility</p:attrName>
+                                        </p:attrNameLst>
+                                      </p:cBhvr>
+                                      <p:to>
+                                        <p:strVal val="visible"/>
+                                      </p:to>
+                                    </p:set>
+                                  </p:childTnLst>
+                                </p:cTn>
+                              </p:par>
+                            </p:childTnLst>
+                          </p:cTn>
+                        </p:par>
+                      </p:childTnLst>
+                    </p:cTn>
+                  </p:par>
+                  <p:par>
+                    <p:cTn id="7" fill="hold">
+                      <p:stCondLst>
+                        <p:cond delay="indefinite"/>
+                      </p:stCondLst>
+                      <p:childTnLst>
+                        <p:par>
+                          <p:cTn id="8" fill="hold">
+                            <p:stCondLst>
+                              <p:cond delay="0"/>
+                            </p:stCondLst>
+                            <p:childTnLst>
+                              <p:par>
+                                <p:cTn id="9" presetID="1" presetClass="entr" presetSubtype="0" fill="hold" grpId="0" nodeType="clickEffect">
+                                  <p:stCondLst>
+                                    <p:cond delay="0"/>
+                                  </p:stCondLst>
+                                  <p:childTnLst>
+                                    <p:set>
+                                      <p:cBhvr>
+                                        <p:cTn id="10" dur="1" fill="hold">
+                                          <p:stCondLst>
+                                            <p:cond delay="0"/>
+                                          </p:stCondLst>
+                                        </p:cTn>
+                                        <p:tgtEl>
+                                          <p:spTgt spid="3">
+                                            <p:txEl>
+                                              <p:pRg st="2" end="2"/>
+                                            </p:txEl>
+                                          </p:spTgt>
+                                        </p:tgtEl>
+                                        <p:attrNameLst>
+                                          <p:attrName>style.visibility</p:attrName>
+                                        </p:attrNameLst>
+                                      </p:cBhvr>
+                                      <p:to>
+                                        <p:strVal val="visible"/>
+                                      </p:to>
+                                    </p:set>
+                                  </p:childTnLst>
+                                </p:cTn>
+                              </p:par>
+                            </p:childTnLst>
+                          </p:cTn>
+                        </p:par>
+                      </p:childTnLst>
+                    </p:cTn>
+                  </p:par>
+                  <p:par>
+                    <p:cTn id="11" fill="hold">
+                      <p:stCondLst>
+                        <p:cond delay="indefinite"/>
+                      </p:stCondLst>
+                      <p:childTnLst>
+                        <p:par>
+                          <p:cTn id="12" fill="hold">
+                            <p:stCondLst>
+                              <p:cond delay="0"/>
+                            </p:stCondLst>
+                            <p:childTnLst>
+                              <p:par>
+                                <p:cTn id="13" presetID="1" presetClass="entr" presetSubtype="0" fill="hold" grpId="0" nodeType="clickEffect">
+                                  <p:stCondLst>
+                                    <p:cond delay="0"/>
+                                  </p:stCondLst>
+                                  <p:childTnLst>
+                                    <p:set>
+                                      <p:cBhvr>
+                                        <p:cTn id="14" dur="1" fill="hold">
+                                          <p:stCondLst>
+                                            <p:cond delay="0"/>
+                                          </p:stCondLst>
+                                        </p:cTn>
+                                        <p:tgtEl>
+                                          <p:spTgt spid="3">
+                                            <p:txEl>
+                                              <p:pRg st="3" end="3"/>
+                                            </p:txEl>
+                                          </p:spTgt>
+                                        </p:tgtEl>
+                                        <p:attrNameLst>
+                                          <p:attrName>style.visibility</p:attrName>
+                                        </p:attrNameLst>
+                                      </p:cBhvr>
+                                      <p:to>
+                                        <p:strVal val="visible"/>
+                                      </p:to>
+                                    </p:set>
+                                  </p:childTnLst>
+                                </p:cTn>
+                              </p:par>
+                            </p:childTnLst>
+                          </p:cTn>
+                        </p:par>
+                      </p:childTnLst>
+                    </p:cTn>
+                  </p:par>
+                  <p:par>
+                    <p:cTn id="15" fill="hold">
+                      <p:stCondLst>
+                        <p:cond delay="indefinite"/>
+                      </p:stCondLst>
+                      <p:childTnLst>
+                        <p:par>
+                          <p:cTn id="16" fill="hold">
+                            <p:stCondLst>
+                              <p:cond delay="0"/>
+                            </p:stCondLst>
+                            <p:childTnLst>
+                              <p:par>
+                                <p:cTn id="17" presetID="1" presetClass="entr" presetSubtype="0" fill="hold" grpId="0" nodeType="clickEffect">
+                                  <p:stCondLst>
+                                    <p:cond delay="0"/>
+                                  </p:stCondLst>
+                                  <p:childTnLst>
+                                    <p:set>
+                                      <p:cBhvr>
+                                        <p:cTn id="18" dur="1" fill="hold">
+                                          <p:stCondLst>
+                                            <p:cond delay="0"/>
+                                          </p:stCondLst>
+                                        </p:cTn>
+                                        <p:tgtEl>
+                                          <p:spTgt spid="3">
+                                            <p:txEl>
+                                              <p:pRg st="4" end="4"/>
+                                            </p:txEl>
+                                          </p:spTgt>
+                                        </p:tgtEl>
+                                        <p:attrNameLst>
+                                          <p:attrName>style.visibility</p:attrName>
+                                        </p:attrNameLst>
+                                      </p:cBhvr>
+                                      <p:to>
+                                        <p:strVal val="visible"/>
+                                      </p:to>
+                                    </p:set>
+                                  </p:childTnLst>
+                                </p:cTn>
+                              </p:par>
+                            </p:childTnLst>
+                          </p:cTn>
+                        </p:par>
+                      </p:childTnLst>
+                    </p:cTn>
+                  </p:par>
+                  <p:par>
+                    <p:cTn id="19" fill="hold">
+                      <p:stCondLst>
+                        <p:cond delay="indefinite"/>
+                      </p:stCondLst>
+                      <p:childTnLst>
+                        <p:par>
+                          <p:cTn id="20" fill="hold">
+                            <p:stCondLst>
+                              <p:cond delay="0"/>
+                            </p:stCondLst>
+                            <p:childTnLst>
+                              <p:par>
+                                <p:cTn id="21" presetID="1" presetClass="entr" presetSubtype="0" fill="hold" grpId="0" nodeType="clickEffect">
+                                  <p:stCondLst>
+                                    <p:cond delay="0"/>
+                                  </p:stCondLst>
+                                  <p:childTnLst>
+                                    <p:set>
+                                      <p:cBhvr>
+                                        <p:cTn id="22" dur="1" fill="hold">
+                                          <p:stCondLst>
+                                            <p:cond delay="0"/>
+                                          </p:stCondLst>
+                                        </p:cTn>
+                                        <p:tgtEl>
+                                          <p:spTgt spid="3">
+                                            <p:txEl>
+                                              <p:pRg st="5" end="5"/>
+                                            </p:txEl>
+                                          </p:spTgt>
+                                        </p:tgtEl>
+                                        <p:attrNameLst>
+                                          <p:attrName>style.visibility</p:attrName>
+                                        </p:attrNameLst>
+                                      </p:cBhvr>
+                                      <p:to>
+                                        <p:strVal val="visible"/>
+                                      </p:to>
+                                    </p:set>
+                                  </p:childTnLst>
+                                </p:cTn>
+                              </p:par>
+                            </p:childTnLst>
+                          </p:cTn>
+                        </p:par>
+                      </p:childTnLst>
+                    </p:cTn>
+                  </p:par>
+                </p:childTnLst>
+              </p:cTn>
+              <p:prevCondLst>
+                <p:cond evt="onPrev" delay="0">
+                  <p:tgtEl>
+                    <p:sldTgt/>
+                  </p:tgtEl>
+                </p:cond>
+              </p:prevCondLst>
+              <p:nextCondLst>
+                <p:cond evt="onNext" delay="0">
+                  <p:tgtEl>
+                    <p:sldTgt/>
+                  </p:tgtEl>
+                </p:cond>
+              </p:nextCondLst>
+            </p:seq>
+          </p:childTnLst>
+        </p:cTn>
+      </p:par>
+    </p:tnLst>
+    <p:bldLst>
+      <p:bldP spid="3" grpId="0" uiExpand="1" build="p"/>
+    </p:bldLst>
+  </p:timing>
 </p:sld>
 </file>
 
@@ -24988,7 +27660,7 @@
           <a:p>
             <a:r>
               <a:rPr lang="en-CA" dirty="0" smtClean="0"/>
-              <a:t>1.4 the data mining process</a:t>
+              <a:t>Loan qualification</a:t>
             </a:r>
             <a:endParaRPr lang="en-CA" dirty="0"/>
           </a:p>
@@ -25006,14 +27678,42 @@
         </p:nvSpPr>
         <p:spPr>
           <a:xfrm>
-            <a:off x="838200" y="1825625"/>
-            <a:ext cx="3595255" cy="4351338"/>
+            <a:off x="0" y="1791998"/>
+            <a:ext cx="2876550" cy="4969020"/>
           </a:xfrm>
         </p:spPr>
         <p:txBody>
-          <a:bodyPr/>
+          <a:bodyPr>
+            <a:normAutofit fontScale="92500" lnSpcReduction="20000"/>
+          </a:bodyPr>
           <a:lstStyle/>
           <a:p>
+            <a:r>
+              <a:rPr lang="en-CA" dirty="0" smtClean="0"/>
+              <a:t>Bank wants to know which customers will default</a:t>
+            </a:r>
+          </a:p>
+          <a:p>
+            <a:r>
+              <a:rPr lang="en-CA" dirty="0" smtClean="0"/>
+              <a:t>Input: bank activity transaction statement (Financial data)</a:t>
+            </a:r>
+          </a:p>
+          <a:p>
+            <a:r>
+              <a:rPr lang="en-CA" dirty="0" smtClean="0"/>
+              <a:t>Output: probability of person repaying their loan (Score)</a:t>
+            </a:r>
+          </a:p>
+          <a:p>
+            <a:r>
+              <a:rPr lang="en-CA" dirty="0" err="1" smtClean="0"/>
+              <a:t>Flinks</a:t>
+            </a:r>
+            <a:r>
+              <a:rPr lang="en-CA" dirty="0" smtClean="0"/>
+              <a:t> challenge (final project)</a:t>
+            </a:r>
             <a:endParaRPr lang="en-CA" dirty="0"/>
           </a:p>
         </p:txBody>
@@ -25034,8 +27734,32 @@
         </p:blipFill>
         <p:spPr>
           <a:xfrm>
-            <a:off x="6567055" y="1192212"/>
-            <a:ext cx="5624945" cy="5624945"/>
+            <a:off x="9697490" y="0"/>
+            <a:ext cx="2494510" cy="959427"/>
+          </a:xfrm>
+          <a:prstGeom prst="rect">
+            <a:avLst/>
+          </a:prstGeom>
+        </p:spPr>
+      </p:pic>
+      <p:pic>
+        <p:nvPicPr>
+          <p:cNvPr id="5" name="Picture 4"/>
+          <p:cNvPicPr>
+            <a:picLocks noChangeAspect="1"/>
+          </p:cNvPicPr>
+          <p:nvPr/>
+        </p:nvPicPr>
+        <p:blipFill>
+          <a:blip r:embed="rId3"/>
+          <a:stretch>
+            <a:fillRect/>
+          </a:stretch>
+        </p:blipFill>
+        <p:spPr>
+          <a:xfrm>
+            <a:off x="2876550" y="1971675"/>
+            <a:ext cx="9315450" cy="4886325"/>
           </a:xfrm>
           <a:prstGeom prst="rect">
             <a:avLst/>
@@ -25045,13 +27769,190 @@
     </p:spTree>
     <p:extLst>
       <p:ext uri="{BB962C8B-B14F-4D97-AF65-F5344CB8AC3E}">
-        <p14:creationId xmlns:p14="http://schemas.microsoft.com/office/powerpoint/2010/main" val="1252074703"/>
+        <p14:creationId xmlns:p14="http://schemas.microsoft.com/office/powerpoint/2010/main" val="4039948926"/>
       </p:ext>
     </p:extLst>
   </p:cSld>
   <p:clrMapOvr>
     <a:masterClrMapping/>
   </p:clrMapOvr>
+  <p:timing>
+    <p:tnLst>
+      <p:par>
+        <p:cTn id="1" dur="indefinite" restart="never" nodeType="tmRoot">
+          <p:childTnLst>
+            <p:seq concurrent="1" nextAc="seek">
+              <p:cTn id="2" dur="indefinite" nodeType="mainSeq">
+                <p:childTnLst>
+                  <p:par>
+                    <p:cTn id="3" fill="hold">
+                      <p:stCondLst>
+                        <p:cond delay="indefinite"/>
+                      </p:stCondLst>
+                      <p:childTnLst>
+                        <p:par>
+                          <p:cTn id="4" fill="hold">
+                            <p:stCondLst>
+                              <p:cond delay="0"/>
+                            </p:stCondLst>
+                            <p:childTnLst>
+                              <p:par>
+                                <p:cTn id="5" presetID="1" presetClass="entr" presetSubtype="0" fill="hold" nodeType="clickEffect">
+                                  <p:stCondLst>
+                                    <p:cond delay="0"/>
+                                  </p:stCondLst>
+                                  <p:childTnLst>
+                                    <p:set>
+                                      <p:cBhvr>
+                                        <p:cTn id="6" dur="1" fill="hold">
+                                          <p:stCondLst>
+                                            <p:cond delay="0"/>
+                                          </p:stCondLst>
+                                        </p:cTn>
+                                        <p:tgtEl>
+                                          <p:spTgt spid="3">
+                                            <p:txEl>
+                                              <p:pRg st="1" end="1"/>
+                                            </p:txEl>
+                                          </p:spTgt>
+                                        </p:tgtEl>
+                                        <p:attrNameLst>
+                                          <p:attrName>style.visibility</p:attrName>
+                                        </p:attrNameLst>
+                                      </p:cBhvr>
+                                      <p:to>
+                                        <p:strVal val="visible"/>
+                                      </p:to>
+                                    </p:set>
+                                  </p:childTnLst>
+                                </p:cTn>
+                              </p:par>
+                            </p:childTnLst>
+                          </p:cTn>
+                        </p:par>
+                      </p:childTnLst>
+                    </p:cTn>
+                  </p:par>
+                  <p:par>
+                    <p:cTn id="7" fill="hold">
+                      <p:stCondLst>
+                        <p:cond delay="indefinite"/>
+                      </p:stCondLst>
+                      <p:childTnLst>
+                        <p:par>
+                          <p:cTn id="8" fill="hold">
+                            <p:stCondLst>
+                              <p:cond delay="0"/>
+                            </p:stCondLst>
+                            <p:childTnLst>
+                              <p:par>
+                                <p:cTn id="9" presetID="1" presetClass="entr" presetSubtype="0" fill="hold" nodeType="clickEffect">
+                                  <p:stCondLst>
+                                    <p:cond delay="0"/>
+                                  </p:stCondLst>
+                                  <p:childTnLst>
+                                    <p:set>
+                                      <p:cBhvr>
+                                        <p:cTn id="10" dur="1" fill="hold">
+                                          <p:stCondLst>
+                                            <p:cond delay="0"/>
+                                          </p:stCondLst>
+                                        </p:cTn>
+                                        <p:tgtEl>
+                                          <p:spTgt spid="3">
+                                            <p:txEl>
+                                              <p:pRg st="2" end="2"/>
+                                            </p:txEl>
+                                          </p:spTgt>
+                                        </p:tgtEl>
+                                        <p:attrNameLst>
+                                          <p:attrName>style.visibility</p:attrName>
+                                        </p:attrNameLst>
+                                      </p:cBhvr>
+                                      <p:to>
+                                        <p:strVal val="visible"/>
+                                      </p:to>
+                                    </p:set>
+                                  </p:childTnLst>
+                                </p:cTn>
+                              </p:par>
+                            </p:childTnLst>
+                          </p:cTn>
+                        </p:par>
+                      </p:childTnLst>
+                    </p:cTn>
+                  </p:par>
+                  <p:par>
+                    <p:cTn id="11" fill="hold">
+                      <p:stCondLst>
+                        <p:cond delay="indefinite"/>
+                      </p:stCondLst>
+                      <p:childTnLst>
+                        <p:par>
+                          <p:cTn id="12" fill="hold">
+                            <p:stCondLst>
+                              <p:cond delay="0"/>
+                            </p:stCondLst>
+                            <p:childTnLst>
+                              <p:par>
+                                <p:cTn id="13" presetID="1" presetClass="entr" presetSubtype="0" fill="hold" nodeType="clickEffect">
+                                  <p:stCondLst>
+                                    <p:cond delay="0"/>
+                                  </p:stCondLst>
+                                  <p:childTnLst>
+                                    <p:set>
+                                      <p:cBhvr>
+                                        <p:cTn id="14" dur="1" fill="hold">
+                                          <p:stCondLst>
+                                            <p:cond delay="0"/>
+                                          </p:stCondLst>
+                                        </p:cTn>
+                                        <p:tgtEl>
+                                          <p:spTgt spid="3">
+                                            <p:txEl>
+                                              <p:pRg st="3" end="3"/>
+                                            </p:txEl>
+                                          </p:spTgt>
+                                        </p:tgtEl>
+                                        <p:attrNameLst>
+                                          <p:attrName>style.visibility</p:attrName>
+                                        </p:attrNameLst>
+                                      </p:cBhvr>
+                                      <p:to>
+                                        <p:strVal val="visible"/>
+                                      </p:to>
+                                    </p:set>
+                                  </p:childTnLst>
+                                </p:cTn>
+                              </p:par>
+                            </p:childTnLst>
+                          </p:cTn>
+                        </p:par>
+                      </p:childTnLst>
+                    </p:cTn>
+                  </p:par>
+                </p:childTnLst>
+              </p:cTn>
+              <p:prevCondLst>
+                <p:cond evt="onPrev" delay="0">
+                  <p:tgtEl>
+                    <p:sldTgt/>
+                  </p:tgtEl>
+                </p:cond>
+              </p:prevCondLst>
+              <p:nextCondLst>
+                <p:cond evt="onNext" delay="0">
+                  <p:tgtEl>
+                    <p:sldTgt/>
+                  </p:tgtEl>
+                </p:cond>
+              </p:nextCondLst>
+            </p:seq>
+          </p:childTnLst>
+        </p:cTn>
+      </p:par>
+    </p:tnLst>
+  </p:timing>
 </p:sld>
 </file>
 
@@ -25108,13 +28009,13 @@
         <p:spPr/>
         <p:txBody>
           <a:bodyPr>
-            <a:normAutofit lnSpcReduction="10000"/>
+            <a:normAutofit fontScale="92500" lnSpcReduction="10000"/>
           </a:bodyPr>
           <a:lstStyle/>
           <a:p>
             <a:r>
               <a:rPr lang="en-CA" dirty="0" smtClean="0"/>
-              <a:t>Sign circulated class list </a:t>
+              <a:t>Check circulated class list </a:t>
             </a:r>
           </a:p>
           <a:p>
@@ -25150,6 +28051,13 @@
             </a:r>
           </a:p>
           <a:p>
+            <a:pPr lvl="1"/>
+            <a:r>
+              <a:rPr lang="en-CA" dirty="0" smtClean="0"/>
+              <a:t>Data Mining – Practical Machine Learning Tools and Techniques</a:t>
+            </a:r>
+          </a:p>
+          <a:p>
             <a:r>
               <a:rPr lang="en-CA" dirty="0" smtClean="0"/>
               <a:t>Assignments, Midterm, Final Project</a:t>
@@ -25165,8 +28073,13 @@
             <a:pPr lvl="1"/>
             <a:r>
               <a:rPr lang="en-CA" dirty="0" smtClean="0"/>
-              <a:t>Linux, Mac, or Windows VirtualBox</a:t>
+              <a:t>Linux, Mac, or </a:t>
             </a:r>
+            <a:r>
+              <a:rPr lang="en-CA" dirty="0" smtClean="0"/>
+              <a:t>Windows</a:t>
+            </a:r>
+            <a:endParaRPr lang="en-CA" dirty="0" smtClean="0"/>
           </a:p>
           <a:p>
             <a:pPr lvl="1"/>
@@ -25238,7 +28151,7 @@
 </p:sld>
 </file>
 
-<file path=ppt/slides/slide3.xml><?xml version="1.0" encoding="utf-8"?>
+<file path=ppt/slides/slide20.xml><?xml version="1.0" encoding="utf-8"?>
 <p:sld xmlns:a="http://schemas.openxmlformats.org/drawingml/2006/main" xmlns:r="http://schemas.openxmlformats.org/officeDocument/2006/relationships" xmlns:p="http://schemas.openxmlformats.org/presentationml/2006/main">
   <p:cSld>
     <p:spTree>
@@ -25272,7 +28185,7 @@
           <a:p>
             <a:r>
               <a:rPr lang="en-CA" dirty="0" smtClean="0"/>
-              <a:t>Goal of the course</a:t>
+              <a:t>Machine fault diagnosis</a:t>
             </a:r>
             <a:endParaRPr lang="en-CA" dirty="0"/>
           </a:p>
@@ -25291,64 +28204,54 @@
         <p:spPr>
           <a:xfrm>
             <a:off x="838200" y="1825625"/>
-            <a:ext cx="8416636" cy="4351338"/>
+            <a:ext cx="6767945" cy="4351338"/>
           </a:xfrm>
         </p:spPr>
         <p:txBody>
-          <a:bodyPr/>
+          <a:bodyPr>
+            <a:normAutofit fontScale="92500"/>
+          </a:bodyPr>
           <a:lstStyle/>
           <a:p>
             <a:r>
               <a:rPr lang="en-CA" dirty="0" smtClean="0"/>
-              <a:t>Learn how to use machine learning algorithms to extract useful information from data and make predictions</a:t>
+              <a:t>Preventative maintenance of electromechanical devices</a:t>
             </a:r>
           </a:p>
           <a:p>
             <a:r>
               <a:rPr lang="en-CA" dirty="0" smtClean="0"/>
-              <a:t>Basic theoretical foundation (algorithms + math)</a:t>
+              <a:t>Dataset of measurements from 600 faulty devices acquired and classified by expert with 20 years of experience</a:t>
+            </a:r>
+          </a:p>
+          <a:p>
+            <a:r>
+              <a:rPr lang="en-CA" dirty="0"/>
+              <a:t>R</a:t>
+            </a:r>
+            <a:r>
+              <a:rPr lang="en-CA" dirty="0" smtClean="0"/>
+              <a:t>ule induction algorithm applied to dataset, producing a set of diagnostic rules</a:t>
             </a:r>
           </a:p>
           <a:p>
             <a:r>
               <a:rPr lang="en-CA" dirty="0" smtClean="0"/>
-              <a:t>Basic practical implementation (numpy + scikit-learn)</a:t>
+              <a:t>Learned rules superior to expert’s handcrafted rules</a:t>
             </a:r>
           </a:p>
           <a:p>
             <a:r>
               <a:rPr lang="en-CA" dirty="0" smtClean="0"/>
-              <a:t>Develop intuition about data</a:t>
+              <a:t>System put into place because expert approved</a:t>
             </a:r>
-          </a:p>
-          <a:p>
-            <a:pPr lvl="1"/>
-            <a:r>
-              <a:rPr lang="en-CA" dirty="0"/>
-              <a:t>5</a:t>
-            </a:r>
-            <a:r>
-              <a:rPr lang="en-CA" dirty="0" smtClean="0"/>
-              <a:t> years of Ph.D. experience</a:t>
-            </a:r>
-          </a:p>
-          <a:p>
-            <a:r>
-              <a:rPr lang="en-CA" dirty="0" smtClean="0"/>
-              <a:t>Qualify for data scientist jobs, pass interviews</a:t>
-            </a:r>
-          </a:p>
-          <a:p>
-            <a:endParaRPr lang="en-CA" dirty="0" smtClean="0"/>
-          </a:p>
-          <a:p>
             <a:endParaRPr lang="en-CA" dirty="0"/>
           </a:p>
         </p:txBody>
       </p:sp>
       <p:pic>
         <p:nvPicPr>
-          <p:cNvPr id="2050" name="Picture 2" descr="Image result for data mining"/>
+          <p:cNvPr id="1026" name="Picture 2" descr="Image result for faulty electromechanical device"/>
           <p:cNvPicPr>
             <a:picLocks noChangeAspect="1" noChangeArrowheads="1"/>
           </p:cNvPicPr>
@@ -25369,8 +28272,8 @@
         </p:blipFill>
         <p:spPr bwMode="auto">
           <a:xfrm>
-            <a:off x="8545736" y="0"/>
-            <a:ext cx="3646264" cy="2130209"/>
+            <a:off x="8357466" y="2229643"/>
+            <a:ext cx="3834534" cy="2547228"/>
           </a:xfrm>
           <a:prstGeom prst="rect">
             <a:avLst/>
@@ -25390,7 +28293,7 @@
     </p:spTree>
     <p:extLst>
       <p:ext uri="{BB962C8B-B14F-4D97-AF65-F5344CB8AC3E}">
-        <p14:creationId xmlns:p14="http://schemas.microsoft.com/office/powerpoint/2010/main" val="659955742"/>
+        <p14:creationId xmlns:p14="http://schemas.microsoft.com/office/powerpoint/2010/main" val="591958441"/>
       </p:ext>
     </p:extLst>
   </p:cSld>
@@ -25595,8 +28498,896 @@
                                   </p:childTnLst>
                                 </p:cTn>
                               </p:par>
+                            </p:childTnLst>
+                          </p:cTn>
+                        </p:par>
+                      </p:childTnLst>
+                    </p:cTn>
+                  </p:par>
+                  <p:par>
+                    <p:cTn id="19" fill="hold">
+                      <p:stCondLst>
+                        <p:cond delay="indefinite"/>
+                      </p:stCondLst>
+                      <p:childTnLst>
+                        <p:par>
+                          <p:cTn id="20" fill="hold">
+                            <p:stCondLst>
+                              <p:cond delay="0"/>
+                            </p:stCondLst>
+                            <p:childTnLst>
                               <p:par>
-                                <p:cTn id="19" presetID="1" presetClass="entr" presetSubtype="0" fill="hold" grpId="0" nodeType="withEffect">
+                                <p:cTn id="21" presetID="1" presetClass="entr" presetSubtype="0" fill="hold" grpId="0" nodeType="clickEffect">
+                                  <p:stCondLst>
+                                    <p:cond delay="0"/>
+                                  </p:stCondLst>
+                                  <p:childTnLst>
+                                    <p:set>
+                                      <p:cBhvr>
+                                        <p:cTn id="22" dur="1" fill="hold">
+                                          <p:stCondLst>
+                                            <p:cond delay="0"/>
+                                          </p:stCondLst>
+                                        </p:cTn>
+                                        <p:tgtEl>
+                                          <p:spTgt spid="3">
+                                            <p:txEl>
+                                              <p:pRg st="4" end="4"/>
+                                            </p:txEl>
+                                          </p:spTgt>
+                                        </p:tgtEl>
+                                        <p:attrNameLst>
+                                          <p:attrName>style.visibility</p:attrName>
+                                        </p:attrNameLst>
+                                      </p:cBhvr>
+                                      <p:to>
+                                        <p:strVal val="visible"/>
+                                      </p:to>
+                                    </p:set>
+                                  </p:childTnLst>
+                                </p:cTn>
+                              </p:par>
+                            </p:childTnLst>
+                          </p:cTn>
+                        </p:par>
+                      </p:childTnLst>
+                    </p:cTn>
+                  </p:par>
+                </p:childTnLst>
+              </p:cTn>
+              <p:prevCondLst>
+                <p:cond evt="onPrev" delay="0">
+                  <p:tgtEl>
+                    <p:sldTgt/>
+                  </p:tgtEl>
+                </p:cond>
+              </p:prevCondLst>
+              <p:nextCondLst>
+                <p:cond evt="onNext" delay="0">
+                  <p:tgtEl>
+                    <p:sldTgt/>
+                  </p:tgtEl>
+                </p:cond>
+              </p:nextCondLst>
+            </p:seq>
+          </p:childTnLst>
+        </p:cTn>
+      </p:par>
+    </p:tnLst>
+    <p:bldLst>
+      <p:bldP spid="3" grpId="0" build="p"/>
+    </p:bldLst>
+  </p:timing>
+</p:sld>
+</file>
+
+<file path=ppt/slides/slide21.xml><?xml version="1.0" encoding="utf-8"?>
+<p:sld xmlns:a="http://schemas.openxmlformats.org/drawingml/2006/main" xmlns:r="http://schemas.openxmlformats.org/officeDocument/2006/relationships" xmlns:p="http://schemas.openxmlformats.org/presentationml/2006/main">
+  <p:cSld>
+    <p:spTree>
+      <p:nvGrpSpPr>
+        <p:cNvPr id="1" name=""/>
+        <p:cNvGrpSpPr/>
+        <p:nvPr/>
+      </p:nvGrpSpPr>
+      <p:grpSpPr>
+        <a:xfrm>
+          <a:off x="0" y="0"/>
+          <a:ext cx="0" cy="0"/>
+          <a:chOff x="0" y="0"/>
+          <a:chExt cx="0" cy="0"/>
+        </a:xfrm>
+      </p:grpSpPr>
+      <p:sp>
+        <p:nvSpPr>
+          <p:cNvPr id="2" name="Title 1"/>
+          <p:cNvSpPr>
+            <a:spLocks noGrp="1"/>
+          </p:cNvSpPr>
+          <p:nvPr>
+            <p:ph type="title"/>
+          </p:nvPr>
+        </p:nvSpPr>
+        <p:spPr/>
+        <p:txBody>
+          <a:bodyPr/>
+          <a:lstStyle/>
+          <a:p>
+            <a:r>
+              <a:rPr lang="en-CA" dirty="0" smtClean="0"/>
+              <a:t>Market basket analysis</a:t>
+            </a:r>
+            <a:endParaRPr lang="en-CA" dirty="0"/>
+          </a:p>
+        </p:txBody>
+      </p:sp>
+      <p:sp>
+        <p:nvSpPr>
+          <p:cNvPr id="3" name="Content Placeholder 2"/>
+          <p:cNvSpPr>
+            <a:spLocks noGrp="1"/>
+          </p:cNvSpPr>
+          <p:nvPr>
+            <p:ph idx="1"/>
+          </p:nvPr>
+        </p:nvSpPr>
+        <p:spPr>
+          <a:xfrm>
+            <a:off x="838200" y="1825625"/>
+            <a:ext cx="5701145" cy="4351338"/>
+          </a:xfrm>
+        </p:spPr>
+        <p:txBody>
+          <a:bodyPr/>
+          <a:lstStyle/>
+          <a:p>
+            <a:r>
+              <a:rPr lang="en-CA" dirty="0" smtClean="0"/>
+              <a:t>Use association techniques to find groups of items that tend to occur together in transactions</a:t>
+            </a:r>
+          </a:p>
+          <a:p>
+            <a:r>
+              <a:rPr lang="en-CA" dirty="0" smtClean="0"/>
+              <a:t>Example: on Thursdays, customers often purchase beer and diapers together</a:t>
+            </a:r>
+          </a:p>
+          <a:p>
+            <a:r>
+              <a:rPr lang="en-CA" dirty="0" smtClean="0"/>
+              <a:t>Use this info to plan store layout, offer coupons for matching products, etc.</a:t>
+            </a:r>
+            <a:endParaRPr lang="en-CA" dirty="0"/>
+          </a:p>
+        </p:txBody>
+      </p:sp>
+      <p:pic>
+        <p:nvPicPr>
+          <p:cNvPr id="4" name="Picture 3"/>
+          <p:cNvPicPr>
+            <a:picLocks noChangeAspect="1"/>
+          </p:cNvPicPr>
+          <p:nvPr/>
+        </p:nvPicPr>
+        <p:blipFill>
+          <a:blip r:embed="rId2"/>
+          <a:stretch>
+            <a:fillRect/>
+          </a:stretch>
+        </p:blipFill>
+        <p:spPr>
+          <a:xfrm>
+            <a:off x="6835590" y="1825625"/>
+            <a:ext cx="5356410" cy="3429144"/>
+          </a:xfrm>
+          <a:prstGeom prst="rect">
+            <a:avLst/>
+          </a:prstGeom>
+        </p:spPr>
+      </p:pic>
+    </p:spTree>
+    <p:extLst>
+      <p:ext uri="{BB962C8B-B14F-4D97-AF65-F5344CB8AC3E}">
+        <p14:creationId xmlns:p14="http://schemas.microsoft.com/office/powerpoint/2010/main" val="1924209587"/>
+      </p:ext>
+    </p:extLst>
+  </p:cSld>
+  <p:clrMapOvr>
+    <a:masterClrMapping/>
+  </p:clrMapOvr>
+  <p:timing>
+    <p:tnLst>
+      <p:par>
+        <p:cTn id="1" dur="indefinite" restart="never" nodeType="tmRoot">
+          <p:childTnLst>
+            <p:seq concurrent="1" nextAc="seek">
+              <p:cTn id="2" dur="indefinite" nodeType="mainSeq">
+                <p:childTnLst>
+                  <p:par>
+                    <p:cTn id="3" fill="hold">
+                      <p:stCondLst>
+                        <p:cond delay="indefinite"/>
+                      </p:stCondLst>
+                      <p:childTnLst>
+                        <p:par>
+                          <p:cTn id="4" fill="hold">
+                            <p:stCondLst>
+                              <p:cond delay="0"/>
+                            </p:stCondLst>
+                            <p:childTnLst>
+                              <p:par>
+                                <p:cTn id="5" presetID="1" presetClass="entr" presetSubtype="0" fill="hold" grpId="0" nodeType="clickEffect">
+                                  <p:stCondLst>
+                                    <p:cond delay="0"/>
+                                  </p:stCondLst>
+                                  <p:childTnLst>
+                                    <p:set>
+                                      <p:cBhvr>
+                                        <p:cTn id="6" dur="1" fill="hold">
+                                          <p:stCondLst>
+                                            <p:cond delay="0"/>
+                                          </p:stCondLst>
+                                        </p:cTn>
+                                        <p:tgtEl>
+                                          <p:spTgt spid="3">
+                                            <p:txEl>
+                                              <p:pRg st="0" end="0"/>
+                                            </p:txEl>
+                                          </p:spTgt>
+                                        </p:tgtEl>
+                                        <p:attrNameLst>
+                                          <p:attrName>style.visibility</p:attrName>
+                                        </p:attrNameLst>
+                                      </p:cBhvr>
+                                      <p:to>
+                                        <p:strVal val="visible"/>
+                                      </p:to>
+                                    </p:set>
+                                  </p:childTnLst>
+                                </p:cTn>
+                              </p:par>
+                            </p:childTnLst>
+                          </p:cTn>
+                        </p:par>
+                      </p:childTnLst>
+                    </p:cTn>
+                  </p:par>
+                  <p:par>
+                    <p:cTn id="7" fill="hold">
+                      <p:stCondLst>
+                        <p:cond delay="indefinite"/>
+                      </p:stCondLst>
+                      <p:childTnLst>
+                        <p:par>
+                          <p:cTn id="8" fill="hold">
+                            <p:stCondLst>
+                              <p:cond delay="0"/>
+                            </p:stCondLst>
+                            <p:childTnLst>
+                              <p:par>
+                                <p:cTn id="9" presetID="1" presetClass="entr" presetSubtype="0" fill="hold" grpId="0" nodeType="clickEffect">
+                                  <p:stCondLst>
+                                    <p:cond delay="0"/>
+                                  </p:stCondLst>
+                                  <p:childTnLst>
+                                    <p:set>
+                                      <p:cBhvr>
+                                        <p:cTn id="10" dur="1" fill="hold">
+                                          <p:stCondLst>
+                                            <p:cond delay="0"/>
+                                          </p:stCondLst>
+                                        </p:cTn>
+                                        <p:tgtEl>
+                                          <p:spTgt spid="3">
+                                            <p:txEl>
+                                              <p:pRg st="1" end="1"/>
+                                            </p:txEl>
+                                          </p:spTgt>
+                                        </p:tgtEl>
+                                        <p:attrNameLst>
+                                          <p:attrName>style.visibility</p:attrName>
+                                        </p:attrNameLst>
+                                      </p:cBhvr>
+                                      <p:to>
+                                        <p:strVal val="visible"/>
+                                      </p:to>
+                                    </p:set>
+                                  </p:childTnLst>
+                                </p:cTn>
+                              </p:par>
+                            </p:childTnLst>
+                          </p:cTn>
+                        </p:par>
+                      </p:childTnLst>
+                    </p:cTn>
+                  </p:par>
+                  <p:par>
+                    <p:cTn id="11" fill="hold">
+                      <p:stCondLst>
+                        <p:cond delay="indefinite"/>
+                      </p:stCondLst>
+                      <p:childTnLst>
+                        <p:par>
+                          <p:cTn id="12" fill="hold">
+                            <p:stCondLst>
+                              <p:cond delay="0"/>
+                            </p:stCondLst>
+                            <p:childTnLst>
+                              <p:par>
+                                <p:cTn id="13" presetID="1" presetClass="entr" presetSubtype="0" fill="hold" grpId="0" nodeType="clickEffect">
+                                  <p:stCondLst>
+                                    <p:cond delay="0"/>
+                                  </p:stCondLst>
+                                  <p:childTnLst>
+                                    <p:set>
+                                      <p:cBhvr>
+                                        <p:cTn id="14" dur="1" fill="hold">
+                                          <p:stCondLst>
+                                            <p:cond delay="0"/>
+                                          </p:stCondLst>
+                                        </p:cTn>
+                                        <p:tgtEl>
+                                          <p:spTgt spid="3">
+                                            <p:txEl>
+                                              <p:pRg st="2" end="2"/>
+                                            </p:txEl>
+                                          </p:spTgt>
+                                        </p:tgtEl>
+                                        <p:attrNameLst>
+                                          <p:attrName>style.visibility</p:attrName>
+                                        </p:attrNameLst>
+                                      </p:cBhvr>
+                                      <p:to>
+                                        <p:strVal val="visible"/>
+                                      </p:to>
+                                    </p:set>
+                                  </p:childTnLst>
+                                </p:cTn>
+                              </p:par>
+                            </p:childTnLst>
+                          </p:cTn>
+                        </p:par>
+                      </p:childTnLst>
+                    </p:cTn>
+                  </p:par>
+                </p:childTnLst>
+              </p:cTn>
+              <p:prevCondLst>
+                <p:cond evt="onPrev" delay="0">
+                  <p:tgtEl>
+                    <p:sldTgt/>
+                  </p:tgtEl>
+                </p:cond>
+              </p:prevCondLst>
+              <p:nextCondLst>
+                <p:cond evt="onNext" delay="0">
+                  <p:tgtEl>
+                    <p:sldTgt/>
+                  </p:tgtEl>
+                </p:cond>
+              </p:nextCondLst>
+            </p:seq>
+          </p:childTnLst>
+        </p:cTn>
+      </p:par>
+    </p:tnLst>
+    <p:bldLst>
+      <p:bldP spid="3" grpId="0" build="p"/>
+    </p:bldLst>
+  </p:timing>
+</p:sld>
+</file>
+
+<file path=ppt/slides/slide22.xml><?xml version="1.0" encoding="utf-8"?>
+<p:sld xmlns:a="http://schemas.openxmlformats.org/drawingml/2006/main" xmlns:r="http://schemas.openxmlformats.org/officeDocument/2006/relationships" xmlns:p="http://schemas.openxmlformats.org/presentationml/2006/main">
+  <p:cSld>
+    <p:spTree>
+      <p:nvGrpSpPr>
+        <p:cNvPr id="1" name=""/>
+        <p:cNvGrpSpPr/>
+        <p:nvPr/>
+      </p:nvGrpSpPr>
+      <p:grpSpPr>
+        <a:xfrm>
+          <a:off x="0" y="0"/>
+          <a:ext cx="0" cy="0"/>
+          <a:chOff x="0" y="0"/>
+          <a:chExt cx="0" cy="0"/>
+        </a:xfrm>
+      </p:grpSpPr>
+      <p:sp>
+        <p:nvSpPr>
+          <p:cNvPr id="2" name="Title 1"/>
+          <p:cNvSpPr>
+            <a:spLocks noGrp="1"/>
+          </p:cNvSpPr>
+          <p:nvPr>
+            <p:ph type="title"/>
+          </p:nvPr>
+        </p:nvSpPr>
+        <p:spPr/>
+        <p:txBody>
+          <a:bodyPr/>
+          <a:lstStyle/>
+          <a:p>
+            <a:r>
+              <a:rPr lang="en-CA" dirty="0" smtClean="0"/>
+              <a:t>Brain activity denoising</a:t>
+            </a:r>
+            <a:endParaRPr lang="en-CA" dirty="0"/>
+          </a:p>
+        </p:txBody>
+      </p:sp>
+      <p:sp>
+        <p:nvSpPr>
+          <p:cNvPr id="3" name="Content Placeholder 2"/>
+          <p:cNvSpPr>
+            <a:spLocks noGrp="1"/>
+          </p:cNvSpPr>
+          <p:nvPr>
+            <p:ph idx="1"/>
+          </p:nvPr>
+        </p:nvSpPr>
+        <p:spPr>
+          <a:xfrm>
+            <a:off x="838200" y="1524000"/>
+            <a:ext cx="5605231" cy="1781175"/>
+          </a:xfrm>
+        </p:spPr>
+        <p:txBody>
+          <a:bodyPr>
+            <a:normAutofit fontScale="92500" lnSpcReduction="20000"/>
+          </a:bodyPr>
+          <a:lstStyle/>
+          <a:p>
+            <a:r>
+              <a:rPr lang="en-CA" dirty="0" smtClean="0"/>
+              <a:t>Electroencephalography records a mixture of neuronal and muscular activity</a:t>
+            </a:r>
+          </a:p>
+          <a:p>
+            <a:r>
+              <a:rPr lang="en-CA" dirty="0" smtClean="0"/>
+              <a:t>Use independent component analysis (ICA) to </a:t>
+            </a:r>
+            <a:r>
+              <a:rPr lang="en-CA" dirty="0" err="1" smtClean="0"/>
+              <a:t>unmix</a:t>
+            </a:r>
+            <a:r>
+              <a:rPr lang="en-CA" dirty="0" smtClean="0"/>
+              <a:t> these different signals</a:t>
+            </a:r>
+            <a:endParaRPr lang="en-CA" dirty="0"/>
+          </a:p>
+        </p:txBody>
+      </p:sp>
+      <p:pic>
+        <p:nvPicPr>
+          <p:cNvPr id="4" name="Image 7"/>
+          <p:cNvPicPr>
+            <a:picLocks noChangeAspect="1"/>
+          </p:cNvPicPr>
+          <p:nvPr/>
+        </p:nvPicPr>
+        <p:blipFill>
+          <a:blip r:embed="rId2"/>
+          <a:stretch>
+            <a:fillRect/>
+          </a:stretch>
+        </p:blipFill>
+        <p:spPr>
+          <a:xfrm>
+            <a:off x="495444" y="3305175"/>
+            <a:ext cx="7372350" cy="3552825"/>
+          </a:xfrm>
+          <a:prstGeom prst="rect">
+            <a:avLst/>
+          </a:prstGeom>
+        </p:spPr>
+      </p:pic>
+      <p:pic>
+        <p:nvPicPr>
+          <p:cNvPr id="3074" name="Picture 2" descr="Image may contain: one or more people, hat and closeup"/>
+          <p:cNvPicPr>
+            <a:picLocks noChangeAspect="1" noChangeArrowheads="1"/>
+          </p:cNvPicPr>
+          <p:nvPr/>
+        </p:nvPicPr>
+        <p:blipFill>
+          <a:blip r:embed="rId3" cstate="print">
+            <a:extLst>
+              <a:ext uri="{28A0092B-C50C-407E-A947-70E740481C1C}">
+                <a14:useLocalDpi xmlns:a14="http://schemas.microsoft.com/office/drawing/2010/main" val="0"/>
+              </a:ext>
+            </a:extLst>
+          </a:blip>
+          <a:srcRect/>
+          <a:stretch>
+            <a:fillRect/>
+          </a:stretch>
+        </p:blipFill>
+        <p:spPr bwMode="auto">
+          <a:xfrm>
+            <a:off x="8655915" y="2565400"/>
+            <a:ext cx="3196359" cy="3196359"/>
+          </a:xfrm>
+          <a:prstGeom prst="rect">
+            <a:avLst/>
+          </a:prstGeom>
+          <a:noFill/>
+          <a:extLst>
+            <a:ext uri="{909E8E84-426E-40DD-AFC4-6F175D3DCCD1}">
+              <a14:hiddenFill xmlns:a14="http://schemas.microsoft.com/office/drawing/2010/main">
+                <a:solidFill>
+                  <a:srgbClr val="FFFFFF"/>
+                </a:solidFill>
+              </a14:hiddenFill>
+            </a:ext>
+          </a:extLst>
+        </p:spPr>
+      </p:pic>
+      <p:sp>
+        <p:nvSpPr>
+          <p:cNvPr id="5" name="TextBox 4"/>
+          <p:cNvSpPr txBox="1"/>
+          <p:nvPr/>
+        </p:nvSpPr>
+        <p:spPr>
+          <a:xfrm>
+            <a:off x="164667" y="3768436"/>
+            <a:ext cx="1288472" cy="646331"/>
+          </a:xfrm>
+          <a:prstGeom prst="rect">
+            <a:avLst/>
+          </a:prstGeom>
+          <a:noFill/>
+        </p:spPr>
+        <p:txBody>
+          <a:bodyPr wrap="square" rtlCol="0">
+            <a:spAutoFit/>
+          </a:bodyPr>
+          <a:lstStyle/>
+          <a:p>
+            <a:r>
+              <a:rPr lang="en-CA" dirty="0" smtClean="0"/>
+              <a:t>Eye-blink</a:t>
+            </a:r>
+          </a:p>
+          <a:p>
+            <a:r>
+              <a:rPr lang="en-CA" dirty="0" smtClean="0"/>
+              <a:t>component</a:t>
+            </a:r>
+            <a:endParaRPr lang="en-CA" dirty="0"/>
+          </a:p>
+        </p:txBody>
+      </p:sp>
+      <p:sp>
+        <p:nvSpPr>
+          <p:cNvPr id="6" name="TextBox 5"/>
+          <p:cNvSpPr txBox="1"/>
+          <p:nvPr/>
+        </p:nvSpPr>
+        <p:spPr>
+          <a:xfrm>
+            <a:off x="3863830" y="3657600"/>
+            <a:ext cx="1385455" cy="646331"/>
+          </a:xfrm>
+          <a:prstGeom prst="rect">
+            <a:avLst/>
+          </a:prstGeom>
+          <a:noFill/>
+        </p:spPr>
+        <p:txBody>
+          <a:bodyPr wrap="square" rtlCol="0">
+            <a:spAutoFit/>
+          </a:bodyPr>
+          <a:lstStyle/>
+          <a:p>
+            <a:r>
+              <a:rPr lang="en-CA" dirty="0" smtClean="0"/>
+              <a:t>Visual cortex component</a:t>
+            </a:r>
+            <a:endParaRPr lang="en-CA" dirty="0"/>
+          </a:p>
+        </p:txBody>
+      </p:sp>
+      <p:sp>
+        <p:nvSpPr>
+          <p:cNvPr id="9" name="TextBox 8"/>
+          <p:cNvSpPr txBox="1"/>
+          <p:nvPr/>
+        </p:nvSpPr>
+        <p:spPr>
+          <a:xfrm flipH="1">
+            <a:off x="10623664" y="3070719"/>
+            <a:ext cx="730136" cy="369332"/>
+          </a:xfrm>
+          <a:prstGeom prst="rect">
+            <a:avLst/>
+          </a:prstGeom>
+          <a:noFill/>
+        </p:spPr>
+        <p:txBody>
+          <a:bodyPr wrap="square" rtlCol="0">
+            <a:spAutoFit/>
+          </a:bodyPr>
+          <a:lstStyle/>
+          <a:p>
+            <a:r>
+              <a:rPr lang="en-CA" b="1" dirty="0" smtClean="0"/>
+              <a:t>F4</a:t>
+            </a:r>
+            <a:endParaRPr lang="en-CA" b="1" dirty="0"/>
+          </a:p>
+        </p:txBody>
+      </p:sp>
+      <p:pic>
+        <p:nvPicPr>
+          <p:cNvPr id="10" name="Picture 9"/>
+          <p:cNvPicPr>
+            <a:picLocks noChangeAspect="1"/>
+          </p:cNvPicPr>
+          <p:nvPr/>
+        </p:nvPicPr>
+        <p:blipFill>
+          <a:blip r:embed="rId4"/>
+          <a:stretch>
+            <a:fillRect/>
+          </a:stretch>
+        </p:blipFill>
+        <p:spPr>
+          <a:xfrm>
+            <a:off x="7139233" y="504032"/>
+            <a:ext cx="4713041" cy="1837386"/>
+          </a:xfrm>
+          <a:prstGeom prst="rect">
+            <a:avLst/>
+          </a:prstGeom>
+        </p:spPr>
+      </p:pic>
+      <p:sp>
+        <p:nvSpPr>
+          <p:cNvPr id="13" name="TextBox 12"/>
+          <p:cNvSpPr txBox="1"/>
+          <p:nvPr/>
+        </p:nvSpPr>
+        <p:spPr>
+          <a:xfrm flipH="1">
+            <a:off x="8909654" y="3120509"/>
+            <a:ext cx="730136" cy="369332"/>
+          </a:xfrm>
+          <a:prstGeom prst="rect">
+            <a:avLst/>
+          </a:prstGeom>
+          <a:noFill/>
+        </p:spPr>
+        <p:txBody>
+          <a:bodyPr wrap="square" rtlCol="0">
+            <a:spAutoFit/>
+          </a:bodyPr>
+          <a:lstStyle/>
+          <a:p>
+            <a:r>
+              <a:rPr lang="en-CA" b="1" dirty="0"/>
+              <a:t>P</a:t>
+            </a:r>
+            <a:r>
+              <a:rPr lang="en-CA" b="1" dirty="0" smtClean="0"/>
+              <a:t>4</a:t>
+            </a:r>
+            <a:endParaRPr lang="en-CA" b="1" dirty="0"/>
+          </a:p>
+        </p:txBody>
+      </p:sp>
+    </p:spTree>
+    <p:extLst>
+      <p:ext uri="{BB962C8B-B14F-4D97-AF65-F5344CB8AC3E}">
+        <p14:creationId xmlns:p14="http://schemas.microsoft.com/office/powerpoint/2010/main" val="4257582423"/>
+      </p:ext>
+    </p:extLst>
+  </p:cSld>
+  <p:clrMapOvr>
+    <a:masterClrMapping/>
+  </p:clrMapOvr>
+  <p:timing>
+    <p:tnLst>
+      <p:par>
+        <p:cTn id="1" dur="indefinite" restart="never" nodeType="tmRoot">
+          <p:childTnLst>
+            <p:seq concurrent="1" nextAc="seek">
+              <p:cTn id="2" dur="indefinite" nodeType="mainSeq">
+                <p:childTnLst>
+                  <p:par>
+                    <p:cTn id="3" fill="hold">
+                      <p:stCondLst>
+                        <p:cond delay="indefinite"/>
+                      </p:stCondLst>
+                      <p:childTnLst>
+                        <p:par>
+                          <p:cTn id="4" fill="hold">
+                            <p:stCondLst>
+                              <p:cond delay="0"/>
+                            </p:stCondLst>
+                            <p:childTnLst>
+                              <p:par>
+                                <p:cTn id="5" presetID="1" presetClass="entr" presetSubtype="0" fill="hold" nodeType="clickEffect">
+                                  <p:stCondLst>
+                                    <p:cond delay="0"/>
+                                  </p:stCondLst>
+                                  <p:childTnLst>
+                                    <p:set>
+                                      <p:cBhvr>
+                                        <p:cTn id="6" dur="1" fill="hold">
+                                          <p:stCondLst>
+                                            <p:cond delay="0"/>
+                                          </p:stCondLst>
+                                        </p:cTn>
+                                        <p:tgtEl>
+                                          <p:spTgt spid="10"/>
+                                        </p:tgtEl>
+                                        <p:attrNameLst>
+                                          <p:attrName>style.visibility</p:attrName>
+                                        </p:attrNameLst>
+                                      </p:cBhvr>
+                                      <p:to>
+                                        <p:strVal val="visible"/>
+                                      </p:to>
+                                    </p:set>
+                                  </p:childTnLst>
+                                </p:cTn>
+                              </p:par>
+                              <p:par>
+                                <p:cTn id="7" presetID="1" presetClass="entr" presetSubtype="0" fill="hold" nodeType="withEffect">
+                                  <p:stCondLst>
+                                    <p:cond delay="0"/>
+                                  </p:stCondLst>
+                                  <p:childTnLst>
+                                    <p:set>
+                                      <p:cBhvr>
+                                        <p:cTn id="8" dur="1" fill="hold">
+                                          <p:stCondLst>
+                                            <p:cond delay="0"/>
+                                          </p:stCondLst>
+                                        </p:cTn>
+                                        <p:tgtEl>
+                                          <p:spTgt spid="3074"/>
+                                        </p:tgtEl>
+                                        <p:attrNameLst>
+                                          <p:attrName>style.visibility</p:attrName>
+                                        </p:attrNameLst>
+                                      </p:cBhvr>
+                                      <p:to>
+                                        <p:strVal val="visible"/>
+                                      </p:to>
+                                    </p:set>
+                                  </p:childTnLst>
+                                </p:cTn>
+                              </p:par>
+                              <p:par>
+                                <p:cTn id="9" presetID="1" presetClass="entr" presetSubtype="0" fill="hold" grpId="0" nodeType="withEffect">
+                                  <p:stCondLst>
+                                    <p:cond delay="0"/>
+                                  </p:stCondLst>
+                                  <p:childTnLst>
+                                    <p:set>
+                                      <p:cBhvr>
+                                        <p:cTn id="10" dur="1" fill="hold">
+                                          <p:stCondLst>
+                                            <p:cond delay="0"/>
+                                          </p:stCondLst>
+                                        </p:cTn>
+                                        <p:tgtEl>
+                                          <p:spTgt spid="9"/>
+                                        </p:tgtEl>
+                                        <p:attrNameLst>
+                                          <p:attrName>style.visibility</p:attrName>
+                                        </p:attrNameLst>
+                                      </p:cBhvr>
+                                      <p:to>
+                                        <p:strVal val="visible"/>
+                                      </p:to>
+                                    </p:set>
+                                  </p:childTnLst>
+                                </p:cTn>
+                              </p:par>
+                              <p:par>
+                                <p:cTn id="11" presetID="1" presetClass="entr" presetSubtype="0" fill="hold" grpId="0" nodeType="withEffect">
+                                  <p:stCondLst>
+                                    <p:cond delay="0"/>
+                                  </p:stCondLst>
+                                  <p:childTnLst>
+                                    <p:set>
+                                      <p:cBhvr>
+                                        <p:cTn id="12" dur="1" fill="hold">
+                                          <p:stCondLst>
+                                            <p:cond delay="0"/>
+                                          </p:stCondLst>
+                                        </p:cTn>
+                                        <p:tgtEl>
+                                          <p:spTgt spid="13"/>
+                                        </p:tgtEl>
+                                        <p:attrNameLst>
+                                          <p:attrName>style.visibility</p:attrName>
+                                        </p:attrNameLst>
+                                      </p:cBhvr>
+                                      <p:to>
+                                        <p:strVal val="visible"/>
+                                      </p:to>
+                                    </p:set>
+                                  </p:childTnLst>
+                                </p:cTn>
+                              </p:par>
+                            </p:childTnLst>
+                          </p:cTn>
+                        </p:par>
+                      </p:childTnLst>
+                    </p:cTn>
+                  </p:par>
+                  <p:par>
+                    <p:cTn id="13" fill="hold">
+                      <p:stCondLst>
+                        <p:cond delay="indefinite"/>
+                      </p:stCondLst>
+                      <p:childTnLst>
+                        <p:par>
+                          <p:cTn id="14" fill="hold">
+                            <p:stCondLst>
+                              <p:cond delay="0"/>
+                            </p:stCondLst>
+                            <p:childTnLst>
+                              <p:par>
+                                <p:cTn id="15" presetID="1" presetClass="entr" presetSubtype="0" fill="hold" nodeType="clickEffect">
+                                  <p:stCondLst>
+                                    <p:cond delay="0"/>
+                                  </p:stCondLst>
+                                  <p:childTnLst>
+                                    <p:set>
+                                      <p:cBhvr>
+                                        <p:cTn id="16" dur="1" fill="hold">
+                                          <p:stCondLst>
+                                            <p:cond delay="0"/>
+                                          </p:stCondLst>
+                                        </p:cTn>
+                                        <p:tgtEl>
+                                          <p:spTgt spid="3">
+                                            <p:txEl>
+                                              <p:pRg st="0" end="0"/>
+                                            </p:txEl>
+                                          </p:spTgt>
+                                        </p:tgtEl>
+                                        <p:attrNameLst>
+                                          <p:attrName>style.visibility</p:attrName>
+                                        </p:attrNameLst>
+                                      </p:cBhvr>
+                                      <p:to>
+                                        <p:strVal val="visible"/>
+                                      </p:to>
+                                    </p:set>
+                                  </p:childTnLst>
+                                </p:cTn>
+                              </p:par>
+                            </p:childTnLst>
+                          </p:cTn>
+                        </p:par>
+                      </p:childTnLst>
+                    </p:cTn>
+                  </p:par>
+                  <p:par>
+                    <p:cTn id="17" fill="hold">
+                      <p:stCondLst>
+                        <p:cond delay="indefinite"/>
+                      </p:stCondLst>
+                      <p:childTnLst>
+                        <p:par>
+                          <p:cTn id="18" fill="hold">
+                            <p:stCondLst>
+                              <p:cond delay="0"/>
+                            </p:stCondLst>
+                            <p:childTnLst>
+                              <p:par>
+                                <p:cTn id="19" presetID="1" presetClass="entr" presetSubtype="0" fill="hold" nodeType="clickEffect">
                                   <p:stCondLst>
                                     <p:cond delay="0"/>
                                   </p:stCondLst>
@@ -25611,7 +29402,7 @@
                                         <p:tgtEl>
                                           <p:spTgt spid="3">
                                             <p:txEl>
-                                              <p:pRg st="4" end="4"/>
+                                              <p:pRg st="1" end="1"/>
                                             </p:txEl>
                                           </p:spTgt>
                                         </p:tgtEl>
@@ -25645,7 +29436,7 @@
                             </p:stCondLst>
                             <p:childTnLst>
                               <p:par>
-                                <p:cTn id="23" presetID="1" presetClass="entr" presetSubtype="0" fill="hold" grpId="0" nodeType="clickEffect">
+                                <p:cTn id="23" presetID="1" presetClass="entr" presetSubtype="0" fill="hold" nodeType="clickEffect">
                                   <p:stCondLst>
                                     <p:cond delay="0"/>
                                   </p:stCondLst>
@@ -25653,6 +29444,752 @@
                                     <p:set>
                                       <p:cBhvr>
                                         <p:cTn id="24" dur="1" fill="hold">
+                                          <p:stCondLst>
+                                            <p:cond delay="0"/>
+                                          </p:stCondLst>
+                                        </p:cTn>
+                                        <p:tgtEl>
+                                          <p:spTgt spid="4"/>
+                                        </p:tgtEl>
+                                        <p:attrNameLst>
+                                          <p:attrName>style.visibility</p:attrName>
+                                        </p:attrNameLst>
+                                      </p:cBhvr>
+                                      <p:to>
+                                        <p:strVal val="visible"/>
+                                      </p:to>
+                                    </p:set>
+                                  </p:childTnLst>
+                                </p:cTn>
+                              </p:par>
+                              <p:par>
+                                <p:cTn id="25" presetID="1" presetClass="entr" presetSubtype="0" fill="hold" grpId="0" nodeType="withEffect">
+                                  <p:stCondLst>
+                                    <p:cond delay="0"/>
+                                  </p:stCondLst>
+                                  <p:childTnLst>
+                                    <p:set>
+                                      <p:cBhvr>
+                                        <p:cTn id="26" dur="1" fill="hold">
+                                          <p:stCondLst>
+                                            <p:cond delay="0"/>
+                                          </p:stCondLst>
+                                        </p:cTn>
+                                        <p:tgtEl>
+                                          <p:spTgt spid="5"/>
+                                        </p:tgtEl>
+                                        <p:attrNameLst>
+                                          <p:attrName>style.visibility</p:attrName>
+                                        </p:attrNameLst>
+                                      </p:cBhvr>
+                                      <p:to>
+                                        <p:strVal val="visible"/>
+                                      </p:to>
+                                    </p:set>
+                                  </p:childTnLst>
+                                </p:cTn>
+                              </p:par>
+                              <p:par>
+                                <p:cTn id="27" presetID="1" presetClass="entr" presetSubtype="0" fill="hold" grpId="0" nodeType="withEffect">
+                                  <p:stCondLst>
+                                    <p:cond delay="0"/>
+                                  </p:stCondLst>
+                                  <p:childTnLst>
+                                    <p:set>
+                                      <p:cBhvr>
+                                        <p:cTn id="28" dur="1" fill="hold">
+                                          <p:stCondLst>
+                                            <p:cond delay="0"/>
+                                          </p:stCondLst>
+                                        </p:cTn>
+                                        <p:tgtEl>
+                                          <p:spTgt spid="6"/>
+                                        </p:tgtEl>
+                                        <p:attrNameLst>
+                                          <p:attrName>style.visibility</p:attrName>
+                                        </p:attrNameLst>
+                                      </p:cBhvr>
+                                      <p:to>
+                                        <p:strVal val="visible"/>
+                                      </p:to>
+                                    </p:set>
+                                  </p:childTnLst>
+                                </p:cTn>
+                              </p:par>
+                            </p:childTnLst>
+                          </p:cTn>
+                        </p:par>
+                      </p:childTnLst>
+                    </p:cTn>
+                  </p:par>
+                </p:childTnLst>
+              </p:cTn>
+              <p:prevCondLst>
+                <p:cond evt="onPrev" delay="0">
+                  <p:tgtEl>
+                    <p:sldTgt/>
+                  </p:tgtEl>
+                </p:cond>
+              </p:prevCondLst>
+              <p:nextCondLst>
+                <p:cond evt="onNext" delay="0">
+                  <p:tgtEl>
+                    <p:sldTgt/>
+                  </p:tgtEl>
+                </p:cond>
+              </p:nextCondLst>
+            </p:seq>
+          </p:childTnLst>
+        </p:cTn>
+      </p:par>
+    </p:tnLst>
+    <p:bldLst>
+      <p:bldP spid="5" grpId="0"/>
+      <p:bldP spid="6" grpId="0"/>
+      <p:bldP spid="9" grpId="0"/>
+      <p:bldP spid="13" grpId="0"/>
+    </p:bldLst>
+  </p:timing>
+</p:sld>
+</file>
+
+<file path=ppt/slides/slide23.xml><?xml version="1.0" encoding="utf-8"?>
+<p:sld xmlns:a="http://schemas.openxmlformats.org/drawingml/2006/main" xmlns:r="http://schemas.openxmlformats.org/officeDocument/2006/relationships" xmlns:p="http://schemas.openxmlformats.org/presentationml/2006/main">
+  <p:cSld>
+    <p:spTree>
+      <p:nvGrpSpPr>
+        <p:cNvPr id="1" name=""/>
+        <p:cNvGrpSpPr/>
+        <p:nvPr/>
+      </p:nvGrpSpPr>
+      <p:grpSpPr>
+        <a:xfrm>
+          <a:off x="0" y="0"/>
+          <a:ext cx="0" cy="0"/>
+          <a:chOff x="0" y="0"/>
+          <a:chExt cx="0" cy="0"/>
+        </a:xfrm>
+      </p:grpSpPr>
+      <p:sp>
+        <p:nvSpPr>
+          <p:cNvPr id="2" name="Title 1"/>
+          <p:cNvSpPr>
+            <a:spLocks noGrp="1"/>
+          </p:cNvSpPr>
+          <p:nvPr>
+            <p:ph type="title"/>
+          </p:nvPr>
+        </p:nvSpPr>
+        <p:spPr/>
+        <p:txBody>
+          <a:bodyPr/>
+          <a:lstStyle/>
+          <a:p>
+            <a:r>
+              <a:rPr lang="en-CA" dirty="0" smtClean="0"/>
+              <a:t>Recap</a:t>
+            </a:r>
+            <a:endParaRPr lang="en-CA" dirty="0"/>
+          </a:p>
+        </p:txBody>
+      </p:sp>
+      <p:sp>
+        <p:nvSpPr>
+          <p:cNvPr id="3" name="Content Placeholder 2"/>
+          <p:cNvSpPr>
+            <a:spLocks noGrp="1"/>
+          </p:cNvSpPr>
+          <p:nvPr>
+            <p:ph idx="1"/>
+          </p:nvPr>
+        </p:nvSpPr>
+        <p:spPr/>
+        <p:txBody>
+          <a:bodyPr/>
+          <a:lstStyle/>
+          <a:p>
+            <a:r>
+              <a:rPr lang="en-CA" dirty="0" smtClean="0"/>
+              <a:t>Data mining is defined as the process of discovering patterns in data</a:t>
+            </a:r>
+          </a:p>
+          <a:p>
+            <a:r>
+              <a:rPr lang="en-CA" dirty="0" smtClean="0"/>
+              <a:t>We will use small toy examples to gain intuition about how machine-learning algorithms work</a:t>
+            </a:r>
+          </a:p>
+          <a:p>
+            <a:r>
+              <a:rPr lang="en-CA" dirty="0" smtClean="0"/>
+              <a:t>Some assignments and final project will involve solving real world problems using machine-learning in python</a:t>
+            </a:r>
+          </a:p>
+          <a:p>
+            <a:endParaRPr lang="en-CA" dirty="0" smtClean="0"/>
+          </a:p>
+        </p:txBody>
+      </p:sp>
+    </p:spTree>
+    <p:extLst>
+      <p:ext uri="{BB962C8B-B14F-4D97-AF65-F5344CB8AC3E}">
+        <p14:creationId xmlns:p14="http://schemas.microsoft.com/office/powerpoint/2010/main" val="1048510562"/>
+      </p:ext>
+    </p:extLst>
+  </p:cSld>
+  <p:clrMapOvr>
+    <a:masterClrMapping/>
+  </p:clrMapOvr>
+  <p:timing>
+    <p:tnLst>
+      <p:par>
+        <p:cTn id="1" dur="indefinite" restart="never" nodeType="tmRoot">
+          <p:childTnLst>
+            <p:seq concurrent="1" nextAc="seek">
+              <p:cTn id="2" dur="indefinite" nodeType="mainSeq">
+                <p:childTnLst>
+                  <p:par>
+                    <p:cTn id="3" fill="hold">
+                      <p:stCondLst>
+                        <p:cond delay="indefinite"/>
+                      </p:stCondLst>
+                      <p:childTnLst>
+                        <p:par>
+                          <p:cTn id="4" fill="hold">
+                            <p:stCondLst>
+                              <p:cond delay="0"/>
+                            </p:stCondLst>
+                            <p:childTnLst>
+                              <p:par>
+                                <p:cTn id="5" presetID="1" presetClass="entr" presetSubtype="0" fill="hold" grpId="0" nodeType="clickEffect">
+                                  <p:stCondLst>
+                                    <p:cond delay="0"/>
+                                  </p:stCondLst>
+                                  <p:childTnLst>
+                                    <p:set>
+                                      <p:cBhvr>
+                                        <p:cTn id="6" dur="1" fill="hold">
+                                          <p:stCondLst>
+                                            <p:cond delay="0"/>
+                                          </p:stCondLst>
+                                        </p:cTn>
+                                        <p:tgtEl>
+                                          <p:spTgt spid="3">
+                                            <p:txEl>
+                                              <p:pRg st="0" end="0"/>
+                                            </p:txEl>
+                                          </p:spTgt>
+                                        </p:tgtEl>
+                                        <p:attrNameLst>
+                                          <p:attrName>style.visibility</p:attrName>
+                                        </p:attrNameLst>
+                                      </p:cBhvr>
+                                      <p:to>
+                                        <p:strVal val="visible"/>
+                                      </p:to>
+                                    </p:set>
+                                  </p:childTnLst>
+                                </p:cTn>
+                              </p:par>
+                            </p:childTnLst>
+                          </p:cTn>
+                        </p:par>
+                      </p:childTnLst>
+                    </p:cTn>
+                  </p:par>
+                  <p:par>
+                    <p:cTn id="7" fill="hold">
+                      <p:stCondLst>
+                        <p:cond delay="indefinite"/>
+                      </p:stCondLst>
+                      <p:childTnLst>
+                        <p:par>
+                          <p:cTn id="8" fill="hold">
+                            <p:stCondLst>
+                              <p:cond delay="0"/>
+                            </p:stCondLst>
+                            <p:childTnLst>
+                              <p:par>
+                                <p:cTn id="9" presetID="1" presetClass="entr" presetSubtype="0" fill="hold" grpId="0" nodeType="clickEffect">
+                                  <p:stCondLst>
+                                    <p:cond delay="0"/>
+                                  </p:stCondLst>
+                                  <p:childTnLst>
+                                    <p:set>
+                                      <p:cBhvr>
+                                        <p:cTn id="10" dur="1" fill="hold">
+                                          <p:stCondLst>
+                                            <p:cond delay="0"/>
+                                          </p:stCondLst>
+                                        </p:cTn>
+                                        <p:tgtEl>
+                                          <p:spTgt spid="3">
+                                            <p:txEl>
+                                              <p:pRg st="1" end="1"/>
+                                            </p:txEl>
+                                          </p:spTgt>
+                                        </p:tgtEl>
+                                        <p:attrNameLst>
+                                          <p:attrName>style.visibility</p:attrName>
+                                        </p:attrNameLst>
+                                      </p:cBhvr>
+                                      <p:to>
+                                        <p:strVal val="visible"/>
+                                      </p:to>
+                                    </p:set>
+                                  </p:childTnLst>
+                                </p:cTn>
+                              </p:par>
+                            </p:childTnLst>
+                          </p:cTn>
+                        </p:par>
+                      </p:childTnLst>
+                    </p:cTn>
+                  </p:par>
+                  <p:par>
+                    <p:cTn id="11" fill="hold">
+                      <p:stCondLst>
+                        <p:cond delay="indefinite"/>
+                      </p:stCondLst>
+                      <p:childTnLst>
+                        <p:par>
+                          <p:cTn id="12" fill="hold">
+                            <p:stCondLst>
+                              <p:cond delay="0"/>
+                            </p:stCondLst>
+                            <p:childTnLst>
+                              <p:par>
+                                <p:cTn id="13" presetID="1" presetClass="entr" presetSubtype="0" fill="hold" grpId="0" nodeType="clickEffect">
+                                  <p:stCondLst>
+                                    <p:cond delay="0"/>
+                                  </p:stCondLst>
+                                  <p:childTnLst>
+                                    <p:set>
+                                      <p:cBhvr>
+                                        <p:cTn id="14" dur="1" fill="hold">
+                                          <p:stCondLst>
+                                            <p:cond delay="0"/>
+                                          </p:stCondLst>
+                                        </p:cTn>
+                                        <p:tgtEl>
+                                          <p:spTgt spid="3">
+                                            <p:txEl>
+                                              <p:pRg st="2" end="2"/>
+                                            </p:txEl>
+                                          </p:spTgt>
+                                        </p:tgtEl>
+                                        <p:attrNameLst>
+                                          <p:attrName>style.visibility</p:attrName>
+                                        </p:attrNameLst>
+                                      </p:cBhvr>
+                                      <p:to>
+                                        <p:strVal val="visible"/>
+                                      </p:to>
+                                    </p:set>
+                                  </p:childTnLst>
+                                </p:cTn>
+                              </p:par>
+                            </p:childTnLst>
+                          </p:cTn>
+                        </p:par>
+                      </p:childTnLst>
+                    </p:cTn>
+                  </p:par>
+                </p:childTnLst>
+              </p:cTn>
+              <p:prevCondLst>
+                <p:cond evt="onPrev" delay="0">
+                  <p:tgtEl>
+                    <p:sldTgt/>
+                  </p:tgtEl>
+                </p:cond>
+              </p:prevCondLst>
+              <p:nextCondLst>
+                <p:cond evt="onNext" delay="0">
+                  <p:tgtEl>
+                    <p:sldTgt/>
+                  </p:tgtEl>
+                </p:cond>
+              </p:nextCondLst>
+            </p:seq>
+          </p:childTnLst>
+        </p:cTn>
+      </p:par>
+    </p:tnLst>
+    <p:bldLst>
+      <p:bldP spid="3" grpId="0" build="p"/>
+    </p:bldLst>
+  </p:timing>
+</p:sld>
+</file>
+
+<file path=ppt/slides/slide3.xml><?xml version="1.0" encoding="utf-8"?>
+<p:sld xmlns:a="http://schemas.openxmlformats.org/drawingml/2006/main" xmlns:r="http://schemas.openxmlformats.org/officeDocument/2006/relationships" xmlns:p="http://schemas.openxmlformats.org/presentationml/2006/main">
+  <p:cSld>
+    <p:spTree>
+      <p:nvGrpSpPr>
+        <p:cNvPr id="1" name=""/>
+        <p:cNvGrpSpPr/>
+        <p:nvPr/>
+      </p:nvGrpSpPr>
+      <p:grpSpPr>
+        <a:xfrm>
+          <a:off x="0" y="0"/>
+          <a:ext cx="0" cy="0"/>
+          <a:chOff x="0" y="0"/>
+          <a:chExt cx="0" cy="0"/>
+        </a:xfrm>
+      </p:grpSpPr>
+      <p:sp>
+        <p:nvSpPr>
+          <p:cNvPr id="2" name="Title 1"/>
+          <p:cNvSpPr>
+            <a:spLocks noGrp="1"/>
+          </p:cNvSpPr>
+          <p:nvPr>
+            <p:ph type="title"/>
+          </p:nvPr>
+        </p:nvSpPr>
+        <p:spPr/>
+        <p:txBody>
+          <a:bodyPr/>
+          <a:lstStyle/>
+          <a:p>
+            <a:r>
+              <a:rPr lang="en-CA" dirty="0" smtClean="0"/>
+              <a:t>Goal of the course</a:t>
+            </a:r>
+            <a:endParaRPr lang="en-CA" dirty="0"/>
+          </a:p>
+        </p:txBody>
+      </p:sp>
+      <p:sp>
+        <p:nvSpPr>
+          <p:cNvPr id="3" name="Content Placeholder 2"/>
+          <p:cNvSpPr>
+            <a:spLocks noGrp="1"/>
+          </p:cNvSpPr>
+          <p:nvPr>
+            <p:ph idx="1"/>
+          </p:nvPr>
+        </p:nvSpPr>
+        <p:spPr>
+          <a:xfrm>
+            <a:off x="838199" y="1825625"/>
+            <a:ext cx="10515601" cy="4351338"/>
+          </a:xfrm>
+        </p:spPr>
+        <p:txBody>
+          <a:bodyPr/>
+          <a:lstStyle/>
+          <a:p>
+            <a:r>
+              <a:rPr lang="en-CA" dirty="0" smtClean="0"/>
+              <a:t>Learn how to use machine learning algorithms to extract useful information from data and make predictions</a:t>
+            </a:r>
+          </a:p>
+          <a:p>
+            <a:r>
+              <a:rPr lang="en-CA" dirty="0" smtClean="0"/>
+              <a:t>Basic theoretical foundation (algorithms + math) </a:t>
+            </a:r>
+          </a:p>
+          <a:p>
+            <a:r>
+              <a:rPr lang="en-CA" dirty="0" smtClean="0"/>
+              <a:t>Basic practical implementation (numpy + scikit-learn)</a:t>
+            </a:r>
+          </a:p>
+          <a:p>
+            <a:r>
+              <a:rPr lang="en-CA" dirty="0" smtClean="0"/>
+              <a:t>Develop intuition about data</a:t>
+            </a:r>
+          </a:p>
+          <a:p>
+            <a:pPr lvl="1"/>
+            <a:r>
+              <a:rPr lang="en-CA" dirty="0" smtClean="0"/>
+              <a:t>Pitfalls, artifacts, and </a:t>
+            </a:r>
+            <a:r>
+              <a:rPr lang="en-CA" dirty="0" smtClean="0"/>
+              <a:t>spurious results</a:t>
+            </a:r>
+            <a:endParaRPr lang="en-CA" dirty="0" smtClean="0"/>
+          </a:p>
+          <a:p>
+            <a:r>
+              <a:rPr lang="en-CA" dirty="0" smtClean="0"/>
+              <a:t>Qualify for data scientist jobs, pass interviews</a:t>
+            </a:r>
+          </a:p>
+          <a:p>
+            <a:endParaRPr lang="en-CA" dirty="0" smtClean="0"/>
+          </a:p>
+          <a:p>
+            <a:endParaRPr lang="en-CA" dirty="0"/>
+          </a:p>
+        </p:txBody>
+      </p:sp>
+      <p:pic>
+        <p:nvPicPr>
+          <p:cNvPr id="2050" name="Picture 2" descr="Image result for data mining"/>
+          <p:cNvPicPr>
+            <a:picLocks noChangeAspect="1" noChangeArrowheads="1"/>
+          </p:cNvPicPr>
+          <p:nvPr/>
+        </p:nvPicPr>
+        <p:blipFill>
+          <a:blip r:embed="rId2" cstate="print">
+            <a:extLst>
+              <a:ext uri="{28A0092B-C50C-407E-A947-70E740481C1C}">
+                <a14:useLocalDpi xmlns:a14="http://schemas.microsoft.com/office/drawing/2010/main" val="0"/>
+              </a:ext>
+            </a:extLst>
+          </a:blip>
+          <a:srcRect/>
+          <a:stretch>
+            <a:fillRect/>
+          </a:stretch>
+        </p:blipFill>
+        <p:spPr bwMode="auto">
+          <a:xfrm>
+            <a:off x="9156514" y="5084618"/>
+            <a:ext cx="3035486" cy="1773382"/>
+          </a:xfrm>
+          <a:prstGeom prst="rect">
+            <a:avLst/>
+          </a:prstGeom>
+          <a:noFill/>
+          <a:extLst>
+            <a:ext uri="{909E8E84-426E-40DD-AFC4-6F175D3DCCD1}">
+              <a14:hiddenFill xmlns:a14="http://schemas.microsoft.com/office/drawing/2010/main">
+                <a:solidFill>
+                  <a:srgbClr val="FFFFFF"/>
+                </a:solidFill>
+              </a14:hiddenFill>
+            </a:ext>
+          </a:extLst>
+        </p:spPr>
+      </p:pic>
+    </p:spTree>
+    <p:extLst>
+      <p:ext uri="{BB962C8B-B14F-4D97-AF65-F5344CB8AC3E}">
+        <p14:creationId xmlns:p14="http://schemas.microsoft.com/office/powerpoint/2010/main" val="659955742"/>
+      </p:ext>
+    </p:extLst>
+  </p:cSld>
+  <p:clrMapOvr>
+    <a:masterClrMapping/>
+  </p:clrMapOvr>
+  <p:timing>
+    <p:tnLst>
+      <p:par>
+        <p:cTn id="1" dur="indefinite" restart="never" nodeType="tmRoot">
+          <p:childTnLst>
+            <p:seq concurrent="1" nextAc="seek">
+              <p:cTn id="2" dur="indefinite" nodeType="mainSeq">
+                <p:childTnLst>
+                  <p:par>
+                    <p:cTn id="3" fill="hold">
+                      <p:stCondLst>
+                        <p:cond delay="indefinite"/>
+                      </p:stCondLst>
+                      <p:childTnLst>
+                        <p:par>
+                          <p:cTn id="4" fill="hold">
+                            <p:stCondLst>
+                              <p:cond delay="0"/>
+                            </p:stCondLst>
+                            <p:childTnLst>
+                              <p:par>
+                                <p:cTn id="5" presetID="1" presetClass="entr" presetSubtype="0" fill="hold" grpId="0" nodeType="clickEffect">
+                                  <p:stCondLst>
+                                    <p:cond delay="0"/>
+                                  </p:stCondLst>
+                                  <p:childTnLst>
+                                    <p:set>
+                                      <p:cBhvr>
+                                        <p:cTn id="6" dur="1" fill="hold">
+                                          <p:stCondLst>
+                                            <p:cond delay="0"/>
+                                          </p:stCondLst>
+                                        </p:cTn>
+                                        <p:tgtEl>
+                                          <p:spTgt spid="3">
+                                            <p:txEl>
+                                              <p:pRg st="1" end="1"/>
+                                            </p:txEl>
+                                          </p:spTgt>
+                                        </p:tgtEl>
+                                        <p:attrNameLst>
+                                          <p:attrName>style.visibility</p:attrName>
+                                        </p:attrNameLst>
+                                      </p:cBhvr>
+                                      <p:to>
+                                        <p:strVal val="visible"/>
+                                      </p:to>
+                                    </p:set>
+                                  </p:childTnLst>
+                                </p:cTn>
+                              </p:par>
+                            </p:childTnLst>
+                          </p:cTn>
+                        </p:par>
+                      </p:childTnLst>
+                    </p:cTn>
+                  </p:par>
+                  <p:par>
+                    <p:cTn id="7" fill="hold">
+                      <p:stCondLst>
+                        <p:cond delay="indefinite"/>
+                      </p:stCondLst>
+                      <p:childTnLst>
+                        <p:par>
+                          <p:cTn id="8" fill="hold">
+                            <p:stCondLst>
+                              <p:cond delay="0"/>
+                            </p:stCondLst>
+                            <p:childTnLst>
+                              <p:par>
+                                <p:cTn id="9" presetID="1" presetClass="entr" presetSubtype="0" fill="hold" grpId="0" nodeType="clickEffect">
+                                  <p:stCondLst>
+                                    <p:cond delay="0"/>
+                                  </p:stCondLst>
+                                  <p:childTnLst>
+                                    <p:set>
+                                      <p:cBhvr>
+                                        <p:cTn id="10" dur="1" fill="hold">
+                                          <p:stCondLst>
+                                            <p:cond delay="0"/>
+                                          </p:stCondLst>
+                                        </p:cTn>
+                                        <p:tgtEl>
+                                          <p:spTgt spid="3">
+                                            <p:txEl>
+                                              <p:pRg st="2" end="2"/>
+                                            </p:txEl>
+                                          </p:spTgt>
+                                        </p:tgtEl>
+                                        <p:attrNameLst>
+                                          <p:attrName>style.visibility</p:attrName>
+                                        </p:attrNameLst>
+                                      </p:cBhvr>
+                                      <p:to>
+                                        <p:strVal val="visible"/>
+                                      </p:to>
+                                    </p:set>
+                                  </p:childTnLst>
+                                </p:cTn>
+                              </p:par>
+                            </p:childTnLst>
+                          </p:cTn>
+                        </p:par>
+                      </p:childTnLst>
+                    </p:cTn>
+                  </p:par>
+                  <p:par>
+                    <p:cTn id="11" fill="hold">
+                      <p:stCondLst>
+                        <p:cond delay="indefinite"/>
+                      </p:stCondLst>
+                      <p:childTnLst>
+                        <p:par>
+                          <p:cTn id="12" fill="hold">
+                            <p:stCondLst>
+                              <p:cond delay="0"/>
+                            </p:stCondLst>
+                            <p:childTnLst>
+                              <p:par>
+                                <p:cTn id="13" presetID="1" presetClass="entr" presetSubtype="0" fill="hold" grpId="0" nodeType="clickEffect">
+                                  <p:stCondLst>
+                                    <p:cond delay="0"/>
+                                  </p:stCondLst>
+                                  <p:childTnLst>
+                                    <p:set>
+                                      <p:cBhvr>
+                                        <p:cTn id="14" dur="1" fill="hold">
+                                          <p:stCondLst>
+                                            <p:cond delay="0"/>
+                                          </p:stCondLst>
+                                        </p:cTn>
+                                        <p:tgtEl>
+                                          <p:spTgt spid="3">
+                                            <p:txEl>
+                                              <p:pRg st="3" end="3"/>
+                                            </p:txEl>
+                                          </p:spTgt>
+                                        </p:tgtEl>
+                                        <p:attrNameLst>
+                                          <p:attrName>style.visibility</p:attrName>
+                                        </p:attrNameLst>
+                                      </p:cBhvr>
+                                      <p:to>
+                                        <p:strVal val="visible"/>
+                                      </p:to>
+                                    </p:set>
+                                  </p:childTnLst>
+                                </p:cTn>
+                              </p:par>
+                              <p:par>
+                                <p:cTn id="15" presetID="1" presetClass="entr" presetSubtype="0" fill="hold" grpId="0" nodeType="withEffect">
+                                  <p:stCondLst>
+                                    <p:cond delay="0"/>
+                                  </p:stCondLst>
+                                  <p:childTnLst>
+                                    <p:set>
+                                      <p:cBhvr>
+                                        <p:cTn id="16" dur="1" fill="hold">
+                                          <p:stCondLst>
+                                            <p:cond delay="0"/>
+                                          </p:stCondLst>
+                                        </p:cTn>
+                                        <p:tgtEl>
+                                          <p:spTgt spid="3">
+                                            <p:txEl>
+                                              <p:pRg st="4" end="4"/>
+                                            </p:txEl>
+                                          </p:spTgt>
+                                        </p:tgtEl>
+                                        <p:attrNameLst>
+                                          <p:attrName>style.visibility</p:attrName>
+                                        </p:attrNameLst>
+                                      </p:cBhvr>
+                                      <p:to>
+                                        <p:strVal val="visible"/>
+                                      </p:to>
+                                    </p:set>
+                                  </p:childTnLst>
+                                </p:cTn>
+                              </p:par>
+                            </p:childTnLst>
+                          </p:cTn>
+                        </p:par>
+                      </p:childTnLst>
+                    </p:cTn>
+                  </p:par>
+                  <p:par>
+                    <p:cTn id="17" fill="hold">
+                      <p:stCondLst>
+                        <p:cond delay="indefinite"/>
+                      </p:stCondLst>
+                      <p:childTnLst>
+                        <p:par>
+                          <p:cTn id="18" fill="hold">
+                            <p:stCondLst>
+                              <p:cond delay="0"/>
+                            </p:stCondLst>
+                            <p:childTnLst>
+                              <p:par>
+                                <p:cTn id="19" presetID="1" presetClass="entr" presetSubtype="0" fill="hold" grpId="0" nodeType="clickEffect">
+                                  <p:stCondLst>
+                                    <p:cond delay="0"/>
+                                  </p:stCondLst>
+                                  <p:childTnLst>
+                                    <p:set>
+                                      <p:cBhvr>
+                                        <p:cTn id="20" dur="1" fill="hold">
                                           <p:stCondLst>
                                             <p:cond delay="0"/>
                                           </p:stCondLst>
@@ -25703,7 +30240,7 @@
       </p:par>
     </p:tnLst>
     <p:bldLst>
-      <p:bldP spid="3" grpId="0" build="p"/>
+      <p:bldP spid="3" grpId="0" uiExpand="1" build="p"/>
     </p:bldLst>
   </p:timing>
 </p:sld>
@@ -25766,20 +30303,24 @@
           <a:p>
             <a:r>
               <a:rPr lang="en-CA" dirty="0" smtClean="0"/>
-              <a:t>Today: different datasets and simple algorithms</a:t>
+              <a:t>What is data mining?</a:t>
             </a:r>
           </a:p>
           <a:p>
             <a:r>
-              <a:rPr lang="en-CA" dirty="0" smtClean="0"/>
-              <a:t>Convergence of communication and computing. Our mission? </a:t>
+              <a:rPr lang="en-CA" i="1" dirty="0"/>
+              <a:t>D</a:t>
+            </a:r>
+            <a:r>
+              <a:rPr lang="en-CA" i="1" dirty="0" smtClean="0"/>
+              <a:t>ata mining is the extraction of implicit, previously unknown, and potentially useful information from data</a:t>
             </a:r>
           </a:p>
           <a:p>
-            <a:r>
-              <a:rPr lang="en-CA" dirty="0" smtClean="0"/>
-              <a:t>What is data mining?</a:t>
-            </a:r>
+            <a:pPr marL="0" indent="0">
+              <a:buNone/>
+            </a:pPr>
+            <a:endParaRPr lang="en-CA" dirty="0" smtClean="0"/>
           </a:p>
           <a:p>
             <a:r>
@@ -25788,11 +30329,7 @@
             </a:r>
           </a:p>
           <a:p>
-            <a:r>
-              <a:rPr lang="en-CA" dirty="0" smtClean="0"/>
-              <a:t>Example from Ph.D. </a:t>
-            </a:r>
-            <a:endParaRPr lang="en-CA" dirty="0"/>
+            <a:endParaRPr lang="en-CA" dirty="0" smtClean="0"/>
           </a:p>
         </p:txBody>
       </p:sp>
@@ -25809,9 +30346,133 @@
   <p:timing>
     <p:tnLst>
       <p:par>
-        <p:cTn id="1" dur="indefinite" restart="never" nodeType="tmRoot"/>
+        <p:cTn id="1" dur="indefinite" restart="never" nodeType="tmRoot">
+          <p:childTnLst>
+            <p:seq concurrent="1" nextAc="seek">
+              <p:cTn id="2" dur="indefinite" nodeType="mainSeq">
+                <p:childTnLst>
+                  <p:par>
+                    <p:cTn id="3" fill="hold">
+                      <p:stCondLst>
+                        <p:cond delay="indefinite"/>
+                      </p:stCondLst>
+                      <p:childTnLst>
+                        <p:par>
+                          <p:cTn id="4" fill="hold">
+                            <p:stCondLst>
+                              <p:cond delay="0"/>
+                            </p:stCondLst>
+                            <p:childTnLst>
+                              <p:par>
+                                <p:cTn id="5" presetID="1" presetClass="entr" presetSubtype="0" fill="hold" grpId="0" nodeType="clickEffect">
+                                  <p:stCondLst>
+                                    <p:cond delay="0"/>
+                                  </p:stCondLst>
+                                  <p:childTnLst>
+                                    <p:set>
+                                      <p:cBhvr>
+                                        <p:cTn id="6" dur="1" fill="hold">
+                                          <p:stCondLst>
+                                            <p:cond delay="0"/>
+                                          </p:stCondLst>
+                                        </p:cTn>
+                                        <p:tgtEl>
+                                          <p:spTgt spid="3">
+                                            <p:txEl>
+                                              <p:pRg st="1" end="1"/>
+                                            </p:txEl>
+                                          </p:spTgt>
+                                        </p:tgtEl>
+                                        <p:attrNameLst>
+                                          <p:attrName>style.visibility</p:attrName>
+                                        </p:attrNameLst>
+                                      </p:cBhvr>
+                                      <p:to>
+                                        <p:strVal val="visible"/>
+                                      </p:to>
+                                    </p:set>
+                                  </p:childTnLst>
+                                </p:cTn>
+                              </p:par>
+                            </p:childTnLst>
+                          </p:cTn>
+                        </p:par>
+                      </p:childTnLst>
+                    </p:cTn>
+                  </p:par>
+                  <p:par>
+                    <p:cTn id="7" fill="hold">
+                      <p:stCondLst>
+                        <p:cond delay="indefinite"/>
+                      </p:stCondLst>
+                      <p:childTnLst>
+                        <p:par>
+                          <p:cTn id="8" fill="hold">
+                            <p:stCondLst>
+                              <p:cond delay="0"/>
+                            </p:stCondLst>
+                            <p:childTnLst>
+                              <p:par>
+                                <p:cTn id="9" presetID="1" presetClass="entr" presetSubtype="0" fill="hold" grpId="0" nodeType="clickEffect">
+                                  <p:stCondLst>
+                                    <p:cond delay="0"/>
+                                  </p:stCondLst>
+                                  <p:childTnLst>
+                                    <p:set>
+                                      <p:cBhvr>
+                                        <p:cTn id="10" dur="1" fill="hold">
+                                          <p:stCondLst>
+                                            <p:cond delay="0"/>
+                                          </p:stCondLst>
+                                        </p:cTn>
+                                        <p:tgtEl>
+                                          <p:spTgt spid="3">
+                                            <p:txEl>
+                                              <p:pRg st="3" end="3"/>
+                                            </p:txEl>
+                                          </p:spTgt>
+                                        </p:tgtEl>
+                                        <p:attrNameLst>
+                                          <p:attrName>style.visibility</p:attrName>
+                                        </p:attrNameLst>
+                                      </p:cBhvr>
+                                      <p:to>
+                                        <p:strVal val="visible"/>
+                                      </p:to>
+                                    </p:set>
+                                  </p:childTnLst>
+                                </p:cTn>
+                              </p:par>
+                            </p:childTnLst>
+                          </p:cTn>
+                        </p:par>
+                      </p:childTnLst>
+                    </p:cTn>
+                  </p:par>
+                </p:childTnLst>
+              </p:cTn>
+              <p:prevCondLst>
+                <p:cond evt="onPrev" delay="0">
+                  <p:tgtEl>
+                    <p:sldTgt/>
+                  </p:tgtEl>
+                </p:cond>
+              </p:prevCondLst>
+              <p:nextCondLst>
+                <p:cond evt="onNext" delay="0">
+                  <p:tgtEl>
+                    <p:sldTgt/>
+                  </p:tgtEl>
+                </p:cond>
+              </p:nextCondLst>
+            </p:seq>
+          </p:childTnLst>
+        </p:cTn>
       </p:par>
     </p:tnLst>
+    <p:bldLst>
+      <p:bldP spid="3" grpId="0" uiExpand="1" build="p"/>
+    </p:bldLst>
   </p:timing>
 </p:sld>
 </file>
@@ -25936,9 +30597,293 @@
   <p:timing>
     <p:tnLst>
       <p:par>
-        <p:cTn id="1" dur="indefinite" restart="never" nodeType="tmRoot"/>
+        <p:cTn id="1" dur="indefinite" restart="never" nodeType="tmRoot">
+          <p:childTnLst>
+            <p:seq concurrent="1" nextAc="seek">
+              <p:cTn id="2" dur="indefinite" nodeType="mainSeq">
+                <p:childTnLst>
+                  <p:par>
+                    <p:cTn id="3" fill="hold">
+                      <p:stCondLst>
+                        <p:cond delay="indefinite"/>
+                      </p:stCondLst>
+                      <p:childTnLst>
+                        <p:par>
+                          <p:cTn id="4" fill="hold">
+                            <p:stCondLst>
+                              <p:cond delay="0"/>
+                            </p:stCondLst>
+                            <p:childTnLst>
+                              <p:par>
+                                <p:cTn id="5" presetID="1" presetClass="entr" presetSubtype="0" fill="hold" grpId="0" nodeType="clickEffect">
+                                  <p:stCondLst>
+                                    <p:cond delay="0"/>
+                                  </p:stCondLst>
+                                  <p:childTnLst>
+                                    <p:set>
+                                      <p:cBhvr>
+                                        <p:cTn id="6" dur="1" fill="hold">
+                                          <p:stCondLst>
+                                            <p:cond delay="0"/>
+                                          </p:stCondLst>
+                                        </p:cTn>
+                                        <p:tgtEl>
+                                          <p:spTgt spid="3">
+                                            <p:txEl>
+                                              <p:pRg st="1" end="1"/>
+                                            </p:txEl>
+                                          </p:spTgt>
+                                        </p:tgtEl>
+                                        <p:attrNameLst>
+                                          <p:attrName>style.visibility</p:attrName>
+                                        </p:attrNameLst>
+                                      </p:cBhvr>
+                                      <p:to>
+                                        <p:strVal val="visible"/>
+                                      </p:to>
+                                    </p:set>
+                                  </p:childTnLst>
+                                </p:cTn>
+                              </p:par>
+                            </p:childTnLst>
+                          </p:cTn>
+                        </p:par>
+                      </p:childTnLst>
+                    </p:cTn>
+                  </p:par>
+                  <p:par>
+                    <p:cTn id="7" fill="hold">
+                      <p:stCondLst>
+                        <p:cond delay="indefinite"/>
+                      </p:stCondLst>
+                      <p:childTnLst>
+                        <p:par>
+                          <p:cTn id="8" fill="hold">
+                            <p:stCondLst>
+                              <p:cond delay="0"/>
+                            </p:stCondLst>
+                            <p:childTnLst>
+                              <p:par>
+                                <p:cTn id="9" presetID="1" presetClass="entr" presetSubtype="0" fill="hold" grpId="0" nodeType="clickEffect">
+                                  <p:stCondLst>
+                                    <p:cond delay="0"/>
+                                  </p:stCondLst>
+                                  <p:childTnLst>
+                                    <p:set>
+                                      <p:cBhvr>
+                                        <p:cTn id="10" dur="1" fill="hold">
+                                          <p:stCondLst>
+                                            <p:cond delay="0"/>
+                                          </p:stCondLst>
+                                        </p:cTn>
+                                        <p:tgtEl>
+                                          <p:spTgt spid="3">
+                                            <p:txEl>
+                                              <p:pRg st="2" end="2"/>
+                                            </p:txEl>
+                                          </p:spTgt>
+                                        </p:tgtEl>
+                                        <p:attrNameLst>
+                                          <p:attrName>style.visibility</p:attrName>
+                                        </p:attrNameLst>
+                                      </p:cBhvr>
+                                      <p:to>
+                                        <p:strVal val="visible"/>
+                                      </p:to>
+                                    </p:set>
+                                  </p:childTnLst>
+                                </p:cTn>
+                              </p:par>
+                              <p:par>
+                                <p:cTn id="11" presetID="1" presetClass="entr" presetSubtype="0" fill="hold" grpId="0" nodeType="withEffect">
+                                  <p:stCondLst>
+                                    <p:cond delay="0"/>
+                                  </p:stCondLst>
+                                  <p:childTnLst>
+                                    <p:set>
+                                      <p:cBhvr>
+                                        <p:cTn id="12" dur="1" fill="hold">
+                                          <p:stCondLst>
+                                            <p:cond delay="0"/>
+                                          </p:stCondLst>
+                                        </p:cTn>
+                                        <p:tgtEl>
+                                          <p:spTgt spid="3">
+                                            <p:txEl>
+                                              <p:pRg st="3" end="3"/>
+                                            </p:txEl>
+                                          </p:spTgt>
+                                        </p:tgtEl>
+                                        <p:attrNameLst>
+                                          <p:attrName>style.visibility</p:attrName>
+                                        </p:attrNameLst>
+                                      </p:cBhvr>
+                                      <p:to>
+                                        <p:strVal val="visible"/>
+                                      </p:to>
+                                    </p:set>
+                                  </p:childTnLst>
+                                </p:cTn>
+                              </p:par>
+                            </p:childTnLst>
+                          </p:cTn>
+                        </p:par>
+                      </p:childTnLst>
+                    </p:cTn>
+                  </p:par>
+                  <p:par>
+                    <p:cTn id="13" fill="hold">
+                      <p:stCondLst>
+                        <p:cond delay="indefinite"/>
+                      </p:stCondLst>
+                      <p:childTnLst>
+                        <p:par>
+                          <p:cTn id="14" fill="hold">
+                            <p:stCondLst>
+                              <p:cond delay="0"/>
+                            </p:stCondLst>
+                            <p:childTnLst>
+                              <p:par>
+                                <p:cTn id="15" presetID="1" presetClass="entr" presetSubtype="0" fill="hold" grpId="0" nodeType="clickEffect">
+                                  <p:stCondLst>
+                                    <p:cond delay="0"/>
+                                  </p:stCondLst>
+                                  <p:childTnLst>
+                                    <p:set>
+                                      <p:cBhvr>
+                                        <p:cTn id="16" dur="1" fill="hold">
+                                          <p:stCondLst>
+                                            <p:cond delay="0"/>
+                                          </p:stCondLst>
+                                        </p:cTn>
+                                        <p:tgtEl>
+                                          <p:spTgt spid="3">
+                                            <p:txEl>
+                                              <p:pRg st="4" end="4"/>
+                                            </p:txEl>
+                                          </p:spTgt>
+                                        </p:tgtEl>
+                                        <p:attrNameLst>
+                                          <p:attrName>style.visibility</p:attrName>
+                                        </p:attrNameLst>
+                                      </p:cBhvr>
+                                      <p:to>
+                                        <p:strVal val="visible"/>
+                                      </p:to>
+                                    </p:set>
+                                  </p:childTnLst>
+                                </p:cTn>
+                              </p:par>
+                              <p:par>
+                                <p:cTn id="17" presetID="1" presetClass="entr" presetSubtype="0" fill="hold" grpId="0" nodeType="withEffect">
+                                  <p:stCondLst>
+                                    <p:cond delay="0"/>
+                                  </p:stCondLst>
+                                  <p:childTnLst>
+                                    <p:set>
+                                      <p:cBhvr>
+                                        <p:cTn id="18" dur="1" fill="hold">
+                                          <p:stCondLst>
+                                            <p:cond delay="0"/>
+                                          </p:stCondLst>
+                                        </p:cTn>
+                                        <p:tgtEl>
+                                          <p:spTgt spid="3">
+                                            <p:txEl>
+                                              <p:pRg st="5" end="5"/>
+                                            </p:txEl>
+                                          </p:spTgt>
+                                        </p:tgtEl>
+                                        <p:attrNameLst>
+                                          <p:attrName>style.visibility</p:attrName>
+                                        </p:attrNameLst>
+                                      </p:cBhvr>
+                                      <p:to>
+                                        <p:strVal val="visible"/>
+                                      </p:to>
+                                    </p:set>
+                                  </p:childTnLst>
+                                </p:cTn>
+                              </p:par>
+                            </p:childTnLst>
+                          </p:cTn>
+                        </p:par>
+                      </p:childTnLst>
+                    </p:cTn>
+                  </p:par>
+                  <p:par>
+                    <p:cTn id="19" fill="hold">
+                      <p:stCondLst>
+                        <p:cond delay="indefinite"/>
+                      </p:stCondLst>
+                      <p:childTnLst>
+                        <p:par>
+                          <p:cTn id="20" fill="hold">
+                            <p:stCondLst>
+                              <p:cond delay="0"/>
+                            </p:stCondLst>
+                            <p:childTnLst>
+                              <p:par>
+                                <p:cTn id="21" presetID="1" presetClass="entr" presetSubtype="0" fill="hold" grpId="0" nodeType="clickEffect">
+                                  <p:stCondLst>
+                                    <p:cond delay="0"/>
+                                  </p:stCondLst>
+                                  <p:childTnLst>
+                                    <p:set>
+                                      <p:cBhvr>
+                                        <p:cTn id="22" dur="1" fill="hold">
+                                          <p:stCondLst>
+                                            <p:cond delay="0"/>
+                                          </p:stCondLst>
+                                        </p:cTn>
+                                        <p:tgtEl>
+                                          <p:spTgt spid="3">
+                                            <p:txEl>
+                                              <p:pRg st="6" end="6"/>
+                                            </p:txEl>
+                                          </p:spTgt>
+                                        </p:tgtEl>
+                                        <p:attrNameLst>
+                                          <p:attrName>style.visibility</p:attrName>
+                                        </p:attrNameLst>
+                                      </p:cBhvr>
+                                      <p:to>
+                                        <p:strVal val="visible"/>
+                                      </p:to>
+                                    </p:set>
+                                  </p:childTnLst>
+                                </p:cTn>
+                              </p:par>
+                            </p:childTnLst>
+                          </p:cTn>
+                        </p:par>
+                      </p:childTnLst>
+                    </p:cTn>
+                  </p:par>
+                </p:childTnLst>
+              </p:cTn>
+              <p:prevCondLst>
+                <p:cond evt="onPrev" delay="0">
+                  <p:tgtEl>
+                    <p:sldTgt/>
+                  </p:tgtEl>
+                </p:cond>
+              </p:prevCondLst>
+              <p:nextCondLst>
+                <p:cond evt="onNext" delay="0">
+                  <p:tgtEl>
+                    <p:sldTgt/>
+                  </p:tgtEl>
+                </p:cond>
+              </p:nextCondLst>
+            </p:seq>
+          </p:childTnLst>
+        </p:cTn>
       </p:par>
     </p:tnLst>
+    <p:bldLst>
+      <p:bldP spid="3" grpId="0" uiExpand="1" build="p"/>
+    </p:bldLst>
   </p:timing>
 </p:sld>
 </file>
@@ -26049,9 +30994,280 @@
   <p:timing>
     <p:tnLst>
       <p:par>
-        <p:cTn id="1" dur="indefinite" restart="never" nodeType="tmRoot"/>
+        <p:cTn id="1" dur="indefinite" restart="never" nodeType="tmRoot">
+          <p:childTnLst>
+            <p:seq concurrent="1" nextAc="seek">
+              <p:cTn id="2" dur="indefinite" nodeType="mainSeq">
+                <p:childTnLst>
+                  <p:par>
+                    <p:cTn id="3" fill="hold">
+                      <p:stCondLst>
+                        <p:cond delay="indefinite"/>
+                      </p:stCondLst>
+                      <p:childTnLst>
+                        <p:par>
+                          <p:cTn id="4" fill="hold">
+                            <p:stCondLst>
+                              <p:cond delay="0"/>
+                            </p:stCondLst>
+                            <p:childTnLst>
+                              <p:par>
+                                <p:cTn id="5" presetID="1" presetClass="entr" presetSubtype="0" fill="hold" grpId="0" nodeType="clickEffect">
+                                  <p:stCondLst>
+                                    <p:cond delay="0"/>
+                                  </p:stCondLst>
+                                  <p:childTnLst>
+                                    <p:set>
+                                      <p:cBhvr>
+                                        <p:cTn id="6" dur="1" fill="hold">
+                                          <p:stCondLst>
+                                            <p:cond delay="0"/>
+                                          </p:stCondLst>
+                                        </p:cTn>
+                                        <p:tgtEl>
+                                          <p:spTgt spid="3">
+                                            <p:txEl>
+                                              <p:pRg st="1" end="1"/>
+                                            </p:txEl>
+                                          </p:spTgt>
+                                        </p:tgtEl>
+                                        <p:attrNameLst>
+                                          <p:attrName>style.visibility</p:attrName>
+                                        </p:attrNameLst>
+                                      </p:cBhvr>
+                                      <p:to>
+                                        <p:strVal val="visible"/>
+                                      </p:to>
+                                    </p:set>
+                                  </p:childTnLst>
+                                </p:cTn>
+                              </p:par>
+                            </p:childTnLst>
+                          </p:cTn>
+                        </p:par>
+                      </p:childTnLst>
+                    </p:cTn>
+                  </p:par>
+                  <p:par>
+                    <p:cTn id="7" fill="hold">
+                      <p:stCondLst>
+                        <p:cond delay="indefinite"/>
+                      </p:stCondLst>
+                      <p:childTnLst>
+                        <p:par>
+                          <p:cTn id="8" fill="hold">
+                            <p:stCondLst>
+                              <p:cond delay="0"/>
+                            </p:stCondLst>
+                            <p:childTnLst>
+                              <p:par>
+                                <p:cTn id="9" presetID="1" presetClass="entr" presetSubtype="0" fill="hold" grpId="0" nodeType="clickEffect">
+                                  <p:stCondLst>
+                                    <p:cond delay="0"/>
+                                  </p:stCondLst>
+                                  <p:childTnLst>
+                                    <p:set>
+                                      <p:cBhvr>
+                                        <p:cTn id="10" dur="1" fill="hold">
+                                          <p:stCondLst>
+                                            <p:cond delay="0"/>
+                                          </p:stCondLst>
+                                        </p:cTn>
+                                        <p:tgtEl>
+                                          <p:spTgt spid="3">
+                                            <p:txEl>
+                                              <p:pRg st="2" end="2"/>
+                                            </p:txEl>
+                                          </p:spTgt>
+                                        </p:tgtEl>
+                                        <p:attrNameLst>
+                                          <p:attrName>style.visibility</p:attrName>
+                                        </p:attrNameLst>
+                                      </p:cBhvr>
+                                      <p:to>
+                                        <p:strVal val="visible"/>
+                                      </p:to>
+                                    </p:set>
+                                  </p:childTnLst>
+                                </p:cTn>
+                              </p:par>
+                            </p:childTnLst>
+                          </p:cTn>
+                        </p:par>
+                      </p:childTnLst>
+                    </p:cTn>
+                  </p:par>
+                  <p:par>
+                    <p:cTn id="11" fill="hold">
+                      <p:stCondLst>
+                        <p:cond delay="indefinite"/>
+                      </p:stCondLst>
+                      <p:childTnLst>
+                        <p:par>
+                          <p:cTn id="12" fill="hold">
+                            <p:stCondLst>
+                              <p:cond delay="0"/>
+                            </p:stCondLst>
+                            <p:childTnLst>
+                              <p:par>
+                                <p:cTn id="13" presetID="1" presetClass="entr" presetSubtype="0" fill="hold" grpId="0" nodeType="clickEffect">
+                                  <p:stCondLst>
+                                    <p:cond delay="0"/>
+                                  </p:stCondLst>
+                                  <p:childTnLst>
+                                    <p:set>
+                                      <p:cBhvr>
+                                        <p:cTn id="14" dur="1" fill="hold">
+                                          <p:stCondLst>
+                                            <p:cond delay="0"/>
+                                          </p:stCondLst>
+                                        </p:cTn>
+                                        <p:tgtEl>
+                                          <p:spTgt spid="3">
+                                            <p:txEl>
+                                              <p:pRg st="3" end="3"/>
+                                            </p:txEl>
+                                          </p:spTgt>
+                                        </p:tgtEl>
+                                        <p:attrNameLst>
+                                          <p:attrName>style.visibility</p:attrName>
+                                        </p:attrNameLst>
+                                      </p:cBhvr>
+                                      <p:to>
+                                        <p:strVal val="visible"/>
+                                      </p:to>
+                                    </p:set>
+                                  </p:childTnLst>
+                                </p:cTn>
+                              </p:par>
+                            </p:childTnLst>
+                          </p:cTn>
+                        </p:par>
+                      </p:childTnLst>
+                    </p:cTn>
+                  </p:par>
+                  <p:par>
+                    <p:cTn id="15" fill="hold">
+                      <p:stCondLst>
+                        <p:cond delay="indefinite"/>
+                      </p:stCondLst>
+                      <p:childTnLst>
+                        <p:par>
+                          <p:cTn id="16" fill="hold">
+                            <p:stCondLst>
+                              <p:cond delay="0"/>
+                            </p:stCondLst>
+                            <p:childTnLst>
+                              <p:par>
+                                <p:cTn id="17" presetID="1" presetClass="entr" presetSubtype="0" fill="hold" grpId="0" nodeType="clickEffect">
+                                  <p:stCondLst>
+                                    <p:cond delay="0"/>
+                                  </p:stCondLst>
+                                  <p:childTnLst>
+                                    <p:set>
+                                      <p:cBhvr>
+                                        <p:cTn id="18" dur="1" fill="hold">
+                                          <p:stCondLst>
+                                            <p:cond delay="0"/>
+                                          </p:stCondLst>
+                                        </p:cTn>
+                                        <p:tgtEl>
+                                          <p:spTgt spid="3">
+                                            <p:txEl>
+                                              <p:pRg st="4" end="4"/>
+                                            </p:txEl>
+                                          </p:spTgt>
+                                        </p:tgtEl>
+                                        <p:attrNameLst>
+                                          <p:attrName>style.visibility</p:attrName>
+                                        </p:attrNameLst>
+                                      </p:cBhvr>
+                                      <p:to>
+                                        <p:strVal val="visible"/>
+                                      </p:to>
+                                    </p:set>
+                                  </p:childTnLst>
+                                </p:cTn>
+                              </p:par>
+                            </p:childTnLst>
+                          </p:cTn>
+                        </p:par>
+                      </p:childTnLst>
+                    </p:cTn>
+                  </p:par>
+                  <p:par>
+                    <p:cTn id="19" fill="hold">
+                      <p:stCondLst>
+                        <p:cond delay="indefinite"/>
+                      </p:stCondLst>
+                      <p:childTnLst>
+                        <p:par>
+                          <p:cTn id="20" fill="hold">
+                            <p:stCondLst>
+                              <p:cond delay="0"/>
+                            </p:stCondLst>
+                            <p:childTnLst>
+                              <p:par>
+                                <p:cTn id="21" presetID="1" presetClass="entr" presetSubtype="0" fill="hold" grpId="0" nodeType="clickEffect">
+                                  <p:stCondLst>
+                                    <p:cond delay="0"/>
+                                  </p:stCondLst>
+                                  <p:childTnLst>
+                                    <p:set>
+                                      <p:cBhvr>
+                                        <p:cTn id="22" dur="1" fill="hold">
+                                          <p:stCondLst>
+                                            <p:cond delay="0"/>
+                                          </p:stCondLst>
+                                        </p:cTn>
+                                        <p:tgtEl>
+                                          <p:spTgt spid="3">
+                                            <p:txEl>
+                                              <p:pRg st="5" end="5"/>
+                                            </p:txEl>
+                                          </p:spTgt>
+                                        </p:tgtEl>
+                                        <p:attrNameLst>
+                                          <p:attrName>style.visibility</p:attrName>
+                                        </p:attrNameLst>
+                                      </p:cBhvr>
+                                      <p:to>
+                                        <p:strVal val="visible"/>
+                                      </p:to>
+                                    </p:set>
+                                  </p:childTnLst>
+                                </p:cTn>
+                              </p:par>
+                            </p:childTnLst>
+                          </p:cTn>
+                        </p:par>
+                      </p:childTnLst>
+                    </p:cTn>
+                  </p:par>
+                </p:childTnLst>
+              </p:cTn>
+              <p:prevCondLst>
+                <p:cond evt="onPrev" delay="0">
+                  <p:tgtEl>
+                    <p:sldTgt/>
+                  </p:tgtEl>
+                </p:cond>
+              </p:prevCondLst>
+              <p:nextCondLst>
+                <p:cond evt="onNext" delay="0">
+                  <p:tgtEl>
+                    <p:sldTgt/>
+                  </p:tgtEl>
+                </p:cond>
+              </p:nextCondLst>
+            </p:seq>
+          </p:childTnLst>
+        </p:cTn>
       </p:par>
     </p:tnLst>
+    <p:bldLst>
+      <p:bldP spid="3" grpId="0" uiExpand="1" build="p"/>
+    </p:bldLst>
   </p:timing>
 </p:sld>
 </file>
@@ -26162,9 +31378,280 @@
   <p:timing>
     <p:tnLst>
       <p:par>
-        <p:cTn id="1" dur="indefinite" restart="never" nodeType="tmRoot"/>
+        <p:cTn id="1" dur="indefinite" restart="never" nodeType="tmRoot">
+          <p:childTnLst>
+            <p:seq concurrent="1" nextAc="seek">
+              <p:cTn id="2" dur="indefinite" nodeType="mainSeq">
+                <p:childTnLst>
+                  <p:par>
+                    <p:cTn id="3" fill="hold">
+                      <p:stCondLst>
+                        <p:cond delay="indefinite"/>
+                      </p:stCondLst>
+                      <p:childTnLst>
+                        <p:par>
+                          <p:cTn id="4" fill="hold">
+                            <p:stCondLst>
+                              <p:cond delay="0"/>
+                            </p:stCondLst>
+                            <p:childTnLst>
+                              <p:par>
+                                <p:cTn id="5" presetID="1" presetClass="entr" presetSubtype="0" fill="hold" grpId="0" nodeType="clickEffect">
+                                  <p:stCondLst>
+                                    <p:cond delay="0"/>
+                                  </p:stCondLst>
+                                  <p:childTnLst>
+                                    <p:set>
+                                      <p:cBhvr>
+                                        <p:cTn id="6" dur="1" fill="hold">
+                                          <p:stCondLst>
+                                            <p:cond delay="0"/>
+                                          </p:stCondLst>
+                                        </p:cTn>
+                                        <p:tgtEl>
+                                          <p:spTgt spid="3">
+                                            <p:txEl>
+                                              <p:pRg st="1" end="1"/>
+                                            </p:txEl>
+                                          </p:spTgt>
+                                        </p:tgtEl>
+                                        <p:attrNameLst>
+                                          <p:attrName>style.visibility</p:attrName>
+                                        </p:attrNameLst>
+                                      </p:cBhvr>
+                                      <p:to>
+                                        <p:strVal val="visible"/>
+                                      </p:to>
+                                    </p:set>
+                                  </p:childTnLst>
+                                </p:cTn>
+                              </p:par>
+                            </p:childTnLst>
+                          </p:cTn>
+                        </p:par>
+                      </p:childTnLst>
+                    </p:cTn>
+                  </p:par>
+                  <p:par>
+                    <p:cTn id="7" fill="hold">
+                      <p:stCondLst>
+                        <p:cond delay="indefinite"/>
+                      </p:stCondLst>
+                      <p:childTnLst>
+                        <p:par>
+                          <p:cTn id="8" fill="hold">
+                            <p:stCondLst>
+                              <p:cond delay="0"/>
+                            </p:stCondLst>
+                            <p:childTnLst>
+                              <p:par>
+                                <p:cTn id="9" presetID="1" presetClass="entr" presetSubtype="0" fill="hold" grpId="0" nodeType="clickEffect">
+                                  <p:stCondLst>
+                                    <p:cond delay="0"/>
+                                  </p:stCondLst>
+                                  <p:childTnLst>
+                                    <p:set>
+                                      <p:cBhvr>
+                                        <p:cTn id="10" dur="1" fill="hold">
+                                          <p:stCondLst>
+                                            <p:cond delay="0"/>
+                                          </p:stCondLst>
+                                        </p:cTn>
+                                        <p:tgtEl>
+                                          <p:spTgt spid="3">
+                                            <p:txEl>
+                                              <p:pRg st="2" end="2"/>
+                                            </p:txEl>
+                                          </p:spTgt>
+                                        </p:tgtEl>
+                                        <p:attrNameLst>
+                                          <p:attrName>style.visibility</p:attrName>
+                                        </p:attrNameLst>
+                                      </p:cBhvr>
+                                      <p:to>
+                                        <p:strVal val="visible"/>
+                                      </p:to>
+                                    </p:set>
+                                  </p:childTnLst>
+                                </p:cTn>
+                              </p:par>
+                            </p:childTnLst>
+                          </p:cTn>
+                        </p:par>
+                      </p:childTnLst>
+                    </p:cTn>
+                  </p:par>
+                  <p:par>
+                    <p:cTn id="11" fill="hold">
+                      <p:stCondLst>
+                        <p:cond delay="indefinite"/>
+                      </p:stCondLst>
+                      <p:childTnLst>
+                        <p:par>
+                          <p:cTn id="12" fill="hold">
+                            <p:stCondLst>
+                              <p:cond delay="0"/>
+                            </p:stCondLst>
+                            <p:childTnLst>
+                              <p:par>
+                                <p:cTn id="13" presetID="1" presetClass="entr" presetSubtype="0" fill="hold" grpId="0" nodeType="clickEffect">
+                                  <p:stCondLst>
+                                    <p:cond delay="0"/>
+                                  </p:stCondLst>
+                                  <p:childTnLst>
+                                    <p:set>
+                                      <p:cBhvr>
+                                        <p:cTn id="14" dur="1" fill="hold">
+                                          <p:stCondLst>
+                                            <p:cond delay="0"/>
+                                          </p:stCondLst>
+                                        </p:cTn>
+                                        <p:tgtEl>
+                                          <p:spTgt spid="3">
+                                            <p:txEl>
+                                              <p:pRg st="3" end="3"/>
+                                            </p:txEl>
+                                          </p:spTgt>
+                                        </p:tgtEl>
+                                        <p:attrNameLst>
+                                          <p:attrName>style.visibility</p:attrName>
+                                        </p:attrNameLst>
+                                      </p:cBhvr>
+                                      <p:to>
+                                        <p:strVal val="visible"/>
+                                      </p:to>
+                                    </p:set>
+                                  </p:childTnLst>
+                                </p:cTn>
+                              </p:par>
+                            </p:childTnLst>
+                          </p:cTn>
+                        </p:par>
+                      </p:childTnLst>
+                    </p:cTn>
+                  </p:par>
+                  <p:par>
+                    <p:cTn id="15" fill="hold">
+                      <p:stCondLst>
+                        <p:cond delay="indefinite"/>
+                      </p:stCondLst>
+                      <p:childTnLst>
+                        <p:par>
+                          <p:cTn id="16" fill="hold">
+                            <p:stCondLst>
+                              <p:cond delay="0"/>
+                            </p:stCondLst>
+                            <p:childTnLst>
+                              <p:par>
+                                <p:cTn id="17" presetID="1" presetClass="entr" presetSubtype="0" fill="hold" grpId="0" nodeType="clickEffect">
+                                  <p:stCondLst>
+                                    <p:cond delay="0"/>
+                                  </p:stCondLst>
+                                  <p:childTnLst>
+                                    <p:set>
+                                      <p:cBhvr>
+                                        <p:cTn id="18" dur="1" fill="hold">
+                                          <p:stCondLst>
+                                            <p:cond delay="0"/>
+                                          </p:stCondLst>
+                                        </p:cTn>
+                                        <p:tgtEl>
+                                          <p:spTgt spid="3">
+                                            <p:txEl>
+                                              <p:pRg st="4" end="4"/>
+                                            </p:txEl>
+                                          </p:spTgt>
+                                        </p:tgtEl>
+                                        <p:attrNameLst>
+                                          <p:attrName>style.visibility</p:attrName>
+                                        </p:attrNameLst>
+                                      </p:cBhvr>
+                                      <p:to>
+                                        <p:strVal val="visible"/>
+                                      </p:to>
+                                    </p:set>
+                                  </p:childTnLst>
+                                </p:cTn>
+                              </p:par>
+                            </p:childTnLst>
+                          </p:cTn>
+                        </p:par>
+                      </p:childTnLst>
+                    </p:cTn>
+                  </p:par>
+                  <p:par>
+                    <p:cTn id="19" fill="hold">
+                      <p:stCondLst>
+                        <p:cond delay="indefinite"/>
+                      </p:stCondLst>
+                      <p:childTnLst>
+                        <p:par>
+                          <p:cTn id="20" fill="hold">
+                            <p:stCondLst>
+                              <p:cond delay="0"/>
+                            </p:stCondLst>
+                            <p:childTnLst>
+                              <p:par>
+                                <p:cTn id="21" presetID="1" presetClass="entr" presetSubtype="0" fill="hold" grpId="0" nodeType="clickEffect">
+                                  <p:stCondLst>
+                                    <p:cond delay="0"/>
+                                  </p:stCondLst>
+                                  <p:childTnLst>
+                                    <p:set>
+                                      <p:cBhvr>
+                                        <p:cTn id="22" dur="1" fill="hold">
+                                          <p:stCondLst>
+                                            <p:cond delay="0"/>
+                                          </p:stCondLst>
+                                        </p:cTn>
+                                        <p:tgtEl>
+                                          <p:spTgt spid="3">
+                                            <p:txEl>
+                                              <p:pRg st="5" end="5"/>
+                                            </p:txEl>
+                                          </p:spTgt>
+                                        </p:tgtEl>
+                                        <p:attrNameLst>
+                                          <p:attrName>style.visibility</p:attrName>
+                                        </p:attrNameLst>
+                                      </p:cBhvr>
+                                      <p:to>
+                                        <p:strVal val="visible"/>
+                                      </p:to>
+                                    </p:set>
+                                  </p:childTnLst>
+                                </p:cTn>
+                              </p:par>
+                            </p:childTnLst>
+                          </p:cTn>
+                        </p:par>
+                      </p:childTnLst>
+                    </p:cTn>
+                  </p:par>
+                </p:childTnLst>
+              </p:cTn>
+              <p:prevCondLst>
+                <p:cond evt="onPrev" delay="0">
+                  <p:tgtEl>
+                    <p:sldTgt/>
+                  </p:tgtEl>
+                </p:cond>
+              </p:prevCondLst>
+              <p:nextCondLst>
+                <p:cond evt="onNext" delay="0">
+                  <p:tgtEl>
+                    <p:sldTgt/>
+                  </p:tgtEl>
+                </p:cond>
+              </p:nextCondLst>
+            </p:seq>
+          </p:childTnLst>
+        </p:cTn>
       </p:par>
     </p:tnLst>
+    <p:bldLst>
+      <p:bldP spid="3" grpId="0" uiExpand="1" build="p"/>
+    </p:bldLst>
   </p:timing>
 </p:sld>
 </file>
@@ -26226,27 +31713,13 @@
           <a:p>
             <a:r>
               <a:rPr lang="en-CA" dirty="0" smtClean="0"/>
-              <a:t>This course is about machine learning techniques for data mining</a:t>
+              <a:t>This course is about machine learning techniques for data </a:t>
             </a:r>
-          </a:p>
-          <a:p>
             <a:r>
               <a:rPr lang="en-CA" dirty="0" smtClean="0"/>
-              <a:t>Machine learning is closely linked to statistics and AI (search)</a:t>
+              <a:t>mining</a:t>
             </a:r>
-          </a:p>
-          <a:p>
-            <a:r>
-              <a:rPr lang="en-CA" dirty="0" smtClean="0"/>
-              <a:t>Human IVF</a:t>
-            </a:r>
-          </a:p>
-          <a:p>
-            <a:r>
-              <a:rPr lang="en-CA" dirty="0" smtClean="0"/>
-              <a:t>Dairy farmers</a:t>
-            </a:r>
-            <a:endParaRPr lang="en-CA" dirty="0"/>
+            <a:endParaRPr lang="en-CA" dirty="0" smtClean="0"/>
           </a:p>
         </p:txBody>
       </p:sp>
@@ -26273,7 +31746,7 @@
         </p:blipFill>
         <p:spPr bwMode="auto">
           <a:xfrm>
-            <a:off x="3449782" y="3469829"/>
+            <a:off x="3256899" y="3315793"/>
             <a:ext cx="4537074" cy="3388171"/>
           </a:xfrm>
           <a:prstGeom prst="rect">
@@ -26299,7 +31772,7 @@
         </p:nvSpPr>
         <p:spPr>
           <a:xfrm>
-            <a:off x="3754582" y="3131127"/>
+            <a:off x="3936564" y="2996190"/>
             <a:ext cx="4128654" cy="369332"/>
           </a:xfrm>
           <a:prstGeom prst="rect">
@@ -26315,83 +31788,12 @@
           <a:p>
             <a:r>
               <a:rPr lang="en-CA" dirty="0" smtClean="0"/>
-              <a:t>Which embryo is best?</a:t>
+              <a:t>Human in-vitro fertilization</a:t>
             </a:r>
             <a:endParaRPr lang="en-CA" dirty="0"/>
           </a:p>
         </p:txBody>
       </p:sp>
-      <p:sp>
-        <p:nvSpPr>
-          <p:cNvPr id="6" name="TextBox 5"/>
-          <p:cNvSpPr txBox="1"/>
-          <p:nvPr/>
-        </p:nvSpPr>
-        <p:spPr>
-          <a:xfrm>
-            <a:off x="8686800" y="4043641"/>
-            <a:ext cx="3505200" cy="369332"/>
-          </a:xfrm>
-          <a:prstGeom prst="rect">
-            <a:avLst/>
-          </a:prstGeom>
-          <a:noFill/>
-        </p:spPr>
-        <p:txBody>
-          <a:bodyPr wrap="square" rtlCol="0">
-            <a:spAutoFit/>
-          </a:bodyPr>
-          <a:lstStyle/>
-          <a:p>
-            <a:r>
-              <a:rPr lang="en-CA" dirty="0" smtClean="0"/>
-              <a:t>Which cow is best?</a:t>
-            </a:r>
-            <a:endParaRPr lang="en-CA" dirty="0"/>
-          </a:p>
-        </p:txBody>
-      </p:sp>
-      <p:pic>
-        <p:nvPicPr>
-          <p:cNvPr id="3076" name="Picture 4" descr="Image result for multiple dairy cows"/>
-          <p:cNvPicPr>
-            <a:picLocks noChangeAspect="1" noChangeArrowheads="1"/>
-          </p:cNvPicPr>
-          <p:nvPr/>
-        </p:nvPicPr>
-        <p:blipFill>
-          <a:blip r:embed="rId3" cstate="print">
-            <a:extLst>
-              <a:ext uri="{28A0092B-C50C-407E-A947-70E740481C1C}">
-                <a14:useLocalDpi xmlns:a14="http://schemas.microsoft.com/office/drawing/2010/main" val="0"/>
-              </a:ext>
-            </a:extLst>
-          </a:blip>
-          <a:srcRect/>
-          <a:stretch>
-            <a:fillRect/>
-          </a:stretch>
-        </p:blipFill>
-        <p:spPr bwMode="auto">
-          <a:xfrm>
-            <a:off x="8107649" y="4412973"/>
-            <a:ext cx="4084351" cy="2445027"/>
-          </a:xfrm>
-          <a:prstGeom prst="rect">
-            <a:avLst/>
-          </a:prstGeom>
-          <a:noFill/>
-          <a:extLst>
-            <a:ext uri="{909E8E84-426E-40DD-AFC4-6F175D3DCCD1}">
-              <a14:hiddenFill xmlns:a14="http://schemas.microsoft.com/office/drawing/2010/main">
-                <a:solidFill>
-                  <a:srgbClr val="FFFFFF"/>
-                </a:solidFill>
-              </a14:hiddenFill>
-            </a:ext>
-          </a:extLst>
-        </p:spPr>
-      </p:pic>
     </p:spTree>
     <p:extLst>
       <p:ext uri="{BB962C8B-B14F-4D97-AF65-F5344CB8AC3E}">
@@ -26405,9 +31807,156 @@
   <p:timing>
     <p:tnLst>
       <p:par>
-        <p:cTn id="1" dur="indefinite" restart="never" nodeType="tmRoot"/>
+        <p:cTn id="1" dur="indefinite" restart="never" nodeType="tmRoot">
+          <p:childTnLst>
+            <p:seq concurrent="1" nextAc="seek">
+              <p:cTn id="2" dur="indefinite" nodeType="mainSeq">
+                <p:childTnLst>
+                  <p:par>
+                    <p:cTn id="3" fill="hold">
+                      <p:stCondLst>
+                        <p:cond delay="indefinite"/>
+                      </p:stCondLst>
+                      <p:childTnLst>
+                        <p:par>
+                          <p:cTn id="4" fill="hold">
+                            <p:stCondLst>
+                              <p:cond delay="0"/>
+                            </p:stCondLst>
+                            <p:childTnLst>
+                              <p:par>
+                                <p:cTn id="5" presetID="1" presetClass="entr" presetSubtype="0" fill="hold" nodeType="clickEffect">
+                                  <p:stCondLst>
+                                    <p:cond delay="0"/>
+                                  </p:stCondLst>
+                                  <p:childTnLst>
+                                    <p:set>
+                                      <p:cBhvr>
+                                        <p:cTn id="6" dur="1" fill="hold">
+                                          <p:stCondLst>
+                                            <p:cond delay="0"/>
+                                          </p:stCondLst>
+                                        </p:cTn>
+                                        <p:tgtEl>
+                                          <p:spTgt spid="3">
+                                            <p:txEl>
+                                              <p:pRg st="0" end="0"/>
+                                            </p:txEl>
+                                          </p:spTgt>
+                                        </p:tgtEl>
+                                        <p:attrNameLst>
+                                          <p:attrName>style.visibility</p:attrName>
+                                        </p:attrNameLst>
+                                      </p:cBhvr>
+                                      <p:to>
+                                        <p:strVal val="visible"/>
+                                      </p:to>
+                                    </p:set>
+                                  </p:childTnLst>
+                                </p:cTn>
+                              </p:par>
+                            </p:childTnLst>
+                          </p:cTn>
+                        </p:par>
+                      </p:childTnLst>
+                    </p:cTn>
+                  </p:par>
+                  <p:par>
+                    <p:cTn id="7" fill="hold">
+                      <p:stCondLst>
+                        <p:cond delay="indefinite"/>
+                      </p:stCondLst>
+                      <p:childTnLst>
+                        <p:par>
+                          <p:cTn id="8" fill="hold">
+                            <p:stCondLst>
+                              <p:cond delay="0"/>
+                            </p:stCondLst>
+                            <p:childTnLst>
+                              <p:par>
+                                <p:cTn id="9" presetID="1" presetClass="entr" presetSubtype="0" fill="hold" grpId="0" nodeType="clickEffect">
+                                  <p:stCondLst>
+                                    <p:cond delay="0"/>
+                                  </p:stCondLst>
+                                  <p:childTnLst>
+                                    <p:set>
+                                      <p:cBhvr>
+                                        <p:cTn id="10" dur="1" fill="hold">
+                                          <p:stCondLst>
+                                            <p:cond delay="0"/>
+                                          </p:stCondLst>
+                                        </p:cTn>
+                                        <p:tgtEl>
+                                          <p:spTgt spid="5"/>
+                                        </p:tgtEl>
+                                        <p:attrNameLst>
+                                          <p:attrName>style.visibility</p:attrName>
+                                        </p:attrNameLst>
+                                      </p:cBhvr>
+                                      <p:to>
+                                        <p:strVal val="visible"/>
+                                      </p:to>
+                                    </p:set>
+                                  </p:childTnLst>
+                                </p:cTn>
+                              </p:par>
+                              <p:par>
+                                <p:cTn id="11" presetID="1" presetClass="entr" presetSubtype="0" fill="hold" nodeType="withEffect">
+                                  <p:stCondLst>
+                                    <p:cond delay="0"/>
+                                  </p:stCondLst>
+                                  <p:childTnLst>
+                                    <p:set>
+                                      <p:cBhvr>
+                                        <p:cTn id="12" dur="1" fill="hold">
+                                          <p:stCondLst>
+                                            <p:cond delay="0"/>
+                                          </p:stCondLst>
+                                        </p:cTn>
+                                        <p:tgtEl>
+                                          <p:spTgt spid="3074"/>
+                                        </p:tgtEl>
+                                        <p:attrNameLst>
+                                          <p:attrName>style.visibility</p:attrName>
+                                        </p:attrNameLst>
+                                      </p:cBhvr>
+                                      <p:to>
+                                        <p:strVal val="visible"/>
+                                      </p:to>
+                                    </p:set>
+                                  </p:childTnLst>
+                                </p:cTn>
+                              </p:par>
+                            </p:childTnLst>
+                          </p:cTn>
+                        </p:par>
+                      </p:childTnLst>
+                    </p:cTn>
+                  </p:par>
+                </p:childTnLst>
+              </p:cTn>
+              <p:prevCondLst>
+                <p:cond evt="onPrev" delay="0">
+                  <p:tgtEl>
+                    <p:sldTgt/>
+                  </p:tgtEl>
+                </p:cond>
+              </p:prevCondLst>
+              <p:nextCondLst>
+                <p:cond evt="onNext" delay="0">
+                  <p:tgtEl>
+                    <p:sldTgt/>
+                  </p:tgtEl>
+                </p:cond>
+              </p:nextCondLst>
+            </p:seq>
+          </p:childTnLst>
+        </p:cTn>
       </p:par>
     </p:tnLst>
+    <p:bldLst>
+      <p:bldP spid="5" grpId="0"/>
+    </p:bldLst>
   </p:timing>
 </p:sld>
 </file>
@@ -26533,9 +32082,306 @@
   <p:timing>
     <p:tnLst>
       <p:par>
-        <p:cTn id="1" dur="indefinite" restart="never" nodeType="tmRoot"/>
+        <p:cTn id="1" dur="indefinite" restart="never" nodeType="tmRoot">
+          <p:childTnLst>
+            <p:seq concurrent="1" nextAc="seek">
+              <p:cTn id="2" dur="indefinite" nodeType="mainSeq">
+                <p:childTnLst>
+                  <p:par>
+                    <p:cTn id="3" fill="hold">
+                      <p:stCondLst>
+                        <p:cond delay="indefinite"/>
+                      </p:stCondLst>
+                      <p:childTnLst>
+                        <p:par>
+                          <p:cTn id="4" fill="hold">
+                            <p:stCondLst>
+                              <p:cond delay="0"/>
+                            </p:stCondLst>
+                            <p:childTnLst>
+                              <p:par>
+                                <p:cTn id="5" presetID="1" presetClass="entr" presetSubtype="0" fill="hold" grpId="0" nodeType="clickEffect">
+                                  <p:stCondLst>
+                                    <p:cond delay="0"/>
+                                  </p:stCondLst>
+                                  <p:childTnLst>
+                                    <p:set>
+                                      <p:cBhvr>
+                                        <p:cTn id="6" dur="1" fill="hold">
+                                          <p:stCondLst>
+                                            <p:cond delay="0"/>
+                                          </p:stCondLst>
+                                        </p:cTn>
+                                        <p:tgtEl>
+                                          <p:spTgt spid="3">
+                                            <p:txEl>
+                                              <p:pRg st="1" end="1"/>
+                                            </p:txEl>
+                                          </p:spTgt>
+                                        </p:tgtEl>
+                                        <p:attrNameLst>
+                                          <p:attrName>style.visibility</p:attrName>
+                                        </p:attrNameLst>
+                                      </p:cBhvr>
+                                      <p:to>
+                                        <p:strVal val="visible"/>
+                                      </p:to>
+                                    </p:set>
+                                  </p:childTnLst>
+                                </p:cTn>
+                              </p:par>
+                              <p:par>
+                                <p:cTn id="7" presetID="1" presetClass="entr" presetSubtype="0" fill="hold" grpId="0" nodeType="withEffect">
+                                  <p:stCondLst>
+                                    <p:cond delay="0"/>
+                                  </p:stCondLst>
+                                  <p:childTnLst>
+                                    <p:set>
+                                      <p:cBhvr>
+                                        <p:cTn id="8" dur="1" fill="hold">
+                                          <p:stCondLst>
+                                            <p:cond delay="0"/>
+                                          </p:stCondLst>
+                                        </p:cTn>
+                                        <p:tgtEl>
+                                          <p:spTgt spid="3">
+                                            <p:txEl>
+                                              <p:pRg st="2" end="2"/>
+                                            </p:txEl>
+                                          </p:spTgt>
+                                        </p:tgtEl>
+                                        <p:attrNameLst>
+                                          <p:attrName>style.visibility</p:attrName>
+                                        </p:attrNameLst>
+                                      </p:cBhvr>
+                                      <p:to>
+                                        <p:strVal val="visible"/>
+                                      </p:to>
+                                    </p:set>
+                                  </p:childTnLst>
+                                </p:cTn>
+                              </p:par>
+                              <p:par>
+                                <p:cTn id="9" presetID="1" presetClass="entr" presetSubtype="0" fill="hold" grpId="0" nodeType="withEffect">
+                                  <p:stCondLst>
+                                    <p:cond delay="0"/>
+                                  </p:stCondLst>
+                                  <p:childTnLst>
+                                    <p:set>
+                                      <p:cBhvr>
+                                        <p:cTn id="10" dur="1" fill="hold">
+                                          <p:stCondLst>
+                                            <p:cond delay="0"/>
+                                          </p:stCondLst>
+                                        </p:cTn>
+                                        <p:tgtEl>
+                                          <p:spTgt spid="3">
+                                            <p:txEl>
+                                              <p:pRg st="3" end="3"/>
+                                            </p:txEl>
+                                          </p:spTgt>
+                                        </p:tgtEl>
+                                        <p:attrNameLst>
+                                          <p:attrName>style.visibility</p:attrName>
+                                        </p:attrNameLst>
+                                      </p:cBhvr>
+                                      <p:to>
+                                        <p:strVal val="visible"/>
+                                      </p:to>
+                                    </p:set>
+                                  </p:childTnLst>
+                                </p:cTn>
+                              </p:par>
+                              <p:par>
+                                <p:cTn id="11" presetID="1" presetClass="entr" presetSubtype="0" fill="hold" grpId="0" nodeType="withEffect">
+                                  <p:stCondLst>
+                                    <p:cond delay="0"/>
+                                  </p:stCondLst>
+                                  <p:childTnLst>
+                                    <p:set>
+                                      <p:cBhvr>
+                                        <p:cTn id="12" dur="1" fill="hold">
+                                          <p:stCondLst>
+                                            <p:cond delay="0"/>
+                                          </p:stCondLst>
+                                        </p:cTn>
+                                        <p:tgtEl>
+                                          <p:spTgt spid="3">
+                                            <p:txEl>
+                                              <p:pRg st="4" end="4"/>
+                                            </p:txEl>
+                                          </p:spTgt>
+                                        </p:tgtEl>
+                                        <p:attrNameLst>
+                                          <p:attrName>style.visibility</p:attrName>
+                                        </p:attrNameLst>
+                                      </p:cBhvr>
+                                      <p:to>
+                                        <p:strVal val="visible"/>
+                                      </p:to>
+                                    </p:set>
+                                  </p:childTnLst>
+                                </p:cTn>
+                              </p:par>
+                            </p:childTnLst>
+                          </p:cTn>
+                        </p:par>
+                      </p:childTnLst>
+                    </p:cTn>
+                  </p:par>
+                  <p:par>
+                    <p:cTn id="13" fill="hold">
+                      <p:stCondLst>
+                        <p:cond delay="indefinite"/>
+                      </p:stCondLst>
+                      <p:childTnLst>
+                        <p:par>
+                          <p:cTn id="14" fill="hold">
+                            <p:stCondLst>
+                              <p:cond delay="0"/>
+                            </p:stCondLst>
+                            <p:childTnLst>
+                              <p:par>
+                                <p:cTn id="15" presetID="1" presetClass="entr" presetSubtype="0" fill="hold" grpId="0" nodeType="clickEffect">
+                                  <p:stCondLst>
+                                    <p:cond delay="0"/>
+                                  </p:stCondLst>
+                                  <p:childTnLst>
+                                    <p:set>
+                                      <p:cBhvr>
+                                        <p:cTn id="16" dur="1" fill="hold">
+                                          <p:stCondLst>
+                                            <p:cond delay="0"/>
+                                          </p:stCondLst>
+                                        </p:cTn>
+                                        <p:tgtEl>
+                                          <p:spTgt spid="3">
+                                            <p:txEl>
+                                              <p:pRg st="5" end="5"/>
+                                            </p:txEl>
+                                          </p:spTgt>
+                                        </p:tgtEl>
+                                        <p:attrNameLst>
+                                          <p:attrName>style.visibility</p:attrName>
+                                        </p:attrNameLst>
+                                      </p:cBhvr>
+                                      <p:to>
+                                        <p:strVal val="visible"/>
+                                      </p:to>
+                                    </p:set>
+                                  </p:childTnLst>
+                                </p:cTn>
+                              </p:par>
+                              <p:par>
+                                <p:cTn id="17" presetID="1" presetClass="entr" presetSubtype="0" fill="hold" grpId="0" nodeType="withEffect">
+                                  <p:stCondLst>
+                                    <p:cond delay="0"/>
+                                  </p:stCondLst>
+                                  <p:childTnLst>
+                                    <p:set>
+                                      <p:cBhvr>
+                                        <p:cTn id="18" dur="1" fill="hold">
+                                          <p:stCondLst>
+                                            <p:cond delay="0"/>
+                                          </p:stCondLst>
+                                        </p:cTn>
+                                        <p:tgtEl>
+                                          <p:spTgt spid="3">
+                                            <p:txEl>
+                                              <p:pRg st="6" end="6"/>
+                                            </p:txEl>
+                                          </p:spTgt>
+                                        </p:tgtEl>
+                                        <p:attrNameLst>
+                                          <p:attrName>style.visibility</p:attrName>
+                                        </p:attrNameLst>
+                                      </p:cBhvr>
+                                      <p:to>
+                                        <p:strVal val="visible"/>
+                                      </p:to>
+                                    </p:set>
+                                  </p:childTnLst>
+                                </p:cTn>
+                              </p:par>
+                            </p:childTnLst>
+                          </p:cTn>
+                        </p:par>
+                      </p:childTnLst>
+                    </p:cTn>
+                  </p:par>
+                  <p:par>
+                    <p:cTn id="19" fill="hold">
+                      <p:stCondLst>
+                        <p:cond delay="indefinite"/>
+                      </p:stCondLst>
+                      <p:childTnLst>
+                        <p:par>
+                          <p:cTn id="20" fill="hold">
+                            <p:stCondLst>
+                              <p:cond delay="0"/>
+                            </p:stCondLst>
+                            <p:childTnLst>
+                              <p:par>
+                                <p:cTn id="21" presetID="1" presetClass="entr" presetSubtype="0" fill="hold" grpId="0" nodeType="clickEffect">
+                                  <p:stCondLst>
+                                    <p:cond delay="0"/>
+                                  </p:stCondLst>
+                                  <p:childTnLst>
+                                    <p:set>
+                                      <p:cBhvr>
+                                        <p:cTn id="22" dur="1" fill="hold">
+                                          <p:stCondLst>
+                                            <p:cond delay="0"/>
+                                          </p:stCondLst>
+                                        </p:cTn>
+                                        <p:tgtEl>
+                                          <p:spTgt spid="3">
+                                            <p:txEl>
+                                              <p:pRg st="7" end="7"/>
+                                            </p:txEl>
+                                          </p:spTgt>
+                                        </p:tgtEl>
+                                        <p:attrNameLst>
+                                          <p:attrName>style.visibility</p:attrName>
+                                        </p:attrNameLst>
+                                      </p:cBhvr>
+                                      <p:to>
+                                        <p:strVal val="visible"/>
+                                      </p:to>
+                                    </p:set>
+                                  </p:childTnLst>
+                                </p:cTn>
+                              </p:par>
+                            </p:childTnLst>
+                          </p:cTn>
+                        </p:par>
+                      </p:childTnLst>
+                    </p:cTn>
+                  </p:par>
+                </p:childTnLst>
+              </p:cTn>
+              <p:prevCondLst>
+                <p:cond evt="onPrev" delay="0">
+                  <p:tgtEl>
+                    <p:sldTgt/>
+                  </p:tgtEl>
+                </p:cond>
+              </p:prevCondLst>
+              <p:nextCondLst>
+                <p:cond evt="onNext" delay="0">
+                  <p:tgtEl>
+                    <p:sldTgt/>
+                  </p:tgtEl>
+                </p:cond>
+              </p:nextCondLst>
+            </p:seq>
+          </p:childTnLst>
+        </p:cTn>
       </p:par>
     </p:tnLst>
+    <p:bldLst>
+      <p:bldP spid="3" grpId="0" uiExpand="1" build="p"/>
+    </p:bldLst>
   </p:timing>
 </p:sld>
 </file>

--- a/Lecture_01.pptx
+++ b/Lecture_01.pptx
@@ -265,7 +265,7 @@
           <a:p>
             <a:fld id="{3F7C7DEE-455D-41AE-9F23-41A2122B4C29}" type="datetimeFigureOut">
               <a:rPr lang="en-CA" smtClean="0"/>
-              <a:t>2019-09-03</a:t>
+              <a:t>2019-09-04</a:t>
             </a:fld>
             <a:endParaRPr lang="en-CA"/>
           </a:p>
@@ -435,7 +435,7 @@
           <a:p>
             <a:fld id="{3F7C7DEE-455D-41AE-9F23-41A2122B4C29}" type="datetimeFigureOut">
               <a:rPr lang="en-CA" smtClean="0"/>
-              <a:t>2019-09-03</a:t>
+              <a:t>2019-09-04</a:t>
             </a:fld>
             <a:endParaRPr lang="en-CA"/>
           </a:p>
@@ -615,7 +615,7 @@
           <a:p>
             <a:fld id="{3F7C7DEE-455D-41AE-9F23-41A2122B4C29}" type="datetimeFigureOut">
               <a:rPr lang="en-CA" smtClean="0"/>
-              <a:t>2019-09-03</a:t>
+              <a:t>2019-09-04</a:t>
             </a:fld>
             <a:endParaRPr lang="en-CA"/>
           </a:p>
@@ -785,7 +785,7 @@
           <a:p>
             <a:fld id="{3F7C7DEE-455D-41AE-9F23-41A2122B4C29}" type="datetimeFigureOut">
               <a:rPr lang="en-CA" smtClean="0"/>
-              <a:t>2019-09-03</a:t>
+              <a:t>2019-09-04</a:t>
             </a:fld>
             <a:endParaRPr lang="en-CA"/>
           </a:p>
@@ -1031,7 +1031,7 @@
           <a:p>
             <a:fld id="{3F7C7DEE-455D-41AE-9F23-41A2122B4C29}" type="datetimeFigureOut">
               <a:rPr lang="en-CA" smtClean="0"/>
-              <a:t>2019-09-03</a:t>
+              <a:t>2019-09-04</a:t>
             </a:fld>
             <a:endParaRPr lang="en-CA"/>
           </a:p>
@@ -1263,7 +1263,7 @@
           <a:p>
             <a:fld id="{3F7C7DEE-455D-41AE-9F23-41A2122B4C29}" type="datetimeFigureOut">
               <a:rPr lang="en-CA" smtClean="0"/>
-              <a:t>2019-09-03</a:t>
+              <a:t>2019-09-04</a:t>
             </a:fld>
             <a:endParaRPr lang="en-CA"/>
           </a:p>
@@ -1630,7 +1630,7 @@
           <a:p>
             <a:fld id="{3F7C7DEE-455D-41AE-9F23-41A2122B4C29}" type="datetimeFigureOut">
               <a:rPr lang="en-CA" smtClean="0"/>
-              <a:t>2019-09-03</a:t>
+              <a:t>2019-09-04</a:t>
             </a:fld>
             <a:endParaRPr lang="en-CA"/>
           </a:p>
@@ -1748,7 +1748,7 @@
           <a:p>
             <a:fld id="{3F7C7DEE-455D-41AE-9F23-41A2122B4C29}" type="datetimeFigureOut">
               <a:rPr lang="en-CA" smtClean="0"/>
-              <a:t>2019-09-03</a:t>
+              <a:t>2019-09-04</a:t>
             </a:fld>
             <a:endParaRPr lang="en-CA"/>
           </a:p>
@@ -1843,7 +1843,7 @@
           <a:p>
             <a:fld id="{3F7C7DEE-455D-41AE-9F23-41A2122B4C29}" type="datetimeFigureOut">
               <a:rPr lang="en-CA" smtClean="0"/>
-              <a:t>2019-09-03</a:t>
+              <a:t>2019-09-04</a:t>
             </a:fld>
             <a:endParaRPr lang="en-CA"/>
           </a:p>
@@ -2120,7 +2120,7 @@
           <a:p>
             <a:fld id="{3F7C7DEE-455D-41AE-9F23-41A2122B4C29}" type="datetimeFigureOut">
               <a:rPr lang="en-CA" smtClean="0"/>
-              <a:t>2019-09-03</a:t>
+              <a:t>2019-09-04</a:t>
             </a:fld>
             <a:endParaRPr lang="en-CA"/>
           </a:p>
@@ -2373,7 +2373,7 @@
           <a:p>
             <a:fld id="{3F7C7DEE-455D-41AE-9F23-41A2122B4C29}" type="datetimeFigureOut">
               <a:rPr lang="en-CA" smtClean="0"/>
-              <a:t>2019-09-03</a:t>
+              <a:t>2019-09-04</a:t>
             </a:fld>
             <a:endParaRPr lang="en-CA"/>
           </a:p>
@@ -2586,7 +2586,7 @@
           <a:p>
             <a:fld id="{3F7C7DEE-455D-41AE-9F23-41A2122B4C29}" type="datetimeFigureOut">
               <a:rPr lang="en-CA" smtClean="0"/>
-              <a:t>2019-09-03</a:t>
+              <a:t>2019-09-04</a:t>
             </a:fld>
             <a:endParaRPr lang="en-CA"/>
           </a:p>
@@ -8546,8 +8546,23 @@
           <a:lstStyle/>
           <a:p>
             <a:r>
+              <a:rPr lang="en-CA" dirty="0"/>
+              <a:t>What are the inputs/outputs</a:t>
+            </a:r>
+            <a:r>
               <a:rPr lang="en-CA" dirty="0" smtClean="0"/>
-              <a:t>3 possible values for age</a:t>
+              <a:t>?</a:t>
+            </a:r>
+            <a:endParaRPr lang="en-CA" dirty="0" smtClean="0"/>
+          </a:p>
+          <a:p>
+            <a:r>
+              <a:rPr lang="en-CA" dirty="0" smtClean="0"/>
+              <a:t>3 </a:t>
+            </a:r>
+            <a:r>
+              <a:rPr lang="en-CA" dirty="0" smtClean="0"/>
+              <a:t>possible values for age</a:t>
             </a:r>
           </a:p>
           <a:p>
@@ -8626,15 +8641,13 @@
             </a:r>
             <a:r>
               <a:rPr lang="en-CA" dirty="0" smtClean="0"/>
-              <a:t> it?</a:t>
+              <a:t> it</a:t>
             </a:r>
-          </a:p>
-          <a:p>
             <a:r>
               <a:rPr lang="en-CA" dirty="0" smtClean="0"/>
-              <a:t>What are the inputs/outputs?</a:t>
+              <a:t>?</a:t>
             </a:r>
-            <a:endParaRPr lang="en-CA" dirty="0"/>
+            <a:endParaRPr lang="en-CA" dirty="0" smtClean="0"/>
           </a:p>
         </p:txBody>
       </p:sp>
@@ -8684,7 +8697,7 @@
                                         <p:tgtEl>
                                           <p:spTgt spid="12">
                                             <p:txEl>
-                                              <p:pRg st="0" end="0"/>
+                                              <p:pRg st="1" end="1"/>
                                             </p:txEl>
                                           </p:spTgt>
                                         </p:tgtEl>
@@ -8715,7 +8728,7 @@
                                         <p:tgtEl>
                                           <p:spTgt spid="12">
                                             <p:txEl>
-                                              <p:pRg st="1" end="1"/>
+                                              <p:pRg st="2" end="2"/>
                                             </p:txEl>
                                           </p:spTgt>
                                         </p:tgtEl>
@@ -8746,7 +8759,7 @@
                                         <p:tgtEl>
                                           <p:spTgt spid="12">
                                             <p:txEl>
-                                              <p:pRg st="2" end="2"/>
+                                              <p:pRg st="3" end="3"/>
                                             </p:txEl>
                                           </p:spTgt>
                                         </p:tgtEl>
@@ -8777,7 +8790,7 @@
                                         <p:tgtEl>
                                           <p:spTgt spid="12">
                                             <p:txEl>
-                                              <p:pRg st="3" end="3"/>
+                                              <p:pRg st="4" end="4"/>
                                             </p:txEl>
                                           </p:spTgt>
                                         </p:tgtEl>
@@ -8826,7 +8839,7 @@
                                         <p:tgtEl>
                                           <p:spTgt spid="12">
                                             <p:txEl>
-                                              <p:pRg st="5" end="5"/>
+                                              <p:pRg st="6" end="6"/>
                                             </p:txEl>
                                           </p:spTgt>
                                         </p:tgtEl>
@@ -8857,7 +8870,7 @@
                                         <p:tgtEl>
                                           <p:spTgt spid="12">
                                             <p:txEl>
-                                              <p:pRg st="6" end="6"/>
+                                              <p:pRg st="7" end="7"/>
                                             </p:txEl>
                                           </p:spTgt>
                                         </p:tgtEl>
@@ -8888,7 +8901,7 @@
                                         <p:tgtEl>
                                           <p:spTgt spid="12">
                                             <p:txEl>
-                                              <p:pRg st="7" end="7"/>
+                                              <p:pRg st="8" end="8"/>
                                             </p:txEl>
                                           </p:spTgt>
                                         </p:tgtEl>
@@ -8930,37 +8943,6 @@
                                     <p:set>
                                       <p:cBhvr>
                                         <p:cTn id="24" dur="1" fill="hold">
-                                          <p:stCondLst>
-                                            <p:cond delay="0"/>
-                                          </p:stCondLst>
-                                        </p:cTn>
-                                        <p:tgtEl>
-                                          <p:spTgt spid="12">
-                                            <p:txEl>
-                                              <p:pRg st="8" end="8"/>
-                                            </p:txEl>
-                                          </p:spTgt>
-                                        </p:tgtEl>
-                                        <p:attrNameLst>
-                                          <p:attrName>style.visibility</p:attrName>
-                                        </p:attrNameLst>
-                                      </p:cBhvr>
-                                      <p:to>
-                                        <p:strVal val="visible"/>
-                                      </p:to>
-                                    </p:set>
-                                  </p:childTnLst>
-                                </p:cTn>
-                              </p:par>
-                              <p:par>
-                                <p:cTn id="25" presetID="1" presetClass="entr" presetSubtype="0" fill="hold" nodeType="withEffect">
-                                  <p:stCondLst>
-                                    <p:cond delay="0"/>
-                                  </p:stCondLst>
-                                  <p:childTnLst>
-                                    <p:set>
-                                      <p:cBhvr>
-                                        <p:cTn id="26" dur="1" fill="hold">
                                           <p:stCondLst>
                                             <p:cond delay="0"/>
                                           </p:stCondLst>
@@ -9175,9 +9157,133 @@
   <p:timing>
     <p:tnLst>
       <p:par>
-        <p:cTn id="1" dur="indefinite" restart="never" nodeType="tmRoot"/>
+        <p:cTn id="1" dur="indefinite" restart="never" nodeType="tmRoot">
+          <p:childTnLst>
+            <p:seq concurrent="1" nextAc="seek">
+              <p:cTn id="2" dur="indefinite" nodeType="mainSeq">
+                <p:childTnLst>
+                  <p:par>
+                    <p:cTn id="3" fill="hold">
+                      <p:stCondLst>
+                        <p:cond delay="indefinite"/>
+                      </p:stCondLst>
+                      <p:childTnLst>
+                        <p:par>
+                          <p:cTn id="4" fill="hold">
+                            <p:stCondLst>
+                              <p:cond delay="0"/>
+                            </p:stCondLst>
+                            <p:childTnLst>
+                              <p:par>
+                                <p:cTn id="5" presetID="1" presetClass="entr" presetSubtype="0" fill="hold" grpId="0" nodeType="clickEffect">
+                                  <p:stCondLst>
+                                    <p:cond delay="0"/>
+                                  </p:stCondLst>
+                                  <p:childTnLst>
+                                    <p:set>
+                                      <p:cBhvr>
+                                        <p:cTn id="6" dur="1" fill="hold">
+                                          <p:stCondLst>
+                                            <p:cond delay="0"/>
+                                          </p:stCondLst>
+                                        </p:cTn>
+                                        <p:tgtEl>
+                                          <p:spTgt spid="3">
+                                            <p:txEl>
+                                              <p:pRg st="1" end="1"/>
+                                            </p:txEl>
+                                          </p:spTgt>
+                                        </p:tgtEl>
+                                        <p:attrNameLst>
+                                          <p:attrName>style.visibility</p:attrName>
+                                        </p:attrNameLst>
+                                      </p:cBhvr>
+                                      <p:to>
+                                        <p:strVal val="visible"/>
+                                      </p:to>
+                                    </p:set>
+                                  </p:childTnLst>
+                                </p:cTn>
+                              </p:par>
+                            </p:childTnLst>
+                          </p:cTn>
+                        </p:par>
+                      </p:childTnLst>
+                    </p:cTn>
+                  </p:par>
+                  <p:par>
+                    <p:cTn id="7" fill="hold">
+                      <p:stCondLst>
+                        <p:cond delay="indefinite"/>
+                      </p:stCondLst>
+                      <p:childTnLst>
+                        <p:par>
+                          <p:cTn id="8" fill="hold">
+                            <p:stCondLst>
+                              <p:cond delay="0"/>
+                            </p:stCondLst>
+                            <p:childTnLst>
+                              <p:par>
+                                <p:cTn id="9" presetID="1" presetClass="entr" presetSubtype="0" fill="hold" grpId="0" nodeType="clickEffect">
+                                  <p:stCondLst>
+                                    <p:cond delay="0"/>
+                                  </p:stCondLst>
+                                  <p:childTnLst>
+                                    <p:set>
+                                      <p:cBhvr>
+                                        <p:cTn id="10" dur="1" fill="hold">
+                                          <p:stCondLst>
+                                            <p:cond delay="0"/>
+                                          </p:stCondLst>
+                                        </p:cTn>
+                                        <p:tgtEl>
+                                          <p:spTgt spid="3">
+                                            <p:txEl>
+                                              <p:pRg st="2" end="2"/>
+                                            </p:txEl>
+                                          </p:spTgt>
+                                        </p:tgtEl>
+                                        <p:attrNameLst>
+                                          <p:attrName>style.visibility</p:attrName>
+                                        </p:attrNameLst>
+                                      </p:cBhvr>
+                                      <p:to>
+                                        <p:strVal val="visible"/>
+                                      </p:to>
+                                    </p:set>
+                                  </p:childTnLst>
+                                </p:cTn>
+                              </p:par>
+                            </p:childTnLst>
+                          </p:cTn>
+                        </p:par>
+                      </p:childTnLst>
+                    </p:cTn>
+                  </p:par>
+                </p:childTnLst>
+              </p:cTn>
+              <p:prevCondLst>
+                <p:cond evt="onPrev" delay="0">
+                  <p:tgtEl>
+                    <p:sldTgt/>
+                  </p:tgtEl>
+                </p:cond>
+              </p:prevCondLst>
+              <p:nextCondLst>
+                <p:cond evt="onNext" delay="0">
+                  <p:tgtEl>
+                    <p:sldTgt/>
+                  </p:tgtEl>
+                </p:cond>
+              </p:nextCondLst>
+            </p:seq>
+          </p:childTnLst>
+        </p:cTn>
       </p:par>
     </p:tnLst>
+    <p:bldLst>
+      <p:bldP spid="3" grpId="0" uiExpand="1" build="p"/>
+    </p:bldLst>
   </p:timing>
 </p:sld>
 </file>
@@ -28073,13 +28179,8 @@
             <a:pPr lvl="1"/>
             <a:r>
               <a:rPr lang="en-CA" dirty="0" smtClean="0"/>
-              <a:t>Linux, Mac, or </a:t>
+              <a:t>Linux, Mac, or Windows</a:t>
             </a:r>
-            <a:r>
-              <a:rPr lang="en-CA" dirty="0" smtClean="0"/>
-              <a:t>Windows</a:t>
-            </a:r>
-            <a:endParaRPr lang="en-CA" dirty="0" smtClean="0"/>
           </a:p>
           <a:p>
             <a:pPr lvl="1"/>
@@ -29628,6 +29729,13 @@
           <a:p>
             <a:endParaRPr lang="en-CA" dirty="0" smtClean="0"/>
           </a:p>
+          <a:p>
+            <a:r>
+              <a:rPr lang="en-CA" dirty="0" smtClean="0"/>
+              <a:t>Next lecture: chapter 2 and python examples</a:t>
+            </a:r>
+            <a:endParaRPr lang="en-CA" dirty="0" smtClean="0"/>
+          </a:p>
         </p:txBody>
       </p:sp>
     </p:spTree>
@@ -29795,6 +29903,55 @@
                       </p:childTnLst>
                     </p:cTn>
                   </p:par>
+                  <p:par>
+                    <p:cTn id="15" fill="hold">
+                      <p:stCondLst>
+                        <p:cond delay="indefinite"/>
+                      </p:stCondLst>
+                      <p:childTnLst>
+                        <p:par>
+                          <p:cTn id="16" fill="hold">
+                            <p:stCondLst>
+                              <p:cond delay="0"/>
+                            </p:stCondLst>
+                            <p:childTnLst>
+                              <p:par>
+                                <p:cTn id="17" presetID="1" presetClass="entr" presetSubtype="0" fill="hold" grpId="0" nodeType="clickEffect">
+                                  <p:stCondLst>
+                                    <p:cond delay="0"/>
+                                  </p:stCondLst>
+                                  <p:childTnLst>
+                                    <p:set>
+                                      <p:cBhvr>
+                                        <p:cTn id="18" dur="1" fill="hold">
+                                          <p:stCondLst>
+                                            <p:cond delay="0"/>
+                                          </p:stCondLst>
+                                        </p:cTn>
+                                        <p:tgtEl>
+                                          <p:spTgt spid="3">
+                                            <p:txEl>
+                                              <p:pRg st="4" end="4"/>
+                                            </p:txEl>
+                                          </p:spTgt>
+                                        </p:tgtEl>
+                                        <p:attrNameLst>
+                                          <p:attrName>style.visibility</p:attrName>
+                                        </p:attrNameLst>
+                                      </p:cBhvr>
+                                      <p:to>
+                                        <p:strVal val="visible"/>
+                                      </p:to>
+                                    </p:set>
+                                  </p:childTnLst>
+                                </p:cTn>
+                              </p:par>
+                            </p:childTnLst>
+                          </p:cTn>
+                        </p:par>
+                      </p:childTnLst>
+                    </p:cTn>
+                  </p:par>
                 </p:childTnLst>
               </p:cTn>
               <p:prevCondLst>
@@ -29910,13 +30067,8 @@
             <a:pPr lvl="1"/>
             <a:r>
               <a:rPr lang="en-CA" dirty="0" smtClean="0"/>
-              <a:t>Pitfalls, artifacts, and </a:t>
+              <a:t>Pitfalls, artifacts, and spurious results</a:t>
             </a:r>
-            <a:r>
-              <a:rPr lang="en-CA" dirty="0" smtClean="0"/>
-              <a:t>spurious results</a:t>
-            </a:r>
-            <a:endParaRPr lang="en-CA" dirty="0" smtClean="0"/>
           </a:p>
           <a:p>
             <a:r>
@@ -30325,8 +30477,20 @@
           <a:p>
             <a:r>
               <a:rPr lang="en-CA" dirty="0" smtClean="0"/>
-              <a:t>Handling real data</a:t>
+              <a:t>Handling real </a:t>
             </a:r>
+            <a:r>
+              <a:rPr lang="en-CA" dirty="0" smtClean="0"/>
+              <a:t>data</a:t>
+            </a:r>
+          </a:p>
+          <a:p>
+            <a:pPr lvl="1"/>
+            <a:r>
+              <a:rPr lang="en-CA" dirty="0" smtClean="0"/>
+              <a:t>Missing values, imperfect predictions, etc.</a:t>
+            </a:r>
+            <a:endParaRPr lang="en-CA" dirty="0" smtClean="0"/>
           </a:p>
           <a:p>
             <a:endParaRPr lang="en-CA" dirty="0" smtClean="0"/>
@@ -30429,6 +30593,37 @@
                                           <p:spTgt spid="3">
                                             <p:txEl>
                                               <p:pRg st="3" end="3"/>
+                                            </p:txEl>
+                                          </p:spTgt>
+                                        </p:tgtEl>
+                                        <p:attrNameLst>
+                                          <p:attrName>style.visibility</p:attrName>
+                                        </p:attrNameLst>
+                                      </p:cBhvr>
+                                      <p:to>
+                                        <p:strVal val="visible"/>
+                                      </p:to>
+                                    </p:set>
+                                  </p:childTnLst>
+                                </p:cTn>
+                              </p:par>
+                              <p:par>
+                                <p:cTn id="11" presetID="1" presetClass="entr" presetSubtype="0" fill="hold" grpId="0" nodeType="withEffect">
+                                  <p:stCondLst>
+                                    <p:cond delay="0"/>
+                                  </p:stCondLst>
+                                  <p:childTnLst>
+                                    <p:set>
+                                      <p:cBhvr>
+                                        <p:cTn id="12" dur="1" fill="hold">
+                                          <p:stCondLst>
+                                            <p:cond delay="0"/>
+                                          </p:stCondLst>
+                                        </p:cTn>
+                                        <p:tgtEl>
+                                          <p:spTgt spid="3">
+                                            <p:txEl>
+                                              <p:pRg st="4" end="4"/>
                                             </p:txEl>
                                           </p:spTgt>
                                         </p:tgtEl>
@@ -30940,7 +31135,9 @@
         </p:nvSpPr>
         <p:spPr/>
         <p:txBody>
-          <a:bodyPr/>
+          <a:bodyPr>
+            <a:normAutofit fontScale="92500" lnSpcReduction="10000"/>
+          </a:bodyPr>
           <a:lstStyle/>
           <a:p>
             <a:r>
@@ -30951,31 +31148,88 @@
           <a:p>
             <a:r>
               <a:rPr lang="en-CA" dirty="0" smtClean="0"/>
-              <a:t>Chapter 1 – What’s it all about?</a:t>
+              <a:t>Chapter 1 – What’s it all about</a:t>
             </a:r>
+            <a:r>
+              <a:rPr lang="en-CA" dirty="0" smtClean="0"/>
+              <a:t>?</a:t>
+            </a:r>
+          </a:p>
+          <a:p>
+            <a:pPr lvl="1"/>
+            <a:r>
+              <a:rPr lang="en-CA" dirty="0" smtClean="0"/>
+              <a:t>What is machine learning, where is it used, examples of applications</a:t>
+            </a:r>
+            <a:endParaRPr lang="en-CA" dirty="0" smtClean="0"/>
           </a:p>
           <a:p>
             <a:r>
               <a:rPr lang="en-CA" dirty="0" smtClean="0"/>
               <a:t>Chapter 2 – Input </a:t>
             </a:r>
+            <a:endParaRPr lang="en-CA" dirty="0" smtClean="0"/>
+          </a:p>
+          <a:p>
+            <a:pPr lvl="1"/>
+            <a:r>
+              <a:rPr lang="en-CA" dirty="0" smtClean="0"/>
+              <a:t>Instances and attributes</a:t>
+            </a:r>
+            <a:endParaRPr lang="en-CA" dirty="0" smtClean="0"/>
           </a:p>
           <a:p>
             <a:r>
               <a:rPr lang="en-CA" dirty="0" smtClean="0"/>
               <a:t>Chapter 3 – Output </a:t>
             </a:r>
+            <a:endParaRPr lang="en-CA" dirty="0" smtClean="0"/>
+          </a:p>
+          <a:p>
+            <a:pPr lvl="1"/>
+            <a:r>
+              <a:rPr lang="en-CA" dirty="0" smtClean="0"/>
+              <a:t>Knowledge representation</a:t>
+            </a:r>
+            <a:endParaRPr lang="en-CA" dirty="0" smtClean="0"/>
           </a:p>
           <a:p>
             <a:r>
               <a:rPr lang="en-CA" dirty="0" smtClean="0"/>
-              <a:t>Chapter 4 – Algorithms </a:t>
+              <a:t>Chapter 4 – </a:t>
             </a:r>
+            <a:r>
+              <a:rPr lang="en-CA" dirty="0" smtClean="0"/>
+              <a:t>Algorithms: the basic methods</a:t>
+            </a:r>
+          </a:p>
+          <a:p>
+            <a:pPr lvl="1"/>
+            <a:r>
+              <a:rPr lang="en-CA" dirty="0" smtClean="0"/>
+              <a:t>Describe basic methods in simplified form</a:t>
+            </a:r>
+            <a:endParaRPr lang="en-CA" dirty="0" smtClean="0"/>
           </a:p>
           <a:p>
             <a:r>
               <a:rPr lang="en-CA" dirty="0" smtClean="0"/>
-              <a:t>Chapter 5 – Credibility </a:t>
+              <a:t>Chapter 5 – </a:t>
+            </a:r>
+            <a:r>
+              <a:rPr lang="en-CA" dirty="0" smtClean="0"/>
+              <a:t>Credibility: evaluating what’s been learned</a:t>
+            </a:r>
+          </a:p>
+          <a:p>
+            <a:pPr lvl="1"/>
+            <a:r>
+              <a:rPr lang="en-CA" dirty="0" smtClean="0"/>
+              <a:t>Need to be able to measure how well we ar</a:t>
+            </a:r>
+            <a:r>
+              <a:rPr lang="en-CA" dirty="0" smtClean="0"/>
+              <a:t>e doing</a:t>
             </a:r>
             <a:endParaRPr lang="en-CA" dirty="0"/>
           </a:p>
@@ -31042,33 +31296,15 @@
                                   </p:childTnLst>
                                 </p:cTn>
                               </p:par>
-                            </p:childTnLst>
-                          </p:cTn>
-                        </p:par>
-                      </p:childTnLst>
-                    </p:cTn>
-                  </p:par>
-                  <p:par>
-                    <p:cTn id="7" fill="hold">
-                      <p:stCondLst>
-                        <p:cond delay="indefinite"/>
-                      </p:stCondLst>
-                      <p:childTnLst>
-                        <p:par>
-                          <p:cTn id="8" fill="hold">
-                            <p:stCondLst>
-                              <p:cond delay="0"/>
-                            </p:stCondLst>
-                            <p:childTnLst>
                               <p:par>
-                                <p:cTn id="9" presetID="1" presetClass="entr" presetSubtype="0" fill="hold" grpId="0" nodeType="clickEffect">
+                                <p:cTn id="7" presetID="1" presetClass="entr" presetSubtype="0" fill="hold" grpId="0" nodeType="withEffect">
                                   <p:stCondLst>
                                     <p:cond delay="0"/>
                                   </p:stCondLst>
                                   <p:childTnLst>
                                     <p:set>
                                       <p:cBhvr>
-                                        <p:cTn id="10" dur="1" fill="hold">
+                                        <p:cTn id="8" dur="1" fill="hold">
                                           <p:stCondLst>
                                             <p:cond delay="0"/>
                                           </p:stCondLst>
@@ -31098,19 +31334,50 @@
                     </p:cTn>
                   </p:par>
                   <p:par>
-                    <p:cTn id="11" fill="hold">
+                    <p:cTn id="9" fill="hold">
                       <p:stCondLst>
                         <p:cond delay="indefinite"/>
                       </p:stCondLst>
                       <p:childTnLst>
                         <p:par>
-                          <p:cTn id="12" fill="hold">
+                          <p:cTn id="10" fill="hold">
                             <p:stCondLst>
                               <p:cond delay="0"/>
                             </p:stCondLst>
                             <p:childTnLst>
                               <p:par>
-                                <p:cTn id="13" presetID="1" presetClass="entr" presetSubtype="0" fill="hold" grpId="0" nodeType="clickEffect">
+                                <p:cTn id="11" presetID="1" presetClass="entr" presetSubtype="0" fill="hold" grpId="0" nodeType="clickEffect">
+                                  <p:stCondLst>
+                                    <p:cond delay="0"/>
+                                  </p:stCondLst>
+                                  <p:childTnLst>
+                                    <p:set>
+                                      <p:cBhvr>
+                                        <p:cTn id="12" dur="1" fill="hold">
+                                          <p:stCondLst>
+                                            <p:cond delay="0"/>
+                                          </p:stCondLst>
+                                        </p:cTn>
+                                        <p:tgtEl>
+                                          <p:spTgt spid="3">
+                                            <p:txEl>
+                                              <p:pRg st="3" end="3"/>
+                                            </p:txEl>
+                                          </p:spTgt>
+                                        </p:tgtEl>
+                                        <p:attrNameLst>
+                                          <p:attrName>style.visibility</p:attrName>
+                                        </p:attrNameLst>
+                                      </p:cBhvr>
+                                      <p:to>
+                                        <p:strVal val="visible"/>
+                                      </p:to>
+                                    </p:set>
+                                  </p:childTnLst>
+                                </p:cTn>
+                              </p:par>
+                              <p:par>
+                                <p:cTn id="13" presetID="1" presetClass="entr" presetSubtype="0" fill="hold" grpId="0" nodeType="withEffect">
                                   <p:stCondLst>
                                     <p:cond delay="0"/>
                                   </p:stCondLst>
@@ -31125,7 +31392,7 @@
                                         <p:tgtEl>
                                           <p:spTgt spid="3">
                                             <p:txEl>
-                                              <p:pRg st="3" end="3"/>
+                                              <p:pRg st="4" end="4"/>
                                             </p:txEl>
                                           </p:spTgt>
                                         </p:tgtEl>
@@ -31174,7 +31441,38 @@
                                         <p:tgtEl>
                                           <p:spTgt spid="3">
                                             <p:txEl>
-                                              <p:pRg st="4" end="4"/>
+                                              <p:pRg st="5" end="5"/>
+                                            </p:txEl>
+                                          </p:spTgt>
+                                        </p:tgtEl>
+                                        <p:attrNameLst>
+                                          <p:attrName>style.visibility</p:attrName>
+                                        </p:attrNameLst>
+                                      </p:cBhvr>
+                                      <p:to>
+                                        <p:strVal val="visible"/>
+                                      </p:to>
+                                    </p:set>
+                                  </p:childTnLst>
+                                </p:cTn>
+                              </p:par>
+                              <p:par>
+                                <p:cTn id="19" presetID="1" presetClass="entr" presetSubtype="0" fill="hold" grpId="0" nodeType="withEffect">
+                                  <p:stCondLst>
+                                    <p:cond delay="0"/>
+                                  </p:stCondLst>
+                                  <p:childTnLst>
+                                    <p:set>
+                                      <p:cBhvr>
+                                        <p:cTn id="20" dur="1" fill="hold">
+                                          <p:stCondLst>
+                                            <p:cond delay="0"/>
+                                          </p:stCondLst>
+                                        </p:cTn>
+                                        <p:tgtEl>
+                                          <p:spTgt spid="3">
+                                            <p:txEl>
+                                              <p:pRg st="6" end="6"/>
                                             </p:txEl>
                                           </p:spTgt>
                                         </p:tgtEl>
@@ -31196,26 +31494,26 @@
                     </p:cTn>
                   </p:par>
                   <p:par>
-                    <p:cTn id="19" fill="hold">
+                    <p:cTn id="21" fill="hold">
                       <p:stCondLst>
                         <p:cond delay="indefinite"/>
                       </p:stCondLst>
                       <p:childTnLst>
                         <p:par>
-                          <p:cTn id="20" fill="hold">
+                          <p:cTn id="22" fill="hold">
                             <p:stCondLst>
                               <p:cond delay="0"/>
                             </p:stCondLst>
                             <p:childTnLst>
                               <p:par>
-                                <p:cTn id="21" presetID="1" presetClass="entr" presetSubtype="0" fill="hold" grpId="0" nodeType="clickEffect">
+                                <p:cTn id="23" presetID="1" presetClass="entr" presetSubtype="0" fill="hold" grpId="0" nodeType="clickEffect">
                                   <p:stCondLst>
                                     <p:cond delay="0"/>
                                   </p:stCondLst>
                                   <p:childTnLst>
                                     <p:set>
                                       <p:cBhvr>
-                                        <p:cTn id="22" dur="1" fill="hold">
+                                        <p:cTn id="24" dur="1" fill="hold">
                                           <p:stCondLst>
                                             <p:cond delay="0"/>
                                           </p:stCondLst>
@@ -31223,7 +31521,118 @@
                                         <p:tgtEl>
                                           <p:spTgt spid="3">
                                             <p:txEl>
-                                              <p:pRg st="5" end="5"/>
+                                              <p:pRg st="7" end="7"/>
+                                            </p:txEl>
+                                          </p:spTgt>
+                                        </p:tgtEl>
+                                        <p:attrNameLst>
+                                          <p:attrName>style.visibility</p:attrName>
+                                        </p:attrNameLst>
+                                      </p:cBhvr>
+                                      <p:to>
+                                        <p:strVal val="visible"/>
+                                      </p:to>
+                                    </p:set>
+                                  </p:childTnLst>
+                                </p:cTn>
+                              </p:par>
+                              <p:par>
+                                <p:cTn id="25" presetID="1" presetClass="entr" presetSubtype="0" fill="hold" grpId="0" nodeType="withEffect">
+                                  <p:stCondLst>
+                                    <p:cond delay="0"/>
+                                  </p:stCondLst>
+                                  <p:childTnLst>
+                                    <p:set>
+                                      <p:cBhvr>
+                                        <p:cTn id="26" dur="1" fill="hold">
+                                          <p:stCondLst>
+                                            <p:cond delay="0"/>
+                                          </p:stCondLst>
+                                        </p:cTn>
+                                        <p:tgtEl>
+                                          <p:spTgt spid="3">
+                                            <p:txEl>
+                                              <p:pRg st="8" end="8"/>
+                                            </p:txEl>
+                                          </p:spTgt>
+                                        </p:tgtEl>
+                                        <p:attrNameLst>
+                                          <p:attrName>style.visibility</p:attrName>
+                                        </p:attrNameLst>
+                                      </p:cBhvr>
+                                      <p:to>
+                                        <p:strVal val="visible"/>
+                                      </p:to>
+                                    </p:set>
+                                  </p:childTnLst>
+                                </p:cTn>
+                              </p:par>
+                            </p:childTnLst>
+                          </p:cTn>
+                        </p:par>
+                      </p:childTnLst>
+                    </p:cTn>
+                  </p:par>
+                  <p:par>
+                    <p:cTn id="27" fill="hold">
+                      <p:stCondLst>
+                        <p:cond delay="indefinite"/>
+                      </p:stCondLst>
+                      <p:childTnLst>
+                        <p:par>
+                          <p:cTn id="28" fill="hold">
+                            <p:stCondLst>
+                              <p:cond delay="0"/>
+                            </p:stCondLst>
+                            <p:childTnLst>
+                              <p:par>
+                                <p:cTn id="29" presetID="1" presetClass="entr" presetSubtype="0" fill="hold" grpId="0" nodeType="clickEffect">
+                                  <p:stCondLst>
+                                    <p:cond delay="0"/>
+                                  </p:stCondLst>
+                                  <p:childTnLst>
+                                    <p:set>
+                                      <p:cBhvr>
+                                        <p:cTn id="30" dur="1" fill="hold">
+                                          <p:stCondLst>
+                                            <p:cond delay="0"/>
+                                          </p:stCondLst>
+                                        </p:cTn>
+                                        <p:tgtEl>
+                                          <p:spTgt spid="3">
+                                            <p:txEl>
+                                              <p:pRg st="9" end="9"/>
+                                            </p:txEl>
+                                          </p:spTgt>
+                                        </p:tgtEl>
+                                        <p:attrNameLst>
+                                          <p:attrName>style.visibility</p:attrName>
+                                        </p:attrNameLst>
+                                      </p:cBhvr>
+                                      <p:to>
+                                        <p:strVal val="visible"/>
+                                      </p:to>
+                                    </p:set>
+                                  </p:childTnLst>
+                                </p:cTn>
+                              </p:par>
+                              <p:par>
+                                <p:cTn id="31" presetID="1" presetClass="entr" presetSubtype="0" fill="hold" grpId="0" nodeType="withEffect">
+                                  <p:stCondLst>
+                                    <p:cond delay="0"/>
+                                  </p:stCondLst>
+                                  <p:childTnLst>
+                                    <p:set>
+                                      <p:cBhvr>
+                                        <p:cTn id="32" dur="1" fill="hold">
+                                          <p:stCondLst>
+                                            <p:cond delay="0"/>
+                                          </p:stCondLst>
+                                        </p:cTn>
+                                        <p:tgtEl>
+                                          <p:spTgt spid="3">
+                                            <p:txEl>
+                                              <p:pRg st="10" end="10"/>
                                             </p:txEl>
                                           </p:spTgt>
                                         </p:tgtEl>
@@ -31324,7 +31733,9 @@
         </p:nvSpPr>
         <p:spPr/>
         <p:txBody>
-          <a:bodyPr/>
+          <a:bodyPr>
+            <a:normAutofit fontScale="92500" lnSpcReduction="10000"/>
+          </a:bodyPr>
           <a:lstStyle/>
           <a:p>
             <a:r>
@@ -31335,31 +31746,95 @@
           <a:p>
             <a:r>
               <a:rPr lang="en-CA" dirty="0" smtClean="0"/>
-              <a:t>Chapter 6 – trees and rules</a:t>
+              <a:t>Chapter 6 – trees and </a:t>
             </a:r>
+            <a:r>
+              <a:rPr lang="en-CA" dirty="0" smtClean="0"/>
+              <a:t>rules</a:t>
+            </a:r>
+          </a:p>
+          <a:p>
+            <a:pPr lvl="1"/>
+            <a:r>
+              <a:rPr lang="en-CA" dirty="0" smtClean="0"/>
+              <a:t>Low level issues, complexities of putting into practice</a:t>
+            </a:r>
+            <a:endParaRPr lang="en-CA" dirty="0" smtClean="0"/>
           </a:p>
           <a:p>
             <a:r>
               <a:rPr lang="en-CA" dirty="0" smtClean="0"/>
-              <a:t>Chapter 7 – instance-based and linear models</a:t>
+              <a:t>Chapter 7 – </a:t>
             </a:r>
+            <a:r>
+              <a:rPr lang="en-CA" dirty="0" smtClean="0"/>
+              <a:t>extending instance-based </a:t>
+            </a:r>
+            <a:r>
+              <a:rPr lang="en-CA" dirty="0" smtClean="0"/>
+              <a:t>and linear </a:t>
+            </a:r>
+            <a:r>
+              <a:rPr lang="en-CA" dirty="0" smtClean="0"/>
+              <a:t>models</a:t>
+            </a:r>
+          </a:p>
+          <a:p>
+            <a:pPr lvl="1"/>
+            <a:r>
+              <a:rPr lang="en-CA" dirty="0" smtClean="0"/>
+              <a:t>Low level issues, complexities of putting into practice</a:t>
+            </a:r>
+            <a:endParaRPr lang="en-CA" dirty="0" smtClean="0"/>
           </a:p>
           <a:p>
             <a:r>
               <a:rPr lang="en-CA" dirty="0" smtClean="0"/>
-              <a:t>Chapter 8 – Data transformations</a:t>
+              <a:t>Chapter 8 – Data </a:t>
             </a:r>
+            <a:r>
+              <a:rPr lang="en-CA" dirty="0" smtClean="0"/>
+              <a:t>transformations</a:t>
+            </a:r>
+          </a:p>
+          <a:p>
+            <a:pPr lvl="1"/>
+            <a:r>
+              <a:rPr lang="en-CA" dirty="0" smtClean="0"/>
+              <a:t>Selecting and discretizing attributes</a:t>
+            </a:r>
+            <a:endParaRPr lang="en-CA" dirty="0" smtClean="0"/>
           </a:p>
           <a:p>
             <a:r>
               <a:rPr lang="en-CA" dirty="0" smtClean="0"/>
-              <a:t>Loosely cover chapters 9, 10, 11</a:t>
+              <a:t>Loosely cover chapters 9, 10, </a:t>
             </a:r>
+            <a:r>
+              <a:rPr lang="en-CA" dirty="0" smtClean="0"/>
+              <a:t>11</a:t>
+            </a:r>
+          </a:p>
+          <a:p>
+            <a:pPr lvl="1"/>
+            <a:r>
+              <a:rPr lang="en-CA" dirty="0" smtClean="0"/>
+              <a:t>Probabilistic methods (9), deep learning (10), semi-supervised (11) </a:t>
+            </a:r>
+            <a:endParaRPr lang="en-CA" dirty="0" smtClean="0"/>
           </a:p>
           <a:p>
             <a:r>
               <a:rPr lang="en-CA" dirty="0" smtClean="0"/>
               <a:t>Chapter 12 – Ensemble learning </a:t>
+            </a:r>
+            <a:endParaRPr lang="en-CA" dirty="0" smtClean="0"/>
+          </a:p>
+          <a:p>
+            <a:pPr lvl="1"/>
+            <a:r>
+              <a:rPr lang="en-CA" dirty="0" smtClean="0"/>
+              <a:t>Combining output from different machine learning techniques</a:t>
             </a:r>
             <a:endParaRPr lang="en-CA" dirty="0"/>
           </a:p>
@@ -31426,33 +31901,15 @@
                                   </p:childTnLst>
                                 </p:cTn>
                               </p:par>
-                            </p:childTnLst>
-                          </p:cTn>
-                        </p:par>
-                      </p:childTnLst>
-                    </p:cTn>
-                  </p:par>
-                  <p:par>
-                    <p:cTn id="7" fill="hold">
-                      <p:stCondLst>
-                        <p:cond delay="indefinite"/>
-                      </p:stCondLst>
-                      <p:childTnLst>
-                        <p:par>
-                          <p:cTn id="8" fill="hold">
-                            <p:stCondLst>
-                              <p:cond delay="0"/>
-                            </p:stCondLst>
-                            <p:childTnLst>
                               <p:par>
-                                <p:cTn id="9" presetID="1" presetClass="entr" presetSubtype="0" fill="hold" grpId="0" nodeType="clickEffect">
+                                <p:cTn id="7" presetID="1" presetClass="entr" presetSubtype="0" fill="hold" grpId="0" nodeType="withEffect">
                                   <p:stCondLst>
                                     <p:cond delay="0"/>
                                   </p:stCondLst>
                                   <p:childTnLst>
                                     <p:set>
                                       <p:cBhvr>
-                                        <p:cTn id="10" dur="1" fill="hold">
+                                        <p:cTn id="8" dur="1" fill="hold">
                                           <p:stCondLst>
                                             <p:cond delay="0"/>
                                           </p:stCondLst>
@@ -31482,19 +31939,50 @@
                     </p:cTn>
                   </p:par>
                   <p:par>
-                    <p:cTn id="11" fill="hold">
+                    <p:cTn id="9" fill="hold">
                       <p:stCondLst>
                         <p:cond delay="indefinite"/>
                       </p:stCondLst>
                       <p:childTnLst>
                         <p:par>
-                          <p:cTn id="12" fill="hold">
+                          <p:cTn id="10" fill="hold">
                             <p:stCondLst>
                               <p:cond delay="0"/>
                             </p:stCondLst>
                             <p:childTnLst>
                               <p:par>
-                                <p:cTn id="13" presetID="1" presetClass="entr" presetSubtype="0" fill="hold" grpId="0" nodeType="clickEffect">
+                                <p:cTn id="11" presetID="1" presetClass="entr" presetSubtype="0" fill="hold" grpId="0" nodeType="clickEffect">
+                                  <p:stCondLst>
+                                    <p:cond delay="0"/>
+                                  </p:stCondLst>
+                                  <p:childTnLst>
+                                    <p:set>
+                                      <p:cBhvr>
+                                        <p:cTn id="12" dur="1" fill="hold">
+                                          <p:stCondLst>
+                                            <p:cond delay="0"/>
+                                          </p:stCondLst>
+                                        </p:cTn>
+                                        <p:tgtEl>
+                                          <p:spTgt spid="3">
+                                            <p:txEl>
+                                              <p:pRg st="3" end="3"/>
+                                            </p:txEl>
+                                          </p:spTgt>
+                                        </p:tgtEl>
+                                        <p:attrNameLst>
+                                          <p:attrName>style.visibility</p:attrName>
+                                        </p:attrNameLst>
+                                      </p:cBhvr>
+                                      <p:to>
+                                        <p:strVal val="visible"/>
+                                      </p:to>
+                                    </p:set>
+                                  </p:childTnLst>
+                                </p:cTn>
+                              </p:par>
+                              <p:par>
+                                <p:cTn id="13" presetID="1" presetClass="entr" presetSubtype="0" fill="hold" grpId="0" nodeType="withEffect">
                                   <p:stCondLst>
                                     <p:cond delay="0"/>
                                   </p:stCondLst>
@@ -31509,7 +31997,7 @@
                                         <p:tgtEl>
                                           <p:spTgt spid="3">
                                             <p:txEl>
-                                              <p:pRg st="3" end="3"/>
+                                              <p:pRg st="4" end="4"/>
                                             </p:txEl>
                                           </p:spTgt>
                                         </p:tgtEl>
@@ -31558,7 +32046,38 @@
                                         <p:tgtEl>
                                           <p:spTgt spid="3">
                                             <p:txEl>
-                                              <p:pRg st="4" end="4"/>
+                                              <p:pRg st="5" end="5"/>
+                                            </p:txEl>
+                                          </p:spTgt>
+                                        </p:tgtEl>
+                                        <p:attrNameLst>
+                                          <p:attrName>style.visibility</p:attrName>
+                                        </p:attrNameLst>
+                                      </p:cBhvr>
+                                      <p:to>
+                                        <p:strVal val="visible"/>
+                                      </p:to>
+                                    </p:set>
+                                  </p:childTnLst>
+                                </p:cTn>
+                              </p:par>
+                              <p:par>
+                                <p:cTn id="19" presetID="1" presetClass="entr" presetSubtype="0" fill="hold" grpId="0" nodeType="withEffect">
+                                  <p:stCondLst>
+                                    <p:cond delay="0"/>
+                                  </p:stCondLst>
+                                  <p:childTnLst>
+                                    <p:set>
+                                      <p:cBhvr>
+                                        <p:cTn id="20" dur="1" fill="hold">
+                                          <p:stCondLst>
+                                            <p:cond delay="0"/>
+                                          </p:stCondLst>
+                                        </p:cTn>
+                                        <p:tgtEl>
+                                          <p:spTgt spid="3">
+                                            <p:txEl>
+                                              <p:pRg st="6" end="6"/>
                                             </p:txEl>
                                           </p:spTgt>
                                         </p:tgtEl>
@@ -31580,26 +32099,26 @@
                     </p:cTn>
                   </p:par>
                   <p:par>
-                    <p:cTn id="19" fill="hold">
+                    <p:cTn id="21" fill="hold">
                       <p:stCondLst>
                         <p:cond delay="indefinite"/>
                       </p:stCondLst>
                       <p:childTnLst>
                         <p:par>
-                          <p:cTn id="20" fill="hold">
+                          <p:cTn id="22" fill="hold">
                             <p:stCondLst>
                               <p:cond delay="0"/>
                             </p:stCondLst>
                             <p:childTnLst>
                               <p:par>
-                                <p:cTn id="21" presetID="1" presetClass="entr" presetSubtype="0" fill="hold" grpId="0" nodeType="clickEffect">
+                                <p:cTn id="23" presetID="1" presetClass="entr" presetSubtype="0" fill="hold" grpId="0" nodeType="clickEffect">
                                   <p:stCondLst>
                                     <p:cond delay="0"/>
                                   </p:stCondLst>
                                   <p:childTnLst>
                                     <p:set>
                                       <p:cBhvr>
-                                        <p:cTn id="22" dur="1" fill="hold">
+                                        <p:cTn id="24" dur="1" fill="hold">
                                           <p:stCondLst>
                                             <p:cond delay="0"/>
                                           </p:stCondLst>
@@ -31607,7 +32126,118 @@
                                         <p:tgtEl>
                                           <p:spTgt spid="3">
                                             <p:txEl>
-                                              <p:pRg st="5" end="5"/>
+                                              <p:pRg st="7" end="7"/>
+                                            </p:txEl>
+                                          </p:spTgt>
+                                        </p:tgtEl>
+                                        <p:attrNameLst>
+                                          <p:attrName>style.visibility</p:attrName>
+                                        </p:attrNameLst>
+                                      </p:cBhvr>
+                                      <p:to>
+                                        <p:strVal val="visible"/>
+                                      </p:to>
+                                    </p:set>
+                                  </p:childTnLst>
+                                </p:cTn>
+                              </p:par>
+                              <p:par>
+                                <p:cTn id="25" presetID="1" presetClass="entr" presetSubtype="0" fill="hold" grpId="0" nodeType="withEffect">
+                                  <p:stCondLst>
+                                    <p:cond delay="0"/>
+                                  </p:stCondLst>
+                                  <p:childTnLst>
+                                    <p:set>
+                                      <p:cBhvr>
+                                        <p:cTn id="26" dur="1" fill="hold">
+                                          <p:stCondLst>
+                                            <p:cond delay="0"/>
+                                          </p:stCondLst>
+                                        </p:cTn>
+                                        <p:tgtEl>
+                                          <p:spTgt spid="3">
+                                            <p:txEl>
+                                              <p:pRg st="8" end="8"/>
+                                            </p:txEl>
+                                          </p:spTgt>
+                                        </p:tgtEl>
+                                        <p:attrNameLst>
+                                          <p:attrName>style.visibility</p:attrName>
+                                        </p:attrNameLst>
+                                      </p:cBhvr>
+                                      <p:to>
+                                        <p:strVal val="visible"/>
+                                      </p:to>
+                                    </p:set>
+                                  </p:childTnLst>
+                                </p:cTn>
+                              </p:par>
+                            </p:childTnLst>
+                          </p:cTn>
+                        </p:par>
+                      </p:childTnLst>
+                    </p:cTn>
+                  </p:par>
+                  <p:par>
+                    <p:cTn id="27" fill="hold">
+                      <p:stCondLst>
+                        <p:cond delay="indefinite"/>
+                      </p:stCondLst>
+                      <p:childTnLst>
+                        <p:par>
+                          <p:cTn id="28" fill="hold">
+                            <p:stCondLst>
+                              <p:cond delay="0"/>
+                            </p:stCondLst>
+                            <p:childTnLst>
+                              <p:par>
+                                <p:cTn id="29" presetID="1" presetClass="entr" presetSubtype="0" fill="hold" grpId="0" nodeType="clickEffect">
+                                  <p:stCondLst>
+                                    <p:cond delay="0"/>
+                                  </p:stCondLst>
+                                  <p:childTnLst>
+                                    <p:set>
+                                      <p:cBhvr>
+                                        <p:cTn id="30" dur="1" fill="hold">
+                                          <p:stCondLst>
+                                            <p:cond delay="0"/>
+                                          </p:stCondLst>
+                                        </p:cTn>
+                                        <p:tgtEl>
+                                          <p:spTgt spid="3">
+                                            <p:txEl>
+                                              <p:pRg st="9" end="9"/>
+                                            </p:txEl>
+                                          </p:spTgt>
+                                        </p:tgtEl>
+                                        <p:attrNameLst>
+                                          <p:attrName>style.visibility</p:attrName>
+                                        </p:attrNameLst>
+                                      </p:cBhvr>
+                                      <p:to>
+                                        <p:strVal val="visible"/>
+                                      </p:to>
+                                    </p:set>
+                                  </p:childTnLst>
+                                </p:cTn>
+                              </p:par>
+                              <p:par>
+                                <p:cTn id="31" presetID="1" presetClass="entr" presetSubtype="0" fill="hold" grpId="0" nodeType="withEffect">
+                                  <p:stCondLst>
+                                    <p:cond delay="0"/>
+                                  </p:stCondLst>
+                                  <p:childTnLst>
+                                    <p:set>
+                                      <p:cBhvr>
+                                        <p:cTn id="32" dur="1" fill="hold">
+                                          <p:stCondLst>
+                                            <p:cond delay="0"/>
+                                          </p:stCondLst>
+                                        </p:cTn>
+                                        <p:tgtEl>
+                                          <p:spTgt spid="3">
+                                            <p:txEl>
+                                              <p:pRg st="10" end="10"/>
                                             </p:txEl>
                                           </p:spTgt>
                                         </p:tgtEl>
@@ -31713,13 +32343,16 @@
           <a:p>
             <a:r>
               <a:rPr lang="en-CA" dirty="0" smtClean="0"/>
-              <a:t>This course is about machine learning techniques for data </a:t>
+              <a:t>This </a:t>
             </a:r>
             <a:r>
               <a:rPr lang="en-CA" dirty="0" smtClean="0"/>
-              <a:t>mining</a:t>
+              <a:t>course </a:t>
             </a:r>
-            <a:endParaRPr lang="en-CA" dirty="0" smtClean="0"/>
+            <a:r>
+              <a:rPr lang="en-CA" dirty="0" smtClean="0"/>
+              <a:t>is about machine learning techniques for data mining</a:t>
+            </a:r>
           </a:p>
         </p:txBody>
       </p:sp>
@@ -31791,6 +32424,222 @@
               <a:t>Human in-vitro fertilization</a:t>
             </a:r>
             <a:endParaRPr lang="en-CA" dirty="0"/>
+          </a:p>
+        </p:txBody>
+      </p:sp>
+      <p:sp>
+        <p:nvSpPr>
+          <p:cNvPr id="7" name="Content Placeholder 2"/>
+          <p:cNvSpPr txBox="1">
+            <a:spLocks/>
+          </p:cNvSpPr>
+          <p:nvPr/>
+        </p:nvSpPr>
+        <p:spPr>
+          <a:xfrm>
+            <a:off x="7793972" y="3315792"/>
+            <a:ext cx="3913119" cy="3388171"/>
+          </a:xfrm>
+          <a:prstGeom prst="rect">
+            <a:avLst/>
+          </a:prstGeom>
+        </p:spPr>
+        <p:txBody>
+          <a:bodyPr vert="horz" lIns="91440" tIns="45720" rIns="91440" bIns="45720" rtlCol="0">
+            <a:normAutofit fontScale="85000" lnSpcReduction="20000"/>
+          </a:bodyPr>
+          <a:lstStyle>
+            <a:lvl1pPr marL="228600" indent="-228600" algn="l" defTabSz="914400" rtl="0" eaLnBrk="1" latinLnBrk="0" hangingPunct="1">
+              <a:lnSpc>
+                <a:spcPct val="90000"/>
+              </a:lnSpc>
+              <a:spcBef>
+                <a:spcPts val="1000"/>
+              </a:spcBef>
+              <a:buFont typeface="Arial" panose="020B0604020202020204" pitchFamily="34" charset="0"/>
+              <a:buChar char="•"/>
+              <a:defRPr sz="2800" kern="1200">
+                <a:solidFill>
+                  <a:schemeClr val="tx1"/>
+                </a:solidFill>
+                <a:latin typeface="+mn-lt"/>
+                <a:ea typeface="+mn-ea"/>
+                <a:cs typeface="+mn-cs"/>
+              </a:defRPr>
+            </a:lvl1pPr>
+            <a:lvl2pPr marL="685800" indent="-228600" algn="l" defTabSz="914400" rtl="0" eaLnBrk="1" latinLnBrk="0" hangingPunct="1">
+              <a:lnSpc>
+                <a:spcPct val="90000"/>
+              </a:lnSpc>
+              <a:spcBef>
+                <a:spcPts val="500"/>
+              </a:spcBef>
+              <a:buFont typeface="Arial" panose="020B0604020202020204" pitchFamily="34" charset="0"/>
+              <a:buChar char="•"/>
+              <a:defRPr sz="2400" kern="1200">
+                <a:solidFill>
+                  <a:schemeClr val="tx1"/>
+                </a:solidFill>
+                <a:latin typeface="+mn-lt"/>
+                <a:ea typeface="+mn-ea"/>
+                <a:cs typeface="+mn-cs"/>
+              </a:defRPr>
+            </a:lvl2pPr>
+            <a:lvl3pPr marL="1143000" indent="-228600" algn="l" defTabSz="914400" rtl="0" eaLnBrk="1" latinLnBrk="0" hangingPunct="1">
+              <a:lnSpc>
+                <a:spcPct val="90000"/>
+              </a:lnSpc>
+              <a:spcBef>
+                <a:spcPts val="500"/>
+              </a:spcBef>
+              <a:buFont typeface="Arial" panose="020B0604020202020204" pitchFamily="34" charset="0"/>
+              <a:buChar char="•"/>
+              <a:defRPr sz="2000" kern="1200">
+                <a:solidFill>
+                  <a:schemeClr val="tx1"/>
+                </a:solidFill>
+                <a:latin typeface="+mn-lt"/>
+                <a:ea typeface="+mn-ea"/>
+                <a:cs typeface="+mn-cs"/>
+              </a:defRPr>
+            </a:lvl3pPr>
+            <a:lvl4pPr marL="1600200" indent="-228600" algn="l" defTabSz="914400" rtl="0" eaLnBrk="1" latinLnBrk="0" hangingPunct="1">
+              <a:lnSpc>
+                <a:spcPct val="90000"/>
+              </a:lnSpc>
+              <a:spcBef>
+                <a:spcPts val="500"/>
+              </a:spcBef>
+              <a:buFont typeface="Arial" panose="020B0604020202020204" pitchFamily="34" charset="0"/>
+              <a:buChar char="•"/>
+              <a:defRPr sz="1800" kern="1200">
+                <a:solidFill>
+                  <a:schemeClr val="tx1"/>
+                </a:solidFill>
+                <a:latin typeface="+mn-lt"/>
+                <a:ea typeface="+mn-ea"/>
+                <a:cs typeface="+mn-cs"/>
+              </a:defRPr>
+            </a:lvl4pPr>
+            <a:lvl5pPr marL="2057400" indent="-228600" algn="l" defTabSz="914400" rtl="0" eaLnBrk="1" latinLnBrk="0" hangingPunct="1">
+              <a:lnSpc>
+                <a:spcPct val="90000"/>
+              </a:lnSpc>
+              <a:spcBef>
+                <a:spcPts val="500"/>
+              </a:spcBef>
+              <a:buFont typeface="Arial" panose="020B0604020202020204" pitchFamily="34" charset="0"/>
+              <a:buChar char="•"/>
+              <a:defRPr sz="1800" kern="1200">
+                <a:solidFill>
+                  <a:schemeClr val="tx1"/>
+                </a:solidFill>
+                <a:latin typeface="+mn-lt"/>
+                <a:ea typeface="+mn-ea"/>
+                <a:cs typeface="+mn-cs"/>
+              </a:defRPr>
+            </a:lvl5pPr>
+            <a:lvl6pPr marL="2514600" indent="-228600" algn="l" defTabSz="914400" rtl="0" eaLnBrk="1" latinLnBrk="0" hangingPunct="1">
+              <a:lnSpc>
+                <a:spcPct val="90000"/>
+              </a:lnSpc>
+              <a:spcBef>
+                <a:spcPts val="500"/>
+              </a:spcBef>
+              <a:buFont typeface="Arial" panose="020B0604020202020204" pitchFamily="34" charset="0"/>
+              <a:buChar char="•"/>
+              <a:defRPr sz="1800" kern="1200">
+                <a:solidFill>
+                  <a:schemeClr val="tx1"/>
+                </a:solidFill>
+                <a:latin typeface="+mn-lt"/>
+                <a:ea typeface="+mn-ea"/>
+                <a:cs typeface="+mn-cs"/>
+              </a:defRPr>
+            </a:lvl6pPr>
+            <a:lvl7pPr marL="2971800" indent="-228600" algn="l" defTabSz="914400" rtl="0" eaLnBrk="1" latinLnBrk="0" hangingPunct="1">
+              <a:lnSpc>
+                <a:spcPct val="90000"/>
+              </a:lnSpc>
+              <a:spcBef>
+                <a:spcPts val="500"/>
+              </a:spcBef>
+              <a:buFont typeface="Arial" panose="020B0604020202020204" pitchFamily="34" charset="0"/>
+              <a:buChar char="•"/>
+              <a:defRPr sz="1800" kern="1200">
+                <a:solidFill>
+                  <a:schemeClr val="tx1"/>
+                </a:solidFill>
+                <a:latin typeface="+mn-lt"/>
+                <a:ea typeface="+mn-ea"/>
+                <a:cs typeface="+mn-cs"/>
+              </a:defRPr>
+            </a:lvl7pPr>
+            <a:lvl8pPr marL="3429000" indent="-228600" algn="l" defTabSz="914400" rtl="0" eaLnBrk="1" latinLnBrk="0" hangingPunct="1">
+              <a:lnSpc>
+                <a:spcPct val="90000"/>
+              </a:lnSpc>
+              <a:spcBef>
+                <a:spcPts val="500"/>
+              </a:spcBef>
+              <a:buFont typeface="Arial" panose="020B0604020202020204" pitchFamily="34" charset="0"/>
+              <a:buChar char="•"/>
+              <a:defRPr sz="1800" kern="1200">
+                <a:solidFill>
+                  <a:schemeClr val="tx1"/>
+                </a:solidFill>
+                <a:latin typeface="+mn-lt"/>
+                <a:ea typeface="+mn-ea"/>
+                <a:cs typeface="+mn-cs"/>
+              </a:defRPr>
+            </a:lvl8pPr>
+            <a:lvl9pPr marL="3886200" indent="-228600" algn="l" defTabSz="914400" rtl="0" eaLnBrk="1" latinLnBrk="0" hangingPunct="1">
+              <a:lnSpc>
+                <a:spcPct val="90000"/>
+              </a:lnSpc>
+              <a:spcBef>
+                <a:spcPts val="500"/>
+              </a:spcBef>
+              <a:buFont typeface="Arial" panose="020B0604020202020204" pitchFamily="34" charset="0"/>
+              <a:buChar char="•"/>
+              <a:defRPr sz="1800" kern="1200">
+                <a:solidFill>
+                  <a:schemeClr val="tx1"/>
+                </a:solidFill>
+                <a:latin typeface="+mn-lt"/>
+                <a:ea typeface="+mn-ea"/>
+                <a:cs typeface="+mn-cs"/>
+              </a:defRPr>
+            </a:lvl9pPr>
+          </a:lstStyle>
+          <a:p>
+            <a:r>
+              <a:rPr lang="en-CA" dirty="0" smtClean="0"/>
+              <a:t>Selection of embryo based on ~60 features</a:t>
+            </a:r>
+          </a:p>
+          <a:p>
+            <a:r>
+              <a:rPr lang="en-CA" b="1" dirty="0" smtClean="0"/>
+              <a:t>Problem: </a:t>
+            </a:r>
+            <a:r>
+              <a:rPr lang="en-CA" dirty="0" smtClean="0"/>
+              <a:t>Difficult for embryologist to perform comprehensive assessment and compare by hand with historical data</a:t>
+            </a:r>
+          </a:p>
+          <a:p>
+            <a:r>
+              <a:rPr lang="en-CA" b="1" dirty="0" smtClean="0"/>
+              <a:t>Solution: </a:t>
+            </a:r>
+            <a:r>
+              <a:rPr lang="en-CA" dirty="0" smtClean="0"/>
+              <a:t>Apply machine learning using historical data and outcomes of embryos as training data</a:t>
+            </a:r>
+          </a:p>
+          <a:p>
+            <a:endParaRPr lang="en-CA" dirty="0" smtClean="0"/>
           </a:p>
         </p:txBody>
       </p:sp>
@@ -31915,6 +32764,153 @@
                                         </p:cTn>
                                         <p:tgtEl>
                                           <p:spTgt spid="3074"/>
+                                        </p:tgtEl>
+                                        <p:attrNameLst>
+                                          <p:attrName>style.visibility</p:attrName>
+                                        </p:attrNameLst>
+                                      </p:cBhvr>
+                                      <p:to>
+                                        <p:strVal val="visible"/>
+                                      </p:to>
+                                    </p:set>
+                                  </p:childTnLst>
+                                </p:cTn>
+                              </p:par>
+                            </p:childTnLst>
+                          </p:cTn>
+                        </p:par>
+                      </p:childTnLst>
+                    </p:cTn>
+                  </p:par>
+                  <p:par>
+                    <p:cTn id="13" fill="hold">
+                      <p:stCondLst>
+                        <p:cond delay="indefinite"/>
+                      </p:stCondLst>
+                      <p:childTnLst>
+                        <p:par>
+                          <p:cTn id="14" fill="hold">
+                            <p:stCondLst>
+                              <p:cond delay="0"/>
+                            </p:stCondLst>
+                            <p:childTnLst>
+                              <p:par>
+                                <p:cTn id="15" presetID="1" presetClass="entr" presetSubtype="0" fill="hold" nodeType="clickEffect">
+                                  <p:stCondLst>
+                                    <p:cond delay="0"/>
+                                  </p:stCondLst>
+                                  <p:childTnLst>
+                                    <p:set>
+                                      <p:cBhvr>
+                                        <p:cTn id="16" dur="1" fill="hold">
+                                          <p:stCondLst>
+                                            <p:cond delay="0"/>
+                                          </p:stCondLst>
+                                        </p:cTn>
+                                        <p:tgtEl>
+                                          <p:spTgt spid="7">
+                                            <p:txEl>
+                                              <p:pRg st="0" end="0"/>
+                                            </p:txEl>
+                                          </p:spTgt>
+                                        </p:tgtEl>
+                                        <p:attrNameLst>
+                                          <p:attrName>style.visibility</p:attrName>
+                                        </p:attrNameLst>
+                                      </p:cBhvr>
+                                      <p:to>
+                                        <p:strVal val="visible"/>
+                                      </p:to>
+                                    </p:set>
+                                  </p:childTnLst>
+                                </p:cTn>
+                              </p:par>
+                            </p:childTnLst>
+                          </p:cTn>
+                        </p:par>
+                      </p:childTnLst>
+                    </p:cTn>
+                  </p:par>
+                  <p:par>
+                    <p:cTn id="17" fill="hold">
+                      <p:stCondLst>
+                        <p:cond delay="indefinite"/>
+                      </p:stCondLst>
+                      <p:childTnLst>
+                        <p:par>
+                          <p:cTn id="18" fill="hold">
+                            <p:stCondLst>
+                              <p:cond delay="0"/>
+                            </p:stCondLst>
+                            <p:childTnLst>
+                              <p:par>
+                                <p:cTn id="19" presetID="1" presetClass="entr" presetSubtype="0" fill="hold" nodeType="clickEffect">
+                                  <p:stCondLst>
+                                    <p:cond delay="0"/>
+                                  </p:stCondLst>
+                                  <p:childTnLst>
+                                    <p:set>
+                                      <p:cBhvr>
+                                        <p:cTn id="20" dur="1" fill="hold">
+                                          <p:stCondLst>
+                                            <p:cond delay="0"/>
+                                          </p:stCondLst>
+                                        </p:cTn>
+                                        <p:tgtEl>
+                                          <p:spTgt spid="7">
+                                            <p:txEl>
+                                              <p:pRg st="1" end="1"/>
+                                            </p:txEl>
+                                          </p:spTgt>
+                                        </p:tgtEl>
+                                        <p:attrNameLst>
+                                          <p:attrName>style.visibility</p:attrName>
+                                        </p:attrNameLst>
+                                      </p:cBhvr>
+                                      <p:to>
+                                        <p:strVal val="visible"/>
+                                      </p:to>
+                                    </p:set>
+                                  </p:childTnLst>
+                                </p:cTn>
+                              </p:par>
+                            </p:childTnLst>
+                          </p:cTn>
+                        </p:par>
+                      </p:childTnLst>
+                    </p:cTn>
+                  </p:par>
+                  <p:par>
+                    <p:cTn id="21" fill="hold">
+                      <p:stCondLst>
+                        <p:cond delay="indefinite"/>
+                      </p:stCondLst>
+                      <p:childTnLst>
+                        <p:par>
+                          <p:cTn id="22" fill="hold">
+                            <p:stCondLst>
+                              <p:cond delay="0"/>
+                            </p:stCondLst>
+                            <p:childTnLst>
+                              <p:par>
+                                <p:cTn id="23" presetID="1" presetClass="entr" presetSubtype="0" fill="hold" nodeType="clickEffect">
+                                  <p:stCondLst>
+                                    <p:cond delay="0"/>
+                                  </p:stCondLst>
+                                  <p:childTnLst>
+                                    <p:set>
+                                      <p:cBhvr>
+                                        <p:cTn id="24" dur="1" fill="hold">
+                                          <p:stCondLst>
+                                            <p:cond delay="0"/>
+                                          </p:stCondLst>
+                                        </p:cTn>
+                                        <p:tgtEl>
+                                          <p:spTgt spid="7">
+                                            <p:txEl>
+                                              <p:pRg st="2" end="2"/>
+                                            </p:txEl>
+                                          </p:spTgt>
                                         </p:tgtEl>
                                         <p:attrNameLst>
                                           <p:attrName>style.visibility</p:attrName>

--- a/Lecture_01.pptx
+++ b/Lecture_01.pptx
@@ -19,15 +19,16 @@
     <p:sldId id="270" r:id="rId13"/>
     <p:sldId id="269" r:id="rId14"/>
     <p:sldId id="267" r:id="rId15"/>
-    <p:sldId id="268" r:id="rId16"/>
-    <p:sldId id="271" r:id="rId17"/>
-    <p:sldId id="272" r:id="rId18"/>
-    <p:sldId id="273" r:id="rId19"/>
-    <p:sldId id="275" r:id="rId20"/>
-    <p:sldId id="276" r:id="rId21"/>
-    <p:sldId id="277" r:id="rId22"/>
-    <p:sldId id="278" r:id="rId23"/>
-    <p:sldId id="279" r:id="rId24"/>
+    <p:sldId id="280" r:id="rId16"/>
+    <p:sldId id="268" r:id="rId17"/>
+    <p:sldId id="271" r:id="rId18"/>
+    <p:sldId id="272" r:id="rId19"/>
+    <p:sldId id="273" r:id="rId20"/>
+    <p:sldId id="275" r:id="rId21"/>
+    <p:sldId id="276" r:id="rId22"/>
+    <p:sldId id="277" r:id="rId23"/>
+    <p:sldId id="278" r:id="rId24"/>
+    <p:sldId id="279" r:id="rId25"/>
   </p:sldIdLst>
   <p:sldSz cx="12192000" cy="6858000"/>
   <p:notesSz cx="6858000" cy="9144000"/>
@@ -3138,15 +3139,13 @@
           <a:p>
             <a:r>
               <a:rPr lang="en-CA" dirty="0" smtClean="0"/>
-              <a:t>What form does the input take?</a:t>
+              <a:t>What form does the input take</a:t>
             </a:r>
-          </a:p>
-          <a:p>
             <a:r>
               <a:rPr lang="en-CA" dirty="0" smtClean="0"/>
-              <a:t>Contact lens example</a:t>
+              <a:t>?</a:t>
             </a:r>
-            <a:endParaRPr lang="en-CA" dirty="0"/>
+            <a:endParaRPr lang="en-CA" dirty="0" smtClean="0"/>
           </a:p>
         </p:txBody>
       </p:sp>
@@ -3246,55 +3245,6 @@
                                           <p:spTgt spid="3">
                                             <p:txEl>
                                               <p:pRg st="2" end="2"/>
-                                            </p:txEl>
-                                          </p:spTgt>
-                                        </p:tgtEl>
-                                        <p:attrNameLst>
-                                          <p:attrName>style.visibility</p:attrName>
-                                        </p:attrNameLst>
-                                      </p:cBhvr>
-                                      <p:to>
-                                        <p:strVal val="visible"/>
-                                      </p:to>
-                                    </p:set>
-                                  </p:childTnLst>
-                                </p:cTn>
-                              </p:par>
-                            </p:childTnLst>
-                          </p:cTn>
-                        </p:par>
-                      </p:childTnLst>
-                    </p:cTn>
-                  </p:par>
-                  <p:par>
-                    <p:cTn id="11" fill="hold">
-                      <p:stCondLst>
-                        <p:cond delay="indefinite"/>
-                      </p:stCondLst>
-                      <p:childTnLst>
-                        <p:par>
-                          <p:cTn id="12" fill="hold">
-                            <p:stCondLst>
-                              <p:cond delay="0"/>
-                            </p:stCondLst>
-                            <p:childTnLst>
-                              <p:par>
-                                <p:cTn id="13" presetID="1" presetClass="entr" presetSubtype="0" fill="hold" grpId="0" nodeType="clickEffect">
-                                  <p:stCondLst>
-                                    <p:cond delay="0"/>
-                                  </p:stCondLst>
-                                  <p:childTnLst>
-                                    <p:set>
-                                      <p:cBhvr>
-                                        <p:cTn id="14" dur="1" fill="hold">
-                                          <p:stCondLst>
-                                            <p:cond delay="0"/>
-                                          </p:stCondLst>
-                                        </p:cTn>
-                                        <p:tgtEl>
-                                          <p:spTgt spid="3">
-                                            <p:txEl>
-                                              <p:pRg st="3" end="3"/>
                                             </p:txEl>
                                           </p:spTgt>
                                         </p:tgtEl>
@@ -8553,16 +8503,11 @@
               <a:rPr lang="en-CA" dirty="0" smtClean="0"/>
               <a:t>?</a:t>
             </a:r>
-            <a:endParaRPr lang="en-CA" dirty="0" smtClean="0"/>
           </a:p>
           <a:p>
             <a:r>
               <a:rPr lang="en-CA" dirty="0" smtClean="0"/>
-              <a:t>3 </a:t>
-            </a:r>
-            <a:r>
-              <a:rPr lang="en-CA" dirty="0" smtClean="0"/>
-              <a:t>possible values for age</a:t>
+              <a:t>3 possible values for age</a:t>
             </a:r>
           </a:p>
           <a:p>
@@ -8641,13 +8586,8 @@
             </a:r>
             <a:r>
               <a:rPr lang="en-CA" dirty="0" smtClean="0"/>
-              <a:t> it</a:t>
+              <a:t> it?</a:t>
             </a:r>
-            <a:r>
-              <a:rPr lang="en-CA" dirty="0" smtClean="0"/>
-              <a:t>?</a:t>
-            </a:r>
-            <a:endParaRPr lang="en-CA" dirty="0" smtClean="0"/>
           </a:p>
         </p:txBody>
       </p:sp>
@@ -9425,9 +9365,6 @@
                     <p:cTn id="3" fill="hold">
                       <p:stCondLst>
                         <p:cond delay="indefinite"/>
-                        <p:cond evt="onBegin" delay="0">
-                          <p:tn val="2"/>
-                        </p:cond>
                       </p:stCondLst>
                       <p:childTnLst>
                         <p:par>
@@ -9437,7 +9374,7 @@
                             </p:stCondLst>
                             <p:childTnLst>
                               <p:par>
-                                <p:cTn id="5" presetID="1" presetClass="entr" presetSubtype="0" fill="hold" grpId="0" nodeType="withEffect">
+                                <p:cTn id="5" presetID="1" presetClass="entr" presetSubtype="0" fill="hold" grpId="0" nodeType="clickEffect">
                                   <p:stCondLst>
                                     <p:cond delay="0"/>
                                   </p:stCondLst>
@@ -9445,6 +9382,37 @@
                                     <p:set>
                                       <p:cBhvr>
                                         <p:cTn id="6" dur="1" fill="hold">
+                                          <p:stCondLst>
+                                            <p:cond delay="0"/>
+                                          </p:stCondLst>
+                                        </p:cTn>
+                                        <p:tgtEl>
+                                          <p:spTgt spid="3">
+                                            <p:txEl>
+                                              <p:pRg st="0" end="0"/>
+                                            </p:txEl>
+                                          </p:spTgt>
+                                        </p:tgtEl>
+                                        <p:attrNameLst>
+                                          <p:attrName>style.visibility</p:attrName>
+                                        </p:attrNameLst>
+                                      </p:cBhvr>
+                                      <p:to>
+                                        <p:strVal val="visible"/>
+                                      </p:to>
+                                    </p:set>
+                                  </p:childTnLst>
+                                </p:cTn>
+                              </p:par>
+                              <p:par>
+                                <p:cTn id="7" presetID="1" presetClass="entr" presetSubtype="0" fill="hold" grpId="0" nodeType="withEffect">
+                                  <p:stCondLst>
+                                    <p:cond delay="0"/>
+                                  </p:stCondLst>
+                                  <p:childTnLst>
+                                    <p:set>
+                                      <p:cBhvr>
+                                        <p:cTn id="8" dur="1" fill="hold">
                                           <p:stCondLst>
                                             <p:cond delay="0"/>
                                           </p:stCondLst>
@@ -9474,26 +9442,26 @@
                     </p:cTn>
                   </p:par>
                   <p:par>
-                    <p:cTn id="7" fill="hold">
+                    <p:cTn id="9" fill="hold">
                       <p:stCondLst>
                         <p:cond delay="indefinite"/>
                       </p:stCondLst>
                       <p:childTnLst>
                         <p:par>
-                          <p:cTn id="8" fill="hold">
+                          <p:cTn id="10" fill="hold">
                             <p:stCondLst>
                               <p:cond delay="0"/>
                             </p:stCondLst>
                             <p:childTnLst>
                               <p:par>
-                                <p:cTn id="9" presetID="1" presetClass="entr" presetSubtype="0" fill="hold" grpId="0" nodeType="clickEffect">
+                                <p:cTn id="11" presetID="1" presetClass="entr" presetSubtype="0" fill="hold" grpId="0" nodeType="clickEffect">
                                   <p:stCondLst>
                                     <p:cond delay="0"/>
                                   </p:stCondLst>
                                   <p:childTnLst>
                                     <p:set>
                                       <p:cBhvr>
-                                        <p:cTn id="10" dur="1" fill="hold">
+                                        <p:cTn id="12" dur="1" fill="hold">
                                           <p:stCondLst>
                                             <p:cond delay="0"/>
                                           </p:stCondLst>
@@ -9523,26 +9491,26 @@
                     </p:cTn>
                   </p:par>
                   <p:par>
-                    <p:cTn id="11" fill="hold">
+                    <p:cTn id="13" fill="hold">
                       <p:stCondLst>
                         <p:cond delay="indefinite"/>
                       </p:stCondLst>
                       <p:childTnLst>
                         <p:par>
-                          <p:cTn id="12" fill="hold">
+                          <p:cTn id="14" fill="hold">
                             <p:stCondLst>
                               <p:cond delay="0"/>
                             </p:stCondLst>
                             <p:childTnLst>
                               <p:par>
-                                <p:cTn id="13" presetID="1" presetClass="entr" presetSubtype="0" fill="hold" grpId="0" nodeType="clickEffect">
+                                <p:cTn id="15" presetID="1" presetClass="entr" presetSubtype="0" fill="hold" grpId="0" nodeType="clickEffect">
                                   <p:stCondLst>
                                     <p:cond delay="0"/>
                                   </p:stCondLst>
                                   <p:childTnLst>
                                     <p:set>
                                       <p:cBhvr>
-                                        <p:cTn id="14" dur="1" fill="hold">
+                                        <p:cTn id="16" dur="1" fill="hold">
                                           <p:stCondLst>
                                             <p:cond delay="0"/>
                                           </p:stCondLst>
@@ -9572,26 +9540,26 @@
                     </p:cTn>
                   </p:par>
                   <p:par>
-                    <p:cTn id="15" fill="hold">
+                    <p:cTn id="17" fill="hold">
                       <p:stCondLst>
                         <p:cond delay="indefinite"/>
                       </p:stCondLst>
                       <p:childTnLst>
                         <p:par>
-                          <p:cTn id="16" fill="hold">
+                          <p:cTn id="18" fill="hold">
                             <p:stCondLst>
                               <p:cond delay="0"/>
                             </p:stCondLst>
                             <p:childTnLst>
                               <p:par>
-                                <p:cTn id="17" presetID="1" presetClass="entr" presetSubtype="0" fill="hold" grpId="0" nodeType="clickEffect">
+                                <p:cTn id="19" presetID="1" presetClass="entr" presetSubtype="0" fill="hold" grpId="0" nodeType="clickEffect">
                                   <p:stCondLst>
                                     <p:cond delay="0"/>
                                   </p:stCondLst>
                                   <p:childTnLst>
                                     <p:set>
                                       <p:cBhvr>
-                                        <p:cTn id="18" dur="1" fill="hold">
+                                        <p:cTn id="20" dur="1" fill="hold">
                                           <p:stCondLst>
                                             <p:cond delay="0"/>
                                           </p:stCondLst>
@@ -9621,26 +9589,26 @@
                     </p:cTn>
                   </p:par>
                   <p:par>
-                    <p:cTn id="19" fill="hold">
+                    <p:cTn id="21" fill="hold">
                       <p:stCondLst>
                         <p:cond delay="indefinite"/>
                       </p:stCondLst>
                       <p:childTnLst>
                         <p:par>
-                          <p:cTn id="20" fill="hold">
+                          <p:cTn id="22" fill="hold">
                             <p:stCondLst>
                               <p:cond delay="0"/>
                             </p:stCondLst>
                             <p:childTnLst>
                               <p:par>
-                                <p:cTn id="21" presetID="1" presetClass="entr" presetSubtype="0" fill="hold" grpId="0" nodeType="clickEffect">
+                                <p:cTn id="23" presetID="1" presetClass="entr" presetSubtype="0" fill="hold" grpId="0" nodeType="clickEffect">
                                   <p:stCondLst>
                                     <p:cond delay="0"/>
                                   </p:stCondLst>
                                   <p:childTnLst>
                                     <p:set>
                                       <p:cBhvr>
-                                        <p:cTn id="22" dur="1" fill="hold">
+                                        <p:cTn id="24" dur="1" fill="hold">
                                           <p:stCondLst>
                                             <p:cond delay="0"/>
                                           </p:stCondLst>
@@ -9670,26 +9638,26 @@
                     </p:cTn>
                   </p:par>
                   <p:par>
-                    <p:cTn id="23" fill="hold">
+                    <p:cTn id="25" fill="hold">
                       <p:stCondLst>
                         <p:cond delay="indefinite"/>
                       </p:stCondLst>
                       <p:childTnLst>
                         <p:par>
-                          <p:cTn id="24" fill="hold">
+                          <p:cTn id="26" fill="hold">
                             <p:stCondLst>
                               <p:cond delay="0"/>
                             </p:stCondLst>
                             <p:childTnLst>
                               <p:par>
-                                <p:cTn id="25" presetID="1" presetClass="entr" presetSubtype="0" fill="hold" grpId="0" nodeType="clickEffect">
+                                <p:cTn id="27" presetID="1" presetClass="entr" presetSubtype="0" fill="hold" grpId="0" nodeType="clickEffect">
                                   <p:stCondLst>
                                     <p:cond delay="0"/>
                                   </p:stCondLst>
                                   <p:childTnLst>
                                     <p:set>
                                       <p:cBhvr>
-                                        <p:cTn id="26" dur="1" fill="hold">
+                                        <p:cTn id="28" dur="1" fill="hold">
                                           <p:stCondLst>
                                             <p:cond delay="0"/>
                                           </p:stCondLst>
@@ -9740,7 +9708,7 @@
       </p:par>
     </p:tnLst>
     <p:bldLst>
-      <p:bldP spid="3" grpId="0" uiExpand="1" build="p"/>
+      <p:bldP spid="3" grpId="0" build="p"/>
     </p:bldLst>
   </p:timing>
 </p:sld>
@@ -13111,29 +13079,3623 @@
         </p:nvSpPr>
         <p:spPr>
           <a:xfrm>
-            <a:off x="277092" y="1623432"/>
-            <a:ext cx="5270356" cy="5026750"/>
+            <a:off x="277092" y="1498742"/>
+            <a:ext cx="5270356" cy="5151440"/>
           </a:xfrm>
         </p:spPr>
         <p:txBody>
           <a:bodyPr>
-            <a:normAutofit fontScale="77500" lnSpcReduction="20000"/>
+            <a:normAutofit fontScale="85000" lnSpcReduction="20000"/>
           </a:bodyPr>
           <a:lstStyle/>
           <a:p>
             <a:r>
-              <a:rPr lang="en-CA" dirty="0"/>
-              <a:t>S</a:t>
+              <a:rPr lang="en-CA" dirty="0" smtClean="0"/>
+              <a:t>Will John play?</a:t>
+            </a:r>
+          </a:p>
+          <a:p>
+            <a:r>
+              <a:rPr lang="en-CA" dirty="0" smtClean="0">
+                <a:solidFill>
+                  <a:schemeClr val="bg1"/>
+                </a:solidFill>
+              </a:rPr>
+              <a:t>Several </a:t>
+            </a:r>
+            <a:r>
+              <a:rPr lang="en-CA" dirty="0" smtClean="0">
+                <a:solidFill>
+                  <a:schemeClr val="bg1"/>
+                </a:solidFill>
+              </a:rPr>
+              <a:t>standard datasets we will come back to </a:t>
+            </a:r>
+            <a:r>
+              <a:rPr lang="en-CA" dirty="0" smtClean="0">
+                <a:solidFill>
+                  <a:schemeClr val="bg1"/>
+                </a:solidFill>
+              </a:rPr>
+              <a:t>repeatedly</a:t>
+            </a:r>
+          </a:p>
+          <a:p>
+            <a:r>
+              <a:rPr lang="en-CA" dirty="0" smtClean="0">
+                <a:solidFill>
+                  <a:schemeClr val="bg1"/>
+                </a:solidFill>
+              </a:rPr>
+              <a:t>We </a:t>
+            </a:r>
+            <a:r>
+              <a:rPr lang="en-CA" dirty="0" smtClean="0">
+                <a:solidFill>
+                  <a:schemeClr val="bg1"/>
+                </a:solidFill>
+              </a:rPr>
+              <a:t>can create a structural description of this dataset using a </a:t>
+            </a:r>
+            <a:r>
+              <a:rPr lang="en-CA" b="1" dirty="0" smtClean="0">
+                <a:solidFill>
+                  <a:schemeClr val="bg1"/>
+                </a:solidFill>
+              </a:rPr>
+              <a:t>decision list </a:t>
+            </a:r>
+            <a:r>
+              <a:rPr lang="en-CA" dirty="0" smtClean="0">
+                <a:solidFill>
+                  <a:schemeClr val="bg1"/>
+                </a:solidFill>
+              </a:rPr>
+              <a:t>as follows</a:t>
+            </a:r>
+            <a:r>
+              <a:rPr lang="en-CA" dirty="0" smtClean="0">
+                <a:solidFill>
+                  <a:schemeClr val="bg1"/>
+                </a:solidFill>
+              </a:rPr>
+              <a:t>:</a:t>
+            </a:r>
+            <a:endParaRPr lang="en-CA" dirty="0" smtClean="0">
+              <a:solidFill>
+                <a:schemeClr val="bg1"/>
+              </a:solidFill>
+            </a:endParaRPr>
+          </a:p>
+          <a:p>
+            <a:pPr>
+              <a:buFont typeface="Wingdings" panose="05000000000000000000" pitchFamily="2" charset="2"/>
+              <a:buChar char="Ø"/>
+            </a:pPr>
+            <a:r>
+              <a:rPr lang="en-CA" dirty="0" smtClean="0">
+                <a:solidFill>
+                  <a:schemeClr val="bg1"/>
+                </a:solidFill>
+                <a:latin typeface="Courier New" panose="02070309020205020404" pitchFamily="49" charset="0"/>
+                <a:cs typeface="Courier New" panose="02070309020205020404" pitchFamily="49" charset="0"/>
+              </a:rPr>
+              <a:t>If Outlook=Sunny and Humidity=High then Play=No</a:t>
+            </a:r>
+          </a:p>
+          <a:p>
+            <a:pPr>
+              <a:buFont typeface="Wingdings" panose="05000000000000000000" pitchFamily="2" charset="2"/>
+              <a:buChar char="Ø"/>
+            </a:pPr>
+            <a:r>
+              <a:rPr lang="en-CA" dirty="0" smtClean="0">
+                <a:solidFill>
+                  <a:schemeClr val="bg1"/>
+                </a:solidFill>
+                <a:latin typeface="Courier New" panose="02070309020205020404" pitchFamily="49" charset="0"/>
+                <a:cs typeface="Courier New" panose="02070309020205020404" pitchFamily="49" charset="0"/>
+              </a:rPr>
+              <a:t>If Outlook=Rainy and Windy=True then Play=No</a:t>
+            </a:r>
+          </a:p>
+          <a:p>
+            <a:pPr>
+              <a:buFont typeface="Wingdings" panose="05000000000000000000" pitchFamily="2" charset="2"/>
+              <a:buChar char="Ø"/>
+            </a:pPr>
+            <a:r>
+              <a:rPr lang="en-CA" dirty="0" smtClean="0">
+                <a:solidFill>
+                  <a:schemeClr val="bg1"/>
+                </a:solidFill>
+                <a:latin typeface="Courier New" panose="02070309020205020404" pitchFamily="49" charset="0"/>
+                <a:cs typeface="Courier New" panose="02070309020205020404" pitchFamily="49" charset="0"/>
+              </a:rPr>
+              <a:t>If Outlook=Overcast then Play=Yes</a:t>
+            </a:r>
+          </a:p>
+          <a:p>
+            <a:pPr>
+              <a:buFont typeface="Wingdings" panose="05000000000000000000" pitchFamily="2" charset="2"/>
+              <a:buChar char="Ø"/>
+            </a:pPr>
+            <a:r>
+              <a:rPr lang="en-CA" dirty="0" smtClean="0">
+                <a:solidFill>
+                  <a:schemeClr val="bg1"/>
+                </a:solidFill>
+                <a:latin typeface="Courier New" panose="02070309020205020404" pitchFamily="49" charset="0"/>
+                <a:cs typeface="Courier New" panose="02070309020205020404" pitchFamily="49" charset="0"/>
+              </a:rPr>
+              <a:t>If Humidity=Normal then Play=Yes</a:t>
+            </a:r>
+          </a:p>
+          <a:p>
+            <a:pPr>
+              <a:buFont typeface="Wingdings" panose="05000000000000000000" pitchFamily="2" charset="2"/>
+              <a:buChar char="Ø"/>
+            </a:pPr>
+            <a:r>
+              <a:rPr lang="en-CA" dirty="0" smtClean="0">
+                <a:solidFill>
+                  <a:schemeClr val="bg1"/>
+                </a:solidFill>
+                <a:latin typeface="Courier New" panose="02070309020205020404" pitchFamily="49" charset="0"/>
+                <a:cs typeface="Courier New" panose="02070309020205020404" pitchFamily="49" charset="0"/>
+              </a:rPr>
+              <a:t>If none of the above then </a:t>
+            </a:r>
+            <a:r>
+              <a:rPr lang="en-CA" dirty="0" smtClean="0">
+                <a:latin typeface="Courier New" panose="02070309020205020404" pitchFamily="49" charset="0"/>
+                <a:cs typeface="Courier New" panose="02070309020205020404" pitchFamily="49" charset="0"/>
+              </a:rPr>
+              <a:t>Play=Yes</a:t>
+            </a:r>
+            <a:endParaRPr lang="en-CA" dirty="0">
+              <a:latin typeface="Courier New" panose="02070309020205020404" pitchFamily="49" charset="0"/>
+              <a:cs typeface="Courier New" panose="02070309020205020404" pitchFamily="49" charset="0"/>
+            </a:endParaRPr>
+          </a:p>
+        </p:txBody>
+      </p:sp>
+      <p:pic>
+        <p:nvPicPr>
+          <p:cNvPr id="3" name="Picture 2"/>
+          <p:cNvPicPr>
+            <a:picLocks noChangeAspect="1"/>
+          </p:cNvPicPr>
+          <p:nvPr/>
+        </p:nvPicPr>
+        <p:blipFill>
+          <a:blip r:embed="rId2"/>
+          <a:stretch>
+            <a:fillRect/>
+          </a:stretch>
+        </p:blipFill>
+        <p:spPr>
+          <a:xfrm>
+            <a:off x="277091" y="1854201"/>
+            <a:ext cx="2990101" cy="4899745"/>
+          </a:xfrm>
+          <a:prstGeom prst="rect">
+            <a:avLst/>
+          </a:prstGeom>
+        </p:spPr>
+      </p:pic>
+    </p:spTree>
+    <p:extLst>
+      <p:ext uri="{BB962C8B-B14F-4D97-AF65-F5344CB8AC3E}">
+        <p14:creationId xmlns:p14="http://schemas.microsoft.com/office/powerpoint/2010/main" val="2764131776"/>
+      </p:ext>
+    </p:extLst>
+  </p:cSld>
+  <p:clrMapOvr>
+    <a:masterClrMapping/>
+  </p:clrMapOvr>
+  <p:timing>
+    <p:tnLst>
+      <p:par>
+        <p:cTn id="1" dur="indefinite" restart="never" nodeType="tmRoot"/>
+      </p:par>
+    </p:tnLst>
+  </p:timing>
+</p:sld>
+</file>
+
+<file path=ppt/slides/slide15.xml><?xml version="1.0" encoding="utf-8"?>
+<p:sld xmlns:a="http://schemas.openxmlformats.org/drawingml/2006/main" xmlns:r="http://schemas.openxmlformats.org/officeDocument/2006/relationships" xmlns:p="http://schemas.openxmlformats.org/presentationml/2006/main">
+  <p:cSld>
+    <p:spTree>
+      <p:nvGrpSpPr>
+        <p:cNvPr id="1" name=""/>
+        <p:cNvGrpSpPr/>
+        <p:nvPr/>
+      </p:nvGrpSpPr>
+      <p:grpSpPr>
+        <a:xfrm>
+          <a:off x="0" y="0"/>
+          <a:ext cx="0" cy="0"/>
+          <a:chOff x="0" y="0"/>
+          <a:chExt cx="0" cy="0"/>
+        </a:xfrm>
+      </p:grpSpPr>
+      <p:sp>
+        <p:nvSpPr>
+          <p:cNvPr id="2" name="Title 1"/>
+          <p:cNvSpPr>
+            <a:spLocks noGrp="1"/>
+          </p:cNvSpPr>
+          <p:nvPr>
+            <p:ph type="title"/>
+          </p:nvPr>
+        </p:nvSpPr>
+        <p:spPr>
+          <a:xfrm>
+            <a:off x="838199" y="297869"/>
+            <a:ext cx="4709249" cy="1325563"/>
+          </a:xfrm>
+        </p:spPr>
+        <p:txBody>
+          <a:bodyPr/>
+          <a:lstStyle/>
+          <a:p>
+            <a:r>
+              <a:rPr lang="en-CA" dirty="0" smtClean="0"/>
+              <a:t>Weather dataset</a:t>
+            </a:r>
+            <a:endParaRPr lang="en-CA" dirty="0"/>
+          </a:p>
+        </p:txBody>
+      </p:sp>
+      <p:graphicFrame>
+        <p:nvGraphicFramePr>
+          <p:cNvPr id="8" name="Table 7"/>
+          <p:cNvGraphicFramePr>
+            <a:graphicFrameLocks noGrp="1"/>
+          </p:cNvGraphicFramePr>
+          <p:nvPr>
+            <p:extLst/>
+          </p:nvPr>
+        </p:nvGraphicFramePr>
+        <p:xfrm>
+          <a:off x="5547449" y="67100"/>
+          <a:ext cx="6608620" cy="6719460"/>
+        </p:xfrm>
+        <a:graphic>
+          <a:graphicData uri="http://schemas.openxmlformats.org/drawingml/2006/table">
+            <a:tbl>
+              <a:tblPr firstRow="1" firstCol="1" bandRow="1">
+                <a:tableStyleId>{5C22544A-7EE6-4342-B048-85BDC9FD1C3A}</a:tableStyleId>
+              </a:tblPr>
+              <a:tblGrid>
+                <a:gridCol w="1321724">
+                  <a:extLst>
+                    <a:ext uri="{9D8B030D-6E8A-4147-A177-3AD203B41FA5}">
+                      <a16:colId xmlns:a16="http://schemas.microsoft.com/office/drawing/2014/main" val="2316273983"/>
+                    </a:ext>
+                  </a:extLst>
+                </a:gridCol>
+                <a:gridCol w="1321724">
+                  <a:extLst>
+                    <a:ext uri="{9D8B030D-6E8A-4147-A177-3AD203B41FA5}">
+                      <a16:colId xmlns:a16="http://schemas.microsoft.com/office/drawing/2014/main" val="265443370"/>
+                    </a:ext>
+                  </a:extLst>
+                </a:gridCol>
+                <a:gridCol w="1321724">
+                  <a:extLst>
+                    <a:ext uri="{9D8B030D-6E8A-4147-A177-3AD203B41FA5}">
+                      <a16:colId xmlns:a16="http://schemas.microsoft.com/office/drawing/2014/main" val="1338186882"/>
+                    </a:ext>
+                  </a:extLst>
+                </a:gridCol>
+                <a:gridCol w="1321724">
+                  <a:extLst>
+                    <a:ext uri="{9D8B030D-6E8A-4147-A177-3AD203B41FA5}">
+                      <a16:colId xmlns:a16="http://schemas.microsoft.com/office/drawing/2014/main" val="3043099467"/>
+                    </a:ext>
+                  </a:extLst>
+                </a:gridCol>
+                <a:gridCol w="1321724">
+                  <a:extLst>
+                    <a:ext uri="{9D8B030D-6E8A-4147-A177-3AD203B41FA5}">
+                      <a16:colId xmlns:a16="http://schemas.microsoft.com/office/drawing/2014/main" val="3936291445"/>
+                    </a:ext>
+                  </a:extLst>
+                </a:gridCol>
+              </a:tblGrid>
+              <a:tr h="569526">
+                <a:tc>
+                  <a:txBody>
+                    <a:bodyPr/>
+                    <a:lstStyle/>
+                    <a:p>
+                      <a:pPr indent="-128270">
+                        <a:lnSpc>
+                          <a:spcPts val="1515"/>
+                        </a:lnSpc>
+                        <a:spcAft>
+                          <a:spcPts val="0"/>
+                        </a:spcAft>
+                      </a:pPr>
+                      <a:r>
+                        <a:rPr lang="en-CA" sz="1600" b="1" dirty="0">
+                          <a:solidFill>
+                            <a:schemeClr val="tx1"/>
+                          </a:solidFill>
+                          <a:effectLst/>
+                        </a:rPr>
+                        <a:t>Outlook</a:t>
+                      </a:r>
+                      <a:endParaRPr lang="en-CA" sz="1600" b="1" dirty="0">
+                        <a:solidFill>
+                          <a:schemeClr val="tx1"/>
+                        </a:solidFill>
+                        <a:effectLst/>
+                        <a:latin typeface="Calibri" panose="020F0502020204030204" pitchFamily="34" charset="0"/>
+                        <a:ea typeface="Calibri" panose="020F0502020204030204" pitchFamily="34" charset="0"/>
+                        <a:cs typeface="Times New Roman" panose="02020603050405020304" pitchFamily="18" charset="0"/>
+                      </a:endParaRPr>
+                    </a:p>
+                  </a:txBody>
+                  <a:tcPr marL="153670" marR="64135" marT="64135" marB="64135" anchor="ctr">
+                    <a:solidFill>
+                      <a:schemeClr val="bg1">
+                        <a:lumMod val="85000"/>
+                      </a:schemeClr>
+                    </a:solidFill>
+                  </a:tcPr>
+                </a:tc>
+                <a:tc>
+                  <a:txBody>
+                    <a:bodyPr/>
+                    <a:lstStyle/>
+                    <a:p>
+                      <a:pPr indent="-128270">
+                        <a:lnSpc>
+                          <a:spcPts val="1515"/>
+                        </a:lnSpc>
+                        <a:spcAft>
+                          <a:spcPts val="0"/>
+                        </a:spcAft>
+                      </a:pPr>
+                      <a:r>
+                        <a:rPr lang="en-CA" sz="1600" b="1">
+                          <a:solidFill>
+                            <a:schemeClr val="tx1"/>
+                          </a:solidFill>
+                          <a:effectLst/>
+                        </a:rPr>
+                        <a:t>Temperature</a:t>
+                      </a:r>
+                      <a:endParaRPr lang="en-CA" sz="1600" b="1">
+                        <a:solidFill>
+                          <a:schemeClr val="tx1"/>
+                        </a:solidFill>
+                        <a:effectLst/>
+                        <a:latin typeface="Calibri" panose="020F0502020204030204" pitchFamily="34" charset="0"/>
+                        <a:ea typeface="Calibri" panose="020F0502020204030204" pitchFamily="34" charset="0"/>
+                        <a:cs typeface="Times New Roman" panose="02020603050405020304" pitchFamily="18" charset="0"/>
+                      </a:endParaRPr>
+                    </a:p>
+                  </a:txBody>
+                  <a:tcPr marL="153670" marR="64135" marT="64135" marB="64135" anchor="ctr">
+                    <a:solidFill>
+                      <a:schemeClr val="bg1">
+                        <a:lumMod val="85000"/>
+                      </a:schemeClr>
+                    </a:solidFill>
+                  </a:tcPr>
+                </a:tc>
+                <a:tc>
+                  <a:txBody>
+                    <a:bodyPr/>
+                    <a:lstStyle/>
+                    <a:p>
+                      <a:pPr indent="-128270">
+                        <a:lnSpc>
+                          <a:spcPts val="1515"/>
+                        </a:lnSpc>
+                        <a:spcAft>
+                          <a:spcPts val="0"/>
+                        </a:spcAft>
+                      </a:pPr>
+                      <a:r>
+                        <a:rPr lang="en-CA" sz="1600" b="1" dirty="0">
+                          <a:solidFill>
+                            <a:schemeClr val="tx1"/>
+                          </a:solidFill>
+                          <a:effectLst/>
+                        </a:rPr>
+                        <a:t>Humidity</a:t>
+                      </a:r>
+                      <a:endParaRPr lang="en-CA" sz="1600" b="1" dirty="0">
+                        <a:solidFill>
+                          <a:schemeClr val="tx1"/>
+                        </a:solidFill>
+                        <a:effectLst/>
+                        <a:latin typeface="Calibri" panose="020F0502020204030204" pitchFamily="34" charset="0"/>
+                        <a:ea typeface="Calibri" panose="020F0502020204030204" pitchFamily="34" charset="0"/>
+                        <a:cs typeface="Times New Roman" panose="02020603050405020304" pitchFamily="18" charset="0"/>
+                      </a:endParaRPr>
+                    </a:p>
+                  </a:txBody>
+                  <a:tcPr marL="153670" marR="64135" marT="64135" marB="64135" anchor="ctr">
+                    <a:solidFill>
+                      <a:schemeClr val="bg1">
+                        <a:lumMod val="85000"/>
+                      </a:schemeClr>
+                    </a:solidFill>
+                  </a:tcPr>
+                </a:tc>
+                <a:tc>
+                  <a:txBody>
+                    <a:bodyPr/>
+                    <a:lstStyle/>
+                    <a:p>
+                      <a:pPr indent="-128270">
+                        <a:lnSpc>
+                          <a:spcPts val="1515"/>
+                        </a:lnSpc>
+                        <a:spcAft>
+                          <a:spcPts val="0"/>
+                        </a:spcAft>
+                      </a:pPr>
+                      <a:r>
+                        <a:rPr lang="en-CA" sz="1600" b="1">
+                          <a:solidFill>
+                            <a:schemeClr val="tx1"/>
+                          </a:solidFill>
+                          <a:effectLst/>
+                        </a:rPr>
+                        <a:t>Windy</a:t>
+                      </a:r>
+                      <a:endParaRPr lang="en-CA" sz="1600" b="1">
+                        <a:solidFill>
+                          <a:schemeClr val="tx1"/>
+                        </a:solidFill>
+                        <a:effectLst/>
+                        <a:latin typeface="Calibri" panose="020F0502020204030204" pitchFamily="34" charset="0"/>
+                        <a:ea typeface="Calibri" panose="020F0502020204030204" pitchFamily="34" charset="0"/>
+                        <a:cs typeface="Times New Roman" panose="02020603050405020304" pitchFamily="18" charset="0"/>
+                      </a:endParaRPr>
+                    </a:p>
+                  </a:txBody>
+                  <a:tcPr marL="153670" marR="64135" marT="64135" marB="64135" anchor="ctr">
+                    <a:solidFill>
+                      <a:schemeClr val="bg1">
+                        <a:lumMod val="85000"/>
+                      </a:schemeClr>
+                    </a:solidFill>
+                  </a:tcPr>
+                </a:tc>
+                <a:tc>
+                  <a:txBody>
+                    <a:bodyPr/>
+                    <a:lstStyle/>
+                    <a:p>
+                      <a:pPr indent="-128270">
+                        <a:lnSpc>
+                          <a:spcPts val="1515"/>
+                        </a:lnSpc>
+                        <a:spcAft>
+                          <a:spcPts val="0"/>
+                        </a:spcAft>
+                      </a:pPr>
+                      <a:r>
+                        <a:rPr lang="en-CA" sz="1600" b="1" dirty="0">
+                          <a:solidFill>
+                            <a:schemeClr val="tx1"/>
+                          </a:solidFill>
+                          <a:effectLst/>
+                        </a:rPr>
+                        <a:t>Play</a:t>
+                      </a:r>
+                      <a:endParaRPr lang="en-CA" sz="1600" b="1" dirty="0">
+                        <a:solidFill>
+                          <a:schemeClr val="tx1"/>
+                        </a:solidFill>
+                        <a:effectLst/>
+                        <a:latin typeface="Calibri" panose="020F0502020204030204" pitchFamily="34" charset="0"/>
+                        <a:ea typeface="Calibri" panose="020F0502020204030204" pitchFamily="34" charset="0"/>
+                        <a:cs typeface="Times New Roman" panose="02020603050405020304" pitchFamily="18" charset="0"/>
+                      </a:endParaRPr>
+                    </a:p>
+                  </a:txBody>
+                  <a:tcPr marL="153670" marR="64135" marT="64135" marB="64135" anchor="ctr">
+                    <a:solidFill>
+                      <a:schemeClr val="bg1">
+                        <a:lumMod val="85000"/>
+                      </a:schemeClr>
+                    </a:solidFill>
+                  </a:tcPr>
+                </a:tc>
+                <a:extLst>
+                  <a:ext uri="{0D108BD9-81ED-4DB2-BD59-A6C34878D82A}">
+                    <a16:rowId xmlns:a16="http://schemas.microsoft.com/office/drawing/2014/main" val="1160506949"/>
+                  </a:ext>
+                </a:extLst>
+              </a:tr>
+              <a:tr h="439281">
+                <a:tc>
+                  <a:txBody>
+                    <a:bodyPr/>
+                    <a:lstStyle/>
+                    <a:p>
+                      <a:pPr indent="-192405">
+                        <a:lnSpc>
+                          <a:spcPts val="1515"/>
+                        </a:lnSpc>
+                        <a:spcAft>
+                          <a:spcPts val="0"/>
+                        </a:spcAft>
+                      </a:pPr>
+                      <a:r>
+                        <a:rPr lang="en-CA" sz="1600" b="0">
+                          <a:solidFill>
+                            <a:schemeClr val="tx1"/>
+                          </a:solidFill>
+                          <a:effectLst/>
+                        </a:rPr>
+                        <a:t>Sunny</a:t>
+                      </a:r>
+                      <a:endParaRPr lang="en-CA" sz="1600" b="0">
+                        <a:solidFill>
+                          <a:schemeClr val="tx1"/>
+                        </a:solidFill>
+                        <a:effectLst/>
+                        <a:latin typeface="Calibri" panose="020F0502020204030204" pitchFamily="34" charset="0"/>
+                        <a:ea typeface="Calibri" panose="020F0502020204030204" pitchFamily="34" charset="0"/>
+                        <a:cs typeface="Times New Roman" panose="02020603050405020304" pitchFamily="18" charset="0"/>
+                      </a:endParaRPr>
+                    </a:p>
+                  </a:txBody>
+                  <a:tcPr marL="256540" marR="38735" marT="38735" marB="38735">
+                    <a:solidFill>
+                      <a:schemeClr val="bg1">
+                        <a:lumMod val="85000"/>
+                      </a:schemeClr>
+                    </a:solidFill>
+                  </a:tcPr>
+                </a:tc>
+                <a:tc>
+                  <a:txBody>
+                    <a:bodyPr/>
+                    <a:lstStyle/>
+                    <a:p>
+                      <a:pPr indent="-192405">
+                        <a:lnSpc>
+                          <a:spcPts val="1515"/>
+                        </a:lnSpc>
+                        <a:spcAft>
+                          <a:spcPts val="0"/>
+                        </a:spcAft>
+                      </a:pPr>
+                      <a:r>
+                        <a:rPr lang="en-CA" sz="1600" b="0">
+                          <a:solidFill>
+                            <a:schemeClr val="tx1"/>
+                          </a:solidFill>
+                          <a:effectLst/>
+                        </a:rPr>
+                        <a:t>Hot</a:t>
+                      </a:r>
+                      <a:endParaRPr lang="en-CA" sz="1600" b="0">
+                        <a:solidFill>
+                          <a:schemeClr val="tx1"/>
+                        </a:solidFill>
+                        <a:effectLst/>
+                        <a:latin typeface="Calibri" panose="020F0502020204030204" pitchFamily="34" charset="0"/>
+                        <a:ea typeface="Calibri" panose="020F0502020204030204" pitchFamily="34" charset="0"/>
+                        <a:cs typeface="Times New Roman" panose="02020603050405020304" pitchFamily="18" charset="0"/>
+                      </a:endParaRPr>
+                    </a:p>
+                  </a:txBody>
+                  <a:tcPr marL="256540" marR="38735" marT="38735" marB="38735">
+                    <a:solidFill>
+                      <a:schemeClr val="bg1">
+                        <a:lumMod val="85000"/>
+                      </a:schemeClr>
+                    </a:solidFill>
+                  </a:tcPr>
+                </a:tc>
+                <a:tc>
+                  <a:txBody>
+                    <a:bodyPr/>
+                    <a:lstStyle/>
+                    <a:p>
+                      <a:pPr indent="-192405">
+                        <a:lnSpc>
+                          <a:spcPts val="1515"/>
+                        </a:lnSpc>
+                        <a:spcAft>
+                          <a:spcPts val="0"/>
+                        </a:spcAft>
+                      </a:pPr>
+                      <a:r>
+                        <a:rPr lang="en-CA" sz="1600" b="0">
+                          <a:solidFill>
+                            <a:schemeClr val="tx1"/>
+                          </a:solidFill>
+                          <a:effectLst/>
+                        </a:rPr>
+                        <a:t>High</a:t>
+                      </a:r>
+                      <a:endParaRPr lang="en-CA" sz="1600" b="0">
+                        <a:solidFill>
+                          <a:schemeClr val="tx1"/>
+                        </a:solidFill>
+                        <a:effectLst/>
+                        <a:latin typeface="Calibri" panose="020F0502020204030204" pitchFamily="34" charset="0"/>
+                        <a:ea typeface="Calibri" panose="020F0502020204030204" pitchFamily="34" charset="0"/>
+                        <a:cs typeface="Times New Roman" panose="02020603050405020304" pitchFamily="18" charset="0"/>
+                      </a:endParaRPr>
+                    </a:p>
+                  </a:txBody>
+                  <a:tcPr marL="256540" marR="38735" marT="38735" marB="38735">
+                    <a:solidFill>
+                      <a:schemeClr val="bg1">
+                        <a:lumMod val="85000"/>
+                      </a:schemeClr>
+                    </a:solidFill>
+                  </a:tcPr>
+                </a:tc>
+                <a:tc>
+                  <a:txBody>
+                    <a:bodyPr/>
+                    <a:lstStyle/>
+                    <a:p>
+                      <a:pPr indent="-192405">
+                        <a:lnSpc>
+                          <a:spcPts val="1515"/>
+                        </a:lnSpc>
+                        <a:spcAft>
+                          <a:spcPts val="0"/>
+                        </a:spcAft>
+                      </a:pPr>
+                      <a:r>
+                        <a:rPr lang="en-CA" sz="1600" b="0">
+                          <a:solidFill>
+                            <a:schemeClr val="tx1"/>
+                          </a:solidFill>
+                          <a:effectLst/>
+                        </a:rPr>
+                        <a:t>False</a:t>
+                      </a:r>
+                      <a:endParaRPr lang="en-CA" sz="1600" b="0">
+                        <a:solidFill>
+                          <a:schemeClr val="tx1"/>
+                        </a:solidFill>
+                        <a:effectLst/>
+                        <a:latin typeface="Calibri" panose="020F0502020204030204" pitchFamily="34" charset="0"/>
+                        <a:ea typeface="Calibri" panose="020F0502020204030204" pitchFamily="34" charset="0"/>
+                        <a:cs typeface="Times New Roman" panose="02020603050405020304" pitchFamily="18" charset="0"/>
+                      </a:endParaRPr>
+                    </a:p>
+                  </a:txBody>
+                  <a:tcPr marL="256540" marR="38735" marT="38735" marB="38735">
+                    <a:solidFill>
+                      <a:schemeClr val="bg1">
+                        <a:lumMod val="85000"/>
+                      </a:schemeClr>
+                    </a:solidFill>
+                  </a:tcPr>
+                </a:tc>
+                <a:tc>
+                  <a:txBody>
+                    <a:bodyPr/>
+                    <a:lstStyle/>
+                    <a:p>
+                      <a:pPr indent="-192405">
+                        <a:lnSpc>
+                          <a:spcPts val="1515"/>
+                        </a:lnSpc>
+                        <a:spcAft>
+                          <a:spcPts val="0"/>
+                        </a:spcAft>
+                      </a:pPr>
+                      <a:r>
+                        <a:rPr lang="en-CA" sz="1600" b="0">
+                          <a:solidFill>
+                            <a:schemeClr val="tx1"/>
+                          </a:solidFill>
+                          <a:effectLst/>
+                        </a:rPr>
+                        <a:t>No</a:t>
+                      </a:r>
+                      <a:endParaRPr lang="en-CA" sz="1600" b="0">
+                        <a:solidFill>
+                          <a:schemeClr val="tx1"/>
+                        </a:solidFill>
+                        <a:effectLst/>
+                        <a:latin typeface="Calibri" panose="020F0502020204030204" pitchFamily="34" charset="0"/>
+                        <a:ea typeface="Calibri" panose="020F0502020204030204" pitchFamily="34" charset="0"/>
+                        <a:cs typeface="Times New Roman" panose="02020603050405020304" pitchFamily="18" charset="0"/>
+                      </a:endParaRPr>
+                    </a:p>
+                  </a:txBody>
+                  <a:tcPr marL="256540" marR="38735" marT="38735" marB="38735">
+                    <a:solidFill>
+                      <a:schemeClr val="bg1">
+                        <a:lumMod val="85000"/>
+                      </a:schemeClr>
+                    </a:solidFill>
+                  </a:tcPr>
+                </a:tc>
+                <a:extLst>
+                  <a:ext uri="{0D108BD9-81ED-4DB2-BD59-A6C34878D82A}">
+                    <a16:rowId xmlns:a16="http://schemas.microsoft.com/office/drawing/2014/main" val="3786413865"/>
+                  </a:ext>
+                </a:extLst>
+              </a:tr>
+              <a:tr h="439281">
+                <a:tc>
+                  <a:txBody>
+                    <a:bodyPr/>
+                    <a:lstStyle/>
+                    <a:p>
+                      <a:pPr indent="-192405">
+                        <a:lnSpc>
+                          <a:spcPts val="1515"/>
+                        </a:lnSpc>
+                        <a:spcAft>
+                          <a:spcPts val="0"/>
+                        </a:spcAft>
+                      </a:pPr>
+                      <a:r>
+                        <a:rPr lang="en-CA" sz="1600" b="0">
+                          <a:solidFill>
+                            <a:schemeClr val="tx1"/>
+                          </a:solidFill>
+                          <a:effectLst/>
+                        </a:rPr>
+                        <a:t>Sunny</a:t>
+                      </a:r>
+                      <a:endParaRPr lang="en-CA" sz="1600" b="0">
+                        <a:solidFill>
+                          <a:schemeClr val="tx1"/>
+                        </a:solidFill>
+                        <a:effectLst/>
+                        <a:latin typeface="Calibri" panose="020F0502020204030204" pitchFamily="34" charset="0"/>
+                        <a:ea typeface="Calibri" panose="020F0502020204030204" pitchFamily="34" charset="0"/>
+                        <a:cs typeface="Times New Roman" panose="02020603050405020304" pitchFamily="18" charset="0"/>
+                      </a:endParaRPr>
+                    </a:p>
+                  </a:txBody>
+                  <a:tcPr marL="256540" marR="38735" marT="38735" marB="38735">
+                    <a:solidFill>
+                      <a:schemeClr val="bg1">
+                        <a:lumMod val="85000"/>
+                      </a:schemeClr>
+                    </a:solidFill>
+                  </a:tcPr>
+                </a:tc>
+                <a:tc>
+                  <a:txBody>
+                    <a:bodyPr/>
+                    <a:lstStyle/>
+                    <a:p>
+                      <a:pPr indent="-192405">
+                        <a:lnSpc>
+                          <a:spcPts val="1515"/>
+                        </a:lnSpc>
+                        <a:spcAft>
+                          <a:spcPts val="0"/>
+                        </a:spcAft>
+                      </a:pPr>
+                      <a:r>
+                        <a:rPr lang="en-CA" sz="1600" b="0">
+                          <a:solidFill>
+                            <a:schemeClr val="tx1"/>
+                          </a:solidFill>
+                          <a:effectLst/>
+                        </a:rPr>
+                        <a:t>Hot</a:t>
+                      </a:r>
+                      <a:endParaRPr lang="en-CA" sz="1600" b="0">
+                        <a:solidFill>
+                          <a:schemeClr val="tx1"/>
+                        </a:solidFill>
+                        <a:effectLst/>
+                        <a:latin typeface="Calibri" panose="020F0502020204030204" pitchFamily="34" charset="0"/>
+                        <a:ea typeface="Calibri" panose="020F0502020204030204" pitchFamily="34" charset="0"/>
+                        <a:cs typeface="Times New Roman" panose="02020603050405020304" pitchFamily="18" charset="0"/>
+                      </a:endParaRPr>
+                    </a:p>
+                  </a:txBody>
+                  <a:tcPr marL="256540" marR="38735" marT="38735" marB="38735">
+                    <a:solidFill>
+                      <a:schemeClr val="bg1">
+                        <a:lumMod val="85000"/>
+                      </a:schemeClr>
+                    </a:solidFill>
+                  </a:tcPr>
+                </a:tc>
+                <a:tc>
+                  <a:txBody>
+                    <a:bodyPr/>
+                    <a:lstStyle/>
+                    <a:p>
+                      <a:pPr indent="-192405">
+                        <a:lnSpc>
+                          <a:spcPts val="1515"/>
+                        </a:lnSpc>
+                        <a:spcAft>
+                          <a:spcPts val="0"/>
+                        </a:spcAft>
+                      </a:pPr>
+                      <a:r>
+                        <a:rPr lang="en-CA" sz="1600" b="0">
+                          <a:solidFill>
+                            <a:schemeClr val="tx1"/>
+                          </a:solidFill>
+                          <a:effectLst/>
+                        </a:rPr>
+                        <a:t>High</a:t>
+                      </a:r>
+                      <a:endParaRPr lang="en-CA" sz="1600" b="0">
+                        <a:solidFill>
+                          <a:schemeClr val="tx1"/>
+                        </a:solidFill>
+                        <a:effectLst/>
+                        <a:latin typeface="Calibri" panose="020F0502020204030204" pitchFamily="34" charset="0"/>
+                        <a:ea typeface="Calibri" panose="020F0502020204030204" pitchFamily="34" charset="0"/>
+                        <a:cs typeface="Times New Roman" panose="02020603050405020304" pitchFamily="18" charset="0"/>
+                      </a:endParaRPr>
+                    </a:p>
+                  </a:txBody>
+                  <a:tcPr marL="256540" marR="38735" marT="38735" marB="38735">
+                    <a:solidFill>
+                      <a:schemeClr val="bg1">
+                        <a:lumMod val="85000"/>
+                      </a:schemeClr>
+                    </a:solidFill>
+                  </a:tcPr>
+                </a:tc>
+                <a:tc>
+                  <a:txBody>
+                    <a:bodyPr/>
+                    <a:lstStyle/>
+                    <a:p>
+                      <a:pPr indent="-192405">
+                        <a:lnSpc>
+                          <a:spcPts val="1515"/>
+                        </a:lnSpc>
+                        <a:spcAft>
+                          <a:spcPts val="0"/>
+                        </a:spcAft>
+                      </a:pPr>
+                      <a:r>
+                        <a:rPr lang="en-CA" sz="1600" b="0">
+                          <a:solidFill>
+                            <a:schemeClr val="tx1"/>
+                          </a:solidFill>
+                          <a:effectLst/>
+                        </a:rPr>
+                        <a:t>True</a:t>
+                      </a:r>
+                      <a:endParaRPr lang="en-CA" sz="1600" b="0">
+                        <a:solidFill>
+                          <a:schemeClr val="tx1"/>
+                        </a:solidFill>
+                        <a:effectLst/>
+                        <a:latin typeface="Calibri" panose="020F0502020204030204" pitchFamily="34" charset="0"/>
+                        <a:ea typeface="Calibri" panose="020F0502020204030204" pitchFamily="34" charset="0"/>
+                        <a:cs typeface="Times New Roman" panose="02020603050405020304" pitchFamily="18" charset="0"/>
+                      </a:endParaRPr>
+                    </a:p>
+                  </a:txBody>
+                  <a:tcPr marL="256540" marR="38735" marT="38735" marB="38735">
+                    <a:solidFill>
+                      <a:schemeClr val="bg1">
+                        <a:lumMod val="85000"/>
+                      </a:schemeClr>
+                    </a:solidFill>
+                  </a:tcPr>
+                </a:tc>
+                <a:tc>
+                  <a:txBody>
+                    <a:bodyPr/>
+                    <a:lstStyle/>
+                    <a:p>
+                      <a:pPr indent="-192405">
+                        <a:lnSpc>
+                          <a:spcPts val="1515"/>
+                        </a:lnSpc>
+                        <a:spcAft>
+                          <a:spcPts val="0"/>
+                        </a:spcAft>
+                      </a:pPr>
+                      <a:r>
+                        <a:rPr lang="en-CA" sz="1600" b="0">
+                          <a:solidFill>
+                            <a:schemeClr val="tx1"/>
+                          </a:solidFill>
+                          <a:effectLst/>
+                        </a:rPr>
+                        <a:t>No</a:t>
+                      </a:r>
+                      <a:endParaRPr lang="en-CA" sz="1600" b="0">
+                        <a:solidFill>
+                          <a:schemeClr val="tx1"/>
+                        </a:solidFill>
+                        <a:effectLst/>
+                        <a:latin typeface="Calibri" panose="020F0502020204030204" pitchFamily="34" charset="0"/>
+                        <a:ea typeface="Calibri" panose="020F0502020204030204" pitchFamily="34" charset="0"/>
+                        <a:cs typeface="Times New Roman" panose="02020603050405020304" pitchFamily="18" charset="0"/>
+                      </a:endParaRPr>
+                    </a:p>
+                  </a:txBody>
+                  <a:tcPr marL="256540" marR="38735" marT="38735" marB="38735">
+                    <a:solidFill>
+                      <a:schemeClr val="bg1">
+                        <a:lumMod val="85000"/>
+                      </a:schemeClr>
+                    </a:solidFill>
+                  </a:tcPr>
+                </a:tc>
+                <a:extLst>
+                  <a:ext uri="{0D108BD9-81ED-4DB2-BD59-A6C34878D82A}">
+                    <a16:rowId xmlns:a16="http://schemas.microsoft.com/office/drawing/2014/main" val="1658815990"/>
+                  </a:ext>
+                </a:extLst>
+              </a:tr>
+              <a:tr h="439281">
+                <a:tc>
+                  <a:txBody>
+                    <a:bodyPr/>
+                    <a:lstStyle/>
+                    <a:p>
+                      <a:pPr indent="-192405">
+                        <a:lnSpc>
+                          <a:spcPts val="1515"/>
+                        </a:lnSpc>
+                        <a:spcAft>
+                          <a:spcPts val="0"/>
+                        </a:spcAft>
+                      </a:pPr>
+                      <a:r>
+                        <a:rPr lang="en-CA" sz="1600" b="0">
+                          <a:solidFill>
+                            <a:schemeClr val="tx1"/>
+                          </a:solidFill>
+                          <a:effectLst/>
+                        </a:rPr>
+                        <a:t>Overcast</a:t>
+                      </a:r>
+                      <a:endParaRPr lang="en-CA" sz="1600" b="0">
+                        <a:solidFill>
+                          <a:schemeClr val="tx1"/>
+                        </a:solidFill>
+                        <a:effectLst/>
+                        <a:latin typeface="Calibri" panose="020F0502020204030204" pitchFamily="34" charset="0"/>
+                        <a:ea typeface="Calibri" panose="020F0502020204030204" pitchFamily="34" charset="0"/>
+                        <a:cs typeface="Times New Roman" panose="02020603050405020304" pitchFamily="18" charset="0"/>
+                      </a:endParaRPr>
+                    </a:p>
+                  </a:txBody>
+                  <a:tcPr marL="256540" marR="38735" marT="38735" marB="38735">
+                    <a:solidFill>
+                      <a:schemeClr val="bg1">
+                        <a:lumMod val="85000"/>
+                      </a:schemeClr>
+                    </a:solidFill>
+                  </a:tcPr>
+                </a:tc>
+                <a:tc>
+                  <a:txBody>
+                    <a:bodyPr/>
+                    <a:lstStyle/>
+                    <a:p>
+                      <a:pPr indent="-192405">
+                        <a:lnSpc>
+                          <a:spcPts val="1515"/>
+                        </a:lnSpc>
+                        <a:spcAft>
+                          <a:spcPts val="0"/>
+                        </a:spcAft>
+                      </a:pPr>
+                      <a:r>
+                        <a:rPr lang="en-CA" sz="1600" b="0">
+                          <a:solidFill>
+                            <a:schemeClr val="tx1"/>
+                          </a:solidFill>
+                          <a:effectLst/>
+                        </a:rPr>
+                        <a:t>Hot</a:t>
+                      </a:r>
+                      <a:endParaRPr lang="en-CA" sz="1600" b="0">
+                        <a:solidFill>
+                          <a:schemeClr val="tx1"/>
+                        </a:solidFill>
+                        <a:effectLst/>
+                        <a:latin typeface="Calibri" panose="020F0502020204030204" pitchFamily="34" charset="0"/>
+                        <a:ea typeface="Calibri" panose="020F0502020204030204" pitchFamily="34" charset="0"/>
+                        <a:cs typeface="Times New Roman" panose="02020603050405020304" pitchFamily="18" charset="0"/>
+                      </a:endParaRPr>
+                    </a:p>
+                  </a:txBody>
+                  <a:tcPr marL="256540" marR="38735" marT="38735" marB="38735">
+                    <a:solidFill>
+                      <a:schemeClr val="bg1">
+                        <a:lumMod val="85000"/>
+                      </a:schemeClr>
+                    </a:solidFill>
+                  </a:tcPr>
+                </a:tc>
+                <a:tc>
+                  <a:txBody>
+                    <a:bodyPr/>
+                    <a:lstStyle/>
+                    <a:p>
+                      <a:pPr indent="-192405">
+                        <a:lnSpc>
+                          <a:spcPts val="1515"/>
+                        </a:lnSpc>
+                        <a:spcAft>
+                          <a:spcPts val="0"/>
+                        </a:spcAft>
+                      </a:pPr>
+                      <a:r>
+                        <a:rPr lang="en-CA" sz="1600" b="0">
+                          <a:solidFill>
+                            <a:schemeClr val="tx1"/>
+                          </a:solidFill>
+                          <a:effectLst/>
+                        </a:rPr>
+                        <a:t>High</a:t>
+                      </a:r>
+                      <a:endParaRPr lang="en-CA" sz="1600" b="0">
+                        <a:solidFill>
+                          <a:schemeClr val="tx1"/>
+                        </a:solidFill>
+                        <a:effectLst/>
+                        <a:latin typeface="Calibri" panose="020F0502020204030204" pitchFamily="34" charset="0"/>
+                        <a:ea typeface="Calibri" panose="020F0502020204030204" pitchFamily="34" charset="0"/>
+                        <a:cs typeface="Times New Roman" panose="02020603050405020304" pitchFamily="18" charset="0"/>
+                      </a:endParaRPr>
+                    </a:p>
+                  </a:txBody>
+                  <a:tcPr marL="256540" marR="38735" marT="38735" marB="38735">
+                    <a:solidFill>
+                      <a:schemeClr val="bg1">
+                        <a:lumMod val="85000"/>
+                      </a:schemeClr>
+                    </a:solidFill>
+                  </a:tcPr>
+                </a:tc>
+                <a:tc>
+                  <a:txBody>
+                    <a:bodyPr/>
+                    <a:lstStyle/>
+                    <a:p>
+                      <a:pPr indent="-192405">
+                        <a:lnSpc>
+                          <a:spcPts val="1515"/>
+                        </a:lnSpc>
+                        <a:spcAft>
+                          <a:spcPts val="0"/>
+                        </a:spcAft>
+                      </a:pPr>
+                      <a:r>
+                        <a:rPr lang="en-CA" sz="1600" b="0">
+                          <a:solidFill>
+                            <a:schemeClr val="tx1"/>
+                          </a:solidFill>
+                          <a:effectLst/>
+                        </a:rPr>
+                        <a:t>False</a:t>
+                      </a:r>
+                      <a:endParaRPr lang="en-CA" sz="1600" b="0">
+                        <a:solidFill>
+                          <a:schemeClr val="tx1"/>
+                        </a:solidFill>
+                        <a:effectLst/>
+                        <a:latin typeface="Calibri" panose="020F0502020204030204" pitchFamily="34" charset="0"/>
+                        <a:ea typeface="Calibri" panose="020F0502020204030204" pitchFamily="34" charset="0"/>
+                        <a:cs typeface="Times New Roman" panose="02020603050405020304" pitchFamily="18" charset="0"/>
+                      </a:endParaRPr>
+                    </a:p>
+                  </a:txBody>
+                  <a:tcPr marL="256540" marR="38735" marT="38735" marB="38735">
+                    <a:solidFill>
+                      <a:schemeClr val="bg1">
+                        <a:lumMod val="85000"/>
+                      </a:schemeClr>
+                    </a:solidFill>
+                  </a:tcPr>
+                </a:tc>
+                <a:tc>
+                  <a:txBody>
+                    <a:bodyPr/>
+                    <a:lstStyle/>
+                    <a:p>
+                      <a:pPr indent="-192405">
+                        <a:lnSpc>
+                          <a:spcPts val="1515"/>
+                        </a:lnSpc>
+                        <a:spcAft>
+                          <a:spcPts val="0"/>
+                        </a:spcAft>
+                      </a:pPr>
+                      <a:r>
+                        <a:rPr lang="en-CA" sz="1600" b="0">
+                          <a:solidFill>
+                            <a:schemeClr val="tx1"/>
+                          </a:solidFill>
+                          <a:effectLst/>
+                        </a:rPr>
+                        <a:t>Yes</a:t>
+                      </a:r>
+                      <a:endParaRPr lang="en-CA" sz="1600" b="0">
+                        <a:solidFill>
+                          <a:schemeClr val="tx1"/>
+                        </a:solidFill>
+                        <a:effectLst/>
+                        <a:latin typeface="Calibri" panose="020F0502020204030204" pitchFamily="34" charset="0"/>
+                        <a:ea typeface="Calibri" panose="020F0502020204030204" pitchFamily="34" charset="0"/>
+                        <a:cs typeface="Times New Roman" panose="02020603050405020304" pitchFamily="18" charset="0"/>
+                      </a:endParaRPr>
+                    </a:p>
+                  </a:txBody>
+                  <a:tcPr marL="256540" marR="38735" marT="38735" marB="38735">
+                    <a:solidFill>
+                      <a:schemeClr val="bg1">
+                        <a:lumMod val="85000"/>
+                      </a:schemeClr>
+                    </a:solidFill>
+                  </a:tcPr>
+                </a:tc>
+                <a:extLst>
+                  <a:ext uri="{0D108BD9-81ED-4DB2-BD59-A6C34878D82A}">
+                    <a16:rowId xmlns:a16="http://schemas.microsoft.com/office/drawing/2014/main" val="3182050358"/>
+                  </a:ext>
+                </a:extLst>
+              </a:tr>
+              <a:tr h="439281">
+                <a:tc>
+                  <a:txBody>
+                    <a:bodyPr/>
+                    <a:lstStyle/>
+                    <a:p>
+                      <a:pPr indent="-192405">
+                        <a:lnSpc>
+                          <a:spcPts val="1515"/>
+                        </a:lnSpc>
+                        <a:spcAft>
+                          <a:spcPts val="0"/>
+                        </a:spcAft>
+                      </a:pPr>
+                      <a:r>
+                        <a:rPr lang="en-CA" sz="1600" b="0">
+                          <a:solidFill>
+                            <a:schemeClr val="tx1"/>
+                          </a:solidFill>
+                          <a:effectLst/>
+                        </a:rPr>
+                        <a:t>Rainy</a:t>
+                      </a:r>
+                      <a:endParaRPr lang="en-CA" sz="1600" b="0">
+                        <a:solidFill>
+                          <a:schemeClr val="tx1"/>
+                        </a:solidFill>
+                        <a:effectLst/>
+                        <a:latin typeface="Calibri" panose="020F0502020204030204" pitchFamily="34" charset="0"/>
+                        <a:ea typeface="Calibri" panose="020F0502020204030204" pitchFamily="34" charset="0"/>
+                        <a:cs typeface="Times New Roman" panose="02020603050405020304" pitchFamily="18" charset="0"/>
+                      </a:endParaRPr>
+                    </a:p>
+                  </a:txBody>
+                  <a:tcPr marL="256540" marR="38735" marT="38735" marB="38735">
+                    <a:solidFill>
+                      <a:schemeClr val="bg1">
+                        <a:lumMod val="85000"/>
+                      </a:schemeClr>
+                    </a:solidFill>
+                  </a:tcPr>
+                </a:tc>
+                <a:tc>
+                  <a:txBody>
+                    <a:bodyPr/>
+                    <a:lstStyle/>
+                    <a:p>
+                      <a:pPr indent="-192405">
+                        <a:lnSpc>
+                          <a:spcPts val="1515"/>
+                        </a:lnSpc>
+                        <a:spcAft>
+                          <a:spcPts val="0"/>
+                        </a:spcAft>
+                      </a:pPr>
+                      <a:r>
+                        <a:rPr lang="en-CA" sz="1600" b="0">
+                          <a:solidFill>
+                            <a:schemeClr val="tx1"/>
+                          </a:solidFill>
+                          <a:effectLst/>
+                        </a:rPr>
+                        <a:t>Mild</a:t>
+                      </a:r>
+                      <a:endParaRPr lang="en-CA" sz="1600" b="0">
+                        <a:solidFill>
+                          <a:schemeClr val="tx1"/>
+                        </a:solidFill>
+                        <a:effectLst/>
+                        <a:latin typeface="Calibri" panose="020F0502020204030204" pitchFamily="34" charset="0"/>
+                        <a:ea typeface="Calibri" panose="020F0502020204030204" pitchFamily="34" charset="0"/>
+                        <a:cs typeface="Times New Roman" panose="02020603050405020304" pitchFamily="18" charset="0"/>
+                      </a:endParaRPr>
+                    </a:p>
+                  </a:txBody>
+                  <a:tcPr marL="256540" marR="38735" marT="38735" marB="38735">
+                    <a:solidFill>
+                      <a:schemeClr val="bg1">
+                        <a:lumMod val="85000"/>
+                      </a:schemeClr>
+                    </a:solidFill>
+                  </a:tcPr>
+                </a:tc>
+                <a:tc>
+                  <a:txBody>
+                    <a:bodyPr/>
+                    <a:lstStyle/>
+                    <a:p>
+                      <a:pPr indent="-192405">
+                        <a:lnSpc>
+                          <a:spcPts val="1515"/>
+                        </a:lnSpc>
+                        <a:spcAft>
+                          <a:spcPts val="0"/>
+                        </a:spcAft>
+                      </a:pPr>
+                      <a:r>
+                        <a:rPr lang="en-CA" sz="1600" b="0">
+                          <a:solidFill>
+                            <a:schemeClr val="tx1"/>
+                          </a:solidFill>
+                          <a:effectLst/>
+                        </a:rPr>
+                        <a:t>High</a:t>
+                      </a:r>
+                      <a:endParaRPr lang="en-CA" sz="1600" b="0">
+                        <a:solidFill>
+                          <a:schemeClr val="tx1"/>
+                        </a:solidFill>
+                        <a:effectLst/>
+                        <a:latin typeface="Calibri" panose="020F0502020204030204" pitchFamily="34" charset="0"/>
+                        <a:ea typeface="Calibri" panose="020F0502020204030204" pitchFamily="34" charset="0"/>
+                        <a:cs typeface="Times New Roman" panose="02020603050405020304" pitchFamily="18" charset="0"/>
+                      </a:endParaRPr>
+                    </a:p>
+                  </a:txBody>
+                  <a:tcPr marL="256540" marR="38735" marT="38735" marB="38735">
+                    <a:solidFill>
+                      <a:schemeClr val="bg1">
+                        <a:lumMod val="85000"/>
+                      </a:schemeClr>
+                    </a:solidFill>
+                  </a:tcPr>
+                </a:tc>
+                <a:tc>
+                  <a:txBody>
+                    <a:bodyPr/>
+                    <a:lstStyle/>
+                    <a:p>
+                      <a:pPr indent="-192405">
+                        <a:lnSpc>
+                          <a:spcPts val="1515"/>
+                        </a:lnSpc>
+                        <a:spcAft>
+                          <a:spcPts val="0"/>
+                        </a:spcAft>
+                      </a:pPr>
+                      <a:r>
+                        <a:rPr lang="en-CA" sz="1600" b="0">
+                          <a:solidFill>
+                            <a:schemeClr val="tx1"/>
+                          </a:solidFill>
+                          <a:effectLst/>
+                        </a:rPr>
+                        <a:t>False</a:t>
+                      </a:r>
+                      <a:endParaRPr lang="en-CA" sz="1600" b="0">
+                        <a:solidFill>
+                          <a:schemeClr val="tx1"/>
+                        </a:solidFill>
+                        <a:effectLst/>
+                        <a:latin typeface="Calibri" panose="020F0502020204030204" pitchFamily="34" charset="0"/>
+                        <a:ea typeface="Calibri" panose="020F0502020204030204" pitchFamily="34" charset="0"/>
+                        <a:cs typeface="Times New Roman" panose="02020603050405020304" pitchFamily="18" charset="0"/>
+                      </a:endParaRPr>
+                    </a:p>
+                  </a:txBody>
+                  <a:tcPr marL="256540" marR="38735" marT="38735" marB="38735">
+                    <a:solidFill>
+                      <a:schemeClr val="bg1">
+                        <a:lumMod val="85000"/>
+                      </a:schemeClr>
+                    </a:solidFill>
+                  </a:tcPr>
+                </a:tc>
+                <a:tc>
+                  <a:txBody>
+                    <a:bodyPr/>
+                    <a:lstStyle/>
+                    <a:p>
+                      <a:pPr indent="-192405">
+                        <a:lnSpc>
+                          <a:spcPts val="1515"/>
+                        </a:lnSpc>
+                        <a:spcAft>
+                          <a:spcPts val="0"/>
+                        </a:spcAft>
+                      </a:pPr>
+                      <a:r>
+                        <a:rPr lang="en-CA" sz="1600" b="0">
+                          <a:solidFill>
+                            <a:schemeClr val="tx1"/>
+                          </a:solidFill>
+                          <a:effectLst/>
+                        </a:rPr>
+                        <a:t>Yes</a:t>
+                      </a:r>
+                      <a:endParaRPr lang="en-CA" sz="1600" b="0">
+                        <a:solidFill>
+                          <a:schemeClr val="tx1"/>
+                        </a:solidFill>
+                        <a:effectLst/>
+                        <a:latin typeface="Calibri" panose="020F0502020204030204" pitchFamily="34" charset="0"/>
+                        <a:ea typeface="Calibri" panose="020F0502020204030204" pitchFamily="34" charset="0"/>
+                        <a:cs typeface="Times New Roman" panose="02020603050405020304" pitchFamily="18" charset="0"/>
+                      </a:endParaRPr>
+                    </a:p>
+                  </a:txBody>
+                  <a:tcPr marL="256540" marR="38735" marT="38735" marB="38735">
+                    <a:solidFill>
+                      <a:schemeClr val="bg1">
+                        <a:lumMod val="85000"/>
+                      </a:schemeClr>
+                    </a:solidFill>
+                  </a:tcPr>
+                </a:tc>
+                <a:extLst>
+                  <a:ext uri="{0D108BD9-81ED-4DB2-BD59-A6C34878D82A}">
+                    <a16:rowId xmlns:a16="http://schemas.microsoft.com/office/drawing/2014/main" val="2873097485"/>
+                  </a:ext>
+                </a:extLst>
+              </a:tr>
+              <a:tr h="439281">
+                <a:tc>
+                  <a:txBody>
+                    <a:bodyPr/>
+                    <a:lstStyle/>
+                    <a:p>
+                      <a:pPr indent="-192405">
+                        <a:lnSpc>
+                          <a:spcPts val="1515"/>
+                        </a:lnSpc>
+                        <a:spcAft>
+                          <a:spcPts val="0"/>
+                        </a:spcAft>
+                      </a:pPr>
+                      <a:r>
+                        <a:rPr lang="en-CA" sz="1600" b="0">
+                          <a:solidFill>
+                            <a:schemeClr val="tx1"/>
+                          </a:solidFill>
+                          <a:effectLst/>
+                        </a:rPr>
+                        <a:t>Rainy</a:t>
+                      </a:r>
+                      <a:endParaRPr lang="en-CA" sz="1600" b="0">
+                        <a:solidFill>
+                          <a:schemeClr val="tx1"/>
+                        </a:solidFill>
+                        <a:effectLst/>
+                        <a:latin typeface="Calibri" panose="020F0502020204030204" pitchFamily="34" charset="0"/>
+                        <a:ea typeface="Calibri" panose="020F0502020204030204" pitchFamily="34" charset="0"/>
+                        <a:cs typeface="Times New Roman" panose="02020603050405020304" pitchFamily="18" charset="0"/>
+                      </a:endParaRPr>
+                    </a:p>
+                  </a:txBody>
+                  <a:tcPr marL="256540" marR="38735" marT="38735" marB="38735">
+                    <a:solidFill>
+                      <a:schemeClr val="bg1">
+                        <a:lumMod val="85000"/>
+                      </a:schemeClr>
+                    </a:solidFill>
+                  </a:tcPr>
+                </a:tc>
+                <a:tc>
+                  <a:txBody>
+                    <a:bodyPr/>
+                    <a:lstStyle/>
+                    <a:p>
+                      <a:pPr indent="-192405">
+                        <a:lnSpc>
+                          <a:spcPts val="1515"/>
+                        </a:lnSpc>
+                        <a:spcAft>
+                          <a:spcPts val="0"/>
+                        </a:spcAft>
+                      </a:pPr>
+                      <a:r>
+                        <a:rPr lang="en-CA" sz="1600" b="0">
+                          <a:solidFill>
+                            <a:schemeClr val="tx1"/>
+                          </a:solidFill>
+                          <a:effectLst/>
+                        </a:rPr>
+                        <a:t>Cool</a:t>
+                      </a:r>
+                      <a:endParaRPr lang="en-CA" sz="1600" b="0">
+                        <a:solidFill>
+                          <a:schemeClr val="tx1"/>
+                        </a:solidFill>
+                        <a:effectLst/>
+                        <a:latin typeface="Calibri" panose="020F0502020204030204" pitchFamily="34" charset="0"/>
+                        <a:ea typeface="Calibri" panose="020F0502020204030204" pitchFamily="34" charset="0"/>
+                        <a:cs typeface="Times New Roman" panose="02020603050405020304" pitchFamily="18" charset="0"/>
+                      </a:endParaRPr>
+                    </a:p>
+                  </a:txBody>
+                  <a:tcPr marL="256540" marR="38735" marT="38735" marB="38735">
+                    <a:solidFill>
+                      <a:schemeClr val="bg1">
+                        <a:lumMod val="85000"/>
+                      </a:schemeClr>
+                    </a:solidFill>
+                  </a:tcPr>
+                </a:tc>
+                <a:tc>
+                  <a:txBody>
+                    <a:bodyPr/>
+                    <a:lstStyle/>
+                    <a:p>
+                      <a:pPr indent="-192405">
+                        <a:lnSpc>
+                          <a:spcPts val="1515"/>
+                        </a:lnSpc>
+                        <a:spcAft>
+                          <a:spcPts val="0"/>
+                        </a:spcAft>
+                      </a:pPr>
+                      <a:r>
+                        <a:rPr lang="en-CA" sz="1600" b="0">
+                          <a:solidFill>
+                            <a:schemeClr val="tx1"/>
+                          </a:solidFill>
+                          <a:effectLst/>
+                        </a:rPr>
+                        <a:t>Normal</a:t>
+                      </a:r>
+                      <a:endParaRPr lang="en-CA" sz="1600" b="0">
+                        <a:solidFill>
+                          <a:schemeClr val="tx1"/>
+                        </a:solidFill>
+                        <a:effectLst/>
+                        <a:latin typeface="Calibri" panose="020F0502020204030204" pitchFamily="34" charset="0"/>
+                        <a:ea typeface="Calibri" panose="020F0502020204030204" pitchFamily="34" charset="0"/>
+                        <a:cs typeface="Times New Roman" panose="02020603050405020304" pitchFamily="18" charset="0"/>
+                      </a:endParaRPr>
+                    </a:p>
+                  </a:txBody>
+                  <a:tcPr marL="256540" marR="38735" marT="38735" marB="38735">
+                    <a:solidFill>
+                      <a:schemeClr val="bg1">
+                        <a:lumMod val="85000"/>
+                      </a:schemeClr>
+                    </a:solidFill>
+                  </a:tcPr>
+                </a:tc>
+                <a:tc>
+                  <a:txBody>
+                    <a:bodyPr/>
+                    <a:lstStyle/>
+                    <a:p>
+                      <a:pPr indent="-192405">
+                        <a:lnSpc>
+                          <a:spcPts val="1515"/>
+                        </a:lnSpc>
+                        <a:spcAft>
+                          <a:spcPts val="0"/>
+                        </a:spcAft>
+                      </a:pPr>
+                      <a:r>
+                        <a:rPr lang="en-CA" sz="1600" b="0">
+                          <a:solidFill>
+                            <a:schemeClr val="tx1"/>
+                          </a:solidFill>
+                          <a:effectLst/>
+                        </a:rPr>
+                        <a:t>False</a:t>
+                      </a:r>
+                      <a:endParaRPr lang="en-CA" sz="1600" b="0">
+                        <a:solidFill>
+                          <a:schemeClr val="tx1"/>
+                        </a:solidFill>
+                        <a:effectLst/>
+                        <a:latin typeface="Calibri" panose="020F0502020204030204" pitchFamily="34" charset="0"/>
+                        <a:ea typeface="Calibri" panose="020F0502020204030204" pitchFamily="34" charset="0"/>
+                        <a:cs typeface="Times New Roman" panose="02020603050405020304" pitchFamily="18" charset="0"/>
+                      </a:endParaRPr>
+                    </a:p>
+                  </a:txBody>
+                  <a:tcPr marL="256540" marR="38735" marT="38735" marB="38735">
+                    <a:solidFill>
+                      <a:schemeClr val="bg1">
+                        <a:lumMod val="85000"/>
+                      </a:schemeClr>
+                    </a:solidFill>
+                  </a:tcPr>
+                </a:tc>
+                <a:tc>
+                  <a:txBody>
+                    <a:bodyPr/>
+                    <a:lstStyle/>
+                    <a:p>
+                      <a:pPr indent="-192405">
+                        <a:lnSpc>
+                          <a:spcPts val="1515"/>
+                        </a:lnSpc>
+                        <a:spcAft>
+                          <a:spcPts val="0"/>
+                        </a:spcAft>
+                      </a:pPr>
+                      <a:r>
+                        <a:rPr lang="en-CA" sz="1600" b="0">
+                          <a:solidFill>
+                            <a:schemeClr val="tx1"/>
+                          </a:solidFill>
+                          <a:effectLst/>
+                        </a:rPr>
+                        <a:t>Yes</a:t>
+                      </a:r>
+                      <a:endParaRPr lang="en-CA" sz="1600" b="0">
+                        <a:solidFill>
+                          <a:schemeClr val="tx1"/>
+                        </a:solidFill>
+                        <a:effectLst/>
+                        <a:latin typeface="Calibri" panose="020F0502020204030204" pitchFamily="34" charset="0"/>
+                        <a:ea typeface="Calibri" panose="020F0502020204030204" pitchFamily="34" charset="0"/>
+                        <a:cs typeface="Times New Roman" panose="02020603050405020304" pitchFamily="18" charset="0"/>
+                      </a:endParaRPr>
+                    </a:p>
+                  </a:txBody>
+                  <a:tcPr marL="256540" marR="38735" marT="38735" marB="38735">
+                    <a:solidFill>
+                      <a:schemeClr val="bg1">
+                        <a:lumMod val="85000"/>
+                      </a:schemeClr>
+                    </a:solidFill>
+                  </a:tcPr>
+                </a:tc>
+                <a:extLst>
+                  <a:ext uri="{0D108BD9-81ED-4DB2-BD59-A6C34878D82A}">
+                    <a16:rowId xmlns:a16="http://schemas.microsoft.com/office/drawing/2014/main" val="1731533119"/>
+                  </a:ext>
+                </a:extLst>
+              </a:tr>
+              <a:tr h="439281">
+                <a:tc>
+                  <a:txBody>
+                    <a:bodyPr/>
+                    <a:lstStyle/>
+                    <a:p>
+                      <a:pPr indent="-192405">
+                        <a:lnSpc>
+                          <a:spcPts val="1515"/>
+                        </a:lnSpc>
+                        <a:spcAft>
+                          <a:spcPts val="0"/>
+                        </a:spcAft>
+                      </a:pPr>
+                      <a:r>
+                        <a:rPr lang="en-CA" sz="1600" b="0">
+                          <a:solidFill>
+                            <a:schemeClr val="tx1"/>
+                          </a:solidFill>
+                          <a:effectLst/>
+                        </a:rPr>
+                        <a:t>Rainy</a:t>
+                      </a:r>
+                      <a:endParaRPr lang="en-CA" sz="1600" b="0">
+                        <a:solidFill>
+                          <a:schemeClr val="tx1"/>
+                        </a:solidFill>
+                        <a:effectLst/>
+                        <a:latin typeface="Calibri" panose="020F0502020204030204" pitchFamily="34" charset="0"/>
+                        <a:ea typeface="Calibri" panose="020F0502020204030204" pitchFamily="34" charset="0"/>
+                        <a:cs typeface="Times New Roman" panose="02020603050405020304" pitchFamily="18" charset="0"/>
+                      </a:endParaRPr>
+                    </a:p>
+                  </a:txBody>
+                  <a:tcPr marL="256540" marR="38735" marT="38735" marB="38735">
+                    <a:solidFill>
+                      <a:schemeClr val="bg1">
+                        <a:lumMod val="85000"/>
+                      </a:schemeClr>
+                    </a:solidFill>
+                  </a:tcPr>
+                </a:tc>
+                <a:tc>
+                  <a:txBody>
+                    <a:bodyPr/>
+                    <a:lstStyle/>
+                    <a:p>
+                      <a:pPr indent="-192405">
+                        <a:lnSpc>
+                          <a:spcPts val="1515"/>
+                        </a:lnSpc>
+                        <a:spcAft>
+                          <a:spcPts val="0"/>
+                        </a:spcAft>
+                      </a:pPr>
+                      <a:r>
+                        <a:rPr lang="en-CA" sz="1600" b="0">
+                          <a:solidFill>
+                            <a:schemeClr val="tx1"/>
+                          </a:solidFill>
+                          <a:effectLst/>
+                        </a:rPr>
+                        <a:t>Cool</a:t>
+                      </a:r>
+                      <a:endParaRPr lang="en-CA" sz="1600" b="0">
+                        <a:solidFill>
+                          <a:schemeClr val="tx1"/>
+                        </a:solidFill>
+                        <a:effectLst/>
+                        <a:latin typeface="Calibri" panose="020F0502020204030204" pitchFamily="34" charset="0"/>
+                        <a:ea typeface="Calibri" panose="020F0502020204030204" pitchFamily="34" charset="0"/>
+                        <a:cs typeface="Times New Roman" panose="02020603050405020304" pitchFamily="18" charset="0"/>
+                      </a:endParaRPr>
+                    </a:p>
+                  </a:txBody>
+                  <a:tcPr marL="256540" marR="38735" marT="38735" marB="38735">
+                    <a:solidFill>
+                      <a:schemeClr val="bg1">
+                        <a:lumMod val="85000"/>
+                      </a:schemeClr>
+                    </a:solidFill>
+                  </a:tcPr>
+                </a:tc>
+                <a:tc>
+                  <a:txBody>
+                    <a:bodyPr/>
+                    <a:lstStyle/>
+                    <a:p>
+                      <a:pPr indent="-192405">
+                        <a:lnSpc>
+                          <a:spcPts val="1515"/>
+                        </a:lnSpc>
+                        <a:spcAft>
+                          <a:spcPts val="0"/>
+                        </a:spcAft>
+                      </a:pPr>
+                      <a:r>
+                        <a:rPr lang="en-CA" sz="1600" b="0">
+                          <a:solidFill>
+                            <a:schemeClr val="tx1"/>
+                          </a:solidFill>
+                          <a:effectLst/>
+                        </a:rPr>
+                        <a:t>Normal</a:t>
+                      </a:r>
+                      <a:endParaRPr lang="en-CA" sz="1600" b="0">
+                        <a:solidFill>
+                          <a:schemeClr val="tx1"/>
+                        </a:solidFill>
+                        <a:effectLst/>
+                        <a:latin typeface="Calibri" panose="020F0502020204030204" pitchFamily="34" charset="0"/>
+                        <a:ea typeface="Calibri" panose="020F0502020204030204" pitchFamily="34" charset="0"/>
+                        <a:cs typeface="Times New Roman" panose="02020603050405020304" pitchFamily="18" charset="0"/>
+                      </a:endParaRPr>
+                    </a:p>
+                  </a:txBody>
+                  <a:tcPr marL="256540" marR="38735" marT="38735" marB="38735">
+                    <a:solidFill>
+                      <a:schemeClr val="bg1">
+                        <a:lumMod val="85000"/>
+                      </a:schemeClr>
+                    </a:solidFill>
+                  </a:tcPr>
+                </a:tc>
+                <a:tc>
+                  <a:txBody>
+                    <a:bodyPr/>
+                    <a:lstStyle/>
+                    <a:p>
+                      <a:pPr indent="-192405">
+                        <a:lnSpc>
+                          <a:spcPts val="1515"/>
+                        </a:lnSpc>
+                        <a:spcAft>
+                          <a:spcPts val="0"/>
+                        </a:spcAft>
+                      </a:pPr>
+                      <a:r>
+                        <a:rPr lang="en-CA" sz="1600" b="0">
+                          <a:solidFill>
+                            <a:schemeClr val="tx1"/>
+                          </a:solidFill>
+                          <a:effectLst/>
+                        </a:rPr>
+                        <a:t>True</a:t>
+                      </a:r>
+                      <a:endParaRPr lang="en-CA" sz="1600" b="0">
+                        <a:solidFill>
+                          <a:schemeClr val="tx1"/>
+                        </a:solidFill>
+                        <a:effectLst/>
+                        <a:latin typeface="Calibri" panose="020F0502020204030204" pitchFamily="34" charset="0"/>
+                        <a:ea typeface="Calibri" panose="020F0502020204030204" pitchFamily="34" charset="0"/>
+                        <a:cs typeface="Times New Roman" panose="02020603050405020304" pitchFamily="18" charset="0"/>
+                      </a:endParaRPr>
+                    </a:p>
+                  </a:txBody>
+                  <a:tcPr marL="256540" marR="38735" marT="38735" marB="38735">
+                    <a:solidFill>
+                      <a:schemeClr val="bg1">
+                        <a:lumMod val="85000"/>
+                      </a:schemeClr>
+                    </a:solidFill>
+                  </a:tcPr>
+                </a:tc>
+                <a:tc>
+                  <a:txBody>
+                    <a:bodyPr/>
+                    <a:lstStyle/>
+                    <a:p>
+                      <a:pPr indent="-192405">
+                        <a:lnSpc>
+                          <a:spcPts val="1515"/>
+                        </a:lnSpc>
+                        <a:spcAft>
+                          <a:spcPts val="0"/>
+                        </a:spcAft>
+                      </a:pPr>
+                      <a:r>
+                        <a:rPr lang="en-CA" sz="1600" b="0">
+                          <a:solidFill>
+                            <a:schemeClr val="tx1"/>
+                          </a:solidFill>
+                          <a:effectLst/>
+                        </a:rPr>
+                        <a:t>No</a:t>
+                      </a:r>
+                      <a:endParaRPr lang="en-CA" sz="1600" b="0">
+                        <a:solidFill>
+                          <a:schemeClr val="tx1"/>
+                        </a:solidFill>
+                        <a:effectLst/>
+                        <a:latin typeface="Calibri" panose="020F0502020204030204" pitchFamily="34" charset="0"/>
+                        <a:ea typeface="Calibri" panose="020F0502020204030204" pitchFamily="34" charset="0"/>
+                        <a:cs typeface="Times New Roman" panose="02020603050405020304" pitchFamily="18" charset="0"/>
+                      </a:endParaRPr>
+                    </a:p>
+                  </a:txBody>
+                  <a:tcPr marL="256540" marR="38735" marT="38735" marB="38735">
+                    <a:solidFill>
+                      <a:schemeClr val="bg1">
+                        <a:lumMod val="85000"/>
+                      </a:schemeClr>
+                    </a:solidFill>
+                  </a:tcPr>
+                </a:tc>
+                <a:extLst>
+                  <a:ext uri="{0D108BD9-81ED-4DB2-BD59-A6C34878D82A}">
+                    <a16:rowId xmlns:a16="http://schemas.microsoft.com/office/drawing/2014/main" val="1094702979"/>
+                  </a:ext>
+                </a:extLst>
+              </a:tr>
+              <a:tr h="439281">
+                <a:tc>
+                  <a:txBody>
+                    <a:bodyPr/>
+                    <a:lstStyle/>
+                    <a:p>
+                      <a:pPr indent="-192405">
+                        <a:lnSpc>
+                          <a:spcPts val="1515"/>
+                        </a:lnSpc>
+                        <a:spcAft>
+                          <a:spcPts val="0"/>
+                        </a:spcAft>
+                      </a:pPr>
+                      <a:r>
+                        <a:rPr lang="en-CA" sz="1600" b="0">
+                          <a:solidFill>
+                            <a:schemeClr val="tx1"/>
+                          </a:solidFill>
+                          <a:effectLst/>
+                        </a:rPr>
+                        <a:t>Overcast</a:t>
+                      </a:r>
+                      <a:endParaRPr lang="en-CA" sz="1600" b="0">
+                        <a:solidFill>
+                          <a:schemeClr val="tx1"/>
+                        </a:solidFill>
+                        <a:effectLst/>
+                        <a:latin typeface="Calibri" panose="020F0502020204030204" pitchFamily="34" charset="0"/>
+                        <a:ea typeface="Calibri" panose="020F0502020204030204" pitchFamily="34" charset="0"/>
+                        <a:cs typeface="Times New Roman" panose="02020603050405020304" pitchFamily="18" charset="0"/>
+                      </a:endParaRPr>
+                    </a:p>
+                  </a:txBody>
+                  <a:tcPr marL="256540" marR="38735" marT="38735" marB="38735">
+                    <a:solidFill>
+                      <a:schemeClr val="bg1">
+                        <a:lumMod val="85000"/>
+                      </a:schemeClr>
+                    </a:solidFill>
+                  </a:tcPr>
+                </a:tc>
+                <a:tc>
+                  <a:txBody>
+                    <a:bodyPr/>
+                    <a:lstStyle/>
+                    <a:p>
+                      <a:pPr indent="-192405">
+                        <a:lnSpc>
+                          <a:spcPts val="1515"/>
+                        </a:lnSpc>
+                        <a:spcAft>
+                          <a:spcPts val="0"/>
+                        </a:spcAft>
+                      </a:pPr>
+                      <a:r>
+                        <a:rPr lang="en-CA" sz="1600" b="0">
+                          <a:solidFill>
+                            <a:schemeClr val="tx1"/>
+                          </a:solidFill>
+                          <a:effectLst/>
+                        </a:rPr>
+                        <a:t>Cool</a:t>
+                      </a:r>
+                      <a:endParaRPr lang="en-CA" sz="1600" b="0">
+                        <a:solidFill>
+                          <a:schemeClr val="tx1"/>
+                        </a:solidFill>
+                        <a:effectLst/>
+                        <a:latin typeface="Calibri" panose="020F0502020204030204" pitchFamily="34" charset="0"/>
+                        <a:ea typeface="Calibri" panose="020F0502020204030204" pitchFamily="34" charset="0"/>
+                        <a:cs typeface="Times New Roman" panose="02020603050405020304" pitchFamily="18" charset="0"/>
+                      </a:endParaRPr>
+                    </a:p>
+                  </a:txBody>
+                  <a:tcPr marL="256540" marR="38735" marT="38735" marB="38735">
+                    <a:solidFill>
+                      <a:schemeClr val="bg1">
+                        <a:lumMod val="85000"/>
+                      </a:schemeClr>
+                    </a:solidFill>
+                  </a:tcPr>
+                </a:tc>
+                <a:tc>
+                  <a:txBody>
+                    <a:bodyPr/>
+                    <a:lstStyle/>
+                    <a:p>
+                      <a:pPr indent="-192405">
+                        <a:lnSpc>
+                          <a:spcPts val="1515"/>
+                        </a:lnSpc>
+                        <a:spcAft>
+                          <a:spcPts val="0"/>
+                        </a:spcAft>
+                      </a:pPr>
+                      <a:r>
+                        <a:rPr lang="en-CA" sz="1600" b="0">
+                          <a:solidFill>
+                            <a:schemeClr val="tx1"/>
+                          </a:solidFill>
+                          <a:effectLst/>
+                        </a:rPr>
+                        <a:t>Normal</a:t>
+                      </a:r>
+                      <a:endParaRPr lang="en-CA" sz="1600" b="0">
+                        <a:solidFill>
+                          <a:schemeClr val="tx1"/>
+                        </a:solidFill>
+                        <a:effectLst/>
+                        <a:latin typeface="Calibri" panose="020F0502020204030204" pitchFamily="34" charset="0"/>
+                        <a:ea typeface="Calibri" panose="020F0502020204030204" pitchFamily="34" charset="0"/>
+                        <a:cs typeface="Times New Roman" panose="02020603050405020304" pitchFamily="18" charset="0"/>
+                      </a:endParaRPr>
+                    </a:p>
+                  </a:txBody>
+                  <a:tcPr marL="256540" marR="38735" marT="38735" marB="38735">
+                    <a:solidFill>
+                      <a:schemeClr val="bg1">
+                        <a:lumMod val="85000"/>
+                      </a:schemeClr>
+                    </a:solidFill>
+                  </a:tcPr>
+                </a:tc>
+                <a:tc>
+                  <a:txBody>
+                    <a:bodyPr/>
+                    <a:lstStyle/>
+                    <a:p>
+                      <a:pPr indent="-192405">
+                        <a:lnSpc>
+                          <a:spcPts val="1515"/>
+                        </a:lnSpc>
+                        <a:spcAft>
+                          <a:spcPts val="0"/>
+                        </a:spcAft>
+                      </a:pPr>
+                      <a:r>
+                        <a:rPr lang="en-CA" sz="1600" b="0">
+                          <a:solidFill>
+                            <a:schemeClr val="tx1"/>
+                          </a:solidFill>
+                          <a:effectLst/>
+                        </a:rPr>
+                        <a:t>True</a:t>
+                      </a:r>
+                      <a:endParaRPr lang="en-CA" sz="1600" b="0">
+                        <a:solidFill>
+                          <a:schemeClr val="tx1"/>
+                        </a:solidFill>
+                        <a:effectLst/>
+                        <a:latin typeface="Calibri" panose="020F0502020204030204" pitchFamily="34" charset="0"/>
+                        <a:ea typeface="Calibri" panose="020F0502020204030204" pitchFamily="34" charset="0"/>
+                        <a:cs typeface="Times New Roman" panose="02020603050405020304" pitchFamily="18" charset="0"/>
+                      </a:endParaRPr>
+                    </a:p>
+                  </a:txBody>
+                  <a:tcPr marL="256540" marR="38735" marT="38735" marB="38735">
+                    <a:solidFill>
+                      <a:schemeClr val="bg1">
+                        <a:lumMod val="85000"/>
+                      </a:schemeClr>
+                    </a:solidFill>
+                  </a:tcPr>
+                </a:tc>
+                <a:tc>
+                  <a:txBody>
+                    <a:bodyPr/>
+                    <a:lstStyle/>
+                    <a:p>
+                      <a:pPr indent="-192405">
+                        <a:lnSpc>
+                          <a:spcPts val="1515"/>
+                        </a:lnSpc>
+                        <a:spcAft>
+                          <a:spcPts val="0"/>
+                        </a:spcAft>
+                      </a:pPr>
+                      <a:r>
+                        <a:rPr lang="en-CA" sz="1600" b="0">
+                          <a:solidFill>
+                            <a:schemeClr val="tx1"/>
+                          </a:solidFill>
+                          <a:effectLst/>
+                        </a:rPr>
+                        <a:t>Yes</a:t>
+                      </a:r>
+                      <a:endParaRPr lang="en-CA" sz="1600" b="0">
+                        <a:solidFill>
+                          <a:schemeClr val="tx1"/>
+                        </a:solidFill>
+                        <a:effectLst/>
+                        <a:latin typeface="Calibri" panose="020F0502020204030204" pitchFamily="34" charset="0"/>
+                        <a:ea typeface="Calibri" panose="020F0502020204030204" pitchFamily="34" charset="0"/>
+                        <a:cs typeface="Times New Roman" panose="02020603050405020304" pitchFamily="18" charset="0"/>
+                      </a:endParaRPr>
+                    </a:p>
+                  </a:txBody>
+                  <a:tcPr marL="256540" marR="38735" marT="38735" marB="38735">
+                    <a:solidFill>
+                      <a:schemeClr val="bg1">
+                        <a:lumMod val="85000"/>
+                      </a:schemeClr>
+                    </a:solidFill>
+                  </a:tcPr>
+                </a:tc>
+                <a:extLst>
+                  <a:ext uri="{0D108BD9-81ED-4DB2-BD59-A6C34878D82A}">
+                    <a16:rowId xmlns:a16="http://schemas.microsoft.com/office/drawing/2014/main" val="402388871"/>
+                  </a:ext>
+                </a:extLst>
+              </a:tr>
+              <a:tr h="439281">
+                <a:tc>
+                  <a:txBody>
+                    <a:bodyPr/>
+                    <a:lstStyle/>
+                    <a:p>
+                      <a:pPr indent="-192405">
+                        <a:lnSpc>
+                          <a:spcPts val="1515"/>
+                        </a:lnSpc>
+                        <a:spcAft>
+                          <a:spcPts val="0"/>
+                        </a:spcAft>
+                      </a:pPr>
+                      <a:r>
+                        <a:rPr lang="en-CA" sz="1600" b="0">
+                          <a:solidFill>
+                            <a:schemeClr val="tx1"/>
+                          </a:solidFill>
+                          <a:effectLst/>
+                        </a:rPr>
+                        <a:t>Sunny</a:t>
+                      </a:r>
+                      <a:endParaRPr lang="en-CA" sz="1600" b="0">
+                        <a:solidFill>
+                          <a:schemeClr val="tx1"/>
+                        </a:solidFill>
+                        <a:effectLst/>
+                        <a:latin typeface="Calibri" panose="020F0502020204030204" pitchFamily="34" charset="0"/>
+                        <a:ea typeface="Calibri" panose="020F0502020204030204" pitchFamily="34" charset="0"/>
+                        <a:cs typeface="Times New Roman" panose="02020603050405020304" pitchFamily="18" charset="0"/>
+                      </a:endParaRPr>
+                    </a:p>
+                  </a:txBody>
+                  <a:tcPr marL="256540" marR="38735" marT="38735" marB="38735">
+                    <a:solidFill>
+                      <a:schemeClr val="bg1">
+                        <a:lumMod val="85000"/>
+                      </a:schemeClr>
+                    </a:solidFill>
+                  </a:tcPr>
+                </a:tc>
+                <a:tc>
+                  <a:txBody>
+                    <a:bodyPr/>
+                    <a:lstStyle/>
+                    <a:p>
+                      <a:pPr indent="-192405">
+                        <a:lnSpc>
+                          <a:spcPts val="1515"/>
+                        </a:lnSpc>
+                        <a:spcAft>
+                          <a:spcPts val="0"/>
+                        </a:spcAft>
+                      </a:pPr>
+                      <a:r>
+                        <a:rPr lang="en-CA" sz="1600" b="0" dirty="0">
+                          <a:solidFill>
+                            <a:schemeClr val="tx1"/>
+                          </a:solidFill>
+                          <a:effectLst/>
+                        </a:rPr>
+                        <a:t>Mild</a:t>
+                      </a:r>
+                      <a:endParaRPr lang="en-CA" sz="1600" b="0" dirty="0">
+                        <a:solidFill>
+                          <a:schemeClr val="tx1"/>
+                        </a:solidFill>
+                        <a:effectLst/>
+                        <a:latin typeface="Calibri" panose="020F0502020204030204" pitchFamily="34" charset="0"/>
+                        <a:ea typeface="Calibri" panose="020F0502020204030204" pitchFamily="34" charset="0"/>
+                        <a:cs typeface="Times New Roman" panose="02020603050405020304" pitchFamily="18" charset="0"/>
+                      </a:endParaRPr>
+                    </a:p>
+                  </a:txBody>
+                  <a:tcPr marL="256540" marR="38735" marT="38735" marB="38735">
+                    <a:solidFill>
+                      <a:schemeClr val="bg1">
+                        <a:lumMod val="85000"/>
+                      </a:schemeClr>
+                    </a:solidFill>
+                  </a:tcPr>
+                </a:tc>
+                <a:tc>
+                  <a:txBody>
+                    <a:bodyPr/>
+                    <a:lstStyle/>
+                    <a:p>
+                      <a:pPr indent="-192405">
+                        <a:lnSpc>
+                          <a:spcPts val="1515"/>
+                        </a:lnSpc>
+                        <a:spcAft>
+                          <a:spcPts val="0"/>
+                        </a:spcAft>
+                      </a:pPr>
+                      <a:r>
+                        <a:rPr lang="en-CA" sz="1600" b="0">
+                          <a:solidFill>
+                            <a:schemeClr val="tx1"/>
+                          </a:solidFill>
+                          <a:effectLst/>
+                        </a:rPr>
+                        <a:t>High</a:t>
+                      </a:r>
+                      <a:endParaRPr lang="en-CA" sz="1600" b="0">
+                        <a:solidFill>
+                          <a:schemeClr val="tx1"/>
+                        </a:solidFill>
+                        <a:effectLst/>
+                        <a:latin typeface="Calibri" panose="020F0502020204030204" pitchFamily="34" charset="0"/>
+                        <a:ea typeface="Calibri" panose="020F0502020204030204" pitchFamily="34" charset="0"/>
+                        <a:cs typeface="Times New Roman" panose="02020603050405020304" pitchFamily="18" charset="0"/>
+                      </a:endParaRPr>
+                    </a:p>
+                  </a:txBody>
+                  <a:tcPr marL="256540" marR="38735" marT="38735" marB="38735">
+                    <a:solidFill>
+                      <a:schemeClr val="bg1">
+                        <a:lumMod val="85000"/>
+                      </a:schemeClr>
+                    </a:solidFill>
+                  </a:tcPr>
+                </a:tc>
+                <a:tc>
+                  <a:txBody>
+                    <a:bodyPr/>
+                    <a:lstStyle/>
+                    <a:p>
+                      <a:pPr indent="-192405">
+                        <a:lnSpc>
+                          <a:spcPts val="1515"/>
+                        </a:lnSpc>
+                        <a:spcAft>
+                          <a:spcPts val="0"/>
+                        </a:spcAft>
+                      </a:pPr>
+                      <a:r>
+                        <a:rPr lang="en-CA" sz="1600" b="0">
+                          <a:solidFill>
+                            <a:schemeClr val="tx1"/>
+                          </a:solidFill>
+                          <a:effectLst/>
+                        </a:rPr>
+                        <a:t>False</a:t>
+                      </a:r>
+                      <a:endParaRPr lang="en-CA" sz="1600" b="0">
+                        <a:solidFill>
+                          <a:schemeClr val="tx1"/>
+                        </a:solidFill>
+                        <a:effectLst/>
+                        <a:latin typeface="Calibri" panose="020F0502020204030204" pitchFamily="34" charset="0"/>
+                        <a:ea typeface="Calibri" panose="020F0502020204030204" pitchFamily="34" charset="0"/>
+                        <a:cs typeface="Times New Roman" panose="02020603050405020304" pitchFamily="18" charset="0"/>
+                      </a:endParaRPr>
+                    </a:p>
+                  </a:txBody>
+                  <a:tcPr marL="256540" marR="38735" marT="38735" marB="38735">
+                    <a:solidFill>
+                      <a:schemeClr val="bg1">
+                        <a:lumMod val="85000"/>
+                      </a:schemeClr>
+                    </a:solidFill>
+                  </a:tcPr>
+                </a:tc>
+                <a:tc>
+                  <a:txBody>
+                    <a:bodyPr/>
+                    <a:lstStyle/>
+                    <a:p>
+                      <a:pPr indent="-192405">
+                        <a:lnSpc>
+                          <a:spcPts val="1515"/>
+                        </a:lnSpc>
+                        <a:spcAft>
+                          <a:spcPts val="0"/>
+                        </a:spcAft>
+                      </a:pPr>
+                      <a:r>
+                        <a:rPr lang="en-CA" sz="1600" b="0">
+                          <a:solidFill>
+                            <a:schemeClr val="tx1"/>
+                          </a:solidFill>
+                          <a:effectLst/>
+                        </a:rPr>
+                        <a:t>No</a:t>
+                      </a:r>
+                      <a:endParaRPr lang="en-CA" sz="1600" b="0">
+                        <a:solidFill>
+                          <a:schemeClr val="tx1"/>
+                        </a:solidFill>
+                        <a:effectLst/>
+                        <a:latin typeface="Calibri" panose="020F0502020204030204" pitchFamily="34" charset="0"/>
+                        <a:ea typeface="Calibri" panose="020F0502020204030204" pitchFamily="34" charset="0"/>
+                        <a:cs typeface="Times New Roman" panose="02020603050405020304" pitchFamily="18" charset="0"/>
+                      </a:endParaRPr>
+                    </a:p>
+                  </a:txBody>
+                  <a:tcPr marL="256540" marR="38735" marT="38735" marB="38735">
+                    <a:solidFill>
+                      <a:schemeClr val="bg1">
+                        <a:lumMod val="85000"/>
+                      </a:schemeClr>
+                    </a:solidFill>
+                  </a:tcPr>
+                </a:tc>
+                <a:extLst>
+                  <a:ext uri="{0D108BD9-81ED-4DB2-BD59-A6C34878D82A}">
+                    <a16:rowId xmlns:a16="http://schemas.microsoft.com/office/drawing/2014/main" val="2044260058"/>
+                  </a:ext>
+                </a:extLst>
+              </a:tr>
+              <a:tr h="439281">
+                <a:tc>
+                  <a:txBody>
+                    <a:bodyPr/>
+                    <a:lstStyle/>
+                    <a:p>
+                      <a:pPr indent="-192405">
+                        <a:lnSpc>
+                          <a:spcPts val="1515"/>
+                        </a:lnSpc>
+                        <a:spcAft>
+                          <a:spcPts val="0"/>
+                        </a:spcAft>
+                      </a:pPr>
+                      <a:r>
+                        <a:rPr lang="en-CA" sz="1600" b="0" dirty="0">
+                          <a:solidFill>
+                            <a:schemeClr val="tx1"/>
+                          </a:solidFill>
+                          <a:effectLst/>
+                        </a:rPr>
+                        <a:t>Sunny</a:t>
+                      </a:r>
+                      <a:endParaRPr lang="en-CA" sz="1600" b="0" dirty="0">
+                        <a:solidFill>
+                          <a:schemeClr val="tx1"/>
+                        </a:solidFill>
+                        <a:effectLst/>
+                        <a:latin typeface="Calibri" panose="020F0502020204030204" pitchFamily="34" charset="0"/>
+                        <a:ea typeface="Calibri" panose="020F0502020204030204" pitchFamily="34" charset="0"/>
+                        <a:cs typeface="Times New Roman" panose="02020603050405020304" pitchFamily="18" charset="0"/>
+                      </a:endParaRPr>
+                    </a:p>
+                  </a:txBody>
+                  <a:tcPr marL="256540" marR="38735" marT="38735" marB="38735">
+                    <a:solidFill>
+                      <a:schemeClr val="bg1">
+                        <a:lumMod val="85000"/>
+                      </a:schemeClr>
+                    </a:solidFill>
+                  </a:tcPr>
+                </a:tc>
+                <a:tc>
+                  <a:txBody>
+                    <a:bodyPr/>
+                    <a:lstStyle/>
+                    <a:p>
+                      <a:pPr indent="-192405">
+                        <a:lnSpc>
+                          <a:spcPts val="1515"/>
+                        </a:lnSpc>
+                        <a:spcAft>
+                          <a:spcPts val="0"/>
+                        </a:spcAft>
+                      </a:pPr>
+                      <a:r>
+                        <a:rPr lang="en-CA" sz="1600" b="0">
+                          <a:solidFill>
+                            <a:schemeClr val="tx1"/>
+                          </a:solidFill>
+                          <a:effectLst/>
+                        </a:rPr>
+                        <a:t>Cool</a:t>
+                      </a:r>
+                      <a:endParaRPr lang="en-CA" sz="1600" b="0">
+                        <a:solidFill>
+                          <a:schemeClr val="tx1"/>
+                        </a:solidFill>
+                        <a:effectLst/>
+                        <a:latin typeface="Calibri" panose="020F0502020204030204" pitchFamily="34" charset="0"/>
+                        <a:ea typeface="Calibri" panose="020F0502020204030204" pitchFamily="34" charset="0"/>
+                        <a:cs typeface="Times New Roman" panose="02020603050405020304" pitchFamily="18" charset="0"/>
+                      </a:endParaRPr>
+                    </a:p>
+                  </a:txBody>
+                  <a:tcPr marL="256540" marR="38735" marT="38735" marB="38735">
+                    <a:solidFill>
+                      <a:schemeClr val="bg1">
+                        <a:lumMod val="85000"/>
+                      </a:schemeClr>
+                    </a:solidFill>
+                  </a:tcPr>
+                </a:tc>
+                <a:tc>
+                  <a:txBody>
+                    <a:bodyPr/>
+                    <a:lstStyle/>
+                    <a:p>
+                      <a:pPr indent="-192405">
+                        <a:lnSpc>
+                          <a:spcPts val="1515"/>
+                        </a:lnSpc>
+                        <a:spcAft>
+                          <a:spcPts val="0"/>
+                        </a:spcAft>
+                      </a:pPr>
+                      <a:r>
+                        <a:rPr lang="en-CA" sz="1600" b="0">
+                          <a:solidFill>
+                            <a:schemeClr val="tx1"/>
+                          </a:solidFill>
+                          <a:effectLst/>
+                        </a:rPr>
+                        <a:t>Normal</a:t>
+                      </a:r>
+                      <a:endParaRPr lang="en-CA" sz="1600" b="0">
+                        <a:solidFill>
+                          <a:schemeClr val="tx1"/>
+                        </a:solidFill>
+                        <a:effectLst/>
+                        <a:latin typeface="Calibri" panose="020F0502020204030204" pitchFamily="34" charset="0"/>
+                        <a:ea typeface="Calibri" panose="020F0502020204030204" pitchFamily="34" charset="0"/>
+                        <a:cs typeface="Times New Roman" panose="02020603050405020304" pitchFamily="18" charset="0"/>
+                      </a:endParaRPr>
+                    </a:p>
+                  </a:txBody>
+                  <a:tcPr marL="256540" marR="38735" marT="38735" marB="38735">
+                    <a:solidFill>
+                      <a:schemeClr val="bg1">
+                        <a:lumMod val="85000"/>
+                      </a:schemeClr>
+                    </a:solidFill>
+                  </a:tcPr>
+                </a:tc>
+                <a:tc>
+                  <a:txBody>
+                    <a:bodyPr/>
+                    <a:lstStyle/>
+                    <a:p>
+                      <a:pPr indent="-192405">
+                        <a:lnSpc>
+                          <a:spcPts val="1515"/>
+                        </a:lnSpc>
+                        <a:spcAft>
+                          <a:spcPts val="0"/>
+                        </a:spcAft>
+                      </a:pPr>
+                      <a:r>
+                        <a:rPr lang="en-CA" sz="1600" b="0">
+                          <a:solidFill>
+                            <a:schemeClr val="tx1"/>
+                          </a:solidFill>
+                          <a:effectLst/>
+                        </a:rPr>
+                        <a:t>False</a:t>
+                      </a:r>
+                      <a:endParaRPr lang="en-CA" sz="1600" b="0">
+                        <a:solidFill>
+                          <a:schemeClr val="tx1"/>
+                        </a:solidFill>
+                        <a:effectLst/>
+                        <a:latin typeface="Calibri" panose="020F0502020204030204" pitchFamily="34" charset="0"/>
+                        <a:ea typeface="Calibri" panose="020F0502020204030204" pitchFamily="34" charset="0"/>
+                        <a:cs typeface="Times New Roman" panose="02020603050405020304" pitchFamily="18" charset="0"/>
+                      </a:endParaRPr>
+                    </a:p>
+                  </a:txBody>
+                  <a:tcPr marL="256540" marR="38735" marT="38735" marB="38735">
+                    <a:solidFill>
+                      <a:schemeClr val="bg1">
+                        <a:lumMod val="85000"/>
+                      </a:schemeClr>
+                    </a:solidFill>
+                  </a:tcPr>
+                </a:tc>
+                <a:tc>
+                  <a:txBody>
+                    <a:bodyPr/>
+                    <a:lstStyle/>
+                    <a:p>
+                      <a:pPr indent="-192405">
+                        <a:lnSpc>
+                          <a:spcPts val="1515"/>
+                        </a:lnSpc>
+                        <a:spcAft>
+                          <a:spcPts val="0"/>
+                        </a:spcAft>
+                      </a:pPr>
+                      <a:r>
+                        <a:rPr lang="en-CA" sz="1600" b="0">
+                          <a:solidFill>
+                            <a:schemeClr val="tx1"/>
+                          </a:solidFill>
+                          <a:effectLst/>
+                        </a:rPr>
+                        <a:t>Yes</a:t>
+                      </a:r>
+                      <a:endParaRPr lang="en-CA" sz="1600" b="0">
+                        <a:solidFill>
+                          <a:schemeClr val="tx1"/>
+                        </a:solidFill>
+                        <a:effectLst/>
+                        <a:latin typeface="Calibri" panose="020F0502020204030204" pitchFamily="34" charset="0"/>
+                        <a:ea typeface="Calibri" panose="020F0502020204030204" pitchFamily="34" charset="0"/>
+                        <a:cs typeface="Times New Roman" panose="02020603050405020304" pitchFamily="18" charset="0"/>
+                      </a:endParaRPr>
+                    </a:p>
+                  </a:txBody>
+                  <a:tcPr marL="256540" marR="38735" marT="38735" marB="38735">
+                    <a:solidFill>
+                      <a:schemeClr val="bg1">
+                        <a:lumMod val="85000"/>
+                      </a:schemeClr>
+                    </a:solidFill>
+                  </a:tcPr>
+                </a:tc>
+                <a:extLst>
+                  <a:ext uri="{0D108BD9-81ED-4DB2-BD59-A6C34878D82A}">
+                    <a16:rowId xmlns:a16="http://schemas.microsoft.com/office/drawing/2014/main" val="2948734293"/>
+                  </a:ext>
+                </a:extLst>
+              </a:tr>
+              <a:tr h="439281">
+                <a:tc>
+                  <a:txBody>
+                    <a:bodyPr/>
+                    <a:lstStyle/>
+                    <a:p>
+                      <a:pPr indent="-192405">
+                        <a:lnSpc>
+                          <a:spcPts val="1515"/>
+                        </a:lnSpc>
+                        <a:spcAft>
+                          <a:spcPts val="0"/>
+                        </a:spcAft>
+                      </a:pPr>
+                      <a:r>
+                        <a:rPr lang="en-CA" sz="1600" b="0">
+                          <a:solidFill>
+                            <a:schemeClr val="tx1"/>
+                          </a:solidFill>
+                          <a:effectLst/>
+                        </a:rPr>
+                        <a:t>Rainy</a:t>
+                      </a:r>
+                      <a:endParaRPr lang="en-CA" sz="1600" b="0">
+                        <a:solidFill>
+                          <a:schemeClr val="tx1"/>
+                        </a:solidFill>
+                        <a:effectLst/>
+                        <a:latin typeface="Calibri" panose="020F0502020204030204" pitchFamily="34" charset="0"/>
+                        <a:ea typeface="Calibri" panose="020F0502020204030204" pitchFamily="34" charset="0"/>
+                        <a:cs typeface="Times New Roman" panose="02020603050405020304" pitchFamily="18" charset="0"/>
+                      </a:endParaRPr>
+                    </a:p>
+                  </a:txBody>
+                  <a:tcPr marL="256540" marR="38735" marT="38735" marB="38735">
+                    <a:solidFill>
+                      <a:schemeClr val="bg1">
+                        <a:lumMod val="85000"/>
+                      </a:schemeClr>
+                    </a:solidFill>
+                  </a:tcPr>
+                </a:tc>
+                <a:tc>
+                  <a:txBody>
+                    <a:bodyPr/>
+                    <a:lstStyle/>
+                    <a:p>
+                      <a:pPr indent="-192405">
+                        <a:lnSpc>
+                          <a:spcPts val="1515"/>
+                        </a:lnSpc>
+                        <a:spcAft>
+                          <a:spcPts val="0"/>
+                        </a:spcAft>
+                      </a:pPr>
+                      <a:r>
+                        <a:rPr lang="en-CA" sz="1600" b="0">
+                          <a:solidFill>
+                            <a:schemeClr val="tx1"/>
+                          </a:solidFill>
+                          <a:effectLst/>
+                        </a:rPr>
+                        <a:t>Mild</a:t>
+                      </a:r>
+                      <a:endParaRPr lang="en-CA" sz="1600" b="0">
+                        <a:solidFill>
+                          <a:schemeClr val="tx1"/>
+                        </a:solidFill>
+                        <a:effectLst/>
+                        <a:latin typeface="Calibri" panose="020F0502020204030204" pitchFamily="34" charset="0"/>
+                        <a:ea typeface="Calibri" panose="020F0502020204030204" pitchFamily="34" charset="0"/>
+                        <a:cs typeface="Times New Roman" panose="02020603050405020304" pitchFamily="18" charset="0"/>
+                      </a:endParaRPr>
+                    </a:p>
+                  </a:txBody>
+                  <a:tcPr marL="256540" marR="38735" marT="38735" marB="38735">
+                    <a:solidFill>
+                      <a:schemeClr val="bg1">
+                        <a:lumMod val="85000"/>
+                      </a:schemeClr>
+                    </a:solidFill>
+                  </a:tcPr>
+                </a:tc>
+                <a:tc>
+                  <a:txBody>
+                    <a:bodyPr/>
+                    <a:lstStyle/>
+                    <a:p>
+                      <a:pPr indent="-192405">
+                        <a:lnSpc>
+                          <a:spcPts val="1515"/>
+                        </a:lnSpc>
+                        <a:spcAft>
+                          <a:spcPts val="0"/>
+                        </a:spcAft>
+                      </a:pPr>
+                      <a:r>
+                        <a:rPr lang="en-CA" sz="1600" b="0">
+                          <a:solidFill>
+                            <a:schemeClr val="tx1"/>
+                          </a:solidFill>
+                          <a:effectLst/>
+                        </a:rPr>
+                        <a:t>Normal</a:t>
+                      </a:r>
+                      <a:endParaRPr lang="en-CA" sz="1600" b="0">
+                        <a:solidFill>
+                          <a:schemeClr val="tx1"/>
+                        </a:solidFill>
+                        <a:effectLst/>
+                        <a:latin typeface="Calibri" panose="020F0502020204030204" pitchFamily="34" charset="0"/>
+                        <a:ea typeface="Calibri" panose="020F0502020204030204" pitchFamily="34" charset="0"/>
+                        <a:cs typeface="Times New Roman" panose="02020603050405020304" pitchFamily="18" charset="0"/>
+                      </a:endParaRPr>
+                    </a:p>
+                  </a:txBody>
+                  <a:tcPr marL="256540" marR="38735" marT="38735" marB="38735">
+                    <a:solidFill>
+                      <a:schemeClr val="bg1">
+                        <a:lumMod val="85000"/>
+                      </a:schemeClr>
+                    </a:solidFill>
+                  </a:tcPr>
+                </a:tc>
+                <a:tc>
+                  <a:txBody>
+                    <a:bodyPr/>
+                    <a:lstStyle/>
+                    <a:p>
+                      <a:pPr indent="-192405">
+                        <a:lnSpc>
+                          <a:spcPts val="1515"/>
+                        </a:lnSpc>
+                        <a:spcAft>
+                          <a:spcPts val="0"/>
+                        </a:spcAft>
+                      </a:pPr>
+                      <a:r>
+                        <a:rPr lang="en-CA" sz="1600" b="0">
+                          <a:solidFill>
+                            <a:schemeClr val="tx1"/>
+                          </a:solidFill>
+                          <a:effectLst/>
+                        </a:rPr>
+                        <a:t>False</a:t>
+                      </a:r>
+                      <a:endParaRPr lang="en-CA" sz="1600" b="0">
+                        <a:solidFill>
+                          <a:schemeClr val="tx1"/>
+                        </a:solidFill>
+                        <a:effectLst/>
+                        <a:latin typeface="Calibri" panose="020F0502020204030204" pitchFamily="34" charset="0"/>
+                        <a:ea typeface="Calibri" panose="020F0502020204030204" pitchFamily="34" charset="0"/>
+                        <a:cs typeface="Times New Roman" panose="02020603050405020304" pitchFamily="18" charset="0"/>
+                      </a:endParaRPr>
+                    </a:p>
+                  </a:txBody>
+                  <a:tcPr marL="256540" marR="38735" marT="38735" marB="38735">
+                    <a:solidFill>
+                      <a:schemeClr val="bg1">
+                        <a:lumMod val="85000"/>
+                      </a:schemeClr>
+                    </a:solidFill>
+                  </a:tcPr>
+                </a:tc>
+                <a:tc>
+                  <a:txBody>
+                    <a:bodyPr/>
+                    <a:lstStyle/>
+                    <a:p>
+                      <a:pPr indent="-192405">
+                        <a:lnSpc>
+                          <a:spcPts val="1515"/>
+                        </a:lnSpc>
+                        <a:spcAft>
+                          <a:spcPts val="0"/>
+                        </a:spcAft>
+                      </a:pPr>
+                      <a:r>
+                        <a:rPr lang="en-CA" sz="1600" b="0">
+                          <a:solidFill>
+                            <a:schemeClr val="tx1"/>
+                          </a:solidFill>
+                          <a:effectLst/>
+                        </a:rPr>
+                        <a:t>Yes</a:t>
+                      </a:r>
+                      <a:endParaRPr lang="en-CA" sz="1600" b="0">
+                        <a:solidFill>
+                          <a:schemeClr val="tx1"/>
+                        </a:solidFill>
+                        <a:effectLst/>
+                        <a:latin typeface="Calibri" panose="020F0502020204030204" pitchFamily="34" charset="0"/>
+                        <a:ea typeface="Calibri" panose="020F0502020204030204" pitchFamily="34" charset="0"/>
+                        <a:cs typeface="Times New Roman" panose="02020603050405020304" pitchFamily="18" charset="0"/>
+                      </a:endParaRPr>
+                    </a:p>
+                  </a:txBody>
+                  <a:tcPr marL="256540" marR="38735" marT="38735" marB="38735">
+                    <a:solidFill>
+                      <a:schemeClr val="bg1">
+                        <a:lumMod val="85000"/>
+                      </a:schemeClr>
+                    </a:solidFill>
+                  </a:tcPr>
+                </a:tc>
+                <a:extLst>
+                  <a:ext uri="{0D108BD9-81ED-4DB2-BD59-A6C34878D82A}">
+                    <a16:rowId xmlns:a16="http://schemas.microsoft.com/office/drawing/2014/main" val="3834425842"/>
+                  </a:ext>
+                </a:extLst>
+              </a:tr>
+              <a:tr h="439281">
+                <a:tc>
+                  <a:txBody>
+                    <a:bodyPr/>
+                    <a:lstStyle/>
+                    <a:p>
+                      <a:pPr indent="-192405">
+                        <a:lnSpc>
+                          <a:spcPts val="1515"/>
+                        </a:lnSpc>
+                        <a:spcAft>
+                          <a:spcPts val="0"/>
+                        </a:spcAft>
+                      </a:pPr>
+                      <a:r>
+                        <a:rPr lang="en-CA" sz="1600" b="0" dirty="0">
+                          <a:solidFill>
+                            <a:schemeClr val="tx1"/>
+                          </a:solidFill>
+                          <a:effectLst/>
+                        </a:rPr>
+                        <a:t>Sunny</a:t>
+                      </a:r>
+                      <a:endParaRPr lang="en-CA" sz="1600" b="0" dirty="0">
+                        <a:solidFill>
+                          <a:schemeClr val="tx1"/>
+                        </a:solidFill>
+                        <a:effectLst/>
+                        <a:latin typeface="Calibri" panose="020F0502020204030204" pitchFamily="34" charset="0"/>
+                        <a:ea typeface="Calibri" panose="020F0502020204030204" pitchFamily="34" charset="0"/>
+                        <a:cs typeface="Times New Roman" panose="02020603050405020304" pitchFamily="18" charset="0"/>
+                      </a:endParaRPr>
+                    </a:p>
+                  </a:txBody>
+                  <a:tcPr marL="256540" marR="38735" marT="38735" marB="38735">
+                    <a:solidFill>
+                      <a:schemeClr val="bg1">
+                        <a:lumMod val="85000"/>
+                      </a:schemeClr>
+                    </a:solidFill>
+                  </a:tcPr>
+                </a:tc>
+                <a:tc>
+                  <a:txBody>
+                    <a:bodyPr/>
+                    <a:lstStyle/>
+                    <a:p>
+                      <a:pPr indent="-192405">
+                        <a:lnSpc>
+                          <a:spcPts val="1515"/>
+                        </a:lnSpc>
+                        <a:spcAft>
+                          <a:spcPts val="0"/>
+                        </a:spcAft>
+                      </a:pPr>
+                      <a:r>
+                        <a:rPr lang="en-CA" sz="1600" b="0">
+                          <a:solidFill>
+                            <a:schemeClr val="tx1"/>
+                          </a:solidFill>
+                          <a:effectLst/>
+                        </a:rPr>
+                        <a:t>Mild</a:t>
+                      </a:r>
+                      <a:endParaRPr lang="en-CA" sz="1600" b="0">
+                        <a:solidFill>
+                          <a:schemeClr val="tx1"/>
+                        </a:solidFill>
+                        <a:effectLst/>
+                        <a:latin typeface="Calibri" panose="020F0502020204030204" pitchFamily="34" charset="0"/>
+                        <a:ea typeface="Calibri" panose="020F0502020204030204" pitchFamily="34" charset="0"/>
+                        <a:cs typeface="Times New Roman" panose="02020603050405020304" pitchFamily="18" charset="0"/>
+                      </a:endParaRPr>
+                    </a:p>
+                  </a:txBody>
+                  <a:tcPr marL="256540" marR="38735" marT="38735" marB="38735">
+                    <a:solidFill>
+                      <a:schemeClr val="bg1">
+                        <a:lumMod val="85000"/>
+                      </a:schemeClr>
+                    </a:solidFill>
+                  </a:tcPr>
+                </a:tc>
+                <a:tc>
+                  <a:txBody>
+                    <a:bodyPr/>
+                    <a:lstStyle/>
+                    <a:p>
+                      <a:pPr indent="-192405">
+                        <a:lnSpc>
+                          <a:spcPts val="1515"/>
+                        </a:lnSpc>
+                        <a:spcAft>
+                          <a:spcPts val="0"/>
+                        </a:spcAft>
+                      </a:pPr>
+                      <a:r>
+                        <a:rPr lang="en-CA" sz="1600" b="0">
+                          <a:solidFill>
+                            <a:schemeClr val="tx1"/>
+                          </a:solidFill>
+                          <a:effectLst/>
+                        </a:rPr>
+                        <a:t>Normal</a:t>
+                      </a:r>
+                      <a:endParaRPr lang="en-CA" sz="1600" b="0">
+                        <a:solidFill>
+                          <a:schemeClr val="tx1"/>
+                        </a:solidFill>
+                        <a:effectLst/>
+                        <a:latin typeface="Calibri" panose="020F0502020204030204" pitchFamily="34" charset="0"/>
+                        <a:ea typeface="Calibri" panose="020F0502020204030204" pitchFamily="34" charset="0"/>
+                        <a:cs typeface="Times New Roman" panose="02020603050405020304" pitchFamily="18" charset="0"/>
+                      </a:endParaRPr>
+                    </a:p>
+                  </a:txBody>
+                  <a:tcPr marL="256540" marR="38735" marT="38735" marB="38735">
+                    <a:solidFill>
+                      <a:schemeClr val="bg1">
+                        <a:lumMod val="85000"/>
+                      </a:schemeClr>
+                    </a:solidFill>
+                  </a:tcPr>
+                </a:tc>
+                <a:tc>
+                  <a:txBody>
+                    <a:bodyPr/>
+                    <a:lstStyle/>
+                    <a:p>
+                      <a:pPr indent="-192405">
+                        <a:lnSpc>
+                          <a:spcPts val="1515"/>
+                        </a:lnSpc>
+                        <a:spcAft>
+                          <a:spcPts val="0"/>
+                        </a:spcAft>
+                      </a:pPr>
+                      <a:r>
+                        <a:rPr lang="en-CA" sz="1600" b="0">
+                          <a:solidFill>
+                            <a:schemeClr val="tx1"/>
+                          </a:solidFill>
+                          <a:effectLst/>
+                        </a:rPr>
+                        <a:t>True</a:t>
+                      </a:r>
+                      <a:endParaRPr lang="en-CA" sz="1600" b="0">
+                        <a:solidFill>
+                          <a:schemeClr val="tx1"/>
+                        </a:solidFill>
+                        <a:effectLst/>
+                        <a:latin typeface="Calibri" panose="020F0502020204030204" pitchFamily="34" charset="0"/>
+                        <a:ea typeface="Calibri" panose="020F0502020204030204" pitchFamily="34" charset="0"/>
+                        <a:cs typeface="Times New Roman" panose="02020603050405020304" pitchFamily="18" charset="0"/>
+                      </a:endParaRPr>
+                    </a:p>
+                  </a:txBody>
+                  <a:tcPr marL="256540" marR="38735" marT="38735" marB="38735">
+                    <a:solidFill>
+                      <a:schemeClr val="bg1">
+                        <a:lumMod val="85000"/>
+                      </a:schemeClr>
+                    </a:solidFill>
+                  </a:tcPr>
+                </a:tc>
+                <a:tc>
+                  <a:txBody>
+                    <a:bodyPr/>
+                    <a:lstStyle/>
+                    <a:p>
+                      <a:pPr indent="-192405">
+                        <a:lnSpc>
+                          <a:spcPts val="1515"/>
+                        </a:lnSpc>
+                        <a:spcAft>
+                          <a:spcPts val="0"/>
+                        </a:spcAft>
+                      </a:pPr>
+                      <a:r>
+                        <a:rPr lang="en-CA" sz="1600" b="0">
+                          <a:solidFill>
+                            <a:schemeClr val="tx1"/>
+                          </a:solidFill>
+                          <a:effectLst/>
+                        </a:rPr>
+                        <a:t>Yes</a:t>
+                      </a:r>
+                      <a:endParaRPr lang="en-CA" sz="1600" b="0">
+                        <a:solidFill>
+                          <a:schemeClr val="tx1"/>
+                        </a:solidFill>
+                        <a:effectLst/>
+                        <a:latin typeface="Calibri" panose="020F0502020204030204" pitchFamily="34" charset="0"/>
+                        <a:ea typeface="Calibri" panose="020F0502020204030204" pitchFamily="34" charset="0"/>
+                        <a:cs typeface="Times New Roman" panose="02020603050405020304" pitchFamily="18" charset="0"/>
+                      </a:endParaRPr>
+                    </a:p>
+                  </a:txBody>
+                  <a:tcPr marL="256540" marR="38735" marT="38735" marB="38735">
+                    <a:solidFill>
+                      <a:schemeClr val="bg1">
+                        <a:lumMod val="85000"/>
+                      </a:schemeClr>
+                    </a:solidFill>
+                  </a:tcPr>
+                </a:tc>
+                <a:extLst>
+                  <a:ext uri="{0D108BD9-81ED-4DB2-BD59-A6C34878D82A}">
+                    <a16:rowId xmlns:a16="http://schemas.microsoft.com/office/drawing/2014/main" val="1587015908"/>
+                  </a:ext>
+                </a:extLst>
+              </a:tr>
+              <a:tr h="439281">
+                <a:tc>
+                  <a:txBody>
+                    <a:bodyPr/>
+                    <a:lstStyle/>
+                    <a:p>
+                      <a:pPr indent="-192405">
+                        <a:lnSpc>
+                          <a:spcPts val="1515"/>
+                        </a:lnSpc>
+                        <a:spcAft>
+                          <a:spcPts val="0"/>
+                        </a:spcAft>
+                      </a:pPr>
+                      <a:r>
+                        <a:rPr lang="en-CA" sz="1600" b="0">
+                          <a:solidFill>
+                            <a:schemeClr val="tx1"/>
+                          </a:solidFill>
+                          <a:effectLst/>
+                        </a:rPr>
+                        <a:t>Overcast</a:t>
+                      </a:r>
+                      <a:endParaRPr lang="en-CA" sz="1600" b="0">
+                        <a:solidFill>
+                          <a:schemeClr val="tx1"/>
+                        </a:solidFill>
+                        <a:effectLst/>
+                        <a:latin typeface="Calibri" panose="020F0502020204030204" pitchFamily="34" charset="0"/>
+                        <a:ea typeface="Calibri" panose="020F0502020204030204" pitchFamily="34" charset="0"/>
+                        <a:cs typeface="Times New Roman" panose="02020603050405020304" pitchFamily="18" charset="0"/>
+                      </a:endParaRPr>
+                    </a:p>
+                  </a:txBody>
+                  <a:tcPr marL="256540" marR="38735" marT="38735" marB="38735">
+                    <a:solidFill>
+                      <a:schemeClr val="bg1">
+                        <a:lumMod val="85000"/>
+                      </a:schemeClr>
+                    </a:solidFill>
+                  </a:tcPr>
+                </a:tc>
+                <a:tc>
+                  <a:txBody>
+                    <a:bodyPr/>
+                    <a:lstStyle/>
+                    <a:p>
+                      <a:pPr indent="-192405">
+                        <a:lnSpc>
+                          <a:spcPts val="1515"/>
+                        </a:lnSpc>
+                        <a:spcAft>
+                          <a:spcPts val="0"/>
+                        </a:spcAft>
+                      </a:pPr>
+                      <a:r>
+                        <a:rPr lang="en-CA" sz="1600" b="0">
+                          <a:solidFill>
+                            <a:schemeClr val="tx1"/>
+                          </a:solidFill>
+                          <a:effectLst/>
+                        </a:rPr>
+                        <a:t>Mild</a:t>
+                      </a:r>
+                      <a:endParaRPr lang="en-CA" sz="1600" b="0">
+                        <a:solidFill>
+                          <a:schemeClr val="tx1"/>
+                        </a:solidFill>
+                        <a:effectLst/>
+                        <a:latin typeface="Calibri" panose="020F0502020204030204" pitchFamily="34" charset="0"/>
+                        <a:ea typeface="Calibri" panose="020F0502020204030204" pitchFamily="34" charset="0"/>
+                        <a:cs typeface="Times New Roman" panose="02020603050405020304" pitchFamily="18" charset="0"/>
+                      </a:endParaRPr>
+                    </a:p>
+                  </a:txBody>
+                  <a:tcPr marL="256540" marR="38735" marT="38735" marB="38735">
+                    <a:solidFill>
+                      <a:schemeClr val="bg1">
+                        <a:lumMod val="85000"/>
+                      </a:schemeClr>
+                    </a:solidFill>
+                  </a:tcPr>
+                </a:tc>
+                <a:tc>
+                  <a:txBody>
+                    <a:bodyPr/>
+                    <a:lstStyle/>
+                    <a:p>
+                      <a:pPr indent="-192405">
+                        <a:lnSpc>
+                          <a:spcPts val="1515"/>
+                        </a:lnSpc>
+                        <a:spcAft>
+                          <a:spcPts val="0"/>
+                        </a:spcAft>
+                      </a:pPr>
+                      <a:r>
+                        <a:rPr lang="en-CA" sz="1600" b="0">
+                          <a:solidFill>
+                            <a:schemeClr val="tx1"/>
+                          </a:solidFill>
+                          <a:effectLst/>
+                        </a:rPr>
+                        <a:t>High</a:t>
+                      </a:r>
+                      <a:endParaRPr lang="en-CA" sz="1600" b="0">
+                        <a:solidFill>
+                          <a:schemeClr val="tx1"/>
+                        </a:solidFill>
+                        <a:effectLst/>
+                        <a:latin typeface="Calibri" panose="020F0502020204030204" pitchFamily="34" charset="0"/>
+                        <a:ea typeface="Calibri" panose="020F0502020204030204" pitchFamily="34" charset="0"/>
+                        <a:cs typeface="Times New Roman" panose="02020603050405020304" pitchFamily="18" charset="0"/>
+                      </a:endParaRPr>
+                    </a:p>
+                  </a:txBody>
+                  <a:tcPr marL="256540" marR="38735" marT="38735" marB="38735">
+                    <a:solidFill>
+                      <a:schemeClr val="bg1">
+                        <a:lumMod val="85000"/>
+                      </a:schemeClr>
+                    </a:solidFill>
+                  </a:tcPr>
+                </a:tc>
+                <a:tc>
+                  <a:txBody>
+                    <a:bodyPr/>
+                    <a:lstStyle/>
+                    <a:p>
+                      <a:pPr indent="-192405">
+                        <a:lnSpc>
+                          <a:spcPts val="1515"/>
+                        </a:lnSpc>
+                        <a:spcAft>
+                          <a:spcPts val="0"/>
+                        </a:spcAft>
+                      </a:pPr>
+                      <a:r>
+                        <a:rPr lang="en-CA" sz="1600" b="0">
+                          <a:solidFill>
+                            <a:schemeClr val="tx1"/>
+                          </a:solidFill>
+                          <a:effectLst/>
+                        </a:rPr>
+                        <a:t>True</a:t>
+                      </a:r>
+                      <a:endParaRPr lang="en-CA" sz="1600" b="0">
+                        <a:solidFill>
+                          <a:schemeClr val="tx1"/>
+                        </a:solidFill>
+                        <a:effectLst/>
+                        <a:latin typeface="Calibri" panose="020F0502020204030204" pitchFamily="34" charset="0"/>
+                        <a:ea typeface="Calibri" panose="020F0502020204030204" pitchFamily="34" charset="0"/>
+                        <a:cs typeface="Times New Roman" panose="02020603050405020304" pitchFamily="18" charset="0"/>
+                      </a:endParaRPr>
+                    </a:p>
+                  </a:txBody>
+                  <a:tcPr marL="256540" marR="38735" marT="38735" marB="38735">
+                    <a:solidFill>
+                      <a:schemeClr val="bg1">
+                        <a:lumMod val="85000"/>
+                      </a:schemeClr>
+                    </a:solidFill>
+                  </a:tcPr>
+                </a:tc>
+                <a:tc>
+                  <a:txBody>
+                    <a:bodyPr/>
+                    <a:lstStyle/>
+                    <a:p>
+                      <a:pPr indent="-192405">
+                        <a:lnSpc>
+                          <a:spcPts val="1515"/>
+                        </a:lnSpc>
+                        <a:spcAft>
+                          <a:spcPts val="0"/>
+                        </a:spcAft>
+                      </a:pPr>
+                      <a:r>
+                        <a:rPr lang="en-CA" sz="1600" b="0">
+                          <a:solidFill>
+                            <a:schemeClr val="tx1"/>
+                          </a:solidFill>
+                          <a:effectLst/>
+                        </a:rPr>
+                        <a:t>Yes</a:t>
+                      </a:r>
+                      <a:endParaRPr lang="en-CA" sz="1600" b="0">
+                        <a:solidFill>
+                          <a:schemeClr val="tx1"/>
+                        </a:solidFill>
+                        <a:effectLst/>
+                        <a:latin typeface="Calibri" panose="020F0502020204030204" pitchFamily="34" charset="0"/>
+                        <a:ea typeface="Calibri" panose="020F0502020204030204" pitchFamily="34" charset="0"/>
+                        <a:cs typeface="Times New Roman" panose="02020603050405020304" pitchFamily="18" charset="0"/>
+                      </a:endParaRPr>
+                    </a:p>
+                  </a:txBody>
+                  <a:tcPr marL="256540" marR="38735" marT="38735" marB="38735">
+                    <a:solidFill>
+                      <a:schemeClr val="bg1">
+                        <a:lumMod val="85000"/>
+                      </a:schemeClr>
+                    </a:solidFill>
+                  </a:tcPr>
+                </a:tc>
+                <a:extLst>
+                  <a:ext uri="{0D108BD9-81ED-4DB2-BD59-A6C34878D82A}">
+                    <a16:rowId xmlns:a16="http://schemas.microsoft.com/office/drawing/2014/main" val="196966686"/>
+                  </a:ext>
+                </a:extLst>
+              </a:tr>
+              <a:tr h="439281">
+                <a:tc>
+                  <a:txBody>
+                    <a:bodyPr/>
+                    <a:lstStyle/>
+                    <a:p>
+                      <a:pPr indent="-192405">
+                        <a:lnSpc>
+                          <a:spcPts val="1515"/>
+                        </a:lnSpc>
+                        <a:spcAft>
+                          <a:spcPts val="0"/>
+                        </a:spcAft>
+                      </a:pPr>
+                      <a:r>
+                        <a:rPr lang="en-CA" sz="1600" b="0">
+                          <a:solidFill>
+                            <a:schemeClr val="tx1"/>
+                          </a:solidFill>
+                          <a:effectLst/>
+                        </a:rPr>
+                        <a:t>Overcast</a:t>
+                      </a:r>
+                      <a:endParaRPr lang="en-CA" sz="1600" b="0">
+                        <a:solidFill>
+                          <a:schemeClr val="tx1"/>
+                        </a:solidFill>
+                        <a:effectLst/>
+                        <a:latin typeface="Calibri" panose="020F0502020204030204" pitchFamily="34" charset="0"/>
+                        <a:ea typeface="Calibri" panose="020F0502020204030204" pitchFamily="34" charset="0"/>
+                        <a:cs typeface="Times New Roman" panose="02020603050405020304" pitchFamily="18" charset="0"/>
+                      </a:endParaRPr>
+                    </a:p>
+                  </a:txBody>
+                  <a:tcPr marL="256540" marR="38735" marT="38735" marB="38735">
+                    <a:solidFill>
+                      <a:schemeClr val="bg1">
+                        <a:lumMod val="85000"/>
+                      </a:schemeClr>
+                    </a:solidFill>
+                  </a:tcPr>
+                </a:tc>
+                <a:tc>
+                  <a:txBody>
+                    <a:bodyPr/>
+                    <a:lstStyle/>
+                    <a:p>
+                      <a:pPr indent="-192405">
+                        <a:lnSpc>
+                          <a:spcPts val="1515"/>
+                        </a:lnSpc>
+                        <a:spcAft>
+                          <a:spcPts val="0"/>
+                        </a:spcAft>
+                      </a:pPr>
+                      <a:r>
+                        <a:rPr lang="en-CA" sz="1600" b="0">
+                          <a:solidFill>
+                            <a:schemeClr val="tx1"/>
+                          </a:solidFill>
+                          <a:effectLst/>
+                        </a:rPr>
+                        <a:t>Hot</a:t>
+                      </a:r>
+                      <a:endParaRPr lang="en-CA" sz="1600" b="0">
+                        <a:solidFill>
+                          <a:schemeClr val="tx1"/>
+                        </a:solidFill>
+                        <a:effectLst/>
+                        <a:latin typeface="Calibri" panose="020F0502020204030204" pitchFamily="34" charset="0"/>
+                        <a:ea typeface="Calibri" panose="020F0502020204030204" pitchFamily="34" charset="0"/>
+                        <a:cs typeface="Times New Roman" panose="02020603050405020304" pitchFamily="18" charset="0"/>
+                      </a:endParaRPr>
+                    </a:p>
+                  </a:txBody>
+                  <a:tcPr marL="256540" marR="38735" marT="38735" marB="38735">
+                    <a:solidFill>
+                      <a:schemeClr val="bg1">
+                        <a:lumMod val="85000"/>
+                      </a:schemeClr>
+                    </a:solidFill>
+                  </a:tcPr>
+                </a:tc>
+                <a:tc>
+                  <a:txBody>
+                    <a:bodyPr/>
+                    <a:lstStyle/>
+                    <a:p>
+                      <a:pPr indent="-192405">
+                        <a:lnSpc>
+                          <a:spcPts val="1515"/>
+                        </a:lnSpc>
+                        <a:spcAft>
+                          <a:spcPts val="0"/>
+                        </a:spcAft>
+                      </a:pPr>
+                      <a:r>
+                        <a:rPr lang="en-CA" sz="1600" b="0">
+                          <a:solidFill>
+                            <a:schemeClr val="tx1"/>
+                          </a:solidFill>
+                          <a:effectLst/>
+                        </a:rPr>
+                        <a:t>Normal</a:t>
+                      </a:r>
+                      <a:endParaRPr lang="en-CA" sz="1600" b="0">
+                        <a:solidFill>
+                          <a:schemeClr val="tx1"/>
+                        </a:solidFill>
+                        <a:effectLst/>
+                        <a:latin typeface="Calibri" panose="020F0502020204030204" pitchFamily="34" charset="0"/>
+                        <a:ea typeface="Calibri" panose="020F0502020204030204" pitchFamily="34" charset="0"/>
+                        <a:cs typeface="Times New Roman" panose="02020603050405020304" pitchFamily="18" charset="0"/>
+                      </a:endParaRPr>
+                    </a:p>
+                  </a:txBody>
+                  <a:tcPr marL="256540" marR="38735" marT="38735" marB="38735">
+                    <a:solidFill>
+                      <a:schemeClr val="bg1">
+                        <a:lumMod val="85000"/>
+                      </a:schemeClr>
+                    </a:solidFill>
+                  </a:tcPr>
+                </a:tc>
+                <a:tc>
+                  <a:txBody>
+                    <a:bodyPr/>
+                    <a:lstStyle/>
+                    <a:p>
+                      <a:pPr indent="-192405">
+                        <a:lnSpc>
+                          <a:spcPts val="1515"/>
+                        </a:lnSpc>
+                        <a:spcAft>
+                          <a:spcPts val="0"/>
+                        </a:spcAft>
+                      </a:pPr>
+                      <a:r>
+                        <a:rPr lang="en-CA" sz="1600" b="0">
+                          <a:solidFill>
+                            <a:schemeClr val="tx1"/>
+                          </a:solidFill>
+                          <a:effectLst/>
+                        </a:rPr>
+                        <a:t>False</a:t>
+                      </a:r>
+                      <a:endParaRPr lang="en-CA" sz="1600" b="0">
+                        <a:solidFill>
+                          <a:schemeClr val="tx1"/>
+                        </a:solidFill>
+                        <a:effectLst/>
+                        <a:latin typeface="Calibri" panose="020F0502020204030204" pitchFamily="34" charset="0"/>
+                        <a:ea typeface="Calibri" panose="020F0502020204030204" pitchFamily="34" charset="0"/>
+                        <a:cs typeface="Times New Roman" panose="02020603050405020304" pitchFamily="18" charset="0"/>
+                      </a:endParaRPr>
+                    </a:p>
+                  </a:txBody>
+                  <a:tcPr marL="256540" marR="38735" marT="38735" marB="38735">
+                    <a:solidFill>
+                      <a:schemeClr val="bg1">
+                        <a:lumMod val="85000"/>
+                      </a:schemeClr>
+                    </a:solidFill>
+                  </a:tcPr>
+                </a:tc>
+                <a:tc>
+                  <a:txBody>
+                    <a:bodyPr/>
+                    <a:lstStyle/>
+                    <a:p>
+                      <a:pPr indent="-192405">
+                        <a:lnSpc>
+                          <a:spcPts val="1515"/>
+                        </a:lnSpc>
+                        <a:spcAft>
+                          <a:spcPts val="0"/>
+                        </a:spcAft>
+                      </a:pPr>
+                      <a:r>
+                        <a:rPr lang="en-CA" sz="1600" b="0">
+                          <a:solidFill>
+                            <a:schemeClr val="tx1"/>
+                          </a:solidFill>
+                          <a:effectLst/>
+                        </a:rPr>
+                        <a:t>Yes</a:t>
+                      </a:r>
+                      <a:endParaRPr lang="en-CA" sz="1600" b="0">
+                        <a:solidFill>
+                          <a:schemeClr val="tx1"/>
+                        </a:solidFill>
+                        <a:effectLst/>
+                        <a:latin typeface="Calibri" panose="020F0502020204030204" pitchFamily="34" charset="0"/>
+                        <a:ea typeface="Calibri" panose="020F0502020204030204" pitchFamily="34" charset="0"/>
+                        <a:cs typeface="Times New Roman" panose="02020603050405020304" pitchFamily="18" charset="0"/>
+                      </a:endParaRPr>
+                    </a:p>
+                  </a:txBody>
+                  <a:tcPr marL="256540" marR="38735" marT="38735" marB="38735">
+                    <a:solidFill>
+                      <a:schemeClr val="bg1">
+                        <a:lumMod val="85000"/>
+                      </a:schemeClr>
+                    </a:solidFill>
+                  </a:tcPr>
+                </a:tc>
+                <a:extLst>
+                  <a:ext uri="{0D108BD9-81ED-4DB2-BD59-A6C34878D82A}">
+                    <a16:rowId xmlns:a16="http://schemas.microsoft.com/office/drawing/2014/main" val="2839661719"/>
+                  </a:ext>
+                </a:extLst>
+              </a:tr>
+              <a:tr h="439281">
+                <a:tc>
+                  <a:txBody>
+                    <a:bodyPr/>
+                    <a:lstStyle/>
+                    <a:p>
+                      <a:pPr indent="-192405">
+                        <a:lnSpc>
+                          <a:spcPts val="1515"/>
+                        </a:lnSpc>
+                        <a:spcAft>
+                          <a:spcPts val="0"/>
+                        </a:spcAft>
+                      </a:pPr>
+                      <a:r>
+                        <a:rPr lang="en-CA" sz="1600" b="0">
+                          <a:solidFill>
+                            <a:schemeClr val="tx1"/>
+                          </a:solidFill>
+                          <a:effectLst/>
+                        </a:rPr>
+                        <a:t>Rainy</a:t>
+                      </a:r>
+                      <a:endParaRPr lang="en-CA" sz="1600" b="0">
+                        <a:solidFill>
+                          <a:schemeClr val="tx1"/>
+                        </a:solidFill>
+                        <a:effectLst/>
+                        <a:latin typeface="Calibri" panose="020F0502020204030204" pitchFamily="34" charset="0"/>
+                        <a:ea typeface="Calibri" panose="020F0502020204030204" pitchFamily="34" charset="0"/>
+                        <a:cs typeface="Times New Roman" panose="02020603050405020304" pitchFamily="18" charset="0"/>
+                      </a:endParaRPr>
+                    </a:p>
+                  </a:txBody>
+                  <a:tcPr marL="256540" marR="38735" marT="38735" marB="38735">
+                    <a:solidFill>
+                      <a:schemeClr val="bg1">
+                        <a:lumMod val="85000"/>
+                      </a:schemeClr>
+                    </a:solidFill>
+                  </a:tcPr>
+                </a:tc>
+                <a:tc>
+                  <a:txBody>
+                    <a:bodyPr/>
+                    <a:lstStyle/>
+                    <a:p>
+                      <a:pPr indent="-192405">
+                        <a:lnSpc>
+                          <a:spcPts val="1515"/>
+                        </a:lnSpc>
+                        <a:spcAft>
+                          <a:spcPts val="0"/>
+                        </a:spcAft>
+                      </a:pPr>
+                      <a:r>
+                        <a:rPr lang="en-CA" sz="1600" b="0">
+                          <a:solidFill>
+                            <a:schemeClr val="tx1"/>
+                          </a:solidFill>
+                          <a:effectLst/>
+                        </a:rPr>
+                        <a:t>Mild</a:t>
+                      </a:r>
+                      <a:endParaRPr lang="en-CA" sz="1600" b="0">
+                        <a:solidFill>
+                          <a:schemeClr val="tx1"/>
+                        </a:solidFill>
+                        <a:effectLst/>
+                        <a:latin typeface="Calibri" panose="020F0502020204030204" pitchFamily="34" charset="0"/>
+                        <a:ea typeface="Calibri" panose="020F0502020204030204" pitchFamily="34" charset="0"/>
+                        <a:cs typeface="Times New Roman" panose="02020603050405020304" pitchFamily="18" charset="0"/>
+                      </a:endParaRPr>
+                    </a:p>
+                  </a:txBody>
+                  <a:tcPr marL="256540" marR="38735" marT="38735" marB="38735">
+                    <a:solidFill>
+                      <a:schemeClr val="bg1">
+                        <a:lumMod val="85000"/>
+                      </a:schemeClr>
+                    </a:solidFill>
+                  </a:tcPr>
+                </a:tc>
+                <a:tc>
+                  <a:txBody>
+                    <a:bodyPr/>
+                    <a:lstStyle/>
+                    <a:p>
+                      <a:pPr indent="-192405">
+                        <a:lnSpc>
+                          <a:spcPts val="1515"/>
+                        </a:lnSpc>
+                        <a:spcAft>
+                          <a:spcPts val="0"/>
+                        </a:spcAft>
+                      </a:pPr>
+                      <a:r>
+                        <a:rPr lang="en-CA" sz="1600" b="0">
+                          <a:solidFill>
+                            <a:schemeClr val="tx1"/>
+                          </a:solidFill>
+                          <a:effectLst/>
+                        </a:rPr>
+                        <a:t>High</a:t>
+                      </a:r>
+                      <a:endParaRPr lang="en-CA" sz="1600" b="0">
+                        <a:solidFill>
+                          <a:schemeClr val="tx1"/>
+                        </a:solidFill>
+                        <a:effectLst/>
+                        <a:latin typeface="Calibri" panose="020F0502020204030204" pitchFamily="34" charset="0"/>
+                        <a:ea typeface="Calibri" panose="020F0502020204030204" pitchFamily="34" charset="0"/>
+                        <a:cs typeface="Times New Roman" panose="02020603050405020304" pitchFamily="18" charset="0"/>
+                      </a:endParaRPr>
+                    </a:p>
+                  </a:txBody>
+                  <a:tcPr marL="256540" marR="38735" marT="38735" marB="38735">
+                    <a:solidFill>
+                      <a:schemeClr val="bg1">
+                        <a:lumMod val="85000"/>
+                      </a:schemeClr>
+                    </a:solidFill>
+                  </a:tcPr>
+                </a:tc>
+                <a:tc>
+                  <a:txBody>
+                    <a:bodyPr/>
+                    <a:lstStyle/>
+                    <a:p>
+                      <a:pPr indent="-192405">
+                        <a:lnSpc>
+                          <a:spcPts val="1515"/>
+                        </a:lnSpc>
+                        <a:spcAft>
+                          <a:spcPts val="0"/>
+                        </a:spcAft>
+                      </a:pPr>
+                      <a:r>
+                        <a:rPr lang="en-CA" sz="1600" b="0">
+                          <a:solidFill>
+                            <a:schemeClr val="tx1"/>
+                          </a:solidFill>
+                          <a:effectLst/>
+                        </a:rPr>
+                        <a:t>True</a:t>
+                      </a:r>
+                      <a:endParaRPr lang="en-CA" sz="1600" b="0">
+                        <a:solidFill>
+                          <a:schemeClr val="tx1"/>
+                        </a:solidFill>
+                        <a:effectLst/>
+                        <a:latin typeface="Calibri" panose="020F0502020204030204" pitchFamily="34" charset="0"/>
+                        <a:ea typeface="Calibri" panose="020F0502020204030204" pitchFamily="34" charset="0"/>
+                        <a:cs typeface="Times New Roman" panose="02020603050405020304" pitchFamily="18" charset="0"/>
+                      </a:endParaRPr>
+                    </a:p>
+                  </a:txBody>
+                  <a:tcPr marL="256540" marR="38735" marT="38735" marB="38735">
+                    <a:solidFill>
+                      <a:schemeClr val="bg1">
+                        <a:lumMod val="85000"/>
+                      </a:schemeClr>
+                    </a:solidFill>
+                  </a:tcPr>
+                </a:tc>
+                <a:tc>
+                  <a:txBody>
+                    <a:bodyPr/>
+                    <a:lstStyle/>
+                    <a:p>
+                      <a:pPr indent="-192405">
+                        <a:lnSpc>
+                          <a:spcPts val="1515"/>
+                        </a:lnSpc>
+                        <a:spcAft>
+                          <a:spcPts val="0"/>
+                        </a:spcAft>
+                      </a:pPr>
+                      <a:r>
+                        <a:rPr lang="en-CA" sz="1600" b="0" dirty="0">
+                          <a:solidFill>
+                            <a:schemeClr val="tx1"/>
+                          </a:solidFill>
+                          <a:effectLst/>
+                        </a:rPr>
+                        <a:t>No</a:t>
+                      </a:r>
+                      <a:endParaRPr lang="en-CA" sz="1600" b="0" dirty="0">
+                        <a:solidFill>
+                          <a:schemeClr val="tx1"/>
+                        </a:solidFill>
+                        <a:effectLst/>
+                        <a:latin typeface="Calibri" panose="020F0502020204030204" pitchFamily="34" charset="0"/>
+                        <a:ea typeface="Calibri" panose="020F0502020204030204" pitchFamily="34" charset="0"/>
+                        <a:cs typeface="Times New Roman" panose="02020603050405020304" pitchFamily="18" charset="0"/>
+                      </a:endParaRPr>
+                    </a:p>
+                  </a:txBody>
+                  <a:tcPr marL="256540" marR="38735" marT="38735" marB="38735">
+                    <a:solidFill>
+                      <a:schemeClr val="bg1">
+                        <a:lumMod val="85000"/>
+                      </a:schemeClr>
+                    </a:solidFill>
+                  </a:tcPr>
+                </a:tc>
+                <a:extLst>
+                  <a:ext uri="{0D108BD9-81ED-4DB2-BD59-A6C34878D82A}">
+                    <a16:rowId xmlns:a16="http://schemas.microsoft.com/office/drawing/2014/main" val="4283103004"/>
+                  </a:ext>
+                </a:extLst>
+              </a:tr>
+            </a:tbl>
+          </a:graphicData>
+        </a:graphic>
+      </p:graphicFrame>
+      <p:sp>
+        <p:nvSpPr>
+          <p:cNvPr id="9" name="Rectangle 2"/>
+          <p:cNvSpPr>
+            <a:spLocks noChangeArrowheads="1"/>
+          </p:cNvSpPr>
+          <p:nvPr/>
+        </p:nvSpPr>
+        <p:spPr bwMode="auto">
+          <a:xfrm>
+            <a:off x="7448224" y="1966913"/>
+            <a:ext cx="6553802" cy="457200"/>
+          </a:xfrm>
+          <a:prstGeom prst="rect">
+            <a:avLst/>
+          </a:prstGeom>
+          <a:noFill/>
+          <a:ln>
+            <a:noFill/>
+          </a:ln>
+          <a:effectLst/>
+          <a:extLst>
+            <a:ext uri="{909E8E84-426E-40DD-AFC4-6F175D3DCCD1}">
+              <a14:hiddenFill xmlns:a14="http://schemas.microsoft.com/office/drawing/2010/main">
+                <a:solidFill>
+                  <a:schemeClr val="accent1"/>
+                </a:solidFill>
+              </a14:hiddenFill>
+            </a:ext>
+            <a:ext uri="{91240B29-F687-4F45-9708-019B960494DF}">
+              <a14:hiddenLine xmlns:a14="http://schemas.microsoft.com/office/drawing/2010/main" w="9525">
+                <a:solidFill>
+                  <a:schemeClr val="tx1"/>
+                </a:solidFill>
+                <a:miter lim="800000"/>
+                <a:headEnd/>
+                <a:tailEnd/>
+              </a14:hiddenLine>
+            </a:ext>
+            <a:ext uri="{AF507438-7753-43E0-B8FC-AC1667EBCBE1}">
+              <a14:hiddenEffects xmlns:a14="http://schemas.microsoft.com/office/drawing/2010/main">
+                <a:effectLst>
+                  <a:outerShdw dist="35921" dir="2700000" algn="ctr" rotWithShape="0">
+                    <a:schemeClr val="bg2"/>
+                  </a:outerShdw>
+                </a:effectLst>
+              </a14:hiddenEffects>
+            </a:ext>
+          </a:extLst>
+        </p:spPr>
+        <p:txBody>
+          <a:bodyPr vert="horz" wrap="square" lIns="91440" tIns="45720" rIns="91440" bIns="45720" numCol="1" anchor="ctr" anchorCtr="0" compatLnSpc="1">
+            <a:prstTxWarp prst="textNoShape">
+              <a:avLst/>
+            </a:prstTxWarp>
+            <a:spAutoFit/>
+          </a:bodyPr>
+          <a:lstStyle/>
+          <a:p>
+            <a:endParaRPr lang="en-CA"/>
+          </a:p>
+        </p:txBody>
+      </p:sp>
+      <p:sp>
+        <p:nvSpPr>
+          <p:cNvPr id="11" name="Content Placeholder 2"/>
+          <p:cNvSpPr>
+            <a:spLocks noGrp="1"/>
+          </p:cNvSpPr>
+          <p:nvPr>
+            <p:ph idx="1"/>
+          </p:nvPr>
+        </p:nvSpPr>
+        <p:spPr>
+          <a:xfrm>
+            <a:off x="277092" y="1498742"/>
+            <a:ext cx="5270356" cy="5151440"/>
+          </a:xfrm>
+        </p:spPr>
+        <p:txBody>
+          <a:bodyPr>
+            <a:normAutofit fontScale="85000" lnSpcReduction="20000"/>
+          </a:bodyPr>
+          <a:lstStyle/>
+          <a:p>
+            <a:r>
+              <a:rPr lang="en-CA" dirty="0" smtClean="0"/>
+              <a:t>Several </a:t>
             </a:r>
             <a:r>
               <a:rPr lang="en-CA" dirty="0" smtClean="0"/>
-              <a:t>everal standard datasets we will come back to repeatedly</a:t>
+              <a:t>standard datasets we will come back to </a:t>
+            </a:r>
+            <a:r>
+              <a:rPr lang="en-CA" dirty="0" smtClean="0"/>
+              <a:t>repeatedly</a:t>
             </a:r>
           </a:p>
           <a:p>
             <a:r>
               <a:rPr lang="en-CA" dirty="0" smtClean="0"/>
-              <a:t>We can create a structural description of this dataset using a </a:t>
+              <a:t>We </a:t>
+            </a:r>
+            <a:r>
+              <a:rPr lang="en-CA" dirty="0" smtClean="0"/>
+              <a:t>can create a structural description of this dataset using a </a:t>
             </a:r>
             <a:r>
               <a:rPr lang="en-CA" b="1" dirty="0" smtClean="0"/>
@@ -13141,13 +16703,12 @@
             </a:r>
             <a:r>
               <a:rPr lang="en-CA" dirty="0" smtClean="0"/>
-              <a:t>as follows:</a:t>
+              <a:t>as follows</a:t>
             </a:r>
-          </a:p>
-          <a:p>
-            <a:pPr marL="0" indent="0">
-              <a:buNone/>
-            </a:pPr>
+            <a:r>
+              <a:rPr lang="en-CA" dirty="0" smtClean="0"/>
+              <a:t>:</a:t>
+            </a:r>
             <a:endParaRPr lang="en-CA" dirty="0" smtClean="0"/>
           </a:p>
           <a:p>
@@ -13224,7 +16785,7 @@
     </p:spTree>
     <p:extLst>
       <p:ext uri="{BB962C8B-B14F-4D97-AF65-F5344CB8AC3E}">
-        <p14:creationId xmlns:p14="http://schemas.microsoft.com/office/powerpoint/2010/main" val="2764131776"/>
+        <p14:creationId xmlns:p14="http://schemas.microsoft.com/office/powerpoint/2010/main" val="3331283756"/>
       </p:ext>
     </p:extLst>
   </p:cSld>
@@ -13267,7 +16828,7 @@
                                         <p:tgtEl>
                                           <p:spTgt spid="11">
                                             <p:txEl>
-                                              <p:pRg st="0" end="0"/>
+                                              <p:pRg st="1" end="1"/>
                                             </p:txEl>
                                           </p:spTgt>
                                         </p:tgtEl>
@@ -13316,7 +16877,7 @@
                                         <p:tgtEl>
                                           <p:spTgt spid="11">
                                             <p:txEl>
-                                              <p:pRg st="1" end="1"/>
+                                              <p:pRg st="2" end="2"/>
                                             </p:txEl>
                                           </p:spTgt>
                                         </p:tgtEl>
@@ -13533,55 +17094,6 @@
                       </p:childTnLst>
                     </p:cTn>
                   </p:par>
-                  <p:par>
-                    <p:cTn id="27" fill="hold">
-                      <p:stCondLst>
-                        <p:cond delay="indefinite"/>
-                      </p:stCondLst>
-                      <p:childTnLst>
-                        <p:par>
-                          <p:cTn id="28" fill="hold">
-                            <p:stCondLst>
-                              <p:cond delay="0"/>
-                            </p:stCondLst>
-                            <p:childTnLst>
-                              <p:par>
-                                <p:cTn id="29" presetID="1" presetClass="entr" presetSubtype="0" fill="hold" grpId="0" nodeType="clickEffect">
-                                  <p:stCondLst>
-                                    <p:cond delay="0"/>
-                                  </p:stCondLst>
-                                  <p:childTnLst>
-                                    <p:set>
-                                      <p:cBhvr>
-                                        <p:cTn id="30" dur="1" fill="hold">
-                                          <p:stCondLst>
-                                            <p:cond delay="0"/>
-                                          </p:stCondLst>
-                                        </p:cTn>
-                                        <p:tgtEl>
-                                          <p:spTgt spid="11">
-                                            <p:txEl>
-                                              <p:pRg st="7" end="7"/>
-                                            </p:txEl>
-                                          </p:spTgt>
-                                        </p:tgtEl>
-                                        <p:attrNameLst>
-                                          <p:attrName>style.visibility</p:attrName>
-                                        </p:attrNameLst>
-                                      </p:cBhvr>
-                                      <p:to>
-                                        <p:strVal val="visible"/>
-                                      </p:to>
-                                    </p:set>
-                                  </p:childTnLst>
-                                </p:cTn>
-                              </p:par>
-                            </p:childTnLst>
-                          </p:cTn>
-                        </p:par>
-                      </p:childTnLst>
-                    </p:cTn>
-                  </p:par>
                 </p:childTnLst>
               </p:cTn>
               <p:prevCondLst>
@@ -13604,13 +17116,13 @@
       </p:par>
     </p:tnLst>
     <p:bldLst>
-      <p:bldP spid="11" grpId="0" build="p"/>
+      <p:bldP spid="11" grpId="0" uiExpand="1" build="p"/>
     </p:bldLst>
   </p:timing>
 </p:sld>
 </file>
 
-<file path=ppt/slides/slide15.xml><?xml version="1.0" encoding="utf-8"?>
+<file path=ppt/slides/slide16.xml><?xml version="1.0" encoding="utf-8"?>
 <p:sld xmlns:a="http://schemas.openxmlformats.org/drawingml/2006/main" xmlns:r="http://schemas.openxmlformats.org/officeDocument/2006/relationships" xmlns:p="http://schemas.openxmlformats.org/presentationml/2006/main">
   <p:cSld>
     <p:spTree>
@@ -17362,7 +20874,7 @@
 </p:sld>
 </file>
 
-<file path=ppt/slides/slide16.xml><?xml version="1.0" encoding="utf-8"?>
+<file path=ppt/slides/slide17.xml><?xml version="1.0" encoding="utf-8"?>
 <p:sld xmlns:a="http://schemas.openxmlformats.org/drawingml/2006/main" xmlns:r="http://schemas.openxmlformats.org/officeDocument/2006/relationships" xmlns:p="http://schemas.openxmlformats.org/presentationml/2006/main">
   <p:cSld>
     <p:spTree>
@@ -22982,7 +26494,7 @@
 </p:sld>
 </file>
 
-<file path=ppt/slides/slide17.xml><?xml version="1.0" encoding="utf-8"?>
+<file path=ppt/slides/slide18.xml><?xml version="1.0" encoding="utf-8"?>
 <p:sld xmlns:a="http://schemas.openxmlformats.org/drawingml/2006/main" xmlns:r="http://schemas.openxmlformats.org/officeDocument/2006/relationships" xmlns:p="http://schemas.openxmlformats.org/presentationml/2006/main">
   <p:cSld>
     <p:spTree>
@@ -27178,7 +30690,7 @@
                             </p:stCondLst>
                             <p:childTnLst>
                               <p:par>
-                                <p:cTn id="5" presetID="1" presetClass="entr" presetSubtype="0" fill="hold" grpId="0" nodeType="clickEffect">
+                                <p:cTn id="5" presetID="1" presetClass="entr" presetSubtype="0" fill="hold" nodeType="clickEffect">
                                   <p:stCondLst>
                                     <p:cond delay="0"/>
                                   </p:stCondLst>
@@ -27191,7 +30703,11 @@
                                           </p:stCondLst>
                                         </p:cTn>
                                         <p:tgtEl>
-                                          <p:spTgt spid="5"/>
+                                          <p:spTgt spid="5">
+                                            <p:txEl>
+                                              <p:pRg st="0" end="0"/>
+                                            </p:txEl>
+                                          </p:spTgt>
                                         </p:tgtEl>
                                         <p:attrNameLst>
                                           <p:attrName>style.visibility</p:attrName>
@@ -27325,14 +30841,11 @@
         </p:cTn>
       </p:par>
     </p:tnLst>
-    <p:bldLst>
-      <p:bldP spid="5" grpId="0"/>
-    </p:bldLst>
   </p:timing>
 </p:sld>
 </file>
 
-<file path=ppt/slides/slide18.xml><?xml version="1.0" encoding="utf-8"?>
+<file path=ppt/slides/slide19.xml><?xml version="1.0" encoding="utf-8"?>
 <p:sld xmlns:a="http://schemas.openxmlformats.org/drawingml/2006/main" xmlns:r="http://schemas.openxmlformats.org/officeDocument/2006/relationships" xmlns:p="http://schemas.openxmlformats.org/presentationml/2006/main">
   <p:cSld>
     <p:spTree>
@@ -27732,7 +31245,197 @@
 </p:sld>
 </file>
 
-<file path=ppt/slides/slide19.xml><?xml version="1.0" encoding="utf-8"?>
+<file path=ppt/slides/slide2.xml><?xml version="1.0" encoding="utf-8"?>
+<p:sld xmlns:a="http://schemas.openxmlformats.org/drawingml/2006/main" xmlns:r="http://schemas.openxmlformats.org/officeDocument/2006/relationships" xmlns:p="http://schemas.openxmlformats.org/presentationml/2006/main">
+  <p:cSld>
+    <p:spTree>
+      <p:nvGrpSpPr>
+        <p:cNvPr id="1" name=""/>
+        <p:cNvGrpSpPr/>
+        <p:nvPr/>
+      </p:nvGrpSpPr>
+      <p:grpSpPr>
+        <a:xfrm>
+          <a:off x="0" y="0"/>
+          <a:ext cx="0" cy="0"/>
+          <a:chOff x="0" y="0"/>
+          <a:chExt cx="0" cy="0"/>
+        </a:xfrm>
+      </p:grpSpPr>
+      <p:sp>
+        <p:nvSpPr>
+          <p:cNvPr id="2" name="Title 1"/>
+          <p:cNvSpPr>
+            <a:spLocks noGrp="1"/>
+          </p:cNvSpPr>
+          <p:nvPr>
+            <p:ph type="title"/>
+          </p:nvPr>
+        </p:nvSpPr>
+        <p:spPr/>
+        <p:txBody>
+          <a:bodyPr/>
+          <a:lstStyle/>
+          <a:p>
+            <a:r>
+              <a:rPr lang="en-CA" dirty="0" smtClean="0"/>
+              <a:t>Administrative slide</a:t>
+            </a:r>
+            <a:endParaRPr lang="en-CA" dirty="0"/>
+          </a:p>
+        </p:txBody>
+      </p:sp>
+      <p:sp>
+        <p:nvSpPr>
+          <p:cNvPr id="3" name="Content Placeholder 2"/>
+          <p:cNvSpPr>
+            <a:spLocks noGrp="1"/>
+          </p:cNvSpPr>
+          <p:nvPr>
+            <p:ph idx="1"/>
+          </p:nvPr>
+        </p:nvSpPr>
+        <p:spPr/>
+        <p:txBody>
+          <a:bodyPr>
+            <a:normAutofit fontScale="92500" lnSpcReduction="10000"/>
+          </a:bodyPr>
+          <a:lstStyle/>
+          <a:p>
+            <a:r>
+              <a:rPr lang="en-CA" dirty="0" smtClean="0"/>
+              <a:t>Check circulated class list </a:t>
+            </a:r>
+          </a:p>
+          <a:p>
+            <a:r>
+              <a:rPr lang="en-CA" dirty="0" smtClean="0"/>
+              <a:t>Office hours: </a:t>
+            </a:r>
+          </a:p>
+          <a:p>
+            <a:pPr lvl="1"/>
+            <a:r>
+              <a:rPr lang="en-CA" dirty="0" smtClean="0"/>
+              <a:t>Monday, Wednesday, Friday 9:30 am to 11:00 am</a:t>
+            </a:r>
+          </a:p>
+          <a:p>
+            <a:r>
+              <a:rPr lang="en-CA" dirty="0" smtClean="0"/>
+              <a:t>Lecture</a:t>
+            </a:r>
+          </a:p>
+          <a:p>
+            <a:pPr lvl="1"/>
+            <a:r>
+              <a:rPr lang="en-CA" dirty="0" smtClean="0"/>
+              <a:t>3 lectures per week, 50 minutes each</a:t>
+            </a:r>
+          </a:p>
+          <a:p>
+            <a:r>
+              <a:rPr lang="en-CA" dirty="0" smtClean="0"/>
+              <a:t>Textbook ($30 on amazon)</a:t>
+            </a:r>
+          </a:p>
+          <a:p>
+            <a:pPr lvl="1"/>
+            <a:r>
+              <a:rPr lang="en-CA" dirty="0" smtClean="0"/>
+              <a:t>Data Mining – Practical Machine Learning Tools and Techniques</a:t>
+            </a:r>
+          </a:p>
+          <a:p>
+            <a:r>
+              <a:rPr lang="en-CA" dirty="0" smtClean="0"/>
+              <a:t>Assignments, Midterm, Final Project</a:t>
+            </a:r>
+          </a:p>
+          <a:p>
+            <a:r>
+              <a:rPr lang="en-CA" dirty="0" smtClean="0"/>
+              <a:t>Software:</a:t>
+            </a:r>
+          </a:p>
+          <a:p>
+            <a:pPr lvl="1"/>
+            <a:r>
+              <a:rPr lang="en-CA" dirty="0" smtClean="0"/>
+              <a:t>Linux, Mac, or Windows</a:t>
+            </a:r>
+          </a:p>
+          <a:p>
+            <a:pPr lvl="1"/>
+            <a:r>
+              <a:rPr lang="en-CA" dirty="0" smtClean="0"/>
+              <a:t>Basic coding requirements (python)</a:t>
+            </a:r>
+          </a:p>
+        </p:txBody>
+      </p:sp>
+      <p:pic>
+        <p:nvPicPr>
+          <p:cNvPr id="1026" name="Picture 2" descr="Image result for data mining practical machine learning"/>
+          <p:cNvPicPr>
+            <a:picLocks noChangeAspect="1" noChangeArrowheads="1"/>
+          </p:cNvPicPr>
+          <p:nvPr/>
+        </p:nvPicPr>
+        <p:blipFill>
+          <a:blip r:embed="rId2">
+            <a:extLst>
+              <a:ext uri="{28A0092B-C50C-407E-A947-70E740481C1C}">
+                <a14:useLocalDpi xmlns:a14="http://schemas.microsoft.com/office/drawing/2010/main" val="0"/>
+              </a:ext>
+            </a:extLst>
+          </a:blip>
+          <a:srcRect/>
+          <a:stretch>
+            <a:fillRect/>
+          </a:stretch>
+        </p:blipFill>
+        <p:spPr bwMode="auto">
+          <a:xfrm>
+            <a:off x="9729355" y="2352602"/>
+            <a:ext cx="2476500" cy="3048001"/>
+          </a:xfrm>
+          <a:prstGeom prst="rect">
+            <a:avLst/>
+          </a:prstGeom>
+          <a:noFill/>
+          <a:extLst>
+            <a:ext uri="{909E8E84-426E-40DD-AFC4-6F175D3DCCD1}">
+              <a14:hiddenFill xmlns:a14="http://schemas.microsoft.com/office/drawing/2010/main">
+                <a:solidFill>
+                  <a:srgbClr val="FFFFFF"/>
+                </a:solidFill>
+              </a14:hiddenFill>
+            </a:ext>
+          </a:extLst>
+        </p:spPr>
+      </p:pic>
+    </p:spTree>
+    <p:extLst>
+      <p:ext uri="{BB962C8B-B14F-4D97-AF65-F5344CB8AC3E}">
+        <p14:creationId xmlns:p14="http://schemas.microsoft.com/office/powerpoint/2010/main" val="1284382553"/>
+      </p:ext>
+    </p:extLst>
+  </p:cSld>
+  <p:clrMapOvr>
+    <a:masterClrMapping/>
+  </p:clrMapOvr>
+  <p:timing>
+    <p:tnLst>
+      <p:par>
+        <p:cTn id="1" dur="indefinite" restart="never" nodeType="tmRoot"/>
+      </p:par>
+    </p:tnLst>
+  </p:timing>
+</p:sld>
+</file>
+
+<file path=ppt/slides/slide20.xml><?xml version="1.0" encoding="utf-8"?>
 <p:sld xmlns:a="http://schemas.openxmlformats.org/drawingml/2006/main" xmlns:r="http://schemas.openxmlformats.org/officeDocument/2006/relationships" xmlns:p="http://schemas.openxmlformats.org/presentationml/2006/main">
   <p:cSld>
     <p:spTree>
@@ -28062,197 +31765,7 @@
 </p:sld>
 </file>
 
-<file path=ppt/slides/slide2.xml><?xml version="1.0" encoding="utf-8"?>
-<p:sld xmlns:a="http://schemas.openxmlformats.org/drawingml/2006/main" xmlns:r="http://schemas.openxmlformats.org/officeDocument/2006/relationships" xmlns:p="http://schemas.openxmlformats.org/presentationml/2006/main">
-  <p:cSld>
-    <p:spTree>
-      <p:nvGrpSpPr>
-        <p:cNvPr id="1" name=""/>
-        <p:cNvGrpSpPr/>
-        <p:nvPr/>
-      </p:nvGrpSpPr>
-      <p:grpSpPr>
-        <a:xfrm>
-          <a:off x="0" y="0"/>
-          <a:ext cx="0" cy="0"/>
-          <a:chOff x="0" y="0"/>
-          <a:chExt cx="0" cy="0"/>
-        </a:xfrm>
-      </p:grpSpPr>
-      <p:sp>
-        <p:nvSpPr>
-          <p:cNvPr id="2" name="Title 1"/>
-          <p:cNvSpPr>
-            <a:spLocks noGrp="1"/>
-          </p:cNvSpPr>
-          <p:nvPr>
-            <p:ph type="title"/>
-          </p:nvPr>
-        </p:nvSpPr>
-        <p:spPr/>
-        <p:txBody>
-          <a:bodyPr/>
-          <a:lstStyle/>
-          <a:p>
-            <a:r>
-              <a:rPr lang="en-CA" dirty="0" smtClean="0"/>
-              <a:t>Administrative slide</a:t>
-            </a:r>
-            <a:endParaRPr lang="en-CA" dirty="0"/>
-          </a:p>
-        </p:txBody>
-      </p:sp>
-      <p:sp>
-        <p:nvSpPr>
-          <p:cNvPr id="3" name="Content Placeholder 2"/>
-          <p:cNvSpPr>
-            <a:spLocks noGrp="1"/>
-          </p:cNvSpPr>
-          <p:nvPr>
-            <p:ph idx="1"/>
-          </p:nvPr>
-        </p:nvSpPr>
-        <p:spPr/>
-        <p:txBody>
-          <a:bodyPr>
-            <a:normAutofit fontScale="92500" lnSpcReduction="10000"/>
-          </a:bodyPr>
-          <a:lstStyle/>
-          <a:p>
-            <a:r>
-              <a:rPr lang="en-CA" dirty="0" smtClean="0"/>
-              <a:t>Check circulated class list </a:t>
-            </a:r>
-          </a:p>
-          <a:p>
-            <a:r>
-              <a:rPr lang="en-CA" dirty="0" smtClean="0"/>
-              <a:t>Office hours: </a:t>
-            </a:r>
-          </a:p>
-          <a:p>
-            <a:pPr lvl="1"/>
-            <a:r>
-              <a:rPr lang="en-CA" dirty="0" smtClean="0"/>
-              <a:t>Monday, Wednesday, Friday 9:30 am to 11:00 am</a:t>
-            </a:r>
-          </a:p>
-          <a:p>
-            <a:r>
-              <a:rPr lang="en-CA" dirty="0" smtClean="0"/>
-              <a:t>Lecture</a:t>
-            </a:r>
-          </a:p>
-          <a:p>
-            <a:pPr lvl="1"/>
-            <a:r>
-              <a:rPr lang="en-CA" dirty="0" smtClean="0"/>
-              <a:t>3 lectures per week, 50 minutes each</a:t>
-            </a:r>
-          </a:p>
-          <a:p>
-            <a:r>
-              <a:rPr lang="en-CA" dirty="0" smtClean="0"/>
-              <a:t>Textbook ($30 on amazon)</a:t>
-            </a:r>
-          </a:p>
-          <a:p>
-            <a:pPr lvl="1"/>
-            <a:r>
-              <a:rPr lang="en-CA" dirty="0" smtClean="0"/>
-              <a:t>Data Mining – Practical Machine Learning Tools and Techniques</a:t>
-            </a:r>
-          </a:p>
-          <a:p>
-            <a:r>
-              <a:rPr lang="en-CA" dirty="0" smtClean="0"/>
-              <a:t>Assignments, Midterm, Final Project</a:t>
-            </a:r>
-          </a:p>
-          <a:p>
-            <a:r>
-              <a:rPr lang="en-CA" dirty="0" smtClean="0"/>
-              <a:t>Software:</a:t>
-            </a:r>
-          </a:p>
-          <a:p>
-            <a:pPr lvl="1"/>
-            <a:r>
-              <a:rPr lang="en-CA" dirty="0" smtClean="0"/>
-              <a:t>Linux, Mac, or Windows</a:t>
-            </a:r>
-          </a:p>
-          <a:p>
-            <a:pPr lvl="1"/>
-            <a:r>
-              <a:rPr lang="en-CA" dirty="0" smtClean="0"/>
-              <a:t>Basic coding requirements (python)</a:t>
-            </a:r>
-          </a:p>
-        </p:txBody>
-      </p:sp>
-      <p:pic>
-        <p:nvPicPr>
-          <p:cNvPr id="1026" name="Picture 2" descr="Image result for data mining practical machine learning"/>
-          <p:cNvPicPr>
-            <a:picLocks noChangeAspect="1" noChangeArrowheads="1"/>
-          </p:cNvPicPr>
-          <p:nvPr/>
-        </p:nvPicPr>
-        <p:blipFill>
-          <a:blip r:embed="rId2">
-            <a:extLst>
-              <a:ext uri="{28A0092B-C50C-407E-A947-70E740481C1C}">
-                <a14:useLocalDpi xmlns:a14="http://schemas.microsoft.com/office/drawing/2010/main" val="0"/>
-              </a:ext>
-            </a:extLst>
-          </a:blip>
-          <a:srcRect/>
-          <a:stretch>
-            <a:fillRect/>
-          </a:stretch>
-        </p:blipFill>
-        <p:spPr bwMode="auto">
-          <a:xfrm>
-            <a:off x="9729355" y="2352602"/>
-            <a:ext cx="2476500" cy="3048001"/>
-          </a:xfrm>
-          <a:prstGeom prst="rect">
-            <a:avLst/>
-          </a:prstGeom>
-          <a:noFill/>
-          <a:extLst>
-            <a:ext uri="{909E8E84-426E-40DD-AFC4-6F175D3DCCD1}">
-              <a14:hiddenFill xmlns:a14="http://schemas.microsoft.com/office/drawing/2010/main">
-                <a:solidFill>
-                  <a:srgbClr val="FFFFFF"/>
-                </a:solidFill>
-              </a14:hiddenFill>
-            </a:ext>
-          </a:extLst>
-        </p:spPr>
-      </p:pic>
-    </p:spTree>
-    <p:extLst>
-      <p:ext uri="{BB962C8B-B14F-4D97-AF65-F5344CB8AC3E}">
-        <p14:creationId xmlns:p14="http://schemas.microsoft.com/office/powerpoint/2010/main" val="1284382553"/>
-      </p:ext>
-    </p:extLst>
-  </p:cSld>
-  <p:clrMapOvr>
-    <a:masterClrMapping/>
-  </p:clrMapOvr>
-  <p:timing>
-    <p:tnLst>
-      <p:par>
-        <p:cTn id="1" dur="indefinite" restart="never" nodeType="tmRoot"/>
-      </p:par>
-    </p:tnLst>
-  </p:timing>
-</p:sld>
-</file>
-
-<file path=ppt/slides/slide20.xml><?xml version="1.0" encoding="utf-8"?>
+<file path=ppt/slides/slide21.xml><?xml version="1.0" encoding="utf-8"?>
 <p:sld xmlns:a="http://schemas.openxmlformats.org/drawingml/2006/main" xmlns:r="http://schemas.openxmlformats.org/officeDocument/2006/relationships" xmlns:p="http://schemas.openxmlformats.org/presentationml/2006/main">
   <p:cSld>
     <p:spTree>
@@ -28682,7 +32195,7 @@
 </p:sld>
 </file>
 
-<file path=ppt/slides/slide21.xml><?xml version="1.0" encoding="utf-8"?>
+<file path=ppt/slides/slide22.xml><?xml version="1.0" encoding="utf-8"?>
 <p:sld xmlns:a="http://schemas.openxmlformats.org/drawingml/2006/main" xmlns:r="http://schemas.openxmlformats.org/officeDocument/2006/relationships" xmlns:p="http://schemas.openxmlformats.org/presentationml/2006/main">
   <p:cSld>
     <p:spTree>
@@ -28979,7 +32492,7 @@
 </p:sld>
 </file>
 
-<file path=ppt/slides/slide22.xml><?xml version="1.0" encoding="utf-8"?>
+<file path=ppt/slides/slide23.xml><?xml version="1.0" encoding="utf-8"?>
 <p:sld xmlns:a="http://schemas.openxmlformats.org/drawingml/2006/main" xmlns:r="http://schemas.openxmlformats.org/officeDocument/2006/relationships" xmlns:p="http://schemas.openxmlformats.org/presentationml/2006/main">
   <p:cSld>
     <p:spTree>
@@ -29654,7 +33167,7 @@
 </p:sld>
 </file>
 
-<file path=ppt/slides/slide23.xml><?xml version="1.0" encoding="utf-8"?>
+<file path=ppt/slides/slide24.xml><?xml version="1.0" encoding="utf-8"?>
 <p:sld xmlns:a="http://schemas.openxmlformats.org/drawingml/2006/main" xmlns:r="http://schemas.openxmlformats.org/officeDocument/2006/relationships" xmlns:p="http://schemas.openxmlformats.org/presentationml/2006/main">
   <p:cSld>
     <p:spTree>
@@ -29734,7 +33247,6 @@
               <a:rPr lang="en-CA" dirty="0" smtClean="0"/>
               <a:t>Next lecture: chapter 2 and python examples</a:t>
             </a:r>
-            <a:endParaRPr lang="en-CA" dirty="0" smtClean="0"/>
           </a:p>
         </p:txBody>
       </p:sp>
@@ -30477,11 +33989,7 @@
           <a:p>
             <a:r>
               <a:rPr lang="en-CA" dirty="0" smtClean="0"/>
-              <a:t>Handling real </a:t>
-            </a:r>
-            <a:r>
-              <a:rPr lang="en-CA" dirty="0" smtClean="0"/>
-              <a:t>data</a:t>
+              <a:t>Handling real data</a:t>
             </a:r>
           </a:p>
           <a:p>
@@ -30490,7 +33998,6 @@
               <a:rPr lang="en-CA" dirty="0" smtClean="0"/>
               <a:t>Missing values, imperfect predictions, etc.</a:t>
             </a:r>
-            <a:endParaRPr lang="en-CA" dirty="0" smtClean="0"/>
           </a:p>
           <a:p>
             <a:endParaRPr lang="en-CA" dirty="0" smtClean="0"/>
@@ -31148,11 +34655,7 @@
           <a:p>
             <a:r>
               <a:rPr lang="en-CA" dirty="0" smtClean="0"/>
-              <a:t>Chapter 1 – What’s it all about</a:t>
-            </a:r>
-            <a:r>
-              <a:rPr lang="en-CA" dirty="0" smtClean="0"/>
-              <a:t>?</a:t>
+              <a:t>Chapter 1 – What’s it all about?</a:t>
             </a:r>
           </a:p>
           <a:p>
@@ -31161,14 +34664,12 @@
               <a:rPr lang="en-CA" dirty="0" smtClean="0"/>
               <a:t>What is machine learning, where is it used, examples of applications</a:t>
             </a:r>
-            <a:endParaRPr lang="en-CA" dirty="0" smtClean="0"/>
           </a:p>
           <a:p>
             <a:r>
               <a:rPr lang="en-CA" dirty="0" smtClean="0"/>
               <a:t>Chapter 2 – Input </a:t>
             </a:r>
-            <a:endParaRPr lang="en-CA" dirty="0" smtClean="0"/>
           </a:p>
           <a:p>
             <a:pPr lvl="1"/>
@@ -31176,14 +34677,12 @@
               <a:rPr lang="en-CA" dirty="0" smtClean="0"/>
               <a:t>Instances and attributes</a:t>
             </a:r>
-            <a:endParaRPr lang="en-CA" dirty="0" smtClean="0"/>
           </a:p>
           <a:p>
             <a:r>
               <a:rPr lang="en-CA" dirty="0" smtClean="0"/>
               <a:t>Chapter 3 – Output </a:t>
             </a:r>
-            <a:endParaRPr lang="en-CA" dirty="0" smtClean="0"/>
           </a:p>
           <a:p>
             <a:pPr lvl="1"/>
@@ -31191,16 +34690,11 @@
               <a:rPr lang="en-CA" dirty="0" smtClean="0"/>
               <a:t>Knowledge representation</a:t>
             </a:r>
-            <a:endParaRPr lang="en-CA" dirty="0" smtClean="0"/>
           </a:p>
           <a:p>
             <a:r>
               <a:rPr lang="en-CA" dirty="0" smtClean="0"/>
-              <a:t>Chapter 4 – </a:t>
-            </a:r>
-            <a:r>
-              <a:rPr lang="en-CA" dirty="0" smtClean="0"/>
-              <a:t>Algorithms: the basic methods</a:t>
+              <a:t>Chapter 4 – Algorithms: the basic methods</a:t>
             </a:r>
           </a:p>
           <a:p>
@@ -31209,27 +34703,18 @@
               <a:rPr lang="en-CA" dirty="0" smtClean="0"/>
               <a:t>Describe basic methods in simplified form</a:t>
             </a:r>
-            <a:endParaRPr lang="en-CA" dirty="0" smtClean="0"/>
           </a:p>
           <a:p>
             <a:r>
               <a:rPr lang="en-CA" dirty="0" smtClean="0"/>
-              <a:t>Chapter 5 – </a:t>
-            </a:r>
-            <a:r>
-              <a:rPr lang="en-CA" dirty="0" smtClean="0"/>
-              <a:t>Credibility: evaluating what’s been learned</a:t>
+              <a:t>Chapter 5 – Credibility: evaluating what’s been learned</a:t>
             </a:r>
           </a:p>
           <a:p>
             <a:pPr lvl="1"/>
             <a:r>
               <a:rPr lang="en-CA" dirty="0" smtClean="0"/>
-              <a:t>Need to be able to measure how well we ar</a:t>
-            </a:r>
-            <a:r>
-              <a:rPr lang="en-CA" dirty="0" smtClean="0"/>
-              <a:t>e doing</a:t>
+              <a:t>Need to be able to measure how well we are doing</a:t>
             </a:r>
             <a:endParaRPr lang="en-CA" dirty="0"/>
           </a:p>
@@ -31746,11 +35231,7 @@
           <a:p>
             <a:r>
               <a:rPr lang="en-CA" dirty="0" smtClean="0"/>
-              <a:t>Chapter 6 – trees and </a:t>
-            </a:r>
-            <a:r>
-              <a:rPr lang="en-CA" dirty="0" smtClean="0"/>
-              <a:t>rules</a:t>
+              <a:t>Chapter 6 – trees and rules</a:t>
             </a:r>
           </a:p>
           <a:p>
@@ -31759,24 +35240,11 @@
               <a:rPr lang="en-CA" dirty="0" smtClean="0"/>
               <a:t>Low level issues, complexities of putting into practice</a:t>
             </a:r>
-            <a:endParaRPr lang="en-CA" dirty="0" smtClean="0"/>
           </a:p>
           <a:p>
             <a:r>
               <a:rPr lang="en-CA" dirty="0" smtClean="0"/>
-              <a:t>Chapter 7 – </a:t>
-            </a:r>
-            <a:r>
-              <a:rPr lang="en-CA" dirty="0" smtClean="0"/>
-              <a:t>extending instance-based </a:t>
-            </a:r>
-            <a:r>
-              <a:rPr lang="en-CA" dirty="0" smtClean="0"/>
-              <a:t>and linear </a:t>
-            </a:r>
-            <a:r>
-              <a:rPr lang="en-CA" dirty="0" smtClean="0"/>
-              <a:t>models</a:t>
+              <a:t>Chapter 7 – extending instance-based and linear models</a:t>
             </a:r>
           </a:p>
           <a:p>
@@ -31785,16 +35253,11 @@
               <a:rPr lang="en-CA" dirty="0" smtClean="0"/>
               <a:t>Low level issues, complexities of putting into practice</a:t>
             </a:r>
-            <a:endParaRPr lang="en-CA" dirty="0" smtClean="0"/>
           </a:p>
           <a:p>
             <a:r>
               <a:rPr lang="en-CA" dirty="0" smtClean="0"/>
-              <a:t>Chapter 8 – Data </a:t>
-            </a:r>
-            <a:r>
-              <a:rPr lang="en-CA" dirty="0" smtClean="0"/>
-              <a:t>transformations</a:t>
+              <a:t>Chapter 8 – Data transformations</a:t>
             </a:r>
           </a:p>
           <a:p>
@@ -31803,16 +35266,11 @@
               <a:rPr lang="en-CA" dirty="0" smtClean="0"/>
               <a:t>Selecting and discretizing attributes</a:t>
             </a:r>
-            <a:endParaRPr lang="en-CA" dirty="0" smtClean="0"/>
           </a:p>
           <a:p>
             <a:r>
               <a:rPr lang="en-CA" dirty="0" smtClean="0"/>
-              <a:t>Loosely cover chapters 9, 10, </a:t>
-            </a:r>
-            <a:r>
-              <a:rPr lang="en-CA" dirty="0" smtClean="0"/>
-              <a:t>11</a:t>
+              <a:t>Loosely cover chapters 9, 10, 11</a:t>
             </a:r>
           </a:p>
           <a:p>
@@ -31821,14 +35279,12 @@
               <a:rPr lang="en-CA" dirty="0" smtClean="0"/>
               <a:t>Probabilistic methods (9), deep learning (10), semi-supervised (11) </a:t>
             </a:r>
-            <a:endParaRPr lang="en-CA" dirty="0" smtClean="0"/>
           </a:p>
           <a:p>
             <a:r>
               <a:rPr lang="en-CA" dirty="0" smtClean="0"/>
               <a:t>Chapter 12 – Ensemble learning </a:t>
             </a:r>
-            <a:endParaRPr lang="en-CA" dirty="0" smtClean="0"/>
           </a:p>
           <a:p>
             <a:pPr lvl="1"/>
@@ -32343,15 +35799,7 @@
           <a:p>
             <a:r>
               <a:rPr lang="en-CA" dirty="0" smtClean="0"/>
-              <a:t>This </a:t>
-            </a:r>
-            <a:r>
-              <a:rPr lang="en-CA" dirty="0" smtClean="0"/>
-              <a:t>course </a:t>
-            </a:r>
-            <a:r>
-              <a:rPr lang="en-CA" dirty="0" smtClean="0"/>
-              <a:t>is about machine learning techniques for data mining</a:t>
+              <a:t>This course is about machine learning techniques for data mining</a:t>
             </a:r>
           </a:p>
         </p:txBody>

--- a/Lecture_01.pptx
+++ b/Lecture_01.pptx
@@ -3139,13 +3139,8 @@
           <a:p>
             <a:r>
               <a:rPr lang="en-CA" dirty="0" smtClean="0"/>
-              <a:t>What form does the input take</a:t>
+              <a:t>What form does the input take?</a:t>
             </a:r>
-            <a:r>
-              <a:rPr lang="en-CA" dirty="0" smtClean="0"/>
-              <a:t>?</a:t>
-            </a:r>
-            <a:endParaRPr lang="en-CA" dirty="0" smtClean="0"/>
           </a:p>
         </p:txBody>
       </p:sp>
@@ -8537,7 +8532,11 @@
           <a:p>
             <a:r>
               <a:rPr lang="en-CA" dirty="0" smtClean="0"/>
-              <a:t>Structural description:</a:t>
+              <a:t>Structural </a:t>
+            </a:r>
+            <a:r>
+              <a:rPr lang="en-CA" dirty="0" smtClean="0"/>
+              <a:t>description (rules):</a:t>
             </a:r>
             <a:endParaRPr lang="en-CA" i="1" dirty="0" smtClean="0"/>
           </a:p>
@@ -13101,23 +13100,7 @@
                   <a:schemeClr val="bg1"/>
                 </a:solidFill>
               </a:rPr>
-              <a:t>Several </a:t>
-            </a:r>
-            <a:r>
-              <a:rPr lang="en-CA" dirty="0" smtClean="0">
-                <a:solidFill>
-                  <a:schemeClr val="bg1"/>
-                </a:solidFill>
-              </a:rPr>
-              <a:t>standard datasets we will come back to </a:t>
-            </a:r>
-            <a:r>
-              <a:rPr lang="en-CA" dirty="0" smtClean="0">
-                <a:solidFill>
-                  <a:schemeClr val="bg1"/>
-                </a:solidFill>
-              </a:rPr>
-              <a:t>repeatedly</a:t>
+              <a:t>Several standard datasets we will come back to repeatedly</a:t>
             </a:r>
           </a:p>
           <a:p>
@@ -13127,15 +13110,7 @@
                   <a:schemeClr val="bg1"/>
                 </a:solidFill>
               </a:rPr>
-              <a:t>We </a:t>
-            </a:r>
-            <a:r>
-              <a:rPr lang="en-CA" dirty="0" smtClean="0">
-                <a:solidFill>
-                  <a:schemeClr val="bg1"/>
-                </a:solidFill>
-              </a:rPr>
-              <a:t>can create a structural description of this dataset using a </a:t>
+              <a:t>We can create a structural description of this dataset using a </a:t>
             </a:r>
             <a:r>
               <a:rPr lang="en-CA" b="1" dirty="0" smtClean="0">
@@ -13151,21 +13126,8 @@
                   <a:schemeClr val="bg1"/>
                 </a:solidFill>
               </a:rPr>
-              <a:t>as follows</a:t>
+              <a:t>as follows:</a:t>
             </a:r>
-            <a:r>
-              <a:rPr lang="en-CA" dirty="0" smtClean="0">
-                <a:solidFill>
-                  <a:schemeClr val="bg1"/>
-                </a:solidFill>
-              </a:rPr>
-              <a:t>:</a:t>
-            </a:r>
-            <a:endParaRPr lang="en-CA" dirty="0" smtClean="0">
-              <a:solidFill>
-                <a:schemeClr val="bg1"/>
-              </a:solidFill>
-            </a:endParaRPr>
           </a:p>
           <a:p>
             <a:pPr>
@@ -16677,25 +16639,13 @@
           <a:p>
             <a:r>
               <a:rPr lang="en-CA" dirty="0" smtClean="0"/>
-              <a:t>Several </a:t>
-            </a:r>
-            <a:r>
-              <a:rPr lang="en-CA" dirty="0" smtClean="0"/>
-              <a:t>standard datasets we will come back to </a:t>
-            </a:r>
-            <a:r>
-              <a:rPr lang="en-CA" dirty="0" smtClean="0"/>
-              <a:t>repeatedly</a:t>
+              <a:t>Several standard datasets we will come back to repeatedly</a:t>
             </a:r>
           </a:p>
           <a:p>
             <a:r>
               <a:rPr lang="en-CA" dirty="0" smtClean="0"/>
-              <a:t>We </a:t>
-            </a:r>
-            <a:r>
-              <a:rPr lang="en-CA" dirty="0" smtClean="0"/>
-              <a:t>can create a structural description of this dataset using a </a:t>
+              <a:t>We can create a structural description of this dataset using a </a:t>
             </a:r>
             <a:r>
               <a:rPr lang="en-CA" b="1" dirty="0" smtClean="0"/>
@@ -16703,13 +16653,8 @@
             </a:r>
             <a:r>
               <a:rPr lang="en-CA" dirty="0" smtClean="0"/>
-              <a:t>as follows</a:t>
+              <a:t>as follows:</a:t>
             </a:r>
-            <a:r>
-              <a:rPr lang="en-CA" dirty="0" smtClean="0"/>
-              <a:t>:</a:t>
-            </a:r>
-            <a:endParaRPr lang="en-CA" dirty="0" smtClean="0"/>
           </a:p>
           <a:p>
             <a:pPr>
@@ -31349,8 +31294,17 @@
           <a:p>
             <a:r>
               <a:rPr lang="en-CA" dirty="0" smtClean="0"/>
-              <a:t>Assignments, Midterm, Final Project</a:t>
+              <a:t>Assignments (45%), Midterm (25%), </a:t>
             </a:r>
+            <a:r>
+              <a:rPr lang="en-CA" dirty="0" smtClean="0"/>
+              <a:t>Final </a:t>
+            </a:r>
+            <a:r>
+              <a:rPr lang="en-CA" dirty="0" smtClean="0"/>
+              <a:t>Project (30%)</a:t>
+            </a:r>
+            <a:endParaRPr lang="en-CA" dirty="0" smtClean="0"/>
           </a:p>
           <a:p>
             <a:r>
@@ -33572,7 +33526,15 @@
           <a:p>
             <a:r>
               <a:rPr lang="en-CA" dirty="0" smtClean="0"/>
-              <a:t>Develop intuition about data</a:t>
+              <a:t>Develop intuition </a:t>
+            </a:r>
+            <a:r>
+              <a:rPr lang="en-CA" dirty="0" smtClean="0"/>
+              <a:t>for </a:t>
+            </a:r>
+            <a:r>
+              <a:rPr lang="en-CA" dirty="0" smtClean="0"/>
+              <a:t>data</a:t>
             </a:r>
           </a:p>
           <a:p>
